--- a/tex-diploma-template-main/Метод прогнозирования итогов приёма в вузы России на основе агентного моделирования.pptx
+++ b/tex-diploma-template-main/Метод прогнозирования итогов приёма в вузы России на основе агентного моделирования.pptx
@@ -1,13 +1,28 @@
 
 <file path=ppt/presentation.xml><?xml version="1.0" encoding="utf-8"?>
-<p:presentation xmlns:a="http://schemas.openxmlformats.org/drawingml/2006/main" xmlns:r="http://schemas.openxmlformats.org/officeDocument/2006/relationships" xmlns:p="http://schemas.openxmlformats.org/presentationml/2006/main" saveSubsetFonts="1">
+<p:presentation xmlns:a="http://schemas.openxmlformats.org/drawingml/2006/main" xmlns:r="http://schemas.openxmlformats.org/officeDocument/2006/relationships" xmlns:p="http://schemas.openxmlformats.org/presentationml/2006/main" showSpecialPlsOnTitleSld="0" saveSubsetFonts="1">
   <p:sldMasterIdLst>
     <p:sldMasterId id="2147483648" r:id="rId1"/>
   </p:sldMasterIdLst>
+  <p:notesMasterIdLst>
+    <p:notesMasterId r:id="rId17"/>
+  </p:notesMasterIdLst>
   <p:sldIdLst>
     <p:sldId id="256" r:id="rId2"/>
     <p:sldId id="257" r:id="rId3"/>
     <p:sldId id="259" r:id="rId4"/>
+    <p:sldId id="260" r:id="rId5"/>
+    <p:sldId id="261" r:id="rId6"/>
+    <p:sldId id="264" r:id="rId7"/>
+    <p:sldId id="269" r:id="rId8"/>
+    <p:sldId id="262" r:id="rId9"/>
+    <p:sldId id="263" r:id="rId10"/>
+    <p:sldId id="265" r:id="rId11"/>
+    <p:sldId id="267" r:id="rId12"/>
+    <p:sldId id="266" r:id="rId13"/>
+    <p:sldId id="268" r:id="rId14"/>
+    <p:sldId id="270" r:id="rId15"/>
+    <p:sldId id="271" r:id="rId16"/>
   </p:sldIdLst>
   <p:sldSz cx="12192000" cy="6858000"/>
   <p:notesSz cx="6858000" cy="9144000"/>
@@ -108,7 +123,7 @@
   </p:defaultTextStyle>
   <p:extLst>
     <p:ext uri="{EFAFB233-063F-42B5-8137-9DF3F51BA10A}">
-      <p15:sldGuideLst xmlns:p15="http://schemas.microsoft.com/office/powerpoint/2012/main" xmlns="">
+      <p15:sldGuideLst xmlns:p15="http://schemas.microsoft.com/office/powerpoint/2012/main">
         <p15:guide id="1" orient="horz" pos="2160" userDrawn="1">
           <p15:clr>
             <a:srgbClr val="A4A3A4"/>
@@ -123,6 +138,439 @@
     </p:ext>
   </p:extLst>
 </p:presentation>
+</file>
+
+<file path=ppt/notesMasters/notesMaster1.xml><?xml version="1.0" encoding="utf-8"?>
+<p:notesMaster xmlns:a="http://schemas.openxmlformats.org/drawingml/2006/main" xmlns:r="http://schemas.openxmlformats.org/officeDocument/2006/relationships" xmlns:p="http://schemas.openxmlformats.org/presentationml/2006/main">
+  <p:cSld>
+    <p:bg>
+      <p:bgRef idx="1001">
+        <a:schemeClr val="bg1"/>
+      </p:bgRef>
+    </p:bg>
+    <p:spTree>
+      <p:nvGrpSpPr>
+        <p:cNvPr id="1" name=""/>
+        <p:cNvGrpSpPr/>
+        <p:nvPr/>
+      </p:nvGrpSpPr>
+      <p:grpSpPr>
+        <a:xfrm>
+          <a:off x="0" y="0"/>
+          <a:ext cx="0" cy="0"/>
+          <a:chOff x="0" y="0"/>
+          <a:chExt cx="0" cy="0"/>
+        </a:xfrm>
+      </p:grpSpPr>
+      <p:sp>
+        <p:nvSpPr>
+          <p:cNvPr id="2" name="Верхний колонтитул 1"/>
+          <p:cNvSpPr>
+            <a:spLocks noGrp="1"/>
+          </p:cNvSpPr>
+          <p:nvPr>
+            <p:ph type="hdr" sz="quarter"/>
+          </p:nvPr>
+        </p:nvSpPr>
+        <p:spPr>
+          <a:xfrm>
+            <a:off x="0" y="0"/>
+            <a:ext cx="2971800" cy="458788"/>
+          </a:xfrm>
+          <a:prstGeom prst="rect">
+            <a:avLst/>
+          </a:prstGeom>
+        </p:spPr>
+        <p:txBody>
+          <a:bodyPr vert="horz" lIns="91440" tIns="45720" rIns="91440" bIns="45720" rtlCol="0"/>
+          <a:lstStyle>
+            <a:lvl1pPr algn="l">
+              <a:defRPr sz="1200"/>
+            </a:lvl1pPr>
+          </a:lstStyle>
+          <a:p>
+            <a:endParaRPr lang="ru-RU"/>
+          </a:p>
+        </p:txBody>
+      </p:sp>
+      <p:sp>
+        <p:nvSpPr>
+          <p:cNvPr id="3" name="Дата 2"/>
+          <p:cNvSpPr>
+            <a:spLocks noGrp="1"/>
+          </p:cNvSpPr>
+          <p:nvPr>
+            <p:ph type="dt" idx="1"/>
+          </p:nvPr>
+        </p:nvSpPr>
+        <p:spPr>
+          <a:xfrm>
+            <a:off x="3884613" y="0"/>
+            <a:ext cx="2971800" cy="458788"/>
+          </a:xfrm>
+          <a:prstGeom prst="rect">
+            <a:avLst/>
+          </a:prstGeom>
+        </p:spPr>
+        <p:txBody>
+          <a:bodyPr vert="horz" lIns="91440" tIns="45720" rIns="91440" bIns="45720" rtlCol="0"/>
+          <a:lstStyle>
+            <a:lvl1pPr algn="r">
+              <a:defRPr sz="1200"/>
+            </a:lvl1pPr>
+          </a:lstStyle>
+          <a:p>
+            <a:fld id="{34AD9A25-C0B7-1E4E-9641-3E9C78826FA0}" type="datetimeFigureOut">
+              <a:rPr lang="ru-RU" smtClean="0"/>
+              <a:t>29.05.2022</a:t>
+            </a:fld>
+            <a:endParaRPr lang="ru-RU"/>
+          </a:p>
+        </p:txBody>
+      </p:sp>
+      <p:sp>
+        <p:nvSpPr>
+          <p:cNvPr id="4" name="Образ слайда 3"/>
+          <p:cNvSpPr>
+            <a:spLocks noGrp="1" noRot="1" noChangeAspect="1"/>
+          </p:cNvSpPr>
+          <p:nvPr>
+            <p:ph type="sldImg" idx="2"/>
+          </p:nvPr>
+        </p:nvSpPr>
+        <p:spPr>
+          <a:xfrm>
+            <a:off x="685800" y="1143000"/>
+            <a:ext cx="5486400" cy="3086100"/>
+          </a:xfrm>
+          <a:prstGeom prst="rect">
+            <a:avLst/>
+          </a:prstGeom>
+          <a:noFill/>
+          <a:ln w="12700">
+            <a:solidFill>
+              <a:prstClr val="black"/>
+            </a:solidFill>
+          </a:ln>
+        </p:spPr>
+        <p:txBody>
+          <a:bodyPr vert="horz" lIns="91440" tIns="45720" rIns="91440" bIns="45720" rtlCol="0" anchor="ctr"/>
+          <a:lstStyle/>
+          <a:p>
+            <a:endParaRPr lang="ru-RU"/>
+          </a:p>
+        </p:txBody>
+      </p:sp>
+      <p:sp>
+        <p:nvSpPr>
+          <p:cNvPr id="5" name="Заметки 4"/>
+          <p:cNvSpPr>
+            <a:spLocks noGrp="1"/>
+          </p:cNvSpPr>
+          <p:nvPr>
+            <p:ph type="body" sz="quarter" idx="3"/>
+          </p:nvPr>
+        </p:nvSpPr>
+        <p:spPr>
+          <a:xfrm>
+            <a:off x="685800" y="4400550"/>
+            <a:ext cx="5486400" cy="3600450"/>
+          </a:xfrm>
+          <a:prstGeom prst="rect">
+            <a:avLst/>
+          </a:prstGeom>
+        </p:spPr>
+        <p:txBody>
+          <a:bodyPr vert="horz" lIns="91440" tIns="45720" rIns="91440" bIns="45720" rtlCol="0"/>
+          <a:lstStyle/>
+          <a:p>
+            <a:pPr lvl="0"/>
+            <a:r>
+              <a:rPr lang="ru-RU"/>
+              <a:t>Образец текста</a:t>
+            </a:r>
+          </a:p>
+          <a:p>
+            <a:pPr lvl="1"/>
+            <a:r>
+              <a:rPr lang="ru-RU"/>
+              <a:t>Второй уровень</a:t>
+            </a:r>
+          </a:p>
+          <a:p>
+            <a:pPr lvl="2"/>
+            <a:r>
+              <a:rPr lang="ru-RU"/>
+              <a:t>Третий уровень</a:t>
+            </a:r>
+          </a:p>
+          <a:p>
+            <a:pPr lvl="3"/>
+            <a:r>
+              <a:rPr lang="ru-RU"/>
+              <a:t>Четвертый уровень</a:t>
+            </a:r>
+          </a:p>
+          <a:p>
+            <a:pPr lvl="4"/>
+            <a:r>
+              <a:rPr lang="ru-RU"/>
+              <a:t>Пятый уровень</a:t>
+            </a:r>
+          </a:p>
+        </p:txBody>
+      </p:sp>
+      <p:sp>
+        <p:nvSpPr>
+          <p:cNvPr id="6" name="Нижний колонтитул 5"/>
+          <p:cNvSpPr>
+            <a:spLocks noGrp="1"/>
+          </p:cNvSpPr>
+          <p:nvPr>
+            <p:ph type="ftr" sz="quarter" idx="4"/>
+          </p:nvPr>
+        </p:nvSpPr>
+        <p:spPr>
+          <a:xfrm>
+            <a:off x="0" y="8685213"/>
+            <a:ext cx="2971800" cy="458787"/>
+          </a:xfrm>
+          <a:prstGeom prst="rect">
+            <a:avLst/>
+          </a:prstGeom>
+        </p:spPr>
+        <p:txBody>
+          <a:bodyPr vert="horz" lIns="91440" tIns="45720" rIns="91440" bIns="45720" rtlCol="0" anchor="b"/>
+          <a:lstStyle>
+            <a:lvl1pPr algn="l">
+              <a:defRPr sz="1200"/>
+            </a:lvl1pPr>
+          </a:lstStyle>
+          <a:p>
+            <a:endParaRPr lang="ru-RU"/>
+          </a:p>
+        </p:txBody>
+      </p:sp>
+      <p:sp>
+        <p:nvSpPr>
+          <p:cNvPr id="7" name="Номер слайда 6"/>
+          <p:cNvSpPr>
+            <a:spLocks noGrp="1"/>
+          </p:cNvSpPr>
+          <p:nvPr>
+            <p:ph type="sldNum" sz="quarter" idx="5"/>
+          </p:nvPr>
+        </p:nvSpPr>
+        <p:spPr>
+          <a:xfrm>
+            <a:off x="3884613" y="8685213"/>
+            <a:ext cx="2971800" cy="458787"/>
+          </a:xfrm>
+          <a:prstGeom prst="rect">
+            <a:avLst/>
+          </a:prstGeom>
+        </p:spPr>
+        <p:txBody>
+          <a:bodyPr vert="horz" lIns="91440" tIns="45720" rIns="91440" bIns="45720" rtlCol="0" anchor="b"/>
+          <a:lstStyle>
+            <a:lvl1pPr algn="r">
+              <a:defRPr sz="1200"/>
+            </a:lvl1pPr>
+          </a:lstStyle>
+          <a:p>
+            <a:fld id="{4711D1B6-B90A-4A47-AE3A-C70A78AE92D2}" type="slidenum">
+              <a:rPr lang="ru-RU" smtClean="0"/>
+              <a:t>‹#›</a:t>
+            </a:fld>
+            <a:endParaRPr lang="ru-RU"/>
+          </a:p>
+        </p:txBody>
+      </p:sp>
+    </p:spTree>
+    <p:extLst>
+      <p:ext uri="{BB962C8B-B14F-4D97-AF65-F5344CB8AC3E}">
+        <p14:creationId xmlns:p14="http://schemas.microsoft.com/office/powerpoint/2010/main" val="2316508140"/>
+      </p:ext>
+    </p:extLst>
+  </p:cSld>
+  <p:clrMap bg1="lt1" tx1="dk1" bg2="lt2" tx2="dk2" accent1="accent1" accent2="accent2" accent3="accent3" accent4="accent4" accent5="accent5" accent6="accent6" hlink="hlink" folHlink="folHlink"/>
+  <p:notesStyle>
+    <a:lvl1pPr marL="0" algn="l" defTabSz="914400" rtl="0" eaLnBrk="1" latinLnBrk="0" hangingPunct="1">
+      <a:defRPr sz="1200" kern="1200">
+        <a:solidFill>
+          <a:schemeClr val="tx1"/>
+        </a:solidFill>
+        <a:latin typeface="+mn-lt"/>
+        <a:ea typeface="+mn-ea"/>
+        <a:cs typeface="+mn-cs"/>
+      </a:defRPr>
+    </a:lvl1pPr>
+    <a:lvl2pPr marL="457200" algn="l" defTabSz="914400" rtl="0" eaLnBrk="1" latinLnBrk="0" hangingPunct="1">
+      <a:defRPr sz="1200" kern="1200">
+        <a:solidFill>
+          <a:schemeClr val="tx1"/>
+        </a:solidFill>
+        <a:latin typeface="+mn-lt"/>
+        <a:ea typeface="+mn-ea"/>
+        <a:cs typeface="+mn-cs"/>
+      </a:defRPr>
+    </a:lvl2pPr>
+    <a:lvl3pPr marL="914400" algn="l" defTabSz="914400" rtl="0" eaLnBrk="1" latinLnBrk="0" hangingPunct="1">
+      <a:defRPr sz="1200" kern="1200">
+        <a:solidFill>
+          <a:schemeClr val="tx1"/>
+        </a:solidFill>
+        <a:latin typeface="+mn-lt"/>
+        <a:ea typeface="+mn-ea"/>
+        <a:cs typeface="+mn-cs"/>
+      </a:defRPr>
+    </a:lvl3pPr>
+    <a:lvl4pPr marL="1371600" algn="l" defTabSz="914400" rtl="0" eaLnBrk="1" latinLnBrk="0" hangingPunct="1">
+      <a:defRPr sz="1200" kern="1200">
+        <a:solidFill>
+          <a:schemeClr val="tx1"/>
+        </a:solidFill>
+        <a:latin typeface="+mn-lt"/>
+        <a:ea typeface="+mn-ea"/>
+        <a:cs typeface="+mn-cs"/>
+      </a:defRPr>
+    </a:lvl4pPr>
+    <a:lvl5pPr marL="1828800" algn="l" defTabSz="914400" rtl="0" eaLnBrk="1" latinLnBrk="0" hangingPunct="1">
+      <a:defRPr sz="1200" kern="1200">
+        <a:solidFill>
+          <a:schemeClr val="tx1"/>
+        </a:solidFill>
+        <a:latin typeface="+mn-lt"/>
+        <a:ea typeface="+mn-ea"/>
+        <a:cs typeface="+mn-cs"/>
+      </a:defRPr>
+    </a:lvl5pPr>
+    <a:lvl6pPr marL="2286000" algn="l" defTabSz="914400" rtl="0" eaLnBrk="1" latinLnBrk="0" hangingPunct="1">
+      <a:defRPr sz="1200" kern="1200">
+        <a:solidFill>
+          <a:schemeClr val="tx1"/>
+        </a:solidFill>
+        <a:latin typeface="+mn-lt"/>
+        <a:ea typeface="+mn-ea"/>
+        <a:cs typeface="+mn-cs"/>
+      </a:defRPr>
+    </a:lvl6pPr>
+    <a:lvl7pPr marL="2743200" algn="l" defTabSz="914400" rtl="0" eaLnBrk="1" latinLnBrk="0" hangingPunct="1">
+      <a:defRPr sz="1200" kern="1200">
+        <a:solidFill>
+          <a:schemeClr val="tx1"/>
+        </a:solidFill>
+        <a:latin typeface="+mn-lt"/>
+        <a:ea typeface="+mn-ea"/>
+        <a:cs typeface="+mn-cs"/>
+      </a:defRPr>
+    </a:lvl7pPr>
+    <a:lvl8pPr marL="3200400" algn="l" defTabSz="914400" rtl="0" eaLnBrk="1" latinLnBrk="0" hangingPunct="1">
+      <a:defRPr sz="1200" kern="1200">
+        <a:solidFill>
+          <a:schemeClr val="tx1"/>
+        </a:solidFill>
+        <a:latin typeface="+mn-lt"/>
+        <a:ea typeface="+mn-ea"/>
+        <a:cs typeface="+mn-cs"/>
+      </a:defRPr>
+    </a:lvl8pPr>
+    <a:lvl9pPr marL="3657600" algn="l" defTabSz="914400" rtl="0" eaLnBrk="1" latinLnBrk="0" hangingPunct="1">
+      <a:defRPr sz="1200" kern="1200">
+        <a:solidFill>
+          <a:schemeClr val="tx1"/>
+        </a:solidFill>
+        <a:latin typeface="+mn-lt"/>
+        <a:ea typeface="+mn-ea"/>
+        <a:cs typeface="+mn-cs"/>
+      </a:defRPr>
+    </a:lvl9pPr>
+  </p:notesStyle>
+</p:notesMaster>
+</file>
+
+<file path=ppt/notesSlides/notesSlide1.xml><?xml version="1.0" encoding="utf-8"?>
+<p:notes xmlns:a="http://schemas.openxmlformats.org/drawingml/2006/main" xmlns:r="http://schemas.openxmlformats.org/officeDocument/2006/relationships" xmlns:p="http://schemas.openxmlformats.org/presentationml/2006/main">
+  <p:cSld>
+    <p:spTree>
+      <p:nvGrpSpPr>
+        <p:cNvPr id="1" name=""/>
+        <p:cNvGrpSpPr/>
+        <p:nvPr/>
+      </p:nvGrpSpPr>
+      <p:grpSpPr>
+        <a:xfrm>
+          <a:off x="0" y="0"/>
+          <a:ext cx="0" cy="0"/>
+          <a:chOff x="0" y="0"/>
+          <a:chExt cx="0" cy="0"/>
+        </a:xfrm>
+      </p:grpSpPr>
+      <p:sp>
+        <p:nvSpPr>
+          <p:cNvPr id="2" name="Образ слайда 1"/>
+          <p:cNvSpPr>
+            <a:spLocks noGrp="1" noRot="1" noChangeAspect="1"/>
+          </p:cNvSpPr>
+          <p:nvPr>
+            <p:ph type="sldImg"/>
+          </p:nvPr>
+        </p:nvSpPr>
+        <p:spPr/>
+      </p:sp>
+      <p:sp>
+        <p:nvSpPr>
+          <p:cNvPr id="3" name="Заметки 2"/>
+          <p:cNvSpPr>
+            <a:spLocks noGrp="1"/>
+          </p:cNvSpPr>
+          <p:nvPr>
+            <p:ph type="body" idx="1"/>
+          </p:nvPr>
+        </p:nvSpPr>
+        <p:spPr/>
+        <p:txBody>
+          <a:bodyPr/>
+          <a:lstStyle/>
+          <a:p>
+            <a:endParaRPr lang="ru-RU"/>
+          </a:p>
+        </p:txBody>
+      </p:sp>
+      <p:sp>
+        <p:nvSpPr>
+          <p:cNvPr id="4" name="Номер слайда 3"/>
+          <p:cNvSpPr>
+            <a:spLocks noGrp="1"/>
+          </p:cNvSpPr>
+          <p:nvPr>
+            <p:ph type="sldNum" sz="quarter" idx="5"/>
+          </p:nvPr>
+        </p:nvSpPr>
+        <p:spPr/>
+        <p:txBody>
+          <a:bodyPr/>
+          <a:lstStyle/>
+          <a:p>
+            <a:fld id="{4711D1B6-B90A-4A47-AE3A-C70A78AE92D2}" type="slidenum">
+              <a:rPr lang="ru-RU" smtClean="0"/>
+              <a:t>3</a:t>
+            </a:fld>
+            <a:endParaRPr lang="ru-RU"/>
+          </a:p>
+        </p:txBody>
+      </p:sp>
+    </p:spTree>
+    <p:extLst>
+      <p:ext uri="{BB962C8B-B14F-4D97-AF65-F5344CB8AC3E}">
+        <p14:creationId xmlns:p14="http://schemas.microsoft.com/office/powerpoint/2010/main" val="3917743120"/>
+      </p:ext>
+    </p:extLst>
+  </p:cSld>
+  <p:clrMapOvr>
+    <a:masterClrMapping/>
+  </p:clrMapOvr>
+</p:notes>
 </file>
 
 <file path=ppt/slideLayouts/slideLayout1.xml><?xml version="1.0" encoding="utf-8"?>
@@ -167,10 +615,9 @@
           </a:lstStyle>
           <a:p>
             <a:r>
-              <a:rPr lang="ru-RU" smtClean="0"/>
+              <a:rPr lang="ru-RU"/>
               <a:t>Образец заголовка</a:t>
             </a:r>
-            <a:endParaRPr lang="ru-RU"/>
           </a:p>
         </p:txBody>
       </p:sp>
@@ -232,32 +679,30 @@
           </a:lstStyle>
           <a:p>
             <a:r>
+              <a:rPr lang="ru-RU"/>
+              <a:t>Образец подзаголовка</a:t>
+            </a:r>
+          </a:p>
+        </p:txBody>
+      </p:sp>
+      <p:sp>
+        <p:nvSpPr>
+          <p:cNvPr id="4" name="Дата 3"/>
+          <p:cNvSpPr>
+            <a:spLocks noGrp="1"/>
+          </p:cNvSpPr>
+          <p:nvPr>
+            <p:ph type="dt" sz="half" idx="10"/>
+          </p:nvPr>
+        </p:nvSpPr>
+        <p:spPr/>
+        <p:txBody>
+          <a:bodyPr/>
+          <a:lstStyle/>
+          <a:p>
+            <a:fld id="{16C289C3-CB64-5C4A-B77D-82FCF9A19D95}" type="datetime1">
               <a:rPr lang="ru-RU" smtClean="0"/>
-              <a:t>Образец подзаголовка</a:t>
-            </a:r>
-            <a:endParaRPr lang="ru-RU"/>
-          </a:p>
-        </p:txBody>
-      </p:sp>
-      <p:sp>
-        <p:nvSpPr>
-          <p:cNvPr id="4" name="Дата 3"/>
-          <p:cNvSpPr>
-            <a:spLocks noGrp="1"/>
-          </p:cNvSpPr>
-          <p:nvPr>
-            <p:ph type="dt" sz="half" idx="10"/>
-          </p:nvPr>
-        </p:nvSpPr>
-        <p:spPr/>
-        <p:txBody>
-          <a:bodyPr/>
-          <a:lstStyle/>
-          <a:p>
-            <a:fld id="{9297BB07-2947-4A55-A6BD-D241D1A68844}" type="datetimeFigureOut">
-              <a:rPr lang="ru-RU" smtClean="0"/>
-              <a:pPr/>
-              <a:t>03.04.2022</a:t>
+              <a:t>29.05.2022</a:t>
             </a:fld>
             <a:endParaRPr lang="ru-RU"/>
           </a:p>
@@ -309,7 +754,7 @@
     </p:spTree>
     <p:extLst>
       <p:ext uri="{BB962C8B-B14F-4D97-AF65-F5344CB8AC3E}">
-        <p14:creationId xmlns:p14="http://schemas.microsoft.com/office/powerpoint/2010/main" xmlns="" val="3553813479"/>
+        <p14:creationId xmlns:p14="http://schemas.microsoft.com/office/powerpoint/2010/main" val="3553813479"/>
       </p:ext>
     </p:extLst>
   </p:cSld>
@@ -352,84 +797,81 @@
           <a:lstStyle/>
           <a:p>
             <a:r>
+              <a:rPr lang="ru-RU"/>
+              <a:t>Образец заголовка</a:t>
+            </a:r>
+          </a:p>
+        </p:txBody>
+      </p:sp>
+      <p:sp>
+        <p:nvSpPr>
+          <p:cNvPr id="3" name="Вертикальный текст 2"/>
+          <p:cNvSpPr>
+            <a:spLocks noGrp="1"/>
+          </p:cNvSpPr>
+          <p:nvPr>
+            <p:ph type="body" orient="vert" idx="1"/>
+          </p:nvPr>
+        </p:nvSpPr>
+        <p:spPr/>
+        <p:txBody>
+          <a:bodyPr vert="eaVert"/>
+          <a:lstStyle/>
+          <a:p>
+            <a:pPr lvl="0"/>
+            <a:r>
+              <a:rPr lang="ru-RU"/>
+              <a:t>Образец текста</a:t>
+            </a:r>
+          </a:p>
+          <a:p>
+            <a:pPr lvl="1"/>
+            <a:r>
+              <a:rPr lang="ru-RU"/>
+              <a:t>Второй уровень</a:t>
+            </a:r>
+          </a:p>
+          <a:p>
+            <a:pPr lvl="2"/>
+            <a:r>
+              <a:rPr lang="ru-RU"/>
+              <a:t>Третий уровень</a:t>
+            </a:r>
+          </a:p>
+          <a:p>
+            <a:pPr lvl="3"/>
+            <a:r>
+              <a:rPr lang="ru-RU"/>
+              <a:t>Четвертый уровень</a:t>
+            </a:r>
+          </a:p>
+          <a:p>
+            <a:pPr lvl="4"/>
+            <a:r>
+              <a:rPr lang="ru-RU"/>
+              <a:t>Пятый уровень</a:t>
+            </a:r>
+          </a:p>
+        </p:txBody>
+      </p:sp>
+      <p:sp>
+        <p:nvSpPr>
+          <p:cNvPr id="4" name="Дата 3"/>
+          <p:cNvSpPr>
+            <a:spLocks noGrp="1"/>
+          </p:cNvSpPr>
+          <p:nvPr>
+            <p:ph type="dt" sz="half" idx="10"/>
+          </p:nvPr>
+        </p:nvSpPr>
+        <p:spPr/>
+        <p:txBody>
+          <a:bodyPr/>
+          <a:lstStyle/>
+          <a:p>
+            <a:fld id="{79ECA59D-710E-DC48-9B5B-04E50C561BEB}" type="datetime1">
               <a:rPr lang="ru-RU" smtClean="0"/>
-              <a:t>Образец заголовка</a:t>
-            </a:r>
-            <a:endParaRPr lang="ru-RU"/>
-          </a:p>
-        </p:txBody>
-      </p:sp>
-      <p:sp>
-        <p:nvSpPr>
-          <p:cNvPr id="3" name="Вертикальный текст 2"/>
-          <p:cNvSpPr>
-            <a:spLocks noGrp="1"/>
-          </p:cNvSpPr>
-          <p:nvPr>
-            <p:ph type="body" orient="vert" idx="1"/>
-          </p:nvPr>
-        </p:nvSpPr>
-        <p:spPr/>
-        <p:txBody>
-          <a:bodyPr vert="eaVert"/>
-          <a:lstStyle/>
-          <a:p>
-            <a:pPr lvl="0"/>
-            <a:r>
-              <a:rPr lang="ru-RU" smtClean="0"/>
-              <a:t>Образец текста</a:t>
-            </a:r>
-          </a:p>
-          <a:p>
-            <a:pPr lvl="1"/>
-            <a:r>
-              <a:rPr lang="ru-RU" smtClean="0"/>
-              <a:t>Второй уровень</a:t>
-            </a:r>
-          </a:p>
-          <a:p>
-            <a:pPr lvl="2"/>
-            <a:r>
-              <a:rPr lang="ru-RU" smtClean="0"/>
-              <a:t>Третий уровень</a:t>
-            </a:r>
-          </a:p>
-          <a:p>
-            <a:pPr lvl="3"/>
-            <a:r>
-              <a:rPr lang="ru-RU" smtClean="0"/>
-              <a:t>Четвертый уровень</a:t>
-            </a:r>
-          </a:p>
-          <a:p>
-            <a:pPr lvl="4"/>
-            <a:r>
-              <a:rPr lang="ru-RU" smtClean="0"/>
-              <a:t>Пятый уровень</a:t>
-            </a:r>
-            <a:endParaRPr lang="ru-RU"/>
-          </a:p>
-        </p:txBody>
-      </p:sp>
-      <p:sp>
-        <p:nvSpPr>
-          <p:cNvPr id="4" name="Дата 3"/>
-          <p:cNvSpPr>
-            <a:spLocks noGrp="1"/>
-          </p:cNvSpPr>
-          <p:nvPr>
-            <p:ph type="dt" sz="half" idx="10"/>
-          </p:nvPr>
-        </p:nvSpPr>
-        <p:spPr/>
-        <p:txBody>
-          <a:bodyPr/>
-          <a:lstStyle/>
-          <a:p>
-            <a:fld id="{9297BB07-2947-4A55-A6BD-D241D1A68844}" type="datetimeFigureOut">
-              <a:rPr lang="ru-RU" smtClean="0"/>
-              <a:pPr/>
-              <a:t>03.04.2022</a:t>
+              <a:t>29.05.2022</a:t>
             </a:fld>
             <a:endParaRPr lang="ru-RU"/>
           </a:p>
@@ -481,7 +923,7 @@
     </p:spTree>
     <p:extLst>
       <p:ext uri="{BB962C8B-B14F-4D97-AF65-F5344CB8AC3E}">
-        <p14:creationId xmlns:p14="http://schemas.microsoft.com/office/powerpoint/2010/main" xmlns="" val="3089362802"/>
+        <p14:creationId xmlns:p14="http://schemas.microsoft.com/office/powerpoint/2010/main" val="3089362802"/>
       </p:ext>
     </p:extLst>
   </p:cSld>
@@ -529,10 +971,9 @@
           <a:lstStyle/>
           <a:p>
             <a:r>
-              <a:rPr lang="ru-RU" smtClean="0"/>
+              <a:rPr lang="ru-RU"/>
               <a:t>Образец заголовка</a:t>
             </a:r>
-            <a:endParaRPr lang="ru-RU"/>
           </a:p>
         </p:txBody>
       </p:sp>
@@ -558,60 +999,58 @@
           <a:p>
             <a:pPr lvl="0"/>
             <a:r>
+              <a:rPr lang="ru-RU"/>
+              <a:t>Образец текста</a:t>
+            </a:r>
+          </a:p>
+          <a:p>
+            <a:pPr lvl="1"/>
+            <a:r>
+              <a:rPr lang="ru-RU"/>
+              <a:t>Второй уровень</a:t>
+            </a:r>
+          </a:p>
+          <a:p>
+            <a:pPr lvl="2"/>
+            <a:r>
+              <a:rPr lang="ru-RU"/>
+              <a:t>Третий уровень</a:t>
+            </a:r>
+          </a:p>
+          <a:p>
+            <a:pPr lvl="3"/>
+            <a:r>
+              <a:rPr lang="ru-RU"/>
+              <a:t>Четвертый уровень</a:t>
+            </a:r>
+          </a:p>
+          <a:p>
+            <a:pPr lvl="4"/>
+            <a:r>
+              <a:rPr lang="ru-RU"/>
+              <a:t>Пятый уровень</a:t>
+            </a:r>
+          </a:p>
+        </p:txBody>
+      </p:sp>
+      <p:sp>
+        <p:nvSpPr>
+          <p:cNvPr id="4" name="Дата 3"/>
+          <p:cNvSpPr>
+            <a:spLocks noGrp="1"/>
+          </p:cNvSpPr>
+          <p:nvPr>
+            <p:ph type="dt" sz="half" idx="10"/>
+          </p:nvPr>
+        </p:nvSpPr>
+        <p:spPr/>
+        <p:txBody>
+          <a:bodyPr/>
+          <a:lstStyle/>
+          <a:p>
+            <a:fld id="{754615A2-0723-7442-99C1-709556D2A307}" type="datetime1">
               <a:rPr lang="ru-RU" smtClean="0"/>
-              <a:t>Образец текста</a:t>
-            </a:r>
-          </a:p>
-          <a:p>
-            <a:pPr lvl="1"/>
-            <a:r>
-              <a:rPr lang="ru-RU" smtClean="0"/>
-              <a:t>Второй уровень</a:t>
-            </a:r>
-          </a:p>
-          <a:p>
-            <a:pPr lvl="2"/>
-            <a:r>
-              <a:rPr lang="ru-RU" smtClean="0"/>
-              <a:t>Третий уровень</a:t>
-            </a:r>
-          </a:p>
-          <a:p>
-            <a:pPr lvl="3"/>
-            <a:r>
-              <a:rPr lang="ru-RU" smtClean="0"/>
-              <a:t>Четвертый уровень</a:t>
-            </a:r>
-          </a:p>
-          <a:p>
-            <a:pPr lvl="4"/>
-            <a:r>
-              <a:rPr lang="ru-RU" smtClean="0"/>
-              <a:t>Пятый уровень</a:t>
-            </a:r>
-            <a:endParaRPr lang="ru-RU"/>
-          </a:p>
-        </p:txBody>
-      </p:sp>
-      <p:sp>
-        <p:nvSpPr>
-          <p:cNvPr id="4" name="Дата 3"/>
-          <p:cNvSpPr>
-            <a:spLocks noGrp="1"/>
-          </p:cNvSpPr>
-          <p:nvPr>
-            <p:ph type="dt" sz="half" idx="10"/>
-          </p:nvPr>
-        </p:nvSpPr>
-        <p:spPr/>
-        <p:txBody>
-          <a:bodyPr/>
-          <a:lstStyle/>
-          <a:p>
-            <a:fld id="{9297BB07-2947-4A55-A6BD-D241D1A68844}" type="datetimeFigureOut">
-              <a:rPr lang="ru-RU" smtClean="0"/>
-              <a:pPr/>
-              <a:t>03.04.2022</a:t>
+              <a:t>29.05.2022</a:t>
             </a:fld>
             <a:endParaRPr lang="ru-RU"/>
           </a:p>
@@ -663,7 +1102,7 @@
     </p:spTree>
     <p:extLst>
       <p:ext uri="{BB962C8B-B14F-4D97-AF65-F5344CB8AC3E}">
-        <p14:creationId xmlns:p14="http://schemas.microsoft.com/office/powerpoint/2010/main" xmlns="" val="868149192"/>
+        <p14:creationId xmlns:p14="http://schemas.microsoft.com/office/powerpoint/2010/main" val="868149192"/>
       </p:ext>
     </p:extLst>
   </p:cSld>
@@ -706,84 +1145,81 @@
           <a:lstStyle/>
           <a:p>
             <a:r>
+              <a:rPr lang="ru-RU"/>
+              <a:t>Образец заголовка</a:t>
+            </a:r>
+          </a:p>
+        </p:txBody>
+      </p:sp>
+      <p:sp>
+        <p:nvSpPr>
+          <p:cNvPr id="3" name="Объект 2"/>
+          <p:cNvSpPr>
+            <a:spLocks noGrp="1"/>
+          </p:cNvSpPr>
+          <p:nvPr>
+            <p:ph idx="1"/>
+          </p:nvPr>
+        </p:nvSpPr>
+        <p:spPr/>
+        <p:txBody>
+          <a:bodyPr/>
+          <a:lstStyle/>
+          <a:p>
+            <a:pPr lvl="0"/>
+            <a:r>
+              <a:rPr lang="ru-RU"/>
+              <a:t>Образец текста</a:t>
+            </a:r>
+          </a:p>
+          <a:p>
+            <a:pPr lvl="1"/>
+            <a:r>
+              <a:rPr lang="ru-RU"/>
+              <a:t>Второй уровень</a:t>
+            </a:r>
+          </a:p>
+          <a:p>
+            <a:pPr lvl="2"/>
+            <a:r>
+              <a:rPr lang="ru-RU"/>
+              <a:t>Третий уровень</a:t>
+            </a:r>
+          </a:p>
+          <a:p>
+            <a:pPr lvl="3"/>
+            <a:r>
+              <a:rPr lang="ru-RU"/>
+              <a:t>Четвертый уровень</a:t>
+            </a:r>
+          </a:p>
+          <a:p>
+            <a:pPr lvl="4"/>
+            <a:r>
+              <a:rPr lang="ru-RU"/>
+              <a:t>Пятый уровень</a:t>
+            </a:r>
+          </a:p>
+        </p:txBody>
+      </p:sp>
+      <p:sp>
+        <p:nvSpPr>
+          <p:cNvPr id="4" name="Дата 3"/>
+          <p:cNvSpPr>
+            <a:spLocks noGrp="1"/>
+          </p:cNvSpPr>
+          <p:nvPr>
+            <p:ph type="dt" sz="half" idx="10"/>
+          </p:nvPr>
+        </p:nvSpPr>
+        <p:spPr/>
+        <p:txBody>
+          <a:bodyPr/>
+          <a:lstStyle/>
+          <a:p>
+            <a:fld id="{550682FE-6EEF-0146-A8FF-B5375BD10606}" type="datetime1">
               <a:rPr lang="ru-RU" smtClean="0"/>
-              <a:t>Образец заголовка</a:t>
-            </a:r>
-            <a:endParaRPr lang="ru-RU"/>
-          </a:p>
-        </p:txBody>
-      </p:sp>
-      <p:sp>
-        <p:nvSpPr>
-          <p:cNvPr id="3" name="Объект 2"/>
-          <p:cNvSpPr>
-            <a:spLocks noGrp="1"/>
-          </p:cNvSpPr>
-          <p:nvPr>
-            <p:ph idx="1"/>
-          </p:nvPr>
-        </p:nvSpPr>
-        <p:spPr/>
-        <p:txBody>
-          <a:bodyPr/>
-          <a:lstStyle/>
-          <a:p>
-            <a:pPr lvl="0"/>
-            <a:r>
-              <a:rPr lang="ru-RU" smtClean="0"/>
-              <a:t>Образец текста</a:t>
-            </a:r>
-          </a:p>
-          <a:p>
-            <a:pPr lvl="1"/>
-            <a:r>
-              <a:rPr lang="ru-RU" smtClean="0"/>
-              <a:t>Второй уровень</a:t>
-            </a:r>
-          </a:p>
-          <a:p>
-            <a:pPr lvl="2"/>
-            <a:r>
-              <a:rPr lang="ru-RU" smtClean="0"/>
-              <a:t>Третий уровень</a:t>
-            </a:r>
-          </a:p>
-          <a:p>
-            <a:pPr lvl="3"/>
-            <a:r>
-              <a:rPr lang="ru-RU" smtClean="0"/>
-              <a:t>Четвертый уровень</a:t>
-            </a:r>
-          </a:p>
-          <a:p>
-            <a:pPr lvl="4"/>
-            <a:r>
-              <a:rPr lang="ru-RU" smtClean="0"/>
-              <a:t>Пятый уровень</a:t>
-            </a:r>
-            <a:endParaRPr lang="ru-RU"/>
-          </a:p>
-        </p:txBody>
-      </p:sp>
-      <p:sp>
-        <p:nvSpPr>
-          <p:cNvPr id="4" name="Дата 3"/>
-          <p:cNvSpPr>
-            <a:spLocks noGrp="1"/>
-          </p:cNvSpPr>
-          <p:nvPr>
-            <p:ph type="dt" sz="half" idx="10"/>
-          </p:nvPr>
-        </p:nvSpPr>
-        <p:spPr/>
-        <p:txBody>
-          <a:bodyPr/>
-          <a:lstStyle/>
-          <a:p>
-            <a:fld id="{9297BB07-2947-4A55-A6BD-D241D1A68844}" type="datetimeFigureOut">
-              <a:rPr lang="ru-RU" smtClean="0"/>
-              <a:pPr/>
-              <a:t>03.04.2022</a:t>
+              <a:t>29.05.2022</a:t>
             </a:fld>
             <a:endParaRPr lang="ru-RU"/>
           </a:p>
@@ -835,7 +1271,7 @@
     </p:spTree>
     <p:extLst>
       <p:ext uri="{BB962C8B-B14F-4D97-AF65-F5344CB8AC3E}">
-        <p14:creationId xmlns:p14="http://schemas.microsoft.com/office/powerpoint/2010/main" xmlns="" val="2313501865"/>
+        <p14:creationId xmlns:p14="http://schemas.microsoft.com/office/powerpoint/2010/main" val="2313501865"/>
       </p:ext>
     </p:extLst>
   </p:cSld>
@@ -887,10 +1323,9 @@
           </a:lstStyle>
           <a:p>
             <a:r>
-              <a:rPr lang="ru-RU" smtClean="0"/>
+              <a:rPr lang="ru-RU"/>
               <a:t>Образец заголовка</a:t>
             </a:r>
-            <a:endParaRPr lang="ru-RU"/>
           </a:p>
         </p:txBody>
       </p:sp>
@@ -1007,31 +1442,30 @@
           <a:p>
             <a:pPr lvl="0"/>
             <a:r>
+              <a:rPr lang="ru-RU"/>
+              <a:t>Образец текста</a:t>
+            </a:r>
+          </a:p>
+        </p:txBody>
+      </p:sp>
+      <p:sp>
+        <p:nvSpPr>
+          <p:cNvPr id="4" name="Дата 3"/>
+          <p:cNvSpPr>
+            <a:spLocks noGrp="1"/>
+          </p:cNvSpPr>
+          <p:nvPr>
+            <p:ph type="dt" sz="half" idx="10"/>
+          </p:nvPr>
+        </p:nvSpPr>
+        <p:spPr/>
+        <p:txBody>
+          <a:bodyPr/>
+          <a:lstStyle/>
+          <a:p>
+            <a:fld id="{AA167FA4-A27A-F541-91D9-8778CDDF3295}" type="datetime1">
               <a:rPr lang="ru-RU" smtClean="0"/>
-              <a:t>Образец текста</a:t>
-            </a:r>
-          </a:p>
-        </p:txBody>
-      </p:sp>
-      <p:sp>
-        <p:nvSpPr>
-          <p:cNvPr id="4" name="Дата 3"/>
-          <p:cNvSpPr>
-            <a:spLocks noGrp="1"/>
-          </p:cNvSpPr>
-          <p:nvPr>
-            <p:ph type="dt" sz="half" idx="10"/>
-          </p:nvPr>
-        </p:nvSpPr>
-        <p:spPr/>
-        <p:txBody>
-          <a:bodyPr/>
-          <a:lstStyle/>
-          <a:p>
-            <a:fld id="{9297BB07-2947-4A55-A6BD-D241D1A68844}" type="datetimeFigureOut">
-              <a:rPr lang="ru-RU" smtClean="0"/>
-              <a:pPr/>
-              <a:t>03.04.2022</a:t>
+              <a:t>29.05.2022</a:t>
             </a:fld>
             <a:endParaRPr lang="ru-RU"/>
           </a:p>
@@ -1083,7 +1517,7 @@
     </p:spTree>
     <p:extLst>
       <p:ext uri="{BB962C8B-B14F-4D97-AF65-F5344CB8AC3E}">
-        <p14:creationId xmlns:p14="http://schemas.microsoft.com/office/powerpoint/2010/main" xmlns="" val="796774783"/>
+        <p14:creationId xmlns:p14="http://schemas.microsoft.com/office/powerpoint/2010/main" val="796774783"/>
       </p:ext>
     </p:extLst>
   </p:cSld>
@@ -1126,10 +1560,9 @@
           <a:lstStyle/>
           <a:p>
             <a:r>
-              <a:rPr lang="ru-RU" smtClean="0"/>
+              <a:rPr lang="ru-RU"/>
               <a:t>Образец заголовка</a:t>
             </a:r>
-            <a:endParaRPr lang="ru-RU"/>
           </a:p>
         </p:txBody>
       </p:sp>
@@ -1155,38 +1588,37 @@
           <a:p>
             <a:pPr lvl="0"/>
             <a:r>
-              <a:rPr lang="ru-RU" smtClean="0"/>
+              <a:rPr lang="ru-RU"/>
               <a:t>Образец текста</a:t>
             </a:r>
           </a:p>
           <a:p>
             <a:pPr lvl="1"/>
             <a:r>
-              <a:rPr lang="ru-RU" smtClean="0"/>
+              <a:rPr lang="ru-RU"/>
               <a:t>Второй уровень</a:t>
             </a:r>
           </a:p>
           <a:p>
             <a:pPr lvl="2"/>
             <a:r>
-              <a:rPr lang="ru-RU" smtClean="0"/>
+              <a:rPr lang="ru-RU"/>
               <a:t>Третий уровень</a:t>
             </a:r>
           </a:p>
           <a:p>
             <a:pPr lvl="3"/>
             <a:r>
-              <a:rPr lang="ru-RU" smtClean="0"/>
+              <a:rPr lang="ru-RU"/>
               <a:t>Четвертый уровень</a:t>
             </a:r>
           </a:p>
           <a:p>
             <a:pPr lvl="4"/>
             <a:r>
-              <a:rPr lang="ru-RU" smtClean="0"/>
+              <a:rPr lang="ru-RU"/>
               <a:t>Пятый уровень</a:t>
             </a:r>
-            <a:endParaRPr lang="ru-RU"/>
           </a:p>
         </p:txBody>
       </p:sp>
@@ -1212,60 +1644,58 @@
           <a:p>
             <a:pPr lvl="0"/>
             <a:r>
+              <a:rPr lang="ru-RU"/>
+              <a:t>Образец текста</a:t>
+            </a:r>
+          </a:p>
+          <a:p>
+            <a:pPr lvl="1"/>
+            <a:r>
+              <a:rPr lang="ru-RU"/>
+              <a:t>Второй уровень</a:t>
+            </a:r>
+          </a:p>
+          <a:p>
+            <a:pPr lvl="2"/>
+            <a:r>
+              <a:rPr lang="ru-RU"/>
+              <a:t>Третий уровень</a:t>
+            </a:r>
+          </a:p>
+          <a:p>
+            <a:pPr lvl="3"/>
+            <a:r>
+              <a:rPr lang="ru-RU"/>
+              <a:t>Четвертый уровень</a:t>
+            </a:r>
+          </a:p>
+          <a:p>
+            <a:pPr lvl="4"/>
+            <a:r>
+              <a:rPr lang="ru-RU"/>
+              <a:t>Пятый уровень</a:t>
+            </a:r>
+          </a:p>
+        </p:txBody>
+      </p:sp>
+      <p:sp>
+        <p:nvSpPr>
+          <p:cNvPr id="5" name="Дата 4"/>
+          <p:cNvSpPr>
+            <a:spLocks noGrp="1"/>
+          </p:cNvSpPr>
+          <p:nvPr>
+            <p:ph type="dt" sz="half" idx="10"/>
+          </p:nvPr>
+        </p:nvSpPr>
+        <p:spPr/>
+        <p:txBody>
+          <a:bodyPr/>
+          <a:lstStyle/>
+          <a:p>
+            <a:fld id="{38659D3B-E85D-EE49-8395-4CB500546713}" type="datetime1">
               <a:rPr lang="ru-RU" smtClean="0"/>
-              <a:t>Образец текста</a:t>
-            </a:r>
-          </a:p>
-          <a:p>
-            <a:pPr lvl="1"/>
-            <a:r>
-              <a:rPr lang="ru-RU" smtClean="0"/>
-              <a:t>Второй уровень</a:t>
-            </a:r>
-          </a:p>
-          <a:p>
-            <a:pPr lvl="2"/>
-            <a:r>
-              <a:rPr lang="ru-RU" smtClean="0"/>
-              <a:t>Третий уровень</a:t>
-            </a:r>
-          </a:p>
-          <a:p>
-            <a:pPr lvl="3"/>
-            <a:r>
-              <a:rPr lang="ru-RU" smtClean="0"/>
-              <a:t>Четвертый уровень</a:t>
-            </a:r>
-          </a:p>
-          <a:p>
-            <a:pPr lvl="4"/>
-            <a:r>
-              <a:rPr lang="ru-RU" smtClean="0"/>
-              <a:t>Пятый уровень</a:t>
-            </a:r>
-            <a:endParaRPr lang="ru-RU"/>
-          </a:p>
-        </p:txBody>
-      </p:sp>
-      <p:sp>
-        <p:nvSpPr>
-          <p:cNvPr id="5" name="Дата 4"/>
-          <p:cNvSpPr>
-            <a:spLocks noGrp="1"/>
-          </p:cNvSpPr>
-          <p:nvPr>
-            <p:ph type="dt" sz="half" idx="10"/>
-          </p:nvPr>
-        </p:nvSpPr>
-        <p:spPr/>
-        <p:txBody>
-          <a:bodyPr/>
-          <a:lstStyle/>
-          <a:p>
-            <a:fld id="{9297BB07-2947-4A55-A6BD-D241D1A68844}" type="datetimeFigureOut">
-              <a:rPr lang="ru-RU" smtClean="0"/>
-              <a:pPr/>
-              <a:t>03.04.2022</a:t>
+              <a:t>29.05.2022</a:t>
             </a:fld>
             <a:endParaRPr lang="ru-RU"/>
           </a:p>
@@ -1317,7 +1747,7 @@
     </p:spTree>
     <p:extLst>
       <p:ext uri="{BB962C8B-B14F-4D97-AF65-F5344CB8AC3E}">
-        <p14:creationId xmlns:p14="http://schemas.microsoft.com/office/powerpoint/2010/main" xmlns="" val="3745394693"/>
+        <p14:creationId xmlns:p14="http://schemas.microsoft.com/office/powerpoint/2010/main" val="3745394693"/>
       </p:ext>
     </p:extLst>
   </p:cSld>
@@ -1365,10 +1795,9 @@
           <a:lstStyle/>
           <a:p>
             <a:r>
-              <a:rPr lang="ru-RU" smtClean="0"/>
+              <a:rPr lang="ru-RU"/>
               <a:t>Образец заголовка</a:t>
             </a:r>
-            <a:endParaRPr lang="ru-RU"/>
           </a:p>
         </p:txBody>
       </p:sp>
@@ -1431,7 +1860,7 @@
           <a:p>
             <a:pPr lvl="0"/>
             <a:r>
-              <a:rPr lang="ru-RU" smtClean="0"/>
+              <a:rPr lang="ru-RU"/>
               <a:t>Образец текста</a:t>
             </a:r>
           </a:p>
@@ -1459,38 +1888,37 @@
           <a:p>
             <a:pPr lvl="0"/>
             <a:r>
-              <a:rPr lang="ru-RU" smtClean="0"/>
+              <a:rPr lang="ru-RU"/>
               <a:t>Образец текста</a:t>
             </a:r>
           </a:p>
           <a:p>
             <a:pPr lvl="1"/>
             <a:r>
-              <a:rPr lang="ru-RU" smtClean="0"/>
+              <a:rPr lang="ru-RU"/>
               <a:t>Второй уровень</a:t>
             </a:r>
           </a:p>
           <a:p>
             <a:pPr lvl="2"/>
             <a:r>
-              <a:rPr lang="ru-RU" smtClean="0"/>
+              <a:rPr lang="ru-RU"/>
               <a:t>Третий уровень</a:t>
             </a:r>
           </a:p>
           <a:p>
             <a:pPr lvl="3"/>
             <a:r>
-              <a:rPr lang="ru-RU" smtClean="0"/>
+              <a:rPr lang="ru-RU"/>
               <a:t>Четвертый уровень</a:t>
             </a:r>
           </a:p>
           <a:p>
             <a:pPr lvl="4"/>
             <a:r>
-              <a:rPr lang="ru-RU" smtClean="0"/>
+              <a:rPr lang="ru-RU"/>
               <a:t>Пятый уровень</a:t>
             </a:r>
-            <a:endParaRPr lang="ru-RU"/>
           </a:p>
         </p:txBody>
       </p:sp>
@@ -1553,7 +1981,7 @@
           <a:p>
             <a:pPr lvl="0"/>
             <a:r>
-              <a:rPr lang="ru-RU" smtClean="0"/>
+              <a:rPr lang="ru-RU"/>
               <a:t>Образец текста</a:t>
             </a:r>
           </a:p>
@@ -1581,60 +2009,58 @@
           <a:p>
             <a:pPr lvl="0"/>
             <a:r>
+              <a:rPr lang="ru-RU"/>
+              <a:t>Образец текста</a:t>
+            </a:r>
+          </a:p>
+          <a:p>
+            <a:pPr lvl="1"/>
+            <a:r>
+              <a:rPr lang="ru-RU"/>
+              <a:t>Второй уровень</a:t>
+            </a:r>
+          </a:p>
+          <a:p>
+            <a:pPr lvl="2"/>
+            <a:r>
+              <a:rPr lang="ru-RU"/>
+              <a:t>Третий уровень</a:t>
+            </a:r>
+          </a:p>
+          <a:p>
+            <a:pPr lvl="3"/>
+            <a:r>
+              <a:rPr lang="ru-RU"/>
+              <a:t>Четвертый уровень</a:t>
+            </a:r>
+          </a:p>
+          <a:p>
+            <a:pPr lvl="4"/>
+            <a:r>
+              <a:rPr lang="ru-RU"/>
+              <a:t>Пятый уровень</a:t>
+            </a:r>
+          </a:p>
+        </p:txBody>
+      </p:sp>
+      <p:sp>
+        <p:nvSpPr>
+          <p:cNvPr id="7" name="Дата 6"/>
+          <p:cNvSpPr>
+            <a:spLocks noGrp="1"/>
+          </p:cNvSpPr>
+          <p:nvPr>
+            <p:ph type="dt" sz="half" idx="10"/>
+          </p:nvPr>
+        </p:nvSpPr>
+        <p:spPr/>
+        <p:txBody>
+          <a:bodyPr/>
+          <a:lstStyle/>
+          <a:p>
+            <a:fld id="{8CAEA6C4-7300-FC4F-981B-3AE718BF152F}" type="datetime1">
               <a:rPr lang="ru-RU" smtClean="0"/>
-              <a:t>Образец текста</a:t>
-            </a:r>
-          </a:p>
-          <a:p>
-            <a:pPr lvl="1"/>
-            <a:r>
-              <a:rPr lang="ru-RU" smtClean="0"/>
-              <a:t>Второй уровень</a:t>
-            </a:r>
-          </a:p>
-          <a:p>
-            <a:pPr lvl="2"/>
-            <a:r>
-              <a:rPr lang="ru-RU" smtClean="0"/>
-              <a:t>Третий уровень</a:t>
-            </a:r>
-          </a:p>
-          <a:p>
-            <a:pPr lvl="3"/>
-            <a:r>
-              <a:rPr lang="ru-RU" smtClean="0"/>
-              <a:t>Четвертый уровень</a:t>
-            </a:r>
-          </a:p>
-          <a:p>
-            <a:pPr lvl="4"/>
-            <a:r>
-              <a:rPr lang="ru-RU" smtClean="0"/>
-              <a:t>Пятый уровень</a:t>
-            </a:r>
-            <a:endParaRPr lang="ru-RU"/>
-          </a:p>
-        </p:txBody>
-      </p:sp>
-      <p:sp>
-        <p:nvSpPr>
-          <p:cNvPr id="7" name="Дата 6"/>
-          <p:cNvSpPr>
-            <a:spLocks noGrp="1"/>
-          </p:cNvSpPr>
-          <p:nvPr>
-            <p:ph type="dt" sz="half" idx="10"/>
-          </p:nvPr>
-        </p:nvSpPr>
-        <p:spPr/>
-        <p:txBody>
-          <a:bodyPr/>
-          <a:lstStyle/>
-          <a:p>
-            <a:fld id="{9297BB07-2947-4A55-A6BD-D241D1A68844}" type="datetimeFigureOut">
-              <a:rPr lang="ru-RU" smtClean="0"/>
-              <a:pPr/>
-              <a:t>03.04.2022</a:t>
+              <a:t>29.05.2022</a:t>
             </a:fld>
             <a:endParaRPr lang="ru-RU"/>
           </a:p>
@@ -1686,7 +2112,7 @@
     </p:spTree>
     <p:extLst>
       <p:ext uri="{BB962C8B-B14F-4D97-AF65-F5344CB8AC3E}">
-        <p14:creationId xmlns:p14="http://schemas.microsoft.com/office/powerpoint/2010/main" xmlns="" val="1953585766"/>
+        <p14:creationId xmlns:p14="http://schemas.microsoft.com/office/powerpoint/2010/main" val="1953585766"/>
       </p:ext>
     </p:extLst>
   </p:cSld>
@@ -1729,32 +2155,30 @@
           <a:lstStyle/>
           <a:p>
             <a:r>
+              <a:rPr lang="ru-RU"/>
+              <a:t>Образец заголовка</a:t>
+            </a:r>
+          </a:p>
+        </p:txBody>
+      </p:sp>
+      <p:sp>
+        <p:nvSpPr>
+          <p:cNvPr id="3" name="Дата 2"/>
+          <p:cNvSpPr>
+            <a:spLocks noGrp="1"/>
+          </p:cNvSpPr>
+          <p:nvPr>
+            <p:ph type="dt" sz="half" idx="10"/>
+          </p:nvPr>
+        </p:nvSpPr>
+        <p:spPr/>
+        <p:txBody>
+          <a:bodyPr/>
+          <a:lstStyle/>
+          <a:p>
+            <a:fld id="{6B8A5C0E-659A-044C-89E7-2D21B419F553}" type="datetime1">
               <a:rPr lang="ru-RU" smtClean="0"/>
-              <a:t>Образец заголовка</a:t>
-            </a:r>
-            <a:endParaRPr lang="ru-RU"/>
-          </a:p>
-        </p:txBody>
-      </p:sp>
-      <p:sp>
-        <p:nvSpPr>
-          <p:cNvPr id="3" name="Дата 2"/>
-          <p:cNvSpPr>
-            <a:spLocks noGrp="1"/>
-          </p:cNvSpPr>
-          <p:nvPr>
-            <p:ph type="dt" sz="half" idx="10"/>
-          </p:nvPr>
-        </p:nvSpPr>
-        <p:spPr/>
-        <p:txBody>
-          <a:bodyPr/>
-          <a:lstStyle/>
-          <a:p>
-            <a:fld id="{9297BB07-2947-4A55-A6BD-D241D1A68844}" type="datetimeFigureOut">
-              <a:rPr lang="ru-RU" smtClean="0"/>
-              <a:pPr/>
-              <a:t>03.04.2022</a:t>
+              <a:t>29.05.2022</a:t>
             </a:fld>
             <a:endParaRPr lang="ru-RU"/>
           </a:p>
@@ -1806,7 +2230,7 @@
     </p:spTree>
     <p:extLst>
       <p:ext uri="{BB962C8B-B14F-4D97-AF65-F5344CB8AC3E}">
-        <p14:creationId xmlns:p14="http://schemas.microsoft.com/office/powerpoint/2010/main" xmlns="" val="373884279"/>
+        <p14:creationId xmlns:p14="http://schemas.microsoft.com/office/powerpoint/2010/main" val="373884279"/>
       </p:ext>
     </p:extLst>
   </p:cSld>
@@ -1848,10 +2272,9 @@
           <a:bodyPr/>
           <a:lstStyle/>
           <a:p>
-            <a:fld id="{9297BB07-2947-4A55-A6BD-D241D1A68844}" type="datetimeFigureOut">
+            <a:fld id="{18BB0F01-282E-F640-9901-5103C400A83F}" type="datetime1">
               <a:rPr lang="ru-RU" smtClean="0"/>
-              <a:pPr/>
-              <a:t>03.04.2022</a:t>
+              <a:t>29.05.2022</a:t>
             </a:fld>
             <a:endParaRPr lang="ru-RU"/>
           </a:p>
@@ -1903,7 +2326,7 @@
     </p:spTree>
     <p:extLst>
       <p:ext uri="{BB962C8B-B14F-4D97-AF65-F5344CB8AC3E}">
-        <p14:creationId xmlns:p14="http://schemas.microsoft.com/office/powerpoint/2010/main" xmlns="" val="658595389"/>
+        <p14:creationId xmlns:p14="http://schemas.microsoft.com/office/powerpoint/2010/main" val="658595389"/>
       </p:ext>
     </p:extLst>
   </p:cSld>
@@ -1955,10 +2378,9 @@
           </a:lstStyle>
           <a:p>
             <a:r>
-              <a:rPr lang="ru-RU" smtClean="0"/>
+              <a:rPr lang="ru-RU"/>
               <a:t>Образец заголовка</a:t>
             </a:r>
-            <a:endParaRPr lang="ru-RU"/>
           </a:p>
         </p:txBody>
       </p:sp>
@@ -2012,38 +2434,37 @@
           <a:p>
             <a:pPr lvl="0"/>
             <a:r>
-              <a:rPr lang="ru-RU" smtClean="0"/>
+              <a:rPr lang="ru-RU"/>
               <a:t>Образец текста</a:t>
             </a:r>
           </a:p>
           <a:p>
             <a:pPr lvl="1"/>
             <a:r>
-              <a:rPr lang="ru-RU" smtClean="0"/>
+              <a:rPr lang="ru-RU"/>
               <a:t>Второй уровень</a:t>
             </a:r>
           </a:p>
           <a:p>
             <a:pPr lvl="2"/>
             <a:r>
-              <a:rPr lang="ru-RU" smtClean="0"/>
+              <a:rPr lang="ru-RU"/>
               <a:t>Третий уровень</a:t>
             </a:r>
           </a:p>
           <a:p>
             <a:pPr lvl="3"/>
             <a:r>
-              <a:rPr lang="ru-RU" smtClean="0"/>
+              <a:rPr lang="ru-RU"/>
               <a:t>Четвертый уровень</a:t>
             </a:r>
           </a:p>
           <a:p>
             <a:pPr lvl="4"/>
             <a:r>
-              <a:rPr lang="ru-RU" smtClean="0"/>
+              <a:rPr lang="ru-RU"/>
               <a:t>Пятый уровень</a:t>
             </a:r>
-            <a:endParaRPr lang="ru-RU"/>
           </a:p>
         </p:txBody>
       </p:sp>
@@ -2106,31 +2527,30 @@
           <a:p>
             <a:pPr lvl="0"/>
             <a:r>
+              <a:rPr lang="ru-RU"/>
+              <a:t>Образец текста</a:t>
+            </a:r>
+          </a:p>
+        </p:txBody>
+      </p:sp>
+      <p:sp>
+        <p:nvSpPr>
+          <p:cNvPr id="5" name="Дата 4"/>
+          <p:cNvSpPr>
+            <a:spLocks noGrp="1"/>
+          </p:cNvSpPr>
+          <p:nvPr>
+            <p:ph type="dt" sz="half" idx="10"/>
+          </p:nvPr>
+        </p:nvSpPr>
+        <p:spPr/>
+        <p:txBody>
+          <a:bodyPr/>
+          <a:lstStyle/>
+          <a:p>
+            <a:fld id="{DF3F1C6E-A726-154D-9C01-BB9BD2865CD7}" type="datetime1">
               <a:rPr lang="ru-RU" smtClean="0"/>
-              <a:t>Образец текста</a:t>
-            </a:r>
-          </a:p>
-        </p:txBody>
-      </p:sp>
-      <p:sp>
-        <p:nvSpPr>
-          <p:cNvPr id="5" name="Дата 4"/>
-          <p:cNvSpPr>
-            <a:spLocks noGrp="1"/>
-          </p:cNvSpPr>
-          <p:nvPr>
-            <p:ph type="dt" sz="half" idx="10"/>
-          </p:nvPr>
-        </p:nvSpPr>
-        <p:spPr/>
-        <p:txBody>
-          <a:bodyPr/>
-          <a:lstStyle/>
-          <a:p>
-            <a:fld id="{9297BB07-2947-4A55-A6BD-D241D1A68844}" type="datetimeFigureOut">
-              <a:rPr lang="ru-RU" smtClean="0"/>
-              <a:pPr/>
-              <a:t>03.04.2022</a:t>
+              <a:t>29.05.2022</a:t>
             </a:fld>
             <a:endParaRPr lang="ru-RU"/>
           </a:p>
@@ -2182,7 +2602,7 @@
     </p:spTree>
     <p:extLst>
       <p:ext uri="{BB962C8B-B14F-4D97-AF65-F5344CB8AC3E}">
-        <p14:creationId xmlns:p14="http://schemas.microsoft.com/office/powerpoint/2010/main" xmlns="" val="2464448955"/>
+        <p14:creationId xmlns:p14="http://schemas.microsoft.com/office/powerpoint/2010/main" val="2464448955"/>
       </p:ext>
     </p:extLst>
   </p:cSld>
@@ -2234,10 +2654,9 @@
           </a:lstStyle>
           <a:p>
             <a:r>
-              <a:rPr lang="ru-RU" smtClean="0"/>
+              <a:rPr lang="ru-RU"/>
               <a:t>Образец заголовка</a:t>
             </a:r>
-            <a:endParaRPr lang="ru-RU"/>
           </a:p>
         </p:txBody>
       </p:sp>
@@ -2361,31 +2780,30 @@
           <a:p>
             <a:pPr lvl="0"/>
             <a:r>
+              <a:rPr lang="ru-RU"/>
+              <a:t>Образец текста</a:t>
+            </a:r>
+          </a:p>
+        </p:txBody>
+      </p:sp>
+      <p:sp>
+        <p:nvSpPr>
+          <p:cNvPr id="5" name="Дата 4"/>
+          <p:cNvSpPr>
+            <a:spLocks noGrp="1"/>
+          </p:cNvSpPr>
+          <p:nvPr>
+            <p:ph type="dt" sz="half" idx="10"/>
+          </p:nvPr>
+        </p:nvSpPr>
+        <p:spPr/>
+        <p:txBody>
+          <a:bodyPr/>
+          <a:lstStyle/>
+          <a:p>
+            <a:fld id="{1E2AB2FD-7272-ED4B-9396-E6AEEF338E07}" type="datetime1">
               <a:rPr lang="ru-RU" smtClean="0"/>
-              <a:t>Образец текста</a:t>
-            </a:r>
-          </a:p>
-        </p:txBody>
-      </p:sp>
-      <p:sp>
-        <p:nvSpPr>
-          <p:cNvPr id="5" name="Дата 4"/>
-          <p:cNvSpPr>
-            <a:spLocks noGrp="1"/>
-          </p:cNvSpPr>
-          <p:nvPr>
-            <p:ph type="dt" sz="half" idx="10"/>
-          </p:nvPr>
-        </p:nvSpPr>
-        <p:spPr/>
-        <p:txBody>
-          <a:bodyPr/>
-          <a:lstStyle/>
-          <a:p>
-            <a:fld id="{9297BB07-2947-4A55-A6BD-D241D1A68844}" type="datetimeFigureOut">
-              <a:rPr lang="ru-RU" smtClean="0"/>
-              <a:pPr/>
-              <a:t>03.04.2022</a:t>
+              <a:t>29.05.2022</a:t>
             </a:fld>
             <a:endParaRPr lang="ru-RU"/>
           </a:p>
@@ -2437,7 +2855,7 @@
     </p:spTree>
     <p:extLst>
       <p:ext uri="{BB962C8B-B14F-4D97-AF65-F5344CB8AC3E}">
-        <p14:creationId xmlns:p14="http://schemas.microsoft.com/office/powerpoint/2010/main" xmlns="" val="2948693998"/>
+        <p14:creationId xmlns:p14="http://schemas.microsoft.com/office/powerpoint/2010/main" val="2948693998"/>
       </p:ext>
     </p:extLst>
   </p:cSld>
@@ -2495,10 +2913,9 @@
           <a:lstStyle/>
           <a:p>
             <a:r>
-              <a:rPr lang="ru-RU" smtClean="0"/>
+              <a:rPr lang="ru-RU"/>
               <a:t>Образец заголовка</a:t>
             </a:r>
-            <a:endParaRPr lang="ru-RU"/>
           </a:p>
         </p:txBody>
       </p:sp>
@@ -2529,38 +2946,37 @@
           <a:p>
             <a:pPr lvl="0"/>
             <a:r>
-              <a:rPr lang="ru-RU" smtClean="0"/>
+              <a:rPr lang="ru-RU"/>
               <a:t>Образец текста</a:t>
             </a:r>
           </a:p>
           <a:p>
             <a:pPr lvl="1"/>
             <a:r>
-              <a:rPr lang="ru-RU" smtClean="0"/>
+              <a:rPr lang="ru-RU"/>
               <a:t>Второй уровень</a:t>
             </a:r>
           </a:p>
           <a:p>
             <a:pPr lvl="2"/>
             <a:r>
-              <a:rPr lang="ru-RU" smtClean="0"/>
+              <a:rPr lang="ru-RU"/>
               <a:t>Третий уровень</a:t>
             </a:r>
           </a:p>
           <a:p>
             <a:pPr lvl="3"/>
             <a:r>
-              <a:rPr lang="ru-RU" smtClean="0"/>
+              <a:rPr lang="ru-RU"/>
               <a:t>Четвертый уровень</a:t>
             </a:r>
           </a:p>
           <a:p>
             <a:pPr lvl="4"/>
             <a:r>
-              <a:rPr lang="ru-RU" smtClean="0"/>
+              <a:rPr lang="ru-RU"/>
               <a:t>Пятый уровень</a:t>
             </a:r>
-            <a:endParaRPr lang="ru-RU"/>
           </a:p>
         </p:txBody>
       </p:sp>
@@ -2597,10 +3013,9 @@
             </a:lvl1pPr>
           </a:lstStyle>
           <a:p>
-            <a:fld id="{9297BB07-2947-4A55-A6BD-D241D1A68844}" type="datetimeFigureOut">
+            <a:fld id="{B0D4D91C-EA01-224A-A78D-D1BBF2F82F5F}" type="datetime1">
               <a:rPr lang="ru-RU" smtClean="0"/>
-              <a:pPr/>
-              <a:t>03.04.2022</a:t>
+              <a:t>29.05.2022</a:t>
             </a:fld>
             <a:endParaRPr lang="ru-RU"/>
           </a:p>
@@ -2688,7 +3103,7 @@
     </p:spTree>
     <p:extLst>
       <p:ext uri="{BB962C8B-B14F-4D97-AF65-F5344CB8AC3E}">
-        <p14:creationId xmlns:p14="http://schemas.microsoft.com/office/powerpoint/2010/main" xmlns="" val="3711824742"/>
+        <p14:creationId xmlns:p14="http://schemas.microsoft.com/office/powerpoint/2010/main" val="3711824742"/>
       </p:ext>
     </p:extLst>
   </p:cSld>
@@ -2706,6 +3121,7 @@
     <p:sldLayoutId id="2147483658" r:id="rId10"/>
     <p:sldLayoutId id="2147483659" r:id="rId11"/>
   </p:sldLayoutIdLst>
+  <p:hf hdr="0" ftr="0" dt="0"/>
   <p:txStyles>
     <p:titleStyle>
       <a:lvl1pPr algn="l" defTabSz="914400" rtl="0" eaLnBrk="1" latinLnBrk="0" hangingPunct="1">
@@ -3018,7 +3434,7 @@
         </p:nvSpPr>
         <p:spPr>
           <a:xfrm>
-            <a:off x="1532238" y="1252193"/>
+            <a:off x="1524000" y="1680210"/>
             <a:ext cx="9144000" cy="2129398"/>
           </a:xfrm>
         </p:spPr>
@@ -3029,48 +3445,34 @@
           <a:lstStyle/>
           <a:p>
             <a:r>
-              <a:rPr lang="ru-RU" sz="4800" b="1" dirty="0" smtClean="0">
+              <a:rPr lang="ru-RU" sz="4800" b="1" dirty="0">
                 <a:latin typeface="Times New Roman" panose="02020603050405020304" pitchFamily="18" charset="0"/>
                 <a:cs typeface="Times New Roman" panose="02020603050405020304" pitchFamily="18" charset="0"/>
               </a:rPr>
-              <a:t>Метод прогнозирования итогов приёма в </a:t>
-            </a:r>
-            <a:r>
-              <a:rPr lang="ru-RU" sz="4800" b="1" dirty="0" smtClean="0">
-                <a:latin typeface="Times New Roman" panose="02020603050405020304" pitchFamily="18" charset="0"/>
-                <a:cs typeface="Times New Roman" panose="02020603050405020304" pitchFamily="18" charset="0"/>
-              </a:rPr>
-              <a:t>ВУЗы России </a:t>
-            </a:r>
-            <a:r>
-              <a:rPr lang="ru-RU" sz="4800" b="1" dirty="0" smtClean="0">
-                <a:latin typeface="Times New Roman" panose="02020603050405020304" pitchFamily="18" charset="0"/>
-                <a:cs typeface="Times New Roman" panose="02020603050405020304" pitchFamily="18" charset="0"/>
-              </a:rPr>
-              <a:t>на</a:t>
+              <a:t>Метод прогнозирования итогов приема в ВУЗы России на</a:t>
             </a:r>
             <a:br>
-              <a:rPr lang="ru-RU" sz="4800" b="1" dirty="0" smtClean="0">
+              <a:rPr lang="ru-RU" sz="4800" b="1" dirty="0">
                 <a:latin typeface="Times New Roman" panose="02020603050405020304" pitchFamily="18" charset="0"/>
                 <a:cs typeface="Times New Roman" panose="02020603050405020304" pitchFamily="18" charset="0"/>
               </a:rPr>
             </a:br>
             <a:r>
-              <a:rPr lang="ru-RU" sz="4800" b="1" dirty="0" smtClean="0">
+              <a:rPr lang="ru-RU" sz="4800" b="1" dirty="0">
                 <a:latin typeface="Times New Roman" panose="02020603050405020304" pitchFamily="18" charset="0"/>
                 <a:cs typeface="Times New Roman" panose="02020603050405020304" pitchFamily="18" charset="0"/>
               </a:rPr>
               <a:t>основе </a:t>
             </a:r>
             <a:r>
-              <a:rPr lang="ru-RU" sz="4800" b="1" dirty="0" err="1" smtClean="0">
+              <a:rPr lang="ru-RU" sz="4800" b="1" dirty="0" err="1">
                 <a:latin typeface="Times New Roman" panose="02020603050405020304" pitchFamily="18" charset="0"/>
                 <a:cs typeface="Times New Roman" panose="02020603050405020304" pitchFamily="18" charset="0"/>
               </a:rPr>
               <a:t>агентного</a:t>
             </a:r>
             <a:r>
-              <a:rPr lang="ru-RU" sz="4800" b="1" dirty="0" smtClean="0">
+              <a:rPr lang="ru-RU" sz="4800" b="1" dirty="0">
                 <a:latin typeface="Times New Roman" panose="02020603050405020304" pitchFamily="18" charset="0"/>
                 <a:cs typeface="Times New Roman" panose="02020603050405020304" pitchFamily="18" charset="0"/>
               </a:rPr>
@@ -3092,25 +3494,17 @@
         </p:nvSpPr>
         <p:spPr>
           <a:xfrm>
-            <a:off x="1523999" y="5202238"/>
+            <a:off x="1524000" y="5027140"/>
             <a:ext cx="9391135" cy="1655762"/>
           </a:xfrm>
         </p:spPr>
         <p:txBody>
-          <a:bodyPr/>
+          <a:bodyPr>
+            <a:normAutofit/>
+          </a:bodyPr>
           <a:lstStyle/>
           <a:p>
             <a:pPr lvl="0" algn="l"/>
-            <a:r>
-              <a:rPr lang="ru-RU" sz="2000" dirty="0" smtClean="0">
-                <a:solidFill>
-                  <a:prstClr val="black"/>
-                </a:solidFill>
-                <a:latin typeface="Times New Roman" panose="02020603050405020304" pitchFamily="18" charset="0"/>
-                <a:cs typeface="Times New Roman" panose="02020603050405020304" pitchFamily="18" charset="0"/>
-              </a:rPr>
-              <a:t>Исполнитель:</a:t>
-            </a:r>
             <a:r>
               <a:rPr lang="ru-RU" sz="2000" dirty="0">
                 <a:solidFill>
@@ -3119,7 +3513,7 @@
                 <a:latin typeface="Times New Roman" panose="02020603050405020304" pitchFamily="18" charset="0"/>
                 <a:cs typeface="Times New Roman" panose="02020603050405020304" pitchFamily="18" charset="0"/>
               </a:rPr>
-              <a:t>				</a:t>
+              <a:t>Исполнитель:				</a:t>
             </a:r>
             <a:r>
               <a:rPr lang="en-US" sz="2000" dirty="0">
@@ -3132,7 +3526,7 @@
               <a:t>         </a:t>
             </a:r>
             <a:r>
-              <a:rPr lang="ru-RU" sz="2000" dirty="0" smtClean="0">
+              <a:rPr lang="ru-RU" sz="2000" dirty="0">
                 <a:solidFill>
                   <a:prstClr val="black"/>
                 </a:solidFill>
@@ -3142,7 +3536,7 @@
               <a:t>   </a:t>
             </a:r>
             <a:r>
-              <a:rPr lang="en-US" sz="2000" dirty="0" smtClean="0">
+              <a:rPr lang="en-US" sz="2000" dirty="0">
                 <a:solidFill>
                   <a:prstClr val="black"/>
                 </a:solidFill>
@@ -3152,7 +3546,7 @@
               <a:t> </a:t>
             </a:r>
             <a:r>
-              <a:rPr lang="ru-RU" sz="2000" dirty="0" smtClean="0">
+              <a:rPr lang="ru-RU" sz="2000" dirty="0">
                 <a:solidFill>
                   <a:prstClr val="black"/>
                 </a:solidFill>
@@ -3162,7 +3556,7 @@
               <a:t>  </a:t>
             </a:r>
             <a:r>
-              <a:rPr lang="ru-RU" sz="2000" dirty="0" err="1" smtClean="0">
+              <a:rPr lang="ru-RU" sz="2000" dirty="0" err="1">
                 <a:solidFill>
                   <a:prstClr val="black"/>
                 </a:solidFill>
@@ -3172,7 +3566,7 @@
               <a:t>Жигалкин</a:t>
             </a:r>
             <a:r>
-              <a:rPr lang="ru-RU" sz="2000" dirty="0" smtClean="0">
+              <a:rPr lang="ru-RU" sz="2000" dirty="0">
                 <a:solidFill>
                   <a:prstClr val="black"/>
                 </a:solidFill>
@@ -3181,13 +3575,6 @@
               </a:rPr>
               <a:t> Дмитрий Романович</a:t>
             </a:r>
-            <a:endParaRPr lang="ru-RU" sz="2000" dirty="0">
-              <a:solidFill>
-                <a:prstClr val="black"/>
-              </a:solidFill>
-              <a:latin typeface="Times New Roman" panose="02020603050405020304" pitchFamily="18" charset="0"/>
-              <a:cs typeface="Times New Roman" panose="02020603050405020304" pitchFamily="18" charset="0"/>
-            </a:endParaRPr>
           </a:p>
           <a:p>
             <a:pPr lvl="0" algn="l"/>
@@ -3212,7 +3599,7 @@
               <a:t>		</a:t>
             </a:r>
             <a:r>
-              <a:rPr lang="ru-RU" sz="2000" dirty="0" smtClean="0">
+              <a:rPr lang="ru-RU" sz="2000" dirty="0">
                 <a:solidFill>
                   <a:prstClr val="black"/>
                 </a:solidFill>
@@ -3221,20 +3608,958 @@
               </a:rPr>
               <a:t>                              Кузнецова Ольга Владимировна</a:t>
             </a:r>
-            <a:endParaRPr lang="ru-RU" sz="2000" dirty="0">
-              <a:solidFill>
-                <a:prstClr val="black"/>
-              </a:solidFill>
+          </a:p>
+          <a:p>
+            <a:pPr lvl="0"/>
+            <a:r>
+              <a:rPr lang="ru-RU" sz="2000" dirty="0">
+                <a:solidFill>
+                  <a:prstClr val="black"/>
+                </a:solidFill>
+                <a:latin typeface="Times New Roman" panose="02020603050405020304" pitchFamily="18" charset="0"/>
+                <a:cs typeface="Times New Roman" panose="02020603050405020304" pitchFamily="18" charset="0"/>
+              </a:rPr>
+              <a:t>Москва</a:t>
+            </a:r>
+          </a:p>
+          <a:p>
+            <a:pPr lvl="0"/>
+            <a:r>
+              <a:rPr lang="ru-RU" sz="2000" dirty="0">
+                <a:solidFill>
+                  <a:prstClr val="black"/>
+                </a:solidFill>
+                <a:latin typeface="Times New Roman" panose="02020603050405020304" pitchFamily="18" charset="0"/>
+                <a:cs typeface="Times New Roman" panose="02020603050405020304" pitchFamily="18" charset="0"/>
+              </a:rPr>
+              <a:t>2022 </a:t>
+            </a:r>
+          </a:p>
+        </p:txBody>
+      </p:sp>
+    </p:spTree>
+    <p:extLst>
+      <p:ext uri="{BB962C8B-B14F-4D97-AF65-F5344CB8AC3E}">
+        <p14:creationId xmlns:p14="http://schemas.microsoft.com/office/powerpoint/2010/main" val="295902963"/>
+      </p:ext>
+    </p:extLst>
+  </p:cSld>
+  <p:clrMapOvr>
+    <a:masterClrMapping/>
+  </p:clrMapOvr>
+</p:sld>
+</file>
+
+<file path=ppt/slides/slide10.xml><?xml version="1.0" encoding="utf-8"?>
+<p:sld xmlns:a="http://schemas.openxmlformats.org/drawingml/2006/main" xmlns:r="http://schemas.openxmlformats.org/officeDocument/2006/relationships" xmlns:p="http://schemas.openxmlformats.org/presentationml/2006/main">
+  <p:cSld>
+    <p:spTree>
+      <p:nvGrpSpPr>
+        <p:cNvPr id="1" name=""/>
+        <p:cNvGrpSpPr/>
+        <p:nvPr/>
+      </p:nvGrpSpPr>
+      <p:grpSpPr>
+        <a:xfrm>
+          <a:off x="0" y="0"/>
+          <a:ext cx="0" cy="0"/>
+          <a:chOff x="0" y="0"/>
+          <a:chExt cx="0" cy="0"/>
+        </a:xfrm>
+      </p:grpSpPr>
+      <p:sp>
+        <p:nvSpPr>
+          <p:cNvPr id="2" name="Заголовок 1"/>
+          <p:cNvSpPr>
+            <a:spLocks noGrp="1"/>
+          </p:cNvSpPr>
+          <p:nvPr>
+            <p:ph type="title"/>
+          </p:nvPr>
+        </p:nvSpPr>
+        <p:spPr/>
+        <p:txBody>
+          <a:bodyPr/>
+          <a:lstStyle/>
+          <a:p>
+            <a:r>
+              <a:rPr lang="ru-RU" dirty="0"/>
+              <a:t>Структура разработанного ПО</a:t>
+            </a:r>
+          </a:p>
+        </p:txBody>
+      </p:sp>
+      <p:pic>
+        <p:nvPicPr>
+          <p:cNvPr id="4" name="Рисунок 3">
+            <a:extLst>
+              <a:ext uri="{FF2B5EF4-FFF2-40B4-BE49-F238E27FC236}">
+                <a16:creationId xmlns:a16="http://schemas.microsoft.com/office/drawing/2014/main" id="{1EB5BE92-501B-374D-B5CC-D9F7717D5674}"/>
+              </a:ext>
+            </a:extLst>
+          </p:cNvPr>
+          <p:cNvPicPr>
+            <a:picLocks noChangeAspect="1"/>
+          </p:cNvPicPr>
+          <p:nvPr/>
+        </p:nvPicPr>
+        <p:blipFill>
+          <a:blip r:embed="rId2">
+            <a:extLst>
+              <a:ext uri="{28A0092B-C50C-407E-A947-70E740481C1C}">
+                <a14:useLocalDpi xmlns:a14="http://schemas.microsoft.com/office/drawing/2010/main" val="0"/>
+              </a:ext>
+            </a:extLst>
+          </a:blip>
+          <a:stretch>
+            <a:fillRect/>
+          </a:stretch>
+        </p:blipFill>
+        <p:spPr>
+          <a:xfrm>
+            <a:off x="3621983" y="1690688"/>
+            <a:ext cx="4948034" cy="4634583"/>
+          </a:xfrm>
+          <a:prstGeom prst="rect">
+            <a:avLst/>
+          </a:prstGeom>
+        </p:spPr>
+      </p:pic>
+      <p:sp>
+        <p:nvSpPr>
+          <p:cNvPr id="6" name="Номер слайда 5">
+            <a:extLst>
+              <a:ext uri="{FF2B5EF4-FFF2-40B4-BE49-F238E27FC236}">
+                <a16:creationId xmlns:a16="http://schemas.microsoft.com/office/drawing/2014/main" id="{31974EA9-2F91-8446-AFF8-96552044A2FD}"/>
+              </a:ext>
+            </a:extLst>
+          </p:cNvPr>
+          <p:cNvSpPr>
+            <a:spLocks noGrp="1"/>
+          </p:cNvSpPr>
+          <p:nvPr>
+            <p:ph type="sldNum" sz="quarter" idx="12"/>
+          </p:nvPr>
+        </p:nvSpPr>
+        <p:spPr/>
+        <p:txBody>
+          <a:bodyPr/>
+          <a:lstStyle/>
+          <a:p>
+            <a:fld id="{FADD01DB-3A3D-4160-BF8B-737FEC31D67E}" type="slidenum">
+              <a:rPr lang="ru-RU" smtClean="0"/>
+              <a:pPr/>
+              <a:t>10</a:t>
+            </a:fld>
+            <a:endParaRPr lang="ru-RU"/>
+          </a:p>
+        </p:txBody>
+      </p:sp>
+    </p:spTree>
+    <p:extLst>
+      <p:ext uri="{BB962C8B-B14F-4D97-AF65-F5344CB8AC3E}">
+        <p14:creationId xmlns:p14="http://schemas.microsoft.com/office/powerpoint/2010/main" val="1752205898"/>
+      </p:ext>
+    </p:extLst>
+  </p:cSld>
+  <p:clrMapOvr>
+    <a:masterClrMapping/>
+  </p:clrMapOvr>
+</p:sld>
+</file>
+
+<file path=ppt/slides/slide11.xml><?xml version="1.0" encoding="utf-8"?>
+<p:sld xmlns:a="http://schemas.openxmlformats.org/drawingml/2006/main" xmlns:r="http://schemas.openxmlformats.org/officeDocument/2006/relationships" xmlns:p="http://schemas.openxmlformats.org/presentationml/2006/main">
+  <p:cSld>
+    <p:spTree>
+      <p:nvGrpSpPr>
+        <p:cNvPr id="1" name=""/>
+        <p:cNvGrpSpPr/>
+        <p:nvPr/>
+      </p:nvGrpSpPr>
+      <p:grpSpPr>
+        <a:xfrm>
+          <a:off x="0" y="0"/>
+          <a:ext cx="0" cy="0"/>
+          <a:chOff x="0" y="0"/>
+          <a:chExt cx="0" cy="0"/>
+        </a:xfrm>
+      </p:grpSpPr>
+      <p:sp>
+        <p:nvSpPr>
+          <p:cNvPr id="2" name="Заголовок 1"/>
+          <p:cNvSpPr>
+            <a:spLocks noGrp="1"/>
+          </p:cNvSpPr>
+          <p:nvPr>
+            <p:ph type="title"/>
+          </p:nvPr>
+        </p:nvSpPr>
+        <p:spPr/>
+        <p:txBody>
+          <a:bodyPr/>
+          <a:lstStyle/>
+          <a:p>
+            <a:r>
+              <a:rPr lang="ru-RU" dirty="0"/>
+              <a:t>Исследование зависимости среднего балла от статистических данных</a:t>
+            </a:r>
+          </a:p>
+        </p:txBody>
+      </p:sp>
+      <p:pic>
+        <p:nvPicPr>
+          <p:cNvPr id="5" name="Рисунок 4">
+            <a:extLst>
+              <a:ext uri="{FF2B5EF4-FFF2-40B4-BE49-F238E27FC236}">
+                <a16:creationId xmlns:a16="http://schemas.microsoft.com/office/drawing/2014/main" id="{1CA738DE-5517-EA4B-AC0D-2801A636CEA1}"/>
+              </a:ext>
+            </a:extLst>
+          </p:cNvPr>
+          <p:cNvPicPr>
+            <a:picLocks noChangeAspect="1"/>
+          </p:cNvPicPr>
+          <p:nvPr/>
+        </p:nvPicPr>
+        <p:blipFill>
+          <a:blip r:embed="rId2">
+            <a:extLst>
+              <a:ext uri="{28A0092B-C50C-407E-A947-70E740481C1C}">
+                <a14:useLocalDpi xmlns:a14="http://schemas.microsoft.com/office/drawing/2010/main" val="0"/>
+              </a:ext>
+            </a:extLst>
+          </a:blip>
+          <a:stretch>
+            <a:fillRect/>
+          </a:stretch>
+        </p:blipFill>
+        <p:spPr>
+          <a:xfrm>
+            <a:off x="2602644" y="2015618"/>
+            <a:ext cx="6220460" cy="3721937"/>
+          </a:xfrm>
+          <a:prstGeom prst="rect">
+            <a:avLst/>
+          </a:prstGeom>
+        </p:spPr>
+      </p:pic>
+      <p:sp>
+        <p:nvSpPr>
+          <p:cNvPr id="3" name="Номер слайда 2">
+            <a:extLst>
+              <a:ext uri="{FF2B5EF4-FFF2-40B4-BE49-F238E27FC236}">
+                <a16:creationId xmlns:a16="http://schemas.microsoft.com/office/drawing/2014/main" id="{CB9627FE-AECF-AC4A-B233-F59EFD6E1455}"/>
+              </a:ext>
+            </a:extLst>
+          </p:cNvPr>
+          <p:cNvSpPr>
+            <a:spLocks noGrp="1"/>
+          </p:cNvSpPr>
+          <p:nvPr>
+            <p:ph type="sldNum" sz="quarter" idx="12"/>
+          </p:nvPr>
+        </p:nvSpPr>
+        <p:spPr/>
+        <p:txBody>
+          <a:bodyPr/>
+          <a:lstStyle/>
+          <a:p>
+            <a:fld id="{FADD01DB-3A3D-4160-BF8B-737FEC31D67E}" type="slidenum">
+              <a:rPr lang="ru-RU" smtClean="0"/>
+              <a:pPr/>
+              <a:t>11</a:t>
+            </a:fld>
+            <a:endParaRPr lang="ru-RU"/>
+          </a:p>
+        </p:txBody>
+      </p:sp>
+    </p:spTree>
+    <p:extLst>
+      <p:ext uri="{BB962C8B-B14F-4D97-AF65-F5344CB8AC3E}">
+        <p14:creationId xmlns:p14="http://schemas.microsoft.com/office/powerpoint/2010/main" val="4162597546"/>
+      </p:ext>
+    </p:extLst>
+  </p:cSld>
+  <p:clrMapOvr>
+    <a:masterClrMapping/>
+  </p:clrMapOvr>
+</p:sld>
+</file>
+
+<file path=ppt/slides/slide12.xml><?xml version="1.0" encoding="utf-8"?>
+<p:sld xmlns:a="http://schemas.openxmlformats.org/drawingml/2006/main" xmlns:r="http://schemas.openxmlformats.org/officeDocument/2006/relationships" xmlns:p="http://schemas.openxmlformats.org/presentationml/2006/main">
+  <p:cSld>
+    <p:spTree>
+      <p:nvGrpSpPr>
+        <p:cNvPr id="1" name=""/>
+        <p:cNvGrpSpPr/>
+        <p:nvPr/>
+      </p:nvGrpSpPr>
+      <p:grpSpPr>
+        <a:xfrm>
+          <a:off x="0" y="0"/>
+          <a:ext cx="0" cy="0"/>
+          <a:chOff x="0" y="0"/>
+          <a:chExt cx="0" cy="0"/>
+        </a:xfrm>
+      </p:grpSpPr>
+      <p:sp>
+        <p:nvSpPr>
+          <p:cNvPr id="2" name="Заголовок 1"/>
+          <p:cNvSpPr>
+            <a:spLocks noGrp="1"/>
+          </p:cNvSpPr>
+          <p:nvPr>
+            <p:ph type="title"/>
+          </p:nvPr>
+        </p:nvSpPr>
+        <p:spPr/>
+        <p:txBody>
+          <a:bodyPr/>
+          <a:lstStyle/>
+          <a:p>
+            <a:r>
+              <a:rPr lang="ru-RU" dirty="0"/>
+              <a:t>Исследование зависимости среднего балла от статистических данных</a:t>
+            </a:r>
+          </a:p>
+        </p:txBody>
+      </p:sp>
+      <p:pic>
+        <p:nvPicPr>
+          <p:cNvPr id="9" name="Рисунок 8">
+            <a:extLst>
+              <a:ext uri="{FF2B5EF4-FFF2-40B4-BE49-F238E27FC236}">
+                <a16:creationId xmlns:a16="http://schemas.microsoft.com/office/drawing/2014/main" id="{40E95386-DC30-C34E-959B-E39E49384339}"/>
+              </a:ext>
+            </a:extLst>
+          </p:cNvPr>
+          <p:cNvPicPr>
+            <a:picLocks noChangeAspect="1"/>
+          </p:cNvPicPr>
+          <p:nvPr/>
+        </p:nvPicPr>
+        <p:blipFill>
+          <a:blip r:embed="rId2">
+            <a:extLst>
+              <a:ext uri="{28A0092B-C50C-407E-A947-70E740481C1C}">
+                <a14:useLocalDpi xmlns:a14="http://schemas.microsoft.com/office/drawing/2010/main" val="0"/>
+              </a:ext>
+            </a:extLst>
+          </a:blip>
+          <a:stretch>
+            <a:fillRect/>
+          </a:stretch>
+        </p:blipFill>
+        <p:spPr>
+          <a:xfrm>
+            <a:off x="3050540" y="1897370"/>
+            <a:ext cx="5687060" cy="4595505"/>
+          </a:xfrm>
+          <a:prstGeom prst="rect">
+            <a:avLst/>
+          </a:prstGeom>
+        </p:spPr>
+      </p:pic>
+      <p:sp>
+        <p:nvSpPr>
+          <p:cNvPr id="10" name="Номер слайда 9">
+            <a:extLst>
+              <a:ext uri="{FF2B5EF4-FFF2-40B4-BE49-F238E27FC236}">
+                <a16:creationId xmlns:a16="http://schemas.microsoft.com/office/drawing/2014/main" id="{EFFFC42C-3D59-B04B-B285-E12F503D303A}"/>
+              </a:ext>
+            </a:extLst>
+          </p:cNvPr>
+          <p:cNvSpPr>
+            <a:spLocks noGrp="1"/>
+          </p:cNvSpPr>
+          <p:nvPr>
+            <p:ph type="sldNum" sz="quarter" idx="12"/>
+          </p:nvPr>
+        </p:nvSpPr>
+        <p:spPr/>
+        <p:txBody>
+          <a:bodyPr/>
+          <a:lstStyle/>
+          <a:p>
+            <a:fld id="{FADD01DB-3A3D-4160-BF8B-737FEC31D67E}" type="slidenum">
+              <a:rPr lang="ru-RU" smtClean="0"/>
+              <a:pPr/>
+              <a:t>12</a:t>
+            </a:fld>
+            <a:endParaRPr lang="ru-RU"/>
+          </a:p>
+        </p:txBody>
+      </p:sp>
+    </p:spTree>
+    <p:extLst>
+      <p:ext uri="{BB962C8B-B14F-4D97-AF65-F5344CB8AC3E}">
+        <p14:creationId xmlns:p14="http://schemas.microsoft.com/office/powerpoint/2010/main" val="1990973179"/>
+      </p:ext>
+    </p:extLst>
+  </p:cSld>
+  <p:clrMapOvr>
+    <a:masterClrMapping/>
+  </p:clrMapOvr>
+</p:sld>
+</file>
+
+<file path=ppt/slides/slide13.xml><?xml version="1.0" encoding="utf-8"?>
+<p:sld xmlns:a="http://schemas.openxmlformats.org/drawingml/2006/main" xmlns:r="http://schemas.openxmlformats.org/officeDocument/2006/relationships" xmlns:p="http://schemas.openxmlformats.org/presentationml/2006/main">
+  <p:cSld>
+    <p:spTree>
+      <p:nvGrpSpPr>
+        <p:cNvPr id="1" name=""/>
+        <p:cNvGrpSpPr/>
+        <p:nvPr/>
+      </p:nvGrpSpPr>
+      <p:grpSpPr>
+        <a:xfrm>
+          <a:off x="0" y="0"/>
+          <a:ext cx="0" cy="0"/>
+          <a:chOff x="0" y="0"/>
+          <a:chExt cx="0" cy="0"/>
+        </a:xfrm>
+      </p:grpSpPr>
+      <p:sp>
+        <p:nvSpPr>
+          <p:cNvPr id="2" name="Заголовок 1"/>
+          <p:cNvSpPr>
+            <a:spLocks noGrp="1"/>
+          </p:cNvSpPr>
+          <p:nvPr>
+            <p:ph type="title"/>
+          </p:nvPr>
+        </p:nvSpPr>
+        <p:spPr/>
+        <p:txBody>
+          <a:bodyPr/>
+          <a:lstStyle/>
+          <a:p>
+            <a:r>
+              <a:rPr lang="ru-RU" dirty="0"/>
+              <a:t>Исследование зависимости среднего балла от статистических данных</a:t>
+            </a:r>
+          </a:p>
+        </p:txBody>
+      </p:sp>
+      <p:pic>
+        <p:nvPicPr>
+          <p:cNvPr id="7" name="Рисунок 6">
+            <a:extLst>
+              <a:ext uri="{FF2B5EF4-FFF2-40B4-BE49-F238E27FC236}">
+                <a16:creationId xmlns:a16="http://schemas.microsoft.com/office/drawing/2014/main" id="{64A132AA-D452-4746-B271-DBACEFEA4845}"/>
+              </a:ext>
+            </a:extLst>
+          </p:cNvPr>
+          <p:cNvPicPr>
+            <a:picLocks noChangeAspect="1"/>
+          </p:cNvPicPr>
+          <p:nvPr/>
+        </p:nvPicPr>
+        <p:blipFill>
+          <a:blip r:embed="rId2">
+            <a:extLst>
+              <a:ext uri="{28A0092B-C50C-407E-A947-70E740481C1C}">
+                <a14:useLocalDpi xmlns:a14="http://schemas.microsoft.com/office/drawing/2010/main" val="0"/>
+              </a:ext>
+            </a:extLst>
+          </a:blip>
+          <a:stretch>
+            <a:fillRect/>
+          </a:stretch>
+        </p:blipFill>
+        <p:spPr>
+          <a:xfrm>
+            <a:off x="2650490" y="1853247"/>
+            <a:ext cx="6891020" cy="4371169"/>
+          </a:xfrm>
+          <a:prstGeom prst="rect">
+            <a:avLst/>
+          </a:prstGeom>
+        </p:spPr>
+      </p:pic>
+      <p:sp>
+        <p:nvSpPr>
+          <p:cNvPr id="3" name="Номер слайда 2">
+            <a:extLst>
+              <a:ext uri="{FF2B5EF4-FFF2-40B4-BE49-F238E27FC236}">
+                <a16:creationId xmlns:a16="http://schemas.microsoft.com/office/drawing/2014/main" id="{5C8E934A-FEC0-184D-82AC-06ADA1E64952}"/>
+              </a:ext>
+            </a:extLst>
+          </p:cNvPr>
+          <p:cNvSpPr>
+            <a:spLocks noGrp="1"/>
+          </p:cNvSpPr>
+          <p:nvPr>
+            <p:ph type="sldNum" sz="quarter" idx="12"/>
+          </p:nvPr>
+        </p:nvSpPr>
+        <p:spPr/>
+        <p:txBody>
+          <a:bodyPr/>
+          <a:lstStyle/>
+          <a:p>
+            <a:fld id="{FADD01DB-3A3D-4160-BF8B-737FEC31D67E}" type="slidenum">
+              <a:rPr lang="ru-RU" smtClean="0"/>
+              <a:pPr/>
+              <a:t>13</a:t>
+            </a:fld>
+            <a:endParaRPr lang="ru-RU"/>
+          </a:p>
+        </p:txBody>
+      </p:sp>
+    </p:spTree>
+    <p:extLst>
+      <p:ext uri="{BB962C8B-B14F-4D97-AF65-F5344CB8AC3E}">
+        <p14:creationId xmlns:p14="http://schemas.microsoft.com/office/powerpoint/2010/main" val="3479595618"/>
+      </p:ext>
+    </p:extLst>
+  </p:cSld>
+  <p:clrMapOvr>
+    <a:masterClrMapping/>
+  </p:clrMapOvr>
+</p:sld>
+</file>
+
+<file path=ppt/slides/slide14.xml><?xml version="1.0" encoding="utf-8"?>
+<p:sld xmlns:a="http://schemas.openxmlformats.org/drawingml/2006/main" xmlns:r="http://schemas.openxmlformats.org/officeDocument/2006/relationships" xmlns:p="http://schemas.openxmlformats.org/presentationml/2006/main">
+  <p:cSld>
+    <p:spTree>
+      <p:nvGrpSpPr>
+        <p:cNvPr id="1" name=""/>
+        <p:cNvGrpSpPr/>
+        <p:nvPr/>
+      </p:nvGrpSpPr>
+      <p:grpSpPr>
+        <a:xfrm>
+          <a:off x="0" y="0"/>
+          <a:ext cx="0" cy="0"/>
+          <a:chOff x="0" y="0"/>
+          <a:chExt cx="0" cy="0"/>
+        </a:xfrm>
+      </p:grpSpPr>
+      <p:sp>
+        <p:nvSpPr>
+          <p:cNvPr id="2" name="Заголовок 1"/>
+          <p:cNvSpPr>
+            <a:spLocks noGrp="1"/>
+          </p:cNvSpPr>
+          <p:nvPr>
+            <p:ph type="title"/>
+          </p:nvPr>
+        </p:nvSpPr>
+        <p:spPr/>
+        <p:txBody>
+          <a:bodyPr/>
+          <a:lstStyle/>
+          <a:p>
+            <a:r>
+              <a:rPr lang="ru-RU" dirty="0"/>
+              <a:t>Заключение</a:t>
+            </a:r>
+          </a:p>
+        </p:txBody>
+      </p:sp>
+      <p:sp>
+        <p:nvSpPr>
+          <p:cNvPr id="3" name="Прямоугольник 2">
+            <a:extLst>
+              <a:ext uri="{FF2B5EF4-FFF2-40B4-BE49-F238E27FC236}">
+                <a16:creationId xmlns:a16="http://schemas.microsoft.com/office/drawing/2014/main" id="{C85EEE98-7BD9-1F48-AE34-092B4CF15127}"/>
+              </a:ext>
+            </a:extLst>
+          </p:cNvPr>
+          <p:cNvSpPr/>
+          <p:nvPr/>
+        </p:nvSpPr>
+        <p:spPr>
+          <a:xfrm>
+            <a:off x="838199" y="1690688"/>
+            <a:ext cx="10997629" cy="1200329"/>
+          </a:xfrm>
+          <a:prstGeom prst="rect">
+            <a:avLst/>
+          </a:prstGeom>
+        </p:spPr>
+        <p:txBody>
+          <a:bodyPr wrap="square">
+            <a:spAutoFit/>
+          </a:bodyPr>
+          <a:lstStyle/>
+          <a:p>
+            <a:r>
+              <a:rPr lang="ru-RU" dirty="0">
+                <a:latin typeface="Times New Roman" panose="02020603050405020304" pitchFamily="18" charset="0"/>
+                <a:cs typeface="Times New Roman" panose="02020603050405020304" pitchFamily="18" charset="0"/>
+              </a:rPr>
+              <a:t>В рамках данной выпускной квалификационной работы был разработан и</a:t>
+            </a:r>
+          </a:p>
+          <a:p>
+            <a:r>
+              <a:rPr lang="ru-RU" dirty="0">
+                <a:latin typeface="Times New Roman" panose="02020603050405020304" pitchFamily="18" charset="0"/>
+                <a:cs typeface="Times New Roman" panose="02020603050405020304" pitchFamily="18" charset="0"/>
+              </a:rPr>
+              <a:t>реализован  метод прогнозирования итогов приёма в ВУЗы России на основе </a:t>
+            </a:r>
+            <a:r>
+              <a:rPr lang="ru-RU" dirty="0" err="1">
+                <a:latin typeface="Times New Roman" panose="02020603050405020304" pitchFamily="18" charset="0"/>
+                <a:cs typeface="Times New Roman" panose="02020603050405020304" pitchFamily="18" charset="0"/>
+              </a:rPr>
+              <a:t>агентного</a:t>
+            </a:r>
+            <a:r>
+              <a:rPr lang="ru-RU" dirty="0">
+                <a:latin typeface="Times New Roman" panose="02020603050405020304" pitchFamily="18" charset="0"/>
+                <a:cs typeface="Times New Roman" panose="02020603050405020304" pitchFamily="18" charset="0"/>
+              </a:rPr>
+              <a:t> моделирования.</a:t>
+            </a:r>
+          </a:p>
+          <a:p>
+            <a:endParaRPr lang="ru-RU" dirty="0">
               <a:latin typeface="Times New Roman" panose="02020603050405020304" pitchFamily="18" charset="0"/>
               <a:cs typeface="Times New Roman" panose="02020603050405020304" pitchFamily="18" charset="0"/>
             </a:endParaRPr>
           </a:p>
+          <a:p>
+            <a:r>
+              <a:rPr lang="ru-RU" dirty="0">
+                <a:latin typeface="Times New Roman" panose="02020603050405020304" pitchFamily="18" charset="0"/>
+                <a:cs typeface="Times New Roman" panose="02020603050405020304" pitchFamily="18" charset="0"/>
+              </a:rPr>
+              <a:t>В результате проделанной работы были выполнены все поставленные задачи:</a:t>
+            </a:r>
+            <a:endParaRPr lang="en-US" dirty="0">
+              <a:latin typeface="Times New Roman" panose="02020603050405020304" pitchFamily="18" charset="0"/>
+              <a:cs typeface="Times New Roman" panose="02020603050405020304" pitchFamily="18" charset="0"/>
+            </a:endParaRPr>
+          </a:p>
+        </p:txBody>
+      </p:sp>
+      <p:sp>
+        <p:nvSpPr>
+          <p:cNvPr id="4" name="Номер слайда 3">
+            <a:extLst>
+              <a:ext uri="{FF2B5EF4-FFF2-40B4-BE49-F238E27FC236}">
+                <a16:creationId xmlns:a16="http://schemas.microsoft.com/office/drawing/2014/main" id="{1A9181E1-3F1F-C040-8F03-1CFB44C994D5}"/>
+              </a:ext>
+            </a:extLst>
+          </p:cNvPr>
+          <p:cNvSpPr>
+            <a:spLocks noGrp="1"/>
+          </p:cNvSpPr>
+          <p:nvPr>
+            <p:ph type="sldNum" sz="quarter" idx="12"/>
+          </p:nvPr>
+        </p:nvSpPr>
+        <p:spPr/>
+        <p:txBody>
+          <a:bodyPr/>
+          <a:lstStyle/>
+          <a:p>
+            <a:fld id="{FADD01DB-3A3D-4160-BF8B-737FEC31D67E}" type="slidenum">
+              <a:rPr lang="ru-RU" smtClean="0"/>
+              <a:pPr/>
+              <a:t>14</a:t>
+            </a:fld>
+            <a:endParaRPr lang="ru-RU"/>
+          </a:p>
+        </p:txBody>
+      </p:sp>
+      <p:sp>
+        <p:nvSpPr>
+          <p:cNvPr id="5" name="Объект 2">
+            <a:extLst>
+              <a:ext uri="{FF2B5EF4-FFF2-40B4-BE49-F238E27FC236}">
+                <a16:creationId xmlns:a16="http://schemas.microsoft.com/office/drawing/2014/main" id="{7CD81F86-BBA1-9740-844F-3F58A6599DBE}"/>
+              </a:ext>
+            </a:extLst>
+          </p:cNvPr>
+          <p:cNvSpPr>
+            <a:spLocks noGrp="1"/>
+          </p:cNvSpPr>
+          <p:nvPr>
+            <p:ph idx="1"/>
+          </p:nvPr>
+        </p:nvSpPr>
+        <p:spPr>
+          <a:xfrm>
+            <a:off x="838199" y="3016251"/>
+            <a:ext cx="9669293" cy="4635034"/>
+          </a:xfrm>
+        </p:spPr>
+        <p:txBody>
+          <a:bodyPr>
+            <a:normAutofit/>
+          </a:bodyPr>
+          <a:lstStyle/>
+          <a:p>
+            <a:pPr marL="457200" indent="-457200">
+              <a:buFont typeface="+mj-lt"/>
+              <a:buAutoNum type="arabicPeriod"/>
+            </a:pPr>
+            <a:r>
+              <a:rPr lang="ru-RU" sz="1700" dirty="0">
+                <a:latin typeface="Times New Roman" panose="02020603050405020304" pitchFamily="18" charset="0"/>
+                <a:cs typeface="Times New Roman" panose="02020603050405020304" pitchFamily="18" charset="0"/>
+              </a:rPr>
+              <a:t>Проанализированы правила организации приема в ВУЗы России.</a:t>
+            </a:r>
+          </a:p>
+          <a:p>
+            <a:pPr marL="457200" indent="-457200">
+              <a:buFont typeface="+mj-lt"/>
+              <a:buAutoNum type="arabicPeriod"/>
+            </a:pPr>
+            <a:r>
+              <a:rPr lang="ru-RU" sz="1700" dirty="0">
+                <a:latin typeface="Times New Roman" panose="02020603050405020304" pitchFamily="18" charset="0"/>
+                <a:cs typeface="Times New Roman" panose="02020603050405020304" pitchFamily="18" charset="0"/>
+              </a:rPr>
+              <a:t>Проанализированы существующие методы зачисления абитуриентов.</a:t>
+            </a:r>
+          </a:p>
+          <a:p>
+            <a:pPr marL="457200" indent="-457200">
+              <a:buFont typeface="+mj-lt"/>
+              <a:buAutoNum type="arabicPeriod"/>
+            </a:pPr>
+            <a:r>
+              <a:rPr lang="ru-RU" sz="1700" dirty="0">
+                <a:latin typeface="Times New Roman" panose="02020603050405020304" pitchFamily="18" charset="0"/>
+                <a:cs typeface="Times New Roman" panose="02020603050405020304" pitchFamily="18" charset="0"/>
+              </a:rPr>
+              <a:t>Получена статистическая информация о ВУЗах и УГСН.</a:t>
+            </a:r>
+          </a:p>
+          <a:p>
+            <a:pPr marL="457200" indent="-457200">
+              <a:buFont typeface="+mj-lt"/>
+              <a:buAutoNum type="arabicPeriod"/>
+            </a:pPr>
+            <a:r>
+              <a:rPr lang="ru-RU" sz="1700" dirty="0">
+                <a:latin typeface="Times New Roman" panose="02020603050405020304" pitchFamily="18" charset="0"/>
+                <a:cs typeface="Times New Roman" panose="02020603050405020304" pitchFamily="18" charset="0"/>
+              </a:rPr>
+              <a:t>Разработана имитационная модель поведения абитуриентов.</a:t>
+            </a:r>
+          </a:p>
+          <a:p>
+            <a:pPr marL="457200" indent="-457200">
+              <a:buFont typeface="+mj-lt"/>
+              <a:buAutoNum type="arabicPeriod"/>
+            </a:pPr>
+            <a:r>
+              <a:rPr lang="ru-RU" sz="1700" dirty="0">
+                <a:latin typeface="Times New Roman" panose="02020603050405020304" pitchFamily="18" charset="0"/>
+                <a:cs typeface="Times New Roman" panose="02020603050405020304" pitchFamily="18" charset="0"/>
+              </a:rPr>
+              <a:t>Спроектировано и разработано ПО, реализующее метод прогнозирования итогов приема в ВУЗы, на основании разработанной модели поведения и статистических данных.</a:t>
+            </a:r>
+          </a:p>
+          <a:p>
+            <a:pPr marL="457200" indent="-457200">
+              <a:buFont typeface="+mj-lt"/>
+              <a:buAutoNum type="arabicPeriod"/>
+            </a:pPr>
+            <a:r>
+              <a:rPr lang="ru-RU" sz="1700" dirty="0">
+                <a:latin typeface="Times New Roman" panose="02020603050405020304" pitchFamily="18" charset="0"/>
+                <a:cs typeface="Times New Roman" panose="02020603050405020304" pitchFamily="18" charset="0"/>
+              </a:rPr>
+              <a:t>Исследована зависимость среднего балла от различных входных данных.</a:t>
+            </a:r>
+          </a:p>
         </p:txBody>
       </p:sp>
     </p:spTree>
     <p:extLst>
       <p:ext uri="{BB962C8B-B14F-4D97-AF65-F5344CB8AC3E}">
-        <p14:creationId xmlns:p14="http://schemas.microsoft.com/office/powerpoint/2010/main" xmlns="" val="295902963"/>
+        <p14:creationId xmlns:p14="http://schemas.microsoft.com/office/powerpoint/2010/main" val="3060478220"/>
+      </p:ext>
+    </p:extLst>
+  </p:cSld>
+  <p:clrMapOvr>
+    <a:masterClrMapping/>
+  </p:clrMapOvr>
+</p:sld>
+</file>
+
+<file path=ppt/slides/slide15.xml><?xml version="1.0" encoding="utf-8"?>
+<p:sld xmlns:a="http://schemas.openxmlformats.org/drawingml/2006/main" xmlns:r="http://schemas.openxmlformats.org/officeDocument/2006/relationships" xmlns:p="http://schemas.openxmlformats.org/presentationml/2006/main">
+  <p:cSld>
+    <p:spTree>
+      <p:nvGrpSpPr>
+        <p:cNvPr id="1" name=""/>
+        <p:cNvGrpSpPr/>
+        <p:nvPr/>
+      </p:nvGrpSpPr>
+      <p:grpSpPr>
+        <a:xfrm>
+          <a:off x="0" y="0"/>
+          <a:ext cx="0" cy="0"/>
+          <a:chOff x="0" y="0"/>
+          <a:chExt cx="0" cy="0"/>
+        </a:xfrm>
+      </p:grpSpPr>
+      <p:sp>
+        <p:nvSpPr>
+          <p:cNvPr id="2" name="Заголовок 1"/>
+          <p:cNvSpPr>
+            <a:spLocks noGrp="1"/>
+          </p:cNvSpPr>
+          <p:nvPr>
+            <p:ph type="title"/>
+          </p:nvPr>
+        </p:nvSpPr>
+        <p:spPr/>
+        <p:txBody>
+          <a:bodyPr/>
+          <a:lstStyle/>
+          <a:p>
+            <a:r>
+              <a:rPr lang="ru-RU" dirty="0"/>
+              <a:t>Дальнейшее развитие</a:t>
+            </a:r>
+          </a:p>
+        </p:txBody>
+      </p:sp>
+      <p:sp>
+        <p:nvSpPr>
+          <p:cNvPr id="3" name="Прямоугольник 2">
+            <a:extLst>
+              <a:ext uri="{FF2B5EF4-FFF2-40B4-BE49-F238E27FC236}">
+                <a16:creationId xmlns:a16="http://schemas.microsoft.com/office/drawing/2014/main" id="{A88D0C5C-8E49-7B40-879E-71CFFC356944}"/>
+              </a:ext>
+            </a:extLst>
+          </p:cNvPr>
+          <p:cNvSpPr/>
+          <p:nvPr/>
+        </p:nvSpPr>
+        <p:spPr>
+          <a:xfrm>
+            <a:off x="746587" y="1690688"/>
+            <a:ext cx="9096055" cy="2031325"/>
+          </a:xfrm>
+          <a:prstGeom prst="rect">
+            <a:avLst/>
+          </a:prstGeom>
+        </p:spPr>
+        <p:txBody>
+          <a:bodyPr wrap="square">
+            <a:spAutoFit/>
+          </a:bodyPr>
+          <a:lstStyle/>
+          <a:p>
+            <a:pPr marL="285750" indent="-285750">
+              <a:buFont typeface="Arial" panose="020B0604020202020204" pitchFamily="34" charset="0"/>
+              <a:buChar char="•"/>
+            </a:pPr>
+            <a:r>
+              <a:rPr lang="ru-RU" dirty="0"/>
+              <a:t>Использование средств </a:t>
+            </a:r>
+            <a:r>
+              <a:rPr lang="ru-RU" dirty="0" err="1"/>
+              <a:t>многопоточности</a:t>
+            </a:r>
+            <a:r>
+              <a:rPr lang="ru-RU" dirty="0"/>
+              <a:t> для оптимизации генерации агентов</a:t>
+            </a:r>
+          </a:p>
+          <a:p>
+            <a:pPr marL="285750" indent="-285750">
+              <a:buFont typeface="Arial" panose="020B0604020202020204" pitchFamily="34" charset="0"/>
+              <a:buChar char="•"/>
+            </a:pPr>
+            <a:endParaRPr lang="ru-RU" dirty="0"/>
+          </a:p>
+          <a:p>
+            <a:pPr marL="285750" indent="-285750">
+              <a:buFont typeface="Arial" panose="020B0604020202020204" pitchFamily="34" charset="0"/>
+              <a:buChar char="•"/>
+            </a:pPr>
+            <a:r>
+              <a:rPr lang="ru-RU" dirty="0"/>
+              <a:t>Разработка нечестных и рисковых стратегий поведения абитуриента</a:t>
+            </a:r>
+          </a:p>
+          <a:p>
+            <a:pPr marL="285750" indent="-285750">
+              <a:buFont typeface="Arial" panose="020B0604020202020204" pitchFamily="34" charset="0"/>
+              <a:buChar char="•"/>
+            </a:pPr>
+            <a:endParaRPr lang="ru-RU" dirty="0"/>
+          </a:p>
+          <a:p>
+            <a:pPr marL="285750" indent="-285750">
+              <a:buFont typeface="Arial" panose="020B0604020202020204" pitchFamily="34" charset="0"/>
+              <a:buChar char="•"/>
+            </a:pPr>
+            <a:r>
+              <a:rPr lang="ru-RU" dirty="0"/>
+              <a:t>Добавление приоритетного этапа зачисления для победителей и призеров олимпиад</a:t>
+            </a:r>
+          </a:p>
+          <a:p>
+            <a:pPr marL="285750" indent="-285750">
+              <a:buFont typeface="Arial" panose="020B0604020202020204" pitchFamily="34" charset="0"/>
+              <a:buChar char="•"/>
+            </a:pPr>
+            <a:endParaRPr lang="ru-RU" dirty="0"/>
+          </a:p>
+          <a:p>
+            <a:pPr marL="285750" indent="-285750">
+              <a:buFont typeface="Arial" panose="020B0604020202020204" pitchFamily="34" charset="0"/>
+              <a:buChar char="•"/>
+            </a:pPr>
+            <a:r>
+              <a:rPr lang="ru-RU" dirty="0"/>
+              <a:t>Масштабирование разработанного метода до полноценного интернет сервиса</a:t>
+            </a:r>
+          </a:p>
+        </p:txBody>
+      </p:sp>
+      <p:sp>
+        <p:nvSpPr>
+          <p:cNvPr id="4" name="Номер слайда 3">
+            <a:extLst>
+              <a:ext uri="{FF2B5EF4-FFF2-40B4-BE49-F238E27FC236}">
+                <a16:creationId xmlns:a16="http://schemas.microsoft.com/office/drawing/2014/main" id="{AE094975-4986-4E48-8217-47E8452ABAC5}"/>
+              </a:ext>
+            </a:extLst>
+          </p:cNvPr>
+          <p:cNvSpPr>
+            <a:spLocks noGrp="1"/>
+          </p:cNvSpPr>
+          <p:nvPr>
+            <p:ph type="sldNum" sz="quarter" idx="12"/>
+          </p:nvPr>
+        </p:nvSpPr>
+        <p:spPr/>
+        <p:txBody>
+          <a:bodyPr/>
+          <a:lstStyle/>
+          <a:p>
+            <a:fld id="{FADD01DB-3A3D-4160-BF8B-737FEC31D67E}" type="slidenum">
+              <a:rPr lang="ru-RU" smtClean="0"/>
+              <a:pPr/>
+              <a:t>15</a:t>
+            </a:fld>
+            <a:endParaRPr lang="ru-RU"/>
+          </a:p>
+        </p:txBody>
+      </p:sp>
+    </p:spTree>
+    <p:extLst>
+      <p:ext uri="{BB962C8B-B14F-4D97-AF65-F5344CB8AC3E}">
+        <p14:creationId xmlns:p14="http://schemas.microsoft.com/office/powerpoint/2010/main" val="2639894409"/>
       </p:ext>
     </p:extLst>
   </p:cSld>
@@ -3277,10 +4602,9 @@
           <a:lstStyle/>
           <a:p>
             <a:r>
-              <a:rPr lang="ru-RU" dirty="0" smtClean="0"/>
-              <a:t>Обоснование выбора темы</a:t>
-            </a:r>
-            <a:endParaRPr lang="ru-RU" dirty="0"/>
+              <a:rPr lang="ru-RU" dirty="0"/>
+              <a:t>Актуальность</a:t>
+            </a:r>
           </a:p>
         </p:txBody>
       </p:sp>
@@ -3296,8 +4620,8 @@
         </p:nvSpPr>
         <p:spPr>
           <a:xfrm>
-            <a:off x="838200" y="1541929"/>
-            <a:ext cx="10515600" cy="4635034"/>
+            <a:off x="536643" y="1541929"/>
+            <a:ext cx="4969213" cy="4635034"/>
           </a:xfrm>
         </p:spPr>
         <p:txBody>
@@ -3310,72 +4634,187 @@
               <a:buNone/>
             </a:pPr>
             <a:r>
-              <a:rPr lang="ru-RU" sz="2400" dirty="0" smtClean="0"/>
-              <a:t>Прогнозирование итогов приёма в ВУЗы является актуальной задачей </a:t>
-            </a:r>
-            <a:r>
-              <a:rPr lang="ru-RU" sz="2400" dirty="0" err="1" smtClean="0"/>
-              <a:t>агентного</a:t>
-            </a:r>
-            <a:r>
-              <a:rPr lang="ru-RU" sz="2400" dirty="0" smtClean="0"/>
-              <a:t> моделирования, решение которой позволяет высшим учебным заведениям выявлять слабые </a:t>
-            </a:r>
-            <a:r>
-              <a:rPr lang="ru-RU" sz="2400" dirty="0" smtClean="0"/>
-              <a:t>стороны процесса </a:t>
-            </a:r>
-            <a:r>
-              <a:rPr lang="ru-RU" sz="2400" dirty="0" smtClean="0"/>
-              <a:t>приёма, а также изучить </a:t>
-            </a:r>
-            <a:r>
-              <a:rPr lang="ru-RU" sz="2400" dirty="0" smtClean="0"/>
-              <a:t>реакцию абитуриентов на закрытие, либо открытие новой </a:t>
-            </a:r>
-            <a:r>
-              <a:rPr lang="ru-RU" sz="2400" dirty="0" smtClean="0"/>
-              <a:t>специальности</a:t>
-            </a:r>
-            <a:r>
-              <a:rPr lang="ru-RU" sz="2400" dirty="0" smtClean="0"/>
-              <a:t>, изменение экономического показателя региона </a:t>
-            </a:r>
-            <a:r>
-              <a:rPr lang="ru-RU" sz="2400" dirty="0" smtClean="0"/>
-              <a:t>и спрогнозировать спрос на </a:t>
-            </a:r>
-            <a:r>
-              <a:rPr lang="ru-RU" sz="2400" dirty="0" smtClean="0"/>
-              <a:t>высшее образование</a:t>
-            </a:r>
-            <a:r>
-              <a:rPr lang="ru-RU" sz="2400" dirty="0" smtClean="0"/>
-              <a:t>.</a:t>
+              <a:rPr lang="ru-RU" sz="1700" dirty="0">
+                <a:latin typeface="Times New Roman" panose="02020603050405020304" pitchFamily="18" charset="0"/>
+                <a:cs typeface="Times New Roman" panose="02020603050405020304" pitchFamily="18" charset="0"/>
+              </a:rPr>
+              <a:t>    Правила приема регулярно меняются, поэтому учебные заведения</a:t>
+            </a:r>
+            <a:r>
+              <a:rPr lang="en-US" sz="1700" dirty="0">
+                <a:latin typeface="Times New Roman" panose="02020603050405020304" pitchFamily="18" charset="0"/>
+                <a:cs typeface="Times New Roman" panose="02020603050405020304" pitchFamily="18" charset="0"/>
+              </a:rPr>
+              <a:t> </a:t>
+            </a:r>
+            <a:r>
+              <a:rPr lang="ru-RU" sz="1700" dirty="0">
+                <a:latin typeface="Times New Roman" panose="02020603050405020304" pitchFamily="18" charset="0"/>
+                <a:cs typeface="Times New Roman" panose="02020603050405020304" pitchFamily="18" charset="0"/>
+              </a:rPr>
+              <a:t>используют моделирование для анализа возможной конкурсной ситуации в новых условиях, поскольку каждое учреждение стремится заполучить наиболее сильных абитуриентов.</a:t>
             </a:r>
           </a:p>
           <a:p>
             <a:pPr>
               <a:buNone/>
             </a:pPr>
-            <a:endParaRPr lang="ru-RU" sz="2400" dirty="0" smtClean="0"/>
+            <a:endParaRPr lang="ru-RU" sz="1400" dirty="0">
+              <a:latin typeface="Times New Roman" panose="02020603050405020304" pitchFamily="18" charset="0"/>
+              <a:cs typeface="Times New Roman" panose="02020603050405020304" pitchFamily="18" charset="0"/>
+            </a:endParaRPr>
           </a:p>
           <a:p>
             <a:pPr>
               <a:buNone/>
             </a:pPr>
-            <a:r>
-              <a:rPr lang="ru-RU" sz="2400" dirty="0" smtClean="0"/>
-              <a:t>Правила приёма регулярно меняются, поэтому ВУЗы прибегают к моделированию и дальнейшему анализу возможной конкурсной ситуации в новых условиях, поскольку каждое учреждение стремится заполучить наиболее сильных абитуриентов.</a:t>
-            </a:r>
-            <a:endParaRPr lang="ru-RU" sz="2400" dirty="0" smtClean="0"/>
+            <a:endParaRPr lang="ru-RU" sz="1400" dirty="0">
+              <a:latin typeface="Times New Roman" panose="02020603050405020304" pitchFamily="18" charset="0"/>
+              <a:cs typeface="Times New Roman" panose="02020603050405020304" pitchFamily="18" charset="0"/>
+            </a:endParaRPr>
+          </a:p>
+          <a:p>
+            <a:pPr>
+              <a:buNone/>
+            </a:pPr>
+            <a:r>
+              <a:rPr lang="ru-RU" sz="1700" dirty="0">
+                <a:latin typeface="Times New Roman" panose="02020603050405020304" pitchFamily="18" charset="0"/>
+                <a:cs typeface="Times New Roman" panose="02020603050405020304" pitchFamily="18" charset="0"/>
+              </a:rPr>
+              <a:t>    Метод прогнозирования итогов приема в ВУЗы   России может быть использован:</a:t>
+            </a:r>
+          </a:p>
+          <a:p>
+            <a:pPr marL="342900" indent="-342900">
+              <a:buAutoNum type="arabicPeriod"/>
+            </a:pPr>
+            <a:r>
+              <a:rPr lang="ru-RU" sz="1700" dirty="0">
+                <a:latin typeface="Times New Roman" panose="02020603050405020304" pitchFamily="18" charset="0"/>
+                <a:cs typeface="Times New Roman" panose="02020603050405020304" pitchFamily="18" charset="0"/>
+              </a:rPr>
+              <a:t>Для выявления слабых сторон процесса приема</a:t>
+            </a:r>
+            <a:r>
+              <a:rPr lang="en-US" sz="1700" dirty="0">
+                <a:latin typeface="Times New Roman" panose="02020603050405020304" pitchFamily="18" charset="0"/>
+                <a:cs typeface="Times New Roman" panose="02020603050405020304" pitchFamily="18" charset="0"/>
+              </a:rPr>
+              <a:t>;</a:t>
+            </a:r>
+            <a:endParaRPr lang="ru-RU" sz="1700" dirty="0">
+              <a:latin typeface="Times New Roman" panose="02020603050405020304" pitchFamily="18" charset="0"/>
+              <a:cs typeface="Times New Roman" panose="02020603050405020304" pitchFamily="18" charset="0"/>
+            </a:endParaRPr>
+          </a:p>
+          <a:p>
+            <a:pPr marL="342900" indent="-342900">
+              <a:buAutoNum type="arabicPeriod"/>
+            </a:pPr>
+            <a:r>
+              <a:rPr lang="ru-RU" sz="1700" dirty="0">
+                <a:latin typeface="Times New Roman" panose="02020603050405020304" pitchFamily="18" charset="0"/>
+                <a:cs typeface="Times New Roman" panose="02020603050405020304" pitchFamily="18" charset="0"/>
+              </a:rPr>
+              <a:t>Изучение реакции абитуриентов на открытие или закрытие направления подготовки</a:t>
+            </a:r>
+            <a:r>
+              <a:rPr lang="en-US" sz="1700" dirty="0">
+                <a:latin typeface="Times New Roman" panose="02020603050405020304" pitchFamily="18" charset="0"/>
+                <a:cs typeface="Times New Roman" panose="02020603050405020304" pitchFamily="18" charset="0"/>
+              </a:rPr>
+              <a:t>;</a:t>
+            </a:r>
+            <a:endParaRPr lang="ru-RU" sz="1700" dirty="0">
+              <a:latin typeface="Times New Roman" panose="02020603050405020304" pitchFamily="18" charset="0"/>
+              <a:cs typeface="Times New Roman" panose="02020603050405020304" pitchFamily="18" charset="0"/>
+            </a:endParaRPr>
+          </a:p>
+          <a:p>
+            <a:pPr marL="342900" indent="-342900">
+              <a:buAutoNum type="arabicPeriod"/>
+            </a:pPr>
+            <a:r>
+              <a:rPr lang="ru-RU" sz="1700" dirty="0">
+                <a:latin typeface="Times New Roman" panose="02020603050405020304" pitchFamily="18" charset="0"/>
+                <a:cs typeface="Times New Roman" panose="02020603050405020304" pitchFamily="18" charset="0"/>
+              </a:rPr>
+              <a:t>Изучение реакции абитуриентов на изменение количества бюджетных мест.</a:t>
+            </a:r>
+          </a:p>
+        </p:txBody>
+      </p:sp>
+      <p:pic>
+        <p:nvPicPr>
+          <p:cNvPr id="5" name="Рисунок 4">
+            <a:extLst>
+              <a:ext uri="{FF2B5EF4-FFF2-40B4-BE49-F238E27FC236}">
+                <a16:creationId xmlns:a16="http://schemas.microsoft.com/office/drawing/2014/main" id="{EB7E995A-C633-C042-AFCE-23327BC96460}"/>
+              </a:ext>
+            </a:extLst>
+          </p:cNvPr>
+          <p:cNvPicPr>
+            <a:picLocks noChangeAspect="1"/>
+          </p:cNvPicPr>
+          <p:nvPr/>
+        </p:nvPicPr>
+        <p:blipFill>
+          <a:blip r:embed="rId2">
+            <a:extLst>
+              <a:ext uri="{28A0092B-C50C-407E-A947-70E740481C1C}">
+                <a14:useLocalDpi xmlns:a14="http://schemas.microsoft.com/office/drawing/2010/main" val="0"/>
+              </a:ext>
+            </a:extLst>
+          </a:blip>
+          <a:stretch>
+            <a:fillRect/>
+          </a:stretch>
+        </p:blipFill>
+        <p:spPr>
+          <a:xfrm>
+            <a:off x="5655012" y="1096000"/>
+            <a:ext cx="6419673" cy="4273668"/>
+          </a:xfrm>
+          <a:prstGeom prst="rect">
+            <a:avLst/>
+          </a:prstGeom>
+        </p:spPr>
+      </p:pic>
+      <p:sp>
+        <p:nvSpPr>
+          <p:cNvPr id="6" name="Номер слайда 5">
+            <a:extLst>
+              <a:ext uri="{FF2B5EF4-FFF2-40B4-BE49-F238E27FC236}">
+                <a16:creationId xmlns:a16="http://schemas.microsoft.com/office/drawing/2014/main" id="{203D4AD3-08E1-1A4B-A008-3CDA1C481531}"/>
+              </a:ext>
+            </a:extLst>
+          </p:cNvPr>
+          <p:cNvSpPr>
+            <a:spLocks noGrp="1"/>
+          </p:cNvSpPr>
+          <p:nvPr>
+            <p:ph type="sldNum" sz="quarter" idx="12"/>
+          </p:nvPr>
+        </p:nvSpPr>
+        <p:spPr/>
+        <p:txBody>
+          <a:bodyPr/>
+          <a:lstStyle/>
+          <a:p>
+            <a:fld id="{FADD01DB-3A3D-4160-BF8B-737FEC31D67E}" type="slidenum">
+              <a:rPr lang="ru-RU" smtClean="0"/>
+              <a:pPr/>
+              <a:t>2</a:t>
+            </a:fld>
+            <a:endParaRPr lang="ru-RU"/>
           </a:p>
         </p:txBody>
       </p:sp>
     </p:spTree>
     <p:extLst>
       <p:ext uri="{BB962C8B-B14F-4D97-AF65-F5344CB8AC3E}">
-        <p14:creationId xmlns:p14="http://schemas.microsoft.com/office/powerpoint/2010/main" xmlns="" val="2110771218"/>
+        <p14:creationId xmlns:p14="http://schemas.microsoft.com/office/powerpoint/2010/main" val="2110771218"/>
       </p:ext>
     </p:extLst>
   </p:cSld>
@@ -3418,10 +4857,9 @@
           <a:lstStyle/>
           <a:p>
             <a:r>
-              <a:rPr lang="ru-RU" dirty="0" smtClean="0"/>
+              <a:rPr lang="ru-RU" dirty="0"/>
               <a:t>Цели и задачи работы</a:t>
             </a:r>
-            <a:endParaRPr lang="ru-RU" dirty="0"/>
           </a:p>
         </p:txBody>
       </p:sp>
@@ -3438,7 +4876,7 @@
         <p:spPr>
           <a:xfrm>
             <a:off x="838200" y="1541929"/>
-            <a:ext cx="10515600" cy="4635034"/>
+            <a:ext cx="9669293" cy="4635034"/>
           </a:xfrm>
         </p:spPr>
         <p:txBody>
@@ -3451,23 +4889,38 @@
               <a:buNone/>
             </a:pPr>
             <a:r>
-              <a:rPr lang="ru-RU" sz="2400" dirty="0" smtClean="0"/>
-              <a:t>Цель работы – разработать и реализовать метод прогнозирования итогов приёма в вузы России.</a:t>
+              <a:rPr lang="ru-RU" sz="1700" dirty="0">
+                <a:latin typeface="Times New Roman" panose="02020603050405020304" pitchFamily="18" charset="0"/>
+                <a:cs typeface="Times New Roman" panose="02020603050405020304" pitchFamily="18" charset="0"/>
+              </a:rPr>
+              <a:t>Цель работы – разработать и реализовать метод прогнозирования итогов приёма в ВУЗы России.</a:t>
             </a:r>
             <a:br>
-              <a:rPr lang="ru-RU" sz="2400" dirty="0" smtClean="0"/>
+              <a:rPr lang="ru-RU" sz="1700" dirty="0">
+                <a:latin typeface="Times New Roman" panose="02020603050405020304" pitchFamily="18" charset="0"/>
+                <a:cs typeface="Times New Roman" panose="02020603050405020304" pitchFamily="18" charset="0"/>
+              </a:rPr>
             </a:br>
-            <a:endParaRPr lang="ru-RU" sz="2400" dirty="0" smtClean="0"/>
+            <a:endParaRPr lang="ru-RU" sz="1700" dirty="0">
+              <a:latin typeface="Times New Roman" panose="02020603050405020304" pitchFamily="18" charset="0"/>
+              <a:cs typeface="Times New Roman" panose="02020603050405020304" pitchFamily="18" charset="0"/>
+            </a:endParaRPr>
           </a:p>
           <a:p>
             <a:pPr>
               <a:buNone/>
             </a:pPr>
             <a:r>
-              <a:rPr lang="ru-RU" sz="2400" dirty="0" smtClean="0"/>
-              <a:t>	Для достижения поставленной цели необходимо решить следующие задачи:</a:t>
-            </a:r>
-            <a:endParaRPr lang="en-US" sz="2400" dirty="0" smtClean="0"/>
+              <a:rPr lang="ru-RU" sz="1700" dirty="0">
+                <a:latin typeface="Times New Roman" panose="02020603050405020304" pitchFamily="18" charset="0"/>
+                <a:cs typeface="Times New Roman" panose="02020603050405020304" pitchFamily="18" charset="0"/>
+              </a:rPr>
+              <a:t>	Задачи:</a:t>
+            </a:r>
+            <a:endParaRPr lang="en-US" sz="1700" dirty="0">
+              <a:latin typeface="Times New Roman" panose="02020603050405020304" pitchFamily="18" charset="0"/>
+              <a:cs typeface="Times New Roman" panose="02020603050405020304" pitchFamily="18" charset="0"/>
+            </a:endParaRPr>
           </a:p>
           <a:p>
             <a:pPr marL="457200" indent="-457200">
@@ -3475,14 +4928,12 @@
               <a:buAutoNum type="arabicPeriod"/>
             </a:pPr>
             <a:r>
-              <a:rPr lang="ru-RU" sz="2400" dirty="0" smtClean="0"/>
-              <a:t>сбор информации и статистики о вузах России</a:t>
-            </a:r>
-            <a:r>
-              <a:rPr lang="en-US" sz="2400" dirty="0" smtClean="0"/>
-              <a:t>;</a:t>
-            </a:r>
-            <a:endParaRPr lang="ru-RU" sz="2400" dirty="0" smtClean="0"/>
+              <a:rPr lang="ru-RU" sz="1700" dirty="0">
+                <a:latin typeface="Times New Roman" panose="02020603050405020304" pitchFamily="18" charset="0"/>
+                <a:cs typeface="Times New Roman" panose="02020603050405020304" pitchFamily="18" charset="0"/>
+              </a:rPr>
+              <a:t>Анализ правил организации приема в ВУЗы России.</a:t>
+            </a:r>
           </a:p>
           <a:p>
             <a:pPr marL="457200" indent="-457200">
@@ -3490,8 +4941,11 @@
               <a:buAutoNum type="arabicPeriod"/>
             </a:pPr>
             <a:r>
-              <a:rPr lang="ru-RU" sz="2400" dirty="0" smtClean="0"/>
-              <a:t>анализ полученной информации о вузах;</a:t>
+              <a:rPr lang="ru-RU" sz="1700" dirty="0">
+                <a:latin typeface="Times New Roman" panose="02020603050405020304" pitchFamily="18" charset="0"/>
+                <a:cs typeface="Times New Roman" panose="02020603050405020304" pitchFamily="18" charset="0"/>
+              </a:rPr>
+              <a:t>Анализ существующих методов зачисления абитуриентов.</a:t>
             </a:r>
           </a:p>
           <a:p>
@@ -3500,16 +4954,11 @@
               <a:buAutoNum type="arabicPeriod"/>
             </a:pPr>
             <a:r>
-              <a:rPr lang="ru-RU" sz="2400" dirty="0" smtClean="0"/>
-              <a:t>анализ существующих </a:t>
-            </a:r>
-            <a:r>
-              <a:rPr lang="ru-RU" sz="2400" dirty="0" err="1" smtClean="0"/>
-              <a:t>агент-ориентированных</a:t>
-            </a:r>
-            <a:r>
-              <a:rPr lang="ru-RU" sz="2400" dirty="0" smtClean="0"/>
-              <a:t> моделей;</a:t>
+              <a:rPr lang="ru-RU" sz="1700" dirty="0">
+                <a:latin typeface="Times New Roman" panose="02020603050405020304" pitchFamily="18" charset="0"/>
+                <a:cs typeface="Times New Roman" panose="02020603050405020304" pitchFamily="18" charset="0"/>
+              </a:rPr>
+              <a:t>Получение статистической информации о ВУЗах и УГСН.</a:t>
             </a:r>
           </a:p>
           <a:p>
@@ -3518,8 +4967,11 @@
               <a:buAutoNum type="arabicPeriod"/>
             </a:pPr>
             <a:r>
-              <a:rPr lang="ru-RU" sz="2400" dirty="0" smtClean="0"/>
-              <a:t>анализ способов моделирования поведения агента;</a:t>
+              <a:rPr lang="ru-RU" sz="1700" dirty="0">
+                <a:latin typeface="Times New Roman" panose="02020603050405020304" pitchFamily="18" charset="0"/>
+                <a:cs typeface="Times New Roman" panose="02020603050405020304" pitchFamily="18" charset="0"/>
+              </a:rPr>
+              <a:t>Разработка имитационной модели поведения абитуриентов.</a:t>
             </a:r>
           </a:p>
           <a:p>
@@ -3528,8 +4980,11 @@
               <a:buAutoNum type="arabicPeriod"/>
             </a:pPr>
             <a:r>
-              <a:rPr lang="ru-RU" sz="2400" dirty="0" smtClean="0"/>
-              <a:t>разработка метода прогнозирования итогов приёма в вузы;</a:t>
+              <a:rPr lang="ru-RU" sz="1700" dirty="0">
+                <a:latin typeface="Times New Roman" panose="02020603050405020304" pitchFamily="18" charset="0"/>
+                <a:cs typeface="Times New Roman" panose="02020603050405020304" pitchFamily="18" charset="0"/>
+              </a:rPr>
+              <a:t>Проектирование и разработка ПО, реализующего метод прогнозирования итогов приема в ВУЗы, на основании разработанной модели поведения и статистических данных.</a:t>
             </a:r>
           </a:p>
           <a:p>
@@ -3538,16 +4993,1957 @@
               <a:buAutoNum type="arabicPeriod"/>
             </a:pPr>
             <a:r>
-              <a:rPr lang="ru-RU" sz="2400" dirty="0" smtClean="0"/>
-              <a:t>программная реализация разработанного метода.</a:t>
-            </a:r>
+              <a:rPr lang="ru-RU" sz="1700" dirty="0">
+                <a:latin typeface="Times New Roman" panose="02020603050405020304" pitchFamily="18" charset="0"/>
+                <a:cs typeface="Times New Roman" panose="02020603050405020304" pitchFamily="18" charset="0"/>
+              </a:rPr>
+              <a:t>Исследование зависимости среднего балла от различных входных данных.</a:t>
+            </a:r>
+          </a:p>
+        </p:txBody>
+      </p:sp>
+      <p:sp>
+        <p:nvSpPr>
+          <p:cNvPr id="4" name="Номер слайда 3">
+            <a:extLst>
+              <a:ext uri="{FF2B5EF4-FFF2-40B4-BE49-F238E27FC236}">
+                <a16:creationId xmlns:a16="http://schemas.microsoft.com/office/drawing/2014/main" id="{F4D26C53-4197-434E-B55C-6DC633984B57}"/>
+              </a:ext>
+            </a:extLst>
+          </p:cNvPr>
+          <p:cNvSpPr>
+            <a:spLocks noGrp="1"/>
+          </p:cNvSpPr>
+          <p:nvPr>
+            <p:ph type="sldNum" sz="quarter" idx="12"/>
+          </p:nvPr>
+        </p:nvSpPr>
+        <p:spPr/>
+        <p:txBody>
+          <a:bodyPr/>
+          <a:lstStyle/>
+          <a:p>
+            <a:fld id="{FADD01DB-3A3D-4160-BF8B-737FEC31D67E}" type="slidenum">
+              <a:rPr lang="ru-RU" smtClean="0"/>
+              <a:pPr/>
+              <a:t>3</a:t>
+            </a:fld>
+            <a:endParaRPr lang="ru-RU"/>
           </a:p>
         </p:txBody>
       </p:sp>
     </p:spTree>
     <p:extLst>
       <p:ext uri="{BB962C8B-B14F-4D97-AF65-F5344CB8AC3E}">
-        <p14:creationId xmlns:p14="http://schemas.microsoft.com/office/powerpoint/2010/main" xmlns="" val="2110771218"/>
+        <p14:creationId xmlns:p14="http://schemas.microsoft.com/office/powerpoint/2010/main" val="2110771218"/>
+      </p:ext>
+    </p:extLst>
+  </p:cSld>
+  <p:clrMapOvr>
+    <a:masterClrMapping/>
+  </p:clrMapOvr>
+</p:sld>
+</file>
+
+<file path=ppt/slides/slide4.xml><?xml version="1.0" encoding="utf-8"?>
+<p:sld xmlns:a="http://schemas.openxmlformats.org/drawingml/2006/main" xmlns:r="http://schemas.openxmlformats.org/officeDocument/2006/relationships" xmlns:p="http://schemas.openxmlformats.org/presentationml/2006/main">
+  <p:cSld>
+    <p:spTree>
+      <p:nvGrpSpPr>
+        <p:cNvPr id="1" name=""/>
+        <p:cNvGrpSpPr/>
+        <p:nvPr/>
+      </p:nvGrpSpPr>
+      <p:grpSpPr>
+        <a:xfrm>
+          <a:off x="0" y="0"/>
+          <a:ext cx="0" cy="0"/>
+          <a:chOff x="0" y="0"/>
+          <a:chExt cx="0" cy="0"/>
+        </a:xfrm>
+      </p:grpSpPr>
+      <p:sp>
+        <p:nvSpPr>
+          <p:cNvPr id="2" name="Заголовок 1"/>
+          <p:cNvSpPr>
+            <a:spLocks noGrp="1"/>
+          </p:cNvSpPr>
+          <p:nvPr>
+            <p:ph type="title"/>
+          </p:nvPr>
+        </p:nvSpPr>
+        <p:spPr/>
+        <p:txBody>
+          <a:bodyPr/>
+          <a:lstStyle/>
+          <a:p>
+            <a:r>
+              <a:rPr lang="ru-RU" dirty="0"/>
+              <a:t>Анализ существующих решений</a:t>
+            </a:r>
+          </a:p>
+        </p:txBody>
+      </p:sp>
+      <p:graphicFrame>
+        <p:nvGraphicFramePr>
+          <p:cNvPr id="4" name="Таблица 3">
+            <a:extLst>
+              <a:ext uri="{FF2B5EF4-FFF2-40B4-BE49-F238E27FC236}">
+                <a16:creationId xmlns:a16="http://schemas.microsoft.com/office/drawing/2014/main" id="{5A2D5379-C115-6241-920D-00DD3DDE9CDE}"/>
+              </a:ext>
+            </a:extLst>
+          </p:cNvPr>
+          <p:cNvGraphicFramePr>
+            <a:graphicFrameLocks noGrp="1"/>
+          </p:cNvGraphicFramePr>
+          <p:nvPr>
+            <p:extLst>
+              <p:ext uri="{D42A27DB-BD31-4B8C-83A1-F6EECF244321}">
+                <p14:modId xmlns:p14="http://schemas.microsoft.com/office/powerpoint/2010/main" val="3922872664"/>
+              </p:ext>
+            </p:extLst>
+          </p:nvPr>
+        </p:nvGraphicFramePr>
+        <p:xfrm>
+          <a:off x="935476" y="1852361"/>
+          <a:ext cx="10154055" cy="3153278"/>
+        </p:xfrm>
+        <a:graphic>
+          <a:graphicData uri="http://schemas.openxmlformats.org/drawingml/2006/table">
+            <a:tbl>
+              <a:tblPr firstRow="1" firstCol="1" bandRow="1">
+                <a:tableStyleId>{1FECB4D8-DB02-4DC6-A0A2-4F2EBAE1DC90}</a:tableStyleId>
+              </a:tblPr>
+              <a:tblGrid>
+                <a:gridCol w="1311614">
+                  <a:extLst>
+                    <a:ext uri="{9D8B030D-6E8A-4147-A177-3AD203B41FA5}">
+                      <a16:colId xmlns:a16="http://schemas.microsoft.com/office/drawing/2014/main" val="2544262691"/>
+                    </a:ext>
+                  </a:extLst>
+                </a:gridCol>
+                <a:gridCol w="1488332">
+                  <a:extLst>
+                    <a:ext uri="{9D8B030D-6E8A-4147-A177-3AD203B41FA5}">
+                      <a16:colId xmlns:a16="http://schemas.microsoft.com/office/drawing/2014/main" val="1960284561"/>
+                    </a:ext>
+                  </a:extLst>
+                </a:gridCol>
+                <a:gridCol w="1984442">
+                  <a:extLst>
+                    <a:ext uri="{9D8B030D-6E8A-4147-A177-3AD203B41FA5}">
+                      <a16:colId xmlns:a16="http://schemas.microsoft.com/office/drawing/2014/main" val="2695464257"/>
+                    </a:ext>
+                  </a:extLst>
+                </a:gridCol>
+                <a:gridCol w="1527243">
+                  <a:extLst>
+                    <a:ext uri="{9D8B030D-6E8A-4147-A177-3AD203B41FA5}">
+                      <a16:colId xmlns:a16="http://schemas.microsoft.com/office/drawing/2014/main" val="3346321126"/>
+                    </a:ext>
+                  </a:extLst>
+                </a:gridCol>
+                <a:gridCol w="1517515">
+                  <a:extLst>
+                    <a:ext uri="{9D8B030D-6E8A-4147-A177-3AD203B41FA5}">
+                      <a16:colId xmlns:a16="http://schemas.microsoft.com/office/drawing/2014/main" val="1495832075"/>
+                    </a:ext>
+                  </a:extLst>
+                </a:gridCol>
+                <a:gridCol w="2324909">
+                  <a:extLst>
+                    <a:ext uri="{9D8B030D-6E8A-4147-A177-3AD203B41FA5}">
+                      <a16:colId xmlns:a16="http://schemas.microsoft.com/office/drawing/2014/main" val="3686704813"/>
+                    </a:ext>
+                  </a:extLst>
+                </a:gridCol>
+              </a:tblGrid>
+              <a:tr h="741141">
+                <a:tc>
+                  <a:txBody>
+                    <a:bodyPr/>
+                    <a:lstStyle/>
+                    <a:p>
+                      <a:r>
+                        <a:rPr lang="ru-RU" sz="1200" dirty="0">
+                          <a:effectLst/>
+                        </a:rPr>
+                        <a:t> </a:t>
+                      </a:r>
+                      <a:endParaRPr lang="ru-RU" sz="1200" dirty="0">
+                        <a:effectLst/>
+                        <a:latin typeface="Calibri" panose="020F0502020204030204" pitchFamily="34" charset="0"/>
+                        <a:ea typeface="Calibri" panose="020F0502020204030204" pitchFamily="34" charset="0"/>
+                        <a:cs typeface="Times New Roman" panose="02020603050405020304" pitchFamily="18" charset="0"/>
+                      </a:endParaRPr>
+                    </a:p>
+                  </a:txBody>
+                  <a:tcPr marL="68580" marR="68580" marT="0" marB="0"/>
+                </a:tc>
+                <a:tc>
+                  <a:txBody>
+                    <a:bodyPr/>
+                    <a:lstStyle/>
+                    <a:p>
+                      <a:r>
+                        <a:rPr lang="ru-RU" sz="1200" dirty="0">
+                          <a:effectLst/>
+                        </a:rPr>
+                        <a:t>Студенческая версия</a:t>
+                      </a:r>
+                      <a:endParaRPr lang="ru-RU" sz="1200" dirty="0">
+                        <a:effectLst/>
+                        <a:latin typeface="Calibri" panose="020F0502020204030204" pitchFamily="34" charset="0"/>
+                        <a:ea typeface="Calibri" panose="020F0502020204030204" pitchFamily="34" charset="0"/>
+                        <a:cs typeface="Times New Roman" panose="02020603050405020304" pitchFamily="18" charset="0"/>
+                      </a:endParaRPr>
+                    </a:p>
+                  </a:txBody>
+                  <a:tcPr marL="68580" marR="68580" marT="0" marB="0"/>
+                </a:tc>
+                <a:tc>
+                  <a:txBody>
+                    <a:bodyPr/>
+                    <a:lstStyle/>
+                    <a:p>
+                      <a:r>
+                        <a:rPr lang="ru-RU" sz="1200" dirty="0">
+                          <a:effectLst/>
+                        </a:rPr>
+                        <a:t>Поддерживаемые операционные системы</a:t>
+                      </a:r>
+                      <a:endParaRPr lang="ru-RU" sz="1200" dirty="0">
+                        <a:effectLst/>
+                        <a:latin typeface="Calibri" panose="020F0502020204030204" pitchFamily="34" charset="0"/>
+                        <a:ea typeface="Calibri" panose="020F0502020204030204" pitchFamily="34" charset="0"/>
+                        <a:cs typeface="Times New Roman" panose="02020603050405020304" pitchFamily="18" charset="0"/>
+                      </a:endParaRPr>
+                    </a:p>
+                  </a:txBody>
+                  <a:tcPr marL="68580" marR="68580" marT="0" marB="0"/>
+                </a:tc>
+                <a:tc>
+                  <a:txBody>
+                    <a:bodyPr/>
+                    <a:lstStyle/>
+                    <a:p>
+                      <a:r>
+                        <a:rPr lang="ru-RU" sz="1200" dirty="0">
+                          <a:effectLst/>
+                        </a:rPr>
+                        <a:t>Сбор данных для построения модели</a:t>
+                      </a:r>
+                      <a:endParaRPr lang="ru-RU" sz="1200" dirty="0">
+                        <a:effectLst/>
+                        <a:latin typeface="Calibri" panose="020F0502020204030204" pitchFamily="34" charset="0"/>
+                        <a:ea typeface="Calibri" panose="020F0502020204030204" pitchFamily="34" charset="0"/>
+                        <a:cs typeface="Times New Roman" panose="02020603050405020304" pitchFamily="18" charset="0"/>
+                      </a:endParaRPr>
+                    </a:p>
+                  </a:txBody>
+                  <a:tcPr marL="68580" marR="68580" marT="0" marB="0"/>
+                </a:tc>
+                <a:tc>
+                  <a:txBody>
+                    <a:bodyPr/>
+                    <a:lstStyle/>
+                    <a:p>
+                      <a:r>
+                        <a:rPr lang="ru-RU" sz="1200" dirty="0">
+                          <a:effectLst/>
+                        </a:rPr>
+                        <a:t>Интеграция с веб-сервером</a:t>
+                      </a:r>
+                      <a:endParaRPr lang="ru-RU" sz="1200" dirty="0">
+                        <a:effectLst/>
+                        <a:latin typeface="Calibri" panose="020F0502020204030204" pitchFamily="34" charset="0"/>
+                        <a:ea typeface="Calibri" panose="020F0502020204030204" pitchFamily="34" charset="0"/>
+                        <a:cs typeface="Times New Roman" panose="02020603050405020304" pitchFamily="18" charset="0"/>
+                      </a:endParaRPr>
+                    </a:p>
+                  </a:txBody>
+                  <a:tcPr marL="68580" marR="68580" marT="0" marB="0"/>
+                </a:tc>
+                <a:tc>
+                  <a:txBody>
+                    <a:bodyPr/>
+                    <a:lstStyle/>
+                    <a:p>
+                      <a:r>
+                        <a:rPr lang="ru-RU" sz="1200" dirty="0">
+                          <a:effectLst/>
+                        </a:rPr>
+                        <a:t>Разработка специализированных функций</a:t>
+                      </a:r>
+                      <a:endParaRPr lang="ru-RU" sz="1200" dirty="0">
+                        <a:effectLst/>
+                        <a:latin typeface="Calibri" panose="020F0502020204030204" pitchFamily="34" charset="0"/>
+                        <a:ea typeface="Calibri" panose="020F0502020204030204" pitchFamily="34" charset="0"/>
+                        <a:cs typeface="Times New Roman" panose="02020603050405020304" pitchFamily="18" charset="0"/>
+                      </a:endParaRPr>
+                    </a:p>
+                  </a:txBody>
+                  <a:tcPr marL="68580" marR="68580" marT="0" marB="0"/>
+                </a:tc>
+                <a:extLst>
+                  <a:ext uri="{0D108BD9-81ED-4DB2-BD59-A6C34878D82A}">
+                    <a16:rowId xmlns:a16="http://schemas.microsoft.com/office/drawing/2014/main" val="373297987"/>
+                  </a:ext>
+                </a:extLst>
+              </a:tr>
+              <a:tr h="747860">
+                <a:tc>
+                  <a:txBody>
+                    <a:bodyPr/>
+                    <a:lstStyle/>
+                    <a:p>
+                      <a:r>
+                        <a:rPr lang="ru-RU" sz="1200" dirty="0">
+                          <a:effectLst/>
+                        </a:rPr>
+                        <a:t>ANYLOGIC</a:t>
+                      </a:r>
+                    </a:p>
+                    <a:p>
+                      <a:r>
+                        <a:rPr lang="ru-RU" sz="1200" dirty="0">
+                          <a:effectLst/>
+                        </a:rPr>
+                        <a:t> </a:t>
+                      </a:r>
+                      <a:endParaRPr lang="ru-RU" sz="1200" dirty="0">
+                        <a:effectLst/>
+                        <a:latin typeface="Calibri" panose="020F0502020204030204" pitchFamily="34" charset="0"/>
+                        <a:ea typeface="Calibri" panose="020F0502020204030204" pitchFamily="34" charset="0"/>
+                        <a:cs typeface="Times New Roman" panose="02020603050405020304" pitchFamily="18" charset="0"/>
+                      </a:endParaRPr>
+                    </a:p>
+                  </a:txBody>
+                  <a:tcPr marL="68580" marR="68580" marT="0" marB="0"/>
+                </a:tc>
+                <a:tc>
+                  <a:txBody>
+                    <a:bodyPr/>
+                    <a:lstStyle/>
+                    <a:p>
+                      <a:r>
+                        <a:rPr lang="ru-RU" sz="1200" dirty="0">
+                          <a:effectLst/>
+                        </a:rPr>
+                        <a:t>Бесплатная</a:t>
+                      </a:r>
+                      <a:endParaRPr lang="ru-RU" sz="1200" dirty="0">
+                        <a:effectLst/>
+                        <a:latin typeface="Calibri" panose="020F0502020204030204" pitchFamily="34" charset="0"/>
+                        <a:ea typeface="Calibri" panose="020F0502020204030204" pitchFamily="34" charset="0"/>
+                        <a:cs typeface="Times New Roman" panose="02020603050405020304" pitchFamily="18" charset="0"/>
+                      </a:endParaRPr>
+                    </a:p>
+                  </a:txBody>
+                  <a:tcPr marL="68580" marR="68580" marT="0" marB="0"/>
+                </a:tc>
+                <a:tc>
+                  <a:txBody>
+                    <a:bodyPr/>
+                    <a:lstStyle/>
+                    <a:p>
+                      <a:r>
+                        <a:rPr lang="en-US" sz="1200" dirty="0">
+                          <a:effectLst/>
+                        </a:rPr>
+                        <a:t>Windows, Linux, Mac</a:t>
+                      </a:r>
+                      <a:endParaRPr lang="ru-RU" sz="1200" dirty="0">
+                        <a:effectLst/>
+                        <a:latin typeface="Calibri" panose="020F0502020204030204" pitchFamily="34" charset="0"/>
+                        <a:ea typeface="Calibri" panose="020F0502020204030204" pitchFamily="34" charset="0"/>
+                        <a:cs typeface="Times New Roman" panose="02020603050405020304" pitchFamily="18" charset="0"/>
+                      </a:endParaRPr>
+                    </a:p>
+                  </a:txBody>
+                  <a:tcPr marL="68580" marR="68580" marT="0" marB="0"/>
+                </a:tc>
+                <a:tc>
+                  <a:txBody>
+                    <a:bodyPr/>
+                    <a:lstStyle/>
+                    <a:p>
+                      <a:r>
+                        <a:rPr lang="ru-RU" sz="1200">
+                          <a:effectLst/>
+                        </a:rPr>
+                        <a:t>Нет</a:t>
+                      </a:r>
+                      <a:endParaRPr lang="ru-RU" sz="1200">
+                        <a:effectLst/>
+                        <a:latin typeface="Calibri" panose="020F0502020204030204" pitchFamily="34" charset="0"/>
+                        <a:ea typeface="Calibri" panose="020F0502020204030204" pitchFamily="34" charset="0"/>
+                        <a:cs typeface="Times New Roman" panose="02020603050405020304" pitchFamily="18" charset="0"/>
+                      </a:endParaRPr>
+                    </a:p>
+                  </a:txBody>
+                  <a:tcPr marL="68580" marR="68580" marT="0" marB="0"/>
+                </a:tc>
+                <a:tc>
+                  <a:txBody>
+                    <a:bodyPr/>
+                    <a:lstStyle/>
+                    <a:p>
+                      <a:r>
+                        <a:rPr lang="ru-RU" sz="1200">
+                          <a:effectLst/>
+                        </a:rPr>
+                        <a:t>Нет</a:t>
+                      </a:r>
+                      <a:endParaRPr lang="ru-RU" sz="1200">
+                        <a:effectLst/>
+                        <a:latin typeface="Calibri" panose="020F0502020204030204" pitchFamily="34" charset="0"/>
+                        <a:ea typeface="Calibri" panose="020F0502020204030204" pitchFamily="34" charset="0"/>
+                        <a:cs typeface="Times New Roman" panose="02020603050405020304" pitchFamily="18" charset="0"/>
+                      </a:endParaRPr>
+                    </a:p>
+                  </a:txBody>
+                  <a:tcPr marL="68580" marR="68580" marT="0" marB="0"/>
+                </a:tc>
+                <a:tc>
+                  <a:txBody>
+                    <a:bodyPr/>
+                    <a:lstStyle/>
+                    <a:p>
+                      <a:r>
+                        <a:rPr lang="ru-RU" sz="1200">
+                          <a:effectLst/>
+                        </a:rPr>
+                        <a:t>Конвертация </a:t>
+                      </a:r>
+                      <a:r>
+                        <a:rPr lang="en-US" sz="1200">
+                          <a:effectLst/>
+                        </a:rPr>
+                        <a:t>Java </a:t>
+                      </a:r>
+                      <a:r>
+                        <a:rPr lang="ru-RU" sz="1200">
+                          <a:effectLst/>
+                        </a:rPr>
+                        <a:t>приложения</a:t>
+                      </a:r>
+                      <a:endParaRPr lang="ru-RU" sz="1200" dirty="0">
+                        <a:effectLst/>
+                        <a:latin typeface="Calibri" panose="020F0502020204030204" pitchFamily="34" charset="0"/>
+                        <a:ea typeface="Calibri" panose="020F0502020204030204" pitchFamily="34" charset="0"/>
+                        <a:cs typeface="Times New Roman" panose="02020603050405020304" pitchFamily="18" charset="0"/>
+                      </a:endParaRPr>
+                    </a:p>
+                  </a:txBody>
+                  <a:tcPr marL="68580" marR="68580" marT="0" marB="0"/>
+                </a:tc>
+                <a:extLst>
+                  <a:ext uri="{0D108BD9-81ED-4DB2-BD59-A6C34878D82A}">
+                    <a16:rowId xmlns:a16="http://schemas.microsoft.com/office/drawing/2014/main" val="3228985801"/>
+                  </a:ext>
+                </a:extLst>
+              </a:tr>
+              <a:tr h="834910">
+                <a:tc>
+                  <a:txBody>
+                    <a:bodyPr/>
+                    <a:lstStyle/>
+                    <a:p>
+                      <a:r>
+                        <a:rPr lang="ru-RU" sz="1200">
+                          <a:effectLst/>
+                        </a:rPr>
+                        <a:t>ARENA</a:t>
+                      </a:r>
+                    </a:p>
+                    <a:p>
+                      <a:r>
+                        <a:rPr lang="ru-RU" sz="1200">
+                          <a:effectLst/>
+                        </a:rPr>
+                        <a:t> </a:t>
+                      </a:r>
+                      <a:endParaRPr lang="ru-RU" sz="1200">
+                        <a:effectLst/>
+                        <a:latin typeface="Calibri" panose="020F0502020204030204" pitchFamily="34" charset="0"/>
+                        <a:ea typeface="Calibri" panose="020F0502020204030204" pitchFamily="34" charset="0"/>
+                        <a:cs typeface="Times New Roman" panose="02020603050405020304" pitchFamily="18" charset="0"/>
+                      </a:endParaRPr>
+                    </a:p>
+                  </a:txBody>
+                  <a:tcPr marL="68580" marR="68580" marT="0" marB="0"/>
+                </a:tc>
+                <a:tc>
+                  <a:txBody>
+                    <a:bodyPr/>
+                    <a:lstStyle/>
+                    <a:p>
+                      <a:r>
+                        <a:rPr lang="ru-RU" sz="1200">
+                          <a:effectLst/>
+                        </a:rPr>
+                        <a:t>Бесплатная</a:t>
+                      </a:r>
+                      <a:endParaRPr lang="ru-RU" sz="1200">
+                        <a:effectLst/>
+                        <a:latin typeface="Calibri" panose="020F0502020204030204" pitchFamily="34" charset="0"/>
+                        <a:ea typeface="Calibri" panose="020F0502020204030204" pitchFamily="34" charset="0"/>
+                        <a:cs typeface="Times New Roman" panose="02020603050405020304" pitchFamily="18" charset="0"/>
+                      </a:endParaRPr>
+                    </a:p>
+                  </a:txBody>
+                  <a:tcPr marL="68580" marR="68580" marT="0" marB="0"/>
+                </a:tc>
+                <a:tc>
+                  <a:txBody>
+                    <a:bodyPr/>
+                    <a:lstStyle/>
+                    <a:p>
+                      <a:r>
+                        <a:rPr lang="en-US" sz="1200">
+                          <a:effectLst/>
+                        </a:rPr>
+                        <a:t>Windows</a:t>
+                      </a:r>
+                      <a:endParaRPr lang="ru-RU" sz="1200">
+                        <a:effectLst/>
+                        <a:latin typeface="Calibri" panose="020F0502020204030204" pitchFamily="34" charset="0"/>
+                        <a:ea typeface="Calibri" panose="020F0502020204030204" pitchFamily="34" charset="0"/>
+                        <a:cs typeface="Times New Roman" panose="02020603050405020304" pitchFamily="18" charset="0"/>
+                      </a:endParaRPr>
+                    </a:p>
+                  </a:txBody>
+                  <a:tcPr marL="68580" marR="68580" marT="0" marB="0"/>
+                </a:tc>
+                <a:tc>
+                  <a:txBody>
+                    <a:bodyPr/>
+                    <a:lstStyle/>
+                    <a:p>
+                      <a:r>
+                        <a:rPr lang="ru-RU" sz="1200">
+                          <a:effectLst/>
+                        </a:rPr>
+                        <a:t>Нет</a:t>
+                      </a:r>
+                      <a:endParaRPr lang="ru-RU" sz="1200">
+                        <a:effectLst/>
+                        <a:latin typeface="Calibri" panose="020F0502020204030204" pitchFamily="34" charset="0"/>
+                        <a:ea typeface="Calibri" panose="020F0502020204030204" pitchFamily="34" charset="0"/>
+                        <a:cs typeface="Times New Roman" panose="02020603050405020304" pitchFamily="18" charset="0"/>
+                      </a:endParaRPr>
+                    </a:p>
+                  </a:txBody>
+                  <a:tcPr marL="68580" marR="68580" marT="0" marB="0"/>
+                </a:tc>
+                <a:tc>
+                  <a:txBody>
+                    <a:bodyPr/>
+                    <a:lstStyle/>
+                    <a:p>
+                      <a:r>
+                        <a:rPr lang="ru-RU" sz="1200">
+                          <a:effectLst/>
+                        </a:rPr>
+                        <a:t>Нет</a:t>
+                      </a:r>
+                      <a:endParaRPr lang="ru-RU" sz="1200">
+                        <a:effectLst/>
+                        <a:latin typeface="Calibri" panose="020F0502020204030204" pitchFamily="34" charset="0"/>
+                        <a:ea typeface="Calibri" panose="020F0502020204030204" pitchFamily="34" charset="0"/>
+                        <a:cs typeface="Times New Roman" panose="02020603050405020304" pitchFamily="18" charset="0"/>
+                      </a:endParaRPr>
+                    </a:p>
+                  </a:txBody>
+                  <a:tcPr marL="68580" marR="68580" marT="0" marB="0"/>
+                </a:tc>
+                <a:tc>
+                  <a:txBody>
+                    <a:bodyPr/>
+                    <a:lstStyle/>
+                    <a:p>
+                      <a:r>
+                        <a:rPr lang="en-US" sz="1200">
+                          <a:effectLst/>
+                        </a:rPr>
+                        <a:t>Visual Basic</a:t>
+                      </a:r>
+                      <a:endParaRPr lang="ru-RU" sz="1200" dirty="0">
+                        <a:effectLst/>
+                        <a:latin typeface="Calibri" panose="020F0502020204030204" pitchFamily="34" charset="0"/>
+                        <a:ea typeface="Calibri" panose="020F0502020204030204" pitchFamily="34" charset="0"/>
+                        <a:cs typeface="Times New Roman" panose="02020603050405020304" pitchFamily="18" charset="0"/>
+                      </a:endParaRPr>
+                    </a:p>
+                  </a:txBody>
+                  <a:tcPr marL="68580" marR="68580" marT="0" marB="0"/>
+                </a:tc>
+                <a:extLst>
+                  <a:ext uri="{0D108BD9-81ED-4DB2-BD59-A6C34878D82A}">
+                    <a16:rowId xmlns:a16="http://schemas.microsoft.com/office/drawing/2014/main" val="3064655982"/>
+                  </a:ext>
+                </a:extLst>
+              </a:tr>
+              <a:tr h="829367">
+                <a:tc>
+                  <a:txBody>
+                    <a:bodyPr/>
+                    <a:lstStyle/>
+                    <a:p>
+                      <a:r>
+                        <a:rPr lang="ru-RU" sz="1200">
+                          <a:effectLst/>
+                        </a:rPr>
+                        <a:t>SIMUL8 PROFESSIONAL</a:t>
+                      </a:r>
+                    </a:p>
+                    <a:p>
+                      <a:r>
+                        <a:rPr lang="ru-RU" sz="1200">
+                          <a:effectLst/>
+                        </a:rPr>
+                        <a:t> </a:t>
+                      </a:r>
+                      <a:endParaRPr lang="ru-RU" sz="1200">
+                        <a:effectLst/>
+                        <a:latin typeface="Calibri" panose="020F0502020204030204" pitchFamily="34" charset="0"/>
+                        <a:ea typeface="Calibri" panose="020F0502020204030204" pitchFamily="34" charset="0"/>
+                        <a:cs typeface="Times New Roman" panose="02020603050405020304" pitchFamily="18" charset="0"/>
+                      </a:endParaRPr>
+                    </a:p>
+                  </a:txBody>
+                  <a:tcPr marL="68580" marR="68580" marT="0" marB="0"/>
+                </a:tc>
+                <a:tc>
+                  <a:txBody>
+                    <a:bodyPr/>
+                    <a:lstStyle/>
+                    <a:p>
+                      <a:r>
+                        <a:rPr lang="ru-RU" sz="1200" dirty="0">
+                          <a:effectLst/>
+                        </a:rPr>
+                        <a:t>$ 1995</a:t>
+                      </a:r>
+                    </a:p>
+                    <a:p>
+                      <a:r>
+                        <a:rPr lang="ru-RU" sz="1200" dirty="0">
+                          <a:effectLst/>
+                        </a:rPr>
+                        <a:t> </a:t>
+                      </a:r>
+                      <a:endParaRPr lang="ru-RU" sz="1200" dirty="0">
+                        <a:effectLst/>
+                        <a:latin typeface="Calibri" panose="020F0502020204030204" pitchFamily="34" charset="0"/>
+                        <a:ea typeface="Calibri" panose="020F0502020204030204" pitchFamily="34" charset="0"/>
+                        <a:cs typeface="Times New Roman" panose="02020603050405020304" pitchFamily="18" charset="0"/>
+                      </a:endParaRPr>
+                    </a:p>
+                  </a:txBody>
+                  <a:tcPr marL="68580" marR="68580" marT="0" marB="0"/>
+                </a:tc>
+                <a:tc>
+                  <a:txBody>
+                    <a:bodyPr/>
+                    <a:lstStyle/>
+                    <a:p>
+                      <a:r>
+                        <a:rPr lang="en-US" sz="1200" dirty="0">
+                          <a:effectLst/>
+                        </a:rPr>
+                        <a:t>Windows</a:t>
+                      </a:r>
+                      <a:endParaRPr lang="ru-RU" sz="1200" dirty="0">
+                        <a:effectLst/>
+                        <a:latin typeface="Calibri" panose="020F0502020204030204" pitchFamily="34" charset="0"/>
+                        <a:ea typeface="Calibri" panose="020F0502020204030204" pitchFamily="34" charset="0"/>
+                        <a:cs typeface="Times New Roman" panose="02020603050405020304" pitchFamily="18" charset="0"/>
+                      </a:endParaRPr>
+                    </a:p>
+                  </a:txBody>
+                  <a:tcPr marL="68580" marR="68580" marT="0" marB="0"/>
+                </a:tc>
+                <a:tc>
+                  <a:txBody>
+                    <a:bodyPr/>
+                    <a:lstStyle/>
+                    <a:p>
+                      <a:r>
+                        <a:rPr lang="ru-RU" sz="1200" dirty="0">
+                          <a:effectLst/>
+                        </a:rPr>
+                        <a:t>Нет</a:t>
+                      </a:r>
+                      <a:endParaRPr lang="ru-RU" sz="1200" dirty="0">
+                        <a:effectLst/>
+                        <a:latin typeface="Calibri" panose="020F0502020204030204" pitchFamily="34" charset="0"/>
+                        <a:ea typeface="Calibri" panose="020F0502020204030204" pitchFamily="34" charset="0"/>
+                        <a:cs typeface="Times New Roman" panose="02020603050405020304" pitchFamily="18" charset="0"/>
+                      </a:endParaRPr>
+                    </a:p>
+                  </a:txBody>
+                  <a:tcPr marL="68580" marR="68580" marT="0" marB="0"/>
+                </a:tc>
+                <a:tc>
+                  <a:txBody>
+                    <a:bodyPr/>
+                    <a:lstStyle/>
+                    <a:p>
+                      <a:r>
+                        <a:rPr lang="ru-RU" sz="1200">
+                          <a:effectLst/>
+                        </a:rPr>
+                        <a:t>Нет</a:t>
+                      </a:r>
+                      <a:endParaRPr lang="ru-RU" sz="1200">
+                        <a:effectLst/>
+                        <a:latin typeface="Calibri" panose="020F0502020204030204" pitchFamily="34" charset="0"/>
+                        <a:ea typeface="Calibri" panose="020F0502020204030204" pitchFamily="34" charset="0"/>
+                        <a:cs typeface="Times New Roman" panose="02020603050405020304" pitchFamily="18" charset="0"/>
+                      </a:endParaRPr>
+                    </a:p>
+                  </a:txBody>
+                  <a:tcPr marL="68580" marR="68580" marT="0" marB="0"/>
+                </a:tc>
+                <a:tc>
+                  <a:txBody>
+                    <a:bodyPr/>
+                    <a:lstStyle/>
+                    <a:p>
+                      <a:r>
+                        <a:rPr lang="ru-RU" sz="1200" dirty="0" err="1">
+                          <a:effectLst/>
+                        </a:rPr>
+                        <a:t>Microsoft</a:t>
+                      </a:r>
+                      <a:r>
+                        <a:rPr lang="ru-RU" sz="1200" dirty="0">
+                          <a:effectLst/>
+                        </a:rPr>
+                        <a:t> </a:t>
+                      </a:r>
+                      <a:r>
+                        <a:rPr lang="ru-RU" sz="1200" dirty="0" err="1">
+                          <a:effectLst/>
+                        </a:rPr>
+                        <a:t>Excel</a:t>
+                      </a:r>
+                      <a:r>
+                        <a:rPr lang="ru-RU" sz="1200" dirty="0">
+                          <a:effectLst/>
+                        </a:rPr>
+                        <a:t> </a:t>
+                      </a:r>
+                    </a:p>
+                    <a:p>
+                      <a:r>
+                        <a:rPr lang="ru-RU" sz="1200" dirty="0">
+                          <a:effectLst/>
+                        </a:rPr>
+                        <a:t> </a:t>
+                      </a:r>
+                      <a:endParaRPr lang="ru-RU" sz="1200" dirty="0">
+                        <a:effectLst/>
+                        <a:latin typeface="Calibri" panose="020F0502020204030204" pitchFamily="34" charset="0"/>
+                        <a:ea typeface="Calibri" panose="020F0502020204030204" pitchFamily="34" charset="0"/>
+                        <a:cs typeface="Times New Roman" panose="02020603050405020304" pitchFamily="18" charset="0"/>
+                      </a:endParaRPr>
+                    </a:p>
+                  </a:txBody>
+                  <a:tcPr marL="68580" marR="68580" marT="0" marB="0"/>
+                </a:tc>
+                <a:extLst>
+                  <a:ext uri="{0D108BD9-81ED-4DB2-BD59-A6C34878D82A}">
+                    <a16:rowId xmlns:a16="http://schemas.microsoft.com/office/drawing/2014/main" val="3606506196"/>
+                  </a:ext>
+                </a:extLst>
+              </a:tr>
+            </a:tbl>
+          </a:graphicData>
+        </a:graphic>
+      </p:graphicFrame>
+      <p:sp>
+        <p:nvSpPr>
+          <p:cNvPr id="7" name="Номер слайда 6">
+            <a:extLst>
+              <a:ext uri="{FF2B5EF4-FFF2-40B4-BE49-F238E27FC236}">
+                <a16:creationId xmlns:a16="http://schemas.microsoft.com/office/drawing/2014/main" id="{2F80DC48-B001-554F-AA66-FB516FC61A9E}"/>
+              </a:ext>
+            </a:extLst>
+          </p:cNvPr>
+          <p:cNvSpPr>
+            <a:spLocks noGrp="1"/>
+          </p:cNvSpPr>
+          <p:nvPr>
+            <p:ph type="sldNum" sz="quarter" idx="12"/>
+          </p:nvPr>
+        </p:nvSpPr>
+        <p:spPr/>
+        <p:txBody>
+          <a:bodyPr/>
+          <a:lstStyle/>
+          <a:p>
+            <a:fld id="{FADD01DB-3A3D-4160-BF8B-737FEC31D67E}" type="slidenum">
+              <a:rPr lang="ru-RU" smtClean="0"/>
+              <a:pPr/>
+              <a:t>4</a:t>
+            </a:fld>
+            <a:endParaRPr lang="ru-RU"/>
+          </a:p>
+        </p:txBody>
+      </p:sp>
+    </p:spTree>
+    <p:extLst>
+      <p:ext uri="{BB962C8B-B14F-4D97-AF65-F5344CB8AC3E}">
+        <p14:creationId xmlns:p14="http://schemas.microsoft.com/office/powerpoint/2010/main" val="1423570507"/>
+      </p:ext>
+    </p:extLst>
+  </p:cSld>
+  <p:clrMapOvr>
+    <a:masterClrMapping/>
+  </p:clrMapOvr>
+</p:sld>
+</file>
+
+<file path=ppt/slides/slide5.xml><?xml version="1.0" encoding="utf-8"?>
+<p:sld xmlns:a="http://schemas.openxmlformats.org/drawingml/2006/main" xmlns:r="http://schemas.openxmlformats.org/officeDocument/2006/relationships" xmlns:p="http://schemas.openxmlformats.org/presentationml/2006/main">
+  <p:cSld>
+    <p:spTree>
+      <p:nvGrpSpPr>
+        <p:cNvPr id="1" name=""/>
+        <p:cNvGrpSpPr/>
+        <p:nvPr/>
+      </p:nvGrpSpPr>
+      <p:grpSpPr>
+        <a:xfrm>
+          <a:off x="0" y="0"/>
+          <a:ext cx="0" cy="0"/>
+          <a:chOff x="0" y="0"/>
+          <a:chExt cx="0" cy="0"/>
+        </a:xfrm>
+      </p:grpSpPr>
+      <p:sp>
+        <p:nvSpPr>
+          <p:cNvPr id="2" name="Заголовок 1"/>
+          <p:cNvSpPr>
+            <a:spLocks noGrp="1"/>
+          </p:cNvSpPr>
+          <p:nvPr>
+            <p:ph type="title"/>
+          </p:nvPr>
+        </p:nvSpPr>
+        <p:spPr/>
+        <p:txBody>
+          <a:bodyPr/>
+          <a:lstStyle/>
+          <a:p>
+            <a:r>
+              <a:rPr lang="ru-RU" dirty="0"/>
+              <a:t>Постановка задачи</a:t>
+            </a:r>
+          </a:p>
+        </p:txBody>
+      </p:sp>
+      <p:pic>
+        <p:nvPicPr>
+          <p:cNvPr id="6" name="Рисунок 5">
+            <a:extLst>
+              <a:ext uri="{FF2B5EF4-FFF2-40B4-BE49-F238E27FC236}">
+                <a16:creationId xmlns:a16="http://schemas.microsoft.com/office/drawing/2014/main" id="{8A6D183F-C55D-7B4E-A54A-1E1CC85FD7D8}"/>
+              </a:ext>
+            </a:extLst>
+          </p:cNvPr>
+          <p:cNvPicPr>
+            <a:picLocks noChangeAspect="1"/>
+          </p:cNvPicPr>
+          <p:nvPr/>
+        </p:nvPicPr>
+        <p:blipFill>
+          <a:blip r:embed="rId2"/>
+          <a:stretch>
+            <a:fillRect/>
+          </a:stretch>
+        </p:blipFill>
+        <p:spPr>
+          <a:xfrm>
+            <a:off x="1028700" y="1888116"/>
+            <a:ext cx="9372600" cy="4326467"/>
+          </a:xfrm>
+          <a:prstGeom prst="rect">
+            <a:avLst/>
+          </a:prstGeom>
+        </p:spPr>
+      </p:pic>
+      <p:sp>
+        <p:nvSpPr>
+          <p:cNvPr id="10" name="Номер слайда 9">
+            <a:extLst>
+              <a:ext uri="{FF2B5EF4-FFF2-40B4-BE49-F238E27FC236}">
+                <a16:creationId xmlns:a16="http://schemas.microsoft.com/office/drawing/2014/main" id="{61685379-7299-6541-B350-C99D9C5602A1}"/>
+              </a:ext>
+            </a:extLst>
+          </p:cNvPr>
+          <p:cNvSpPr>
+            <a:spLocks noGrp="1"/>
+          </p:cNvSpPr>
+          <p:nvPr>
+            <p:ph type="sldNum" sz="quarter" idx="12"/>
+          </p:nvPr>
+        </p:nvSpPr>
+        <p:spPr/>
+        <p:txBody>
+          <a:bodyPr/>
+          <a:lstStyle/>
+          <a:p>
+            <a:fld id="{FADD01DB-3A3D-4160-BF8B-737FEC31D67E}" type="slidenum">
+              <a:rPr lang="ru-RU" smtClean="0"/>
+              <a:pPr/>
+              <a:t>5</a:t>
+            </a:fld>
+            <a:endParaRPr lang="ru-RU"/>
+          </a:p>
+        </p:txBody>
+      </p:sp>
+    </p:spTree>
+    <p:extLst>
+      <p:ext uri="{BB962C8B-B14F-4D97-AF65-F5344CB8AC3E}">
+        <p14:creationId xmlns:p14="http://schemas.microsoft.com/office/powerpoint/2010/main" val="1167673828"/>
+      </p:ext>
+    </p:extLst>
+  </p:cSld>
+  <p:clrMapOvr>
+    <a:masterClrMapping/>
+  </p:clrMapOvr>
+</p:sld>
+</file>
+
+<file path=ppt/slides/slide6.xml><?xml version="1.0" encoding="utf-8"?>
+<p:sld xmlns:a="http://schemas.openxmlformats.org/drawingml/2006/main" xmlns:r="http://schemas.openxmlformats.org/officeDocument/2006/relationships" xmlns:p="http://schemas.openxmlformats.org/presentationml/2006/main">
+  <p:cSld>
+    <p:spTree>
+      <p:nvGrpSpPr>
+        <p:cNvPr id="1" name=""/>
+        <p:cNvGrpSpPr/>
+        <p:nvPr/>
+      </p:nvGrpSpPr>
+      <p:grpSpPr>
+        <a:xfrm>
+          <a:off x="0" y="0"/>
+          <a:ext cx="0" cy="0"/>
+          <a:chOff x="0" y="0"/>
+          <a:chExt cx="0" cy="0"/>
+        </a:xfrm>
+      </p:grpSpPr>
+      <p:sp>
+        <p:nvSpPr>
+          <p:cNvPr id="2" name="Заголовок 1"/>
+          <p:cNvSpPr>
+            <a:spLocks noGrp="1"/>
+          </p:cNvSpPr>
+          <p:nvPr>
+            <p:ph type="title"/>
+          </p:nvPr>
+        </p:nvSpPr>
+        <p:spPr/>
+        <p:txBody>
+          <a:bodyPr/>
+          <a:lstStyle/>
+          <a:p>
+            <a:r>
+              <a:rPr lang="ru-RU" dirty="0"/>
+              <a:t>Анализ положения в конкурсном списке</a:t>
+            </a:r>
+          </a:p>
+        </p:txBody>
+      </p:sp>
+      <p:pic>
+        <p:nvPicPr>
+          <p:cNvPr id="16" name="Рисунок 15">
+            <a:extLst>
+              <a:ext uri="{FF2B5EF4-FFF2-40B4-BE49-F238E27FC236}">
+                <a16:creationId xmlns:a16="http://schemas.microsoft.com/office/drawing/2014/main" id="{B9F66FD5-31FF-BE41-9312-5FDF234970EB}"/>
+              </a:ext>
+            </a:extLst>
+          </p:cNvPr>
+          <p:cNvPicPr>
+            <a:picLocks noChangeAspect="1"/>
+          </p:cNvPicPr>
+          <p:nvPr/>
+        </p:nvPicPr>
+        <p:blipFill>
+          <a:blip r:embed="rId2">
+            <a:extLst>
+              <a:ext uri="{28A0092B-C50C-407E-A947-70E740481C1C}">
+                <a14:useLocalDpi xmlns:a14="http://schemas.microsoft.com/office/drawing/2010/main" val="0"/>
+              </a:ext>
+            </a:extLst>
+          </a:blip>
+          <a:stretch>
+            <a:fillRect/>
+          </a:stretch>
+        </p:blipFill>
+        <p:spPr>
+          <a:xfrm>
+            <a:off x="2201513" y="1722470"/>
+            <a:ext cx="4788567" cy="4863272"/>
+          </a:xfrm>
+          <a:prstGeom prst="rect">
+            <a:avLst/>
+          </a:prstGeom>
+        </p:spPr>
+      </p:pic>
+      <p:sp>
+        <p:nvSpPr>
+          <p:cNvPr id="17" name="Номер слайда 16">
+            <a:extLst>
+              <a:ext uri="{FF2B5EF4-FFF2-40B4-BE49-F238E27FC236}">
+                <a16:creationId xmlns:a16="http://schemas.microsoft.com/office/drawing/2014/main" id="{8F47E49C-C9F8-9540-B784-88368653FDE4}"/>
+              </a:ext>
+            </a:extLst>
+          </p:cNvPr>
+          <p:cNvSpPr>
+            <a:spLocks noGrp="1"/>
+          </p:cNvSpPr>
+          <p:nvPr>
+            <p:ph type="sldNum" sz="quarter" idx="12"/>
+          </p:nvPr>
+        </p:nvSpPr>
+        <p:spPr/>
+        <p:txBody>
+          <a:bodyPr/>
+          <a:lstStyle/>
+          <a:p>
+            <a:fld id="{FADD01DB-3A3D-4160-BF8B-737FEC31D67E}" type="slidenum">
+              <a:rPr lang="ru-RU" smtClean="0"/>
+              <a:pPr/>
+              <a:t>6</a:t>
+            </a:fld>
+            <a:endParaRPr lang="ru-RU"/>
+          </a:p>
+        </p:txBody>
+      </p:sp>
+    </p:spTree>
+    <p:extLst>
+      <p:ext uri="{BB962C8B-B14F-4D97-AF65-F5344CB8AC3E}">
+        <p14:creationId xmlns:p14="http://schemas.microsoft.com/office/powerpoint/2010/main" val="3881087593"/>
+      </p:ext>
+    </p:extLst>
+  </p:cSld>
+  <p:clrMapOvr>
+    <a:masterClrMapping/>
+  </p:clrMapOvr>
+</p:sld>
+</file>
+
+<file path=ppt/slides/slide7.xml><?xml version="1.0" encoding="utf-8"?>
+<p:sld xmlns:a="http://schemas.openxmlformats.org/drawingml/2006/main" xmlns:r="http://schemas.openxmlformats.org/officeDocument/2006/relationships" xmlns:p="http://schemas.openxmlformats.org/presentationml/2006/main">
+  <p:cSld>
+    <p:spTree>
+      <p:nvGrpSpPr>
+        <p:cNvPr id="1" name=""/>
+        <p:cNvGrpSpPr/>
+        <p:nvPr/>
+      </p:nvGrpSpPr>
+      <p:grpSpPr>
+        <a:xfrm>
+          <a:off x="0" y="0"/>
+          <a:ext cx="0" cy="0"/>
+          <a:chOff x="0" y="0"/>
+          <a:chExt cx="0" cy="0"/>
+        </a:xfrm>
+      </p:grpSpPr>
+      <p:sp>
+        <p:nvSpPr>
+          <p:cNvPr id="2" name="Заголовок 1"/>
+          <p:cNvSpPr>
+            <a:spLocks noGrp="1"/>
+          </p:cNvSpPr>
+          <p:nvPr>
+            <p:ph type="title"/>
+          </p:nvPr>
+        </p:nvSpPr>
+        <p:spPr/>
+        <p:txBody>
+          <a:bodyPr/>
+          <a:lstStyle/>
+          <a:p>
+            <a:r>
+              <a:rPr lang="ru-RU" dirty="0"/>
+              <a:t>Поиск подходящего УГСН</a:t>
+            </a:r>
+          </a:p>
+        </p:txBody>
+      </p:sp>
+      <p:sp>
+        <p:nvSpPr>
+          <p:cNvPr id="3" name="Номер слайда 2">
+            <a:extLst>
+              <a:ext uri="{FF2B5EF4-FFF2-40B4-BE49-F238E27FC236}">
+                <a16:creationId xmlns:a16="http://schemas.microsoft.com/office/drawing/2014/main" id="{DEAE3815-F6BF-E249-A2D5-EBE03D53E185}"/>
+              </a:ext>
+            </a:extLst>
+          </p:cNvPr>
+          <p:cNvSpPr>
+            <a:spLocks noGrp="1"/>
+          </p:cNvSpPr>
+          <p:nvPr>
+            <p:ph type="sldNum" sz="quarter" idx="12"/>
+          </p:nvPr>
+        </p:nvSpPr>
+        <p:spPr/>
+        <p:txBody>
+          <a:bodyPr/>
+          <a:lstStyle/>
+          <a:p>
+            <a:fld id="{FADD01DB-3A3D-4160-BF8B-737FEC31D67E}" type="slidenum">
+              <a:rPr lang="ru-RU" smtClean="0"/>
+              <a:pPr/>
+              <a:t>7</a:t>
+            </a:fld>
+            <a:endParaRPr lang="ru-RU"/>
+          </a:p>
+        </p:txBody>
+      </p:sp>
+      <p:pic>
+        <p:nvPicPr>
+          <p:cNvPr id="5" name="Рисунок 4">
+            <a:extLst>
+              <a:ext uri="{FF2B5EF4-FFF2-40B4-BE49-F238E27FC236}">
+                <a16:creationId xmlns:a16="http://schemas.microsoft.com/office/drawing/2014/main" id="{93B0F849-ED6D-0E4F-A4B3-612844B2BAB4}"/>
+              </a:ext>
+            </a:extLst>
+          </p:cNvPr>
+          <p:cNvPicPr>
+            <a:picLocks noChangeAspect="1"/>
+          </p:cNvPicPr>
+          <p:nvPr/>
+        </p:nvPicPr>
+        <p:blipFill>
+          <a:blip r:embed="rId2"/>
+          <a:stretch>
+            <a:fillRect/>
+          </a:stretch>
+        </p:blipFill>
+        <p:spPr>
+          <a:xfrm>
+            <a:off x="559818" y="1848675"/>
+            <a:ext cx="10793982" cy="4349688"/>
+          </a:xfrm>
+          <a:prstGeom prst="rect">
+            <a:avLst/>
+          </a:prstGeom>
+        </p:spPr>
+      </p:pic>
+    </p:spTree>
+    <p:extLst>
+      <p:ext uri="{BB962C8B-B14F-4D97-AF65-F5344CB8AC3E}">
+        <p14:creationId xmlns:p14="http://schemas.microsoft.com/office/powerpoint/2010/main" val="4120578109"/>
+      </p:ext>
+    </p:extLst>
+  </p:cSld>
+  <p:clrMapOvr>
+    <a:masterClrMapping/>
+  </p:clrMapOvr>
+</p:sld>
+</file>
+
+<file path=ppt/slides/slide8.xml><?xml version="1.0" encoding="utf-8"?>
+<p:sld xmlns:a="http://schemas.openxmlformats.org/drawingml/2006/main" xmlns:r="http://schemas.openxmlformats.org/officeDocument/2006/relationships" xmlns:p="http://schemas.openxmlformats.org/presentationml/2006/main">
+  <p:cSld>
+    <p:spTree>
+      <p:nvGrpSpPr>
+        <p:cNvPr id="1" name=""/>
+        <p:cNvGrpSpPr/>
+        <p:nvPr/>
+      </p:nvGrpSpPr>
+      <p:grpSpPr>
+        <a:xfrm>
+          <a:off x="0" y="0"/>
+          <a:ext cx="0" cy="0"/>
+          <a:chOff x="0" y="0"/>
+          <a:chExt cx="0" cy="0"/>
+        </a:xfrm>
+      </p:grpSpPr>
+      <p:sp>
+        <p:nvSpPr>
+          <p:cNvPr id="2" name="Заголовок 1"/>
+          <p:cNvSpPr>
+            <a:spLocks noGrp="1"/>
+          </p:cNvSpPr>
+          <p:nvPr>
+            <p:ph type="title"/>
+          </p:nvPr>
+        </p:nvSpPr>
+        <p:spPr/>
+        <p:txBody>
+          <a:bodyPr/>
+          <a:lstStyle/>
+          <a:p>
+            <a:r>
+              <a:rPr lang="ru-RU" dirty="0"/>
+              <a:t>Предобработка данных</a:t>
+            </a:r>
+          </a:p>
+        </p:txBody>
+      </p:sp>
+      <p:pic>
+        <p:nvPicPr>
+          <p:cNvPr id="12" name="Рисунок 11">
+            <a:extLst>
+              <a:ext uri="{FF2B5EF4-FFF2-40B4-BE49-F238E27FC236}">
+                <a16:creationId xmlns:a16="http://schemas.microsoft.com/office/drawing/2014/main" id="{D6741840-F030-E14D-A04C-8714BB9E4839}"/>
+              </a:ext>
+            </a:extLst>
+          </p:cNvPr>
+          <p:cNvPicPr>
+            <a:picLocks noChangeAspect="1"/>
+          </p:cNvPicPr>
+          <p:nvPr/>
+        </p:nvPicPr>
+        <p:blipFill>
+          <a:blip r:embed="rId2">
+            <a:extLst>
+              <a:ext uri="{28A0092B-C50C-407E-A947-70E740481C1C}">
+                <a14:useLocalDpi xmlns:a14="http://schemas.microsoft.com/office/drawing/2010/main" val="0"/>
+              </a:ext>
+            </a:extLst>
+          </a:blip>
+          <a:stretch>
+            <a:fillRect/>
+          </a:stretch>
+        </p:blipFill>
+        <p:spPr>
+          <a:xfrm>
+            <a:off x="7767273" y="1362602"/>
+            <a:ext cx="3737218" cy="4953577"/>
+          </a:xfrm>
+          <a:prstGeom prst="rect">
+            <a:avLst/>
+          </a:prstGeom>
+        </p:spPr>
+      </p:pic>
+      <p:pic>
+        <p:nvPicPr>
+          <p:cNvPr id="13" name="Рисунок 12">
+            <a:extLst>
+              <a:ext uri="{FF2B5EF4-FFF2-40B4-BE49-F238E27FC236}">
+                <a16:creationId xmlns:a16="http://schemas.microsoft.com/office/drawing/2014/main" id="{111CD375-C608-5444-B536-516F11424C03}"/>
+              </a:ext>
+            </a:extLst>
+          </p:cNvPr>
+          <p:cNvPicPr>
+            <a:picLocks noChangeAspect="1"/>
+          </p:cNvPicPr>
+          <p:nvPr/>
+        </p:nvPicPr>
+        <p:blipFill>
+          <a:blip r:embed="rId3"/>
+          <a:stretch>
+            <a:fillRect/>
+          </a:stretch>
+        </p:blipFill>
+        <p:spPr>
+          <a:xfrm>
+            <a:off x="954993" y="1907948"/>
+            <a:ext cx="5440680" cy="3862883"/>
+          </a:xfrm>
+          <a:prstGeom prst="rect">
+            <a:avLst/>
+          </a:prstGeom>
+        </p:spPr>
+      </p:pic>
+      <p:sp>
+        <p:nvSpPr>
+          <p:cNvPr id="14" name="Номер слайда 13">
+            <a:extLst>
+              <a:ext uri="{FF2B5EF4-FFF2-40B4-BE49-F238E27FC236}">
+                <a16:creationId xmlns:a16="http://schemas.microsoft.com/office/drawing/2014/main" id="{217097E6-88AD-2B40-8B59-E9413EC2F1EF}"/>
+              </a:ext>
+            </a:extLst>
+          </p:cNvPr>
+          <p:cNvSpPr>
+            <a:spLocks noGrp="1"/>
+          </p:cNvSpPr>
+          <p:nvPr>
+            <p:ph type="sldNum" sz="quarter" idx="12"/>
+          </p:nvPr>
+        </p:nvSpPr>
+        <p:spPr/>
+        <p:txBody>
+          <a:bodyPr/>
+          <a:lstStyle/>
+          <a:p>
+            <a:fld id="{FADD01DB-3A3D-4160-BF8B-737FEC31D67E}" type="slidenum">
+              <a:rPr lang="ru-RU" smtClean="0"/>
+              <a:pPr/>
+              <a:t>8</a:t>
+            </a:fld>
+            <a:endParaRPr lang="ru-RU"/>
+          </a:p>
+        </p:txBody>
+      </p:sp>
+    </p:spTree>
+    <p:extLst>
+      <p:ext uri="{BB962C8B-B14F-4D97-AF65-F5344CB8AC3E}">
+        <p14:creationId xmlns:p14="http://schemas.microsoft.com/office/powerpoint/2010/main" val="1366824804"/>
+      </p:ext>
+    </p:extLst>
+  </p:cSld>
+  <p:clrMapOvr>
+    <a:masterClrMapping/>
+  </p:clrMapOvr>
+</p:sld>
+</file>
+
+<file path=ppt/slides/slide9.xml><?xml version="1.0" encoding="utf-8"?>
+<p:sld xmlns:a="http://schemas.openxmlformats.org/drawingml/2006/main" xmlns:r="http://schemas.openxmlformats.org/officeDocument/2006/relationships" xmlns:p="http://schemas.openxmlformats.org/presentationml/2006/main">
+  <p:cSld>
+    <p:spTree>
+      <p:nvGrpSpPr>
+        <p:cNvPr id="1" name=""/>
+        <p:cNvGrpSpPr/>
+        <p:nvPr/>
+      </p:nvGrpSpPr>
+      <p:grpSpPr>
+        <a:xfrm>
+          <a:off x="0" y="0"/>
+          <a:ext cx="0" cy="0"/>
+          <a:chOff x="0" y="0"/>
+          <a:chExt cx="0" cy="0"/>
+        </a:xfrm>
+      </p:grpSpPr>
+      <p:sp>
+        <p:nvSpPr>
+          <p:cNvPr id="2" name="Заголовок 1"/>
+          <p:cNvSpPr>
+            <a:spLocks noGrp="1"/>
+          </p:cNvSpPr>
+          <p:nvPr>
+            <p:ph type="title"/>
+          </p:nvPr>
+        </p:nvSpPr>
+        <p:spPr/>
+        <p:txBody>
+          <a:bodyPr/>
+          <a:lstStyle/>
+          <a:p>
+            <a:r>
+              <a:rPr lang="ru-RU" dirty="0"/>
+              <a:t>Предобработка данных</a:t>
+            </a:r>
+          </a:p>
+        </p:txBody>
+      </p:sp>
+      <p:sp>
+        <p:nvSpPr>
+          <p:cNvPr id="4" name="Google Shape;106;p20">
+            <a:extLst>
+              <a:ext uri="{FF2B5EF4-FFF2-40B4-BE49-F238E27FC236}">
+                <a16:creationId xmlns:a16="http://schemas.microsoft.com/office/drawing/2014/main" id="{B712FF56-1DFB-B34F-8F11-1341FED07626}"/>
+              </a:ext>
+            </a:extLst>
+          </p:cNvPr>
+          <p:cNvSpPr txBox="1">
+            <a:spLocks/>
+          </p:cNvSpPr>
+          <p:nvPr/>
+        </p:nvSpPr>
+        <p:spPr>
+          <a:xfrm>
+            <a:off x="838200" y="1464202"/>
+            <a:ext cx="5966361" cy="3416400"/>
+          </a:xfrm>
+          <a:prstGeom prst="rect">
+            <a:avLst/>
+          </a:prstGeom>
+        </p:spPr>
+        <p:txBody>
+          <a:bodyPr spcFirstLastPara="1" vert="horz" wrap="square" lIns="91425" tIns="91425" rIns="91425" bIns="91425" rtlCol="0" anchor="t" anchorCtr="0">
+            <a:noAutofit/>
+          </a:bodyPr>
+          <a:lstStyle>
+            <a:lvl1pPr marL="228600" indent="-228600" algn="l" defTabSz="914400" rtl="0" eaLnBrk="1" latinLnBrk="0" hangingPunct="1">
+              <a:lnSpc>
+                <a:spcPct val="90000"/>
+              </a:lnSpc>
+              <a:spcBef>
+                <a:spcPts val="1000"/>
+              </a:spcBef>
+              <a:buFont typeface="Arial" panose="020B0604020202020204" pitchFamily="34" charset="0"/>
+              <a:buChar char="•"/>
+              <a:defRPr sz="2800" kern="1200">
+                <a:solidFill>
+                  <a:schemeClr val="tx1"/>
+                </a:solidFill>
+                <a:latin typeface="+mn-lt"/>
+                <a:ea typeface="+mn-ea"/>
+                <a:cs typeface="+mn-cs"/>
+              </a:defRPr>
+            </a:lvl1pPr>
+            <a:lvl2pPr marL="685800" indent="-228600" algn="l" defTabSz="914400" rtl="0" eaLnBrk="1" latinLnBrk="0" hangingPunct="1">
+              <a:lnSpc>
+                <a:spcPct val="90000"/>
+              </a:lnSpc>
+              <a:spcBef>
+                <a:spcPts val="500"/>
+              </a:spcBef>
+              <a:buFont typeface="Arial" panose="020B0604020202020204" pitchFamily="34" charset="0"/>
+              <a:buChar char="•"/>
+              <a:defRPr sz="2400" kern="1200">
+                <a:solidFill>
+                  <a:schemeClr val="tx1"/>
+                </a:solidFill>
+                <a:latin typeface="+mn-lt"/>
+                <a:ea typeface="+mn-ea"/>
+                <a:cs typeface="+mn-cs"/>
+              </a:defRPr>
+            </a:lvl2pPr>
+            <a:lvl3pPr marL="1143000" indent="-228600" algn="l" defTabSz="914400" rtl="0" eaLnBrk="1" latinLnBrk="0" hangingPunct="1">
+              <a:lnSpc>
+                <a:spcPct val="90000"/>
+              </a:lnSpc>
+              <a:spcBef>
+                <a:spcPts val="500"/>
+              </a:spcBef>
+              <a:buFont typeface="Arial" panose="020B0604020202020204" pitchFamily="34" charset="0"/>
+              <a:buChar char="•"/>
+              <a:defRPr sz="2000" kern="1200">
+                <a:solidFill>
+                  <a:schemeClr val="tx1"/>
+                </a:solidFill>
+                <a:latin typeface="+mn-lt"/>
+                <a:ea typeface="+mn-ea"/>
+                <a:cs typeface="+mn-cs"/>
+              </a:defRPr>
+            </a:lvl3pPr>
+            <a:lvl4pPr marL="1600200" indent="-228600" algn="l" defTabSz="914400" rtl="0" eaLnBrk="1" latinLnBrk="0" hangingPunct="1">
+              <a:lnSpc>
+                <a:spcPct val="90000"/>
+              </a:lnSpc>
+              <a:spcBef>
+                <a:spcPts val="500"/>
+              </a:spcBef>
+              <a:buFont typeface="Arial" panose="020B0604020202020204" pitchFamily="34" charset="0"/>
+              <a:buChar char="•"/>
+              <a:defRPr sz="1800" kern="1200">
+                <a:solidFill>
+                  <a:schemeClr val="tx1"/>
+                </a:solidFill>
+                <a:latin typeface="+mn-lt"/>
+                <a:ea typeface="+mn-ea"/>
+                <a:cs typeface="+mn-cs"/>
+              </a:defRPr>
+            </a:lvl4pPr>
+            <a:lvl5pPr marL="2057400" indent="-228600" algn="l" defTabSz="914400" rtl="0" eaLnBrk="1" latinLnBrk="0" hangingPunct="1">
+              <a:lnSpc>
+                <a:spcPct val="90000"/>
+              </a:lnSpc>
+              <a:spcBef>
+                <a:spcPts val="500"/>
+              </a:spcBef>
+              <a:buFont typeface="Arial" panose="020B0604020202020204" pitchFamily="34" charset="0"/>
+              <a:buChar char="•"/>
+              <a:defRPr sz="1800" kern="1200">
+                <a:solidFill>
+                  <a:schemeClr val="tx1"/>
+                </a:solidFill>
+                <a:latin typeface="+mn-lt"/>
+                <a:ea typeface="+mn-ea"/>
+                <a:cs typeface="+mn-cs"/>
+              </a:defRPr>
+            </a:lvl5pPr>
+            <a:lvl6pPr marL="2514600" indent="-228600" algn="l" defTabSz="914400" rtl="0" eaLnBrk="1" latinLnBrk="0" hangingPunct="1">
+              <a:lnSpc>
+                <a:spcPct val="90000"/>
+              </a:lnSpc>
+              <a:spcBef>
+                <a:spcPts val="500"/>
+              </a:spcBef>
+              <a:buFont typeface="Arial" panose="020B0604020202020204" pitchFamily="34" charset="0"/>
+              <a:buChar char="•"/>
+              <a:defRPr sz="1800" kern="1200">
+                <a:solidFill>
+                  <a:schemeClr val="tx1"/>
+                </a:solidFill>
+                <a:latin typeface="+mn-lt"/>
+                <a:ea typeface="+mn-ea"/>
+                <a:cs typeface="+mn-cs"/>
+              </a:defRPr>
+            </a:lvl6pPr>
+            <a:lvl7pPr marL="2971800" indent="-228600" algn="l" defTabSz="914400" rtl="0" eaLnBrk="1" latinLnBrk="0" hangingPunct="1">
+              <a:lnSpc>
+                <a:spcPct val="90000"/>
+              </a:lnSpc>
+              <a:spcBef>
+                <a:spcPts val="500"/>
+              </a:spcBef>
+              <a:buFont typeface="Arial" panose="020B0604020202020204" pitchFamily="34" charset="0"/>
+              <a:buChar char="•"/>
+              <a:defRPr sz="1800" kern="1200">
+                <a:solidFill>
+                  <a:schemeClr val="tx1"/>
+                </a:solidFill>
+                <a:latin typeface="+mn-lt"/>
+                <a:ea typeface="+mn-ea"/>
+                <a:cs typeface="+mn-cs"/>
+              </a:defRPr>
+            </a:lvl7pPr>
+            <a:lvl8pPr marL="3429000" indent="-228600" algn="l" defTabSz="914400" rtl="0" eaLnBrk="1" latinLnBrk="0" hangingPunct="1">
+              <a:lnSpc>
+                <a:spcPct val="90000"/>
+              </a:lnSpc>
+              <a:spcBef>
+                <a:spcPts val="500"/>
+              </a:spcBef>
+              <a:buFont typeface="Arial" panose="020B0604020202020204" pitchFamily="34" charset="0"/>
+              <a:buChar char="•"/>
+              <a:defRPr sz="1800" kern="1200">
+                <a:solidFill>
+                  <a:schemeClr val="tx1"/>
+                </a:solidFill>
+                <a:latin typeface="+mn-lt"/>
+                <a:ea typeface="+mn-ea"/>
+                <a:cs typeface="+mn-cs"/>
+              </a:defRPr>
+            </a:lvl8pPr>
+            <a:lvl9pPr marL="3886200" indent="-228600" algn="l" defTabSz="914400" rtl="0" eaLnBrk="1" latinLnBrk="0" hangingPunct="1">
+              <a:lnSpc>
+                <a:spcPct val="90000"/>
+              </a:lnSpc>
+              <a:spcBef>
+                <a:spcPts val="500"/>
+              </a:spcBef>
+              <a:buFont typeface="Arial" panose="020B0604020202020204" pitchFamily="34" charset="0"/>
+              <a:buChar char="•"/>
+              <a:defRPr sz="1800" kern="1200">
+                <a:solidFill>
+                  <a:schemeClr val="tx1"/>
+                </a:solidFill>
+                <a:latin typeface="+mn-lt"/>
+                <a:ea typeface="+mn-ea"/>
+                <a:cs typeface="+mn-cs"/>
+              </a:defRPr>
+            </a:lvl9pPr>
+          </a:lstStyle>
+          <a:p>
+            <a:pPr marL="0" indent="0">
+              <a:lnSpc>
+                <a:spcPct val="150000"/>
+              </a:lnSpc>
+              <a:spcBef>
+                <a:spcPts val="0"/>
+              </a:spcBef>
+              <a:buNone/>
+            </a:pPr>
+            <a:r>
+              <a:rPr lang="ru-RU" sz="1500" b="1" dirty="0">
+                <a:solidFill>
+                  <a:schemeClr val="dk1"/>
+                </a:solidFill>
+                <a:latin typeface="Times New Roman"/>
+                <a:ea typeface="Times New Roman"/>
+                <a:cs typeface="Times New Roman"/>
+                <a:sym typeface="Times New Roman"/>
+              </a:rPr>
+              <a:t>Пересчет бюджетных мест осуществляется по формуле:</a:t>
+            </a:r>
+          </a:p>
+          <a:p>
+            <a:pPr marL="0" indent="0">
+              <a:lnSpc>
+                <a:spcPct val="150000"/>
+              </a:lnSpc>
+              <a:spcBef>
+                <a:spcPts val="0"/>
+              </a:spcBef>
+              <a:buNone/>
+            </a:pPr>
+            <a:endParaRPr lang="ru-RU" sz="1500" dirty="0">
+              <a:solidFill>
+                <a:schemeClr val="dk1"/>
+              </a:solidFill>
+              <a:latin typeface="Times New Roman"/>
+              <a:ea typeface="Times New Roman"/>
+              <a:cs typeface="Times New Roman"/>
+              <a:sym typeface="Times New Roman"/>
+            </a:endParaRPr>
+          </a:p>
+        </p:txBody>
+      </p:sp>
+      <p:pic>
+        <p:nvPicPr>
+          <p:cNvPr id="3" name="Рисунок 2">
+            <a:extLst>
+              <a:ext uri="{FF2B5EF4-FFF2-40B4-BE49-F238E27FC236}">
+                <a16:creationId xmlns:a16="http://schemas.microsoft.com/office/drawing/2014/main" id="{96B55B6A-48E4-D447-AA0C-3A776B6182A8}"/>
+              </a:ext>
+            </a:extLst>
+          </p:cNvPr>
+          <p:cNvPicPr>
+            <a:picLocks noChangeAspect="1"/>
+          </p:cNvPicPr>
+          <p:nvPr/>
+        </p:nvPicPr>
+        <p:blipFill>
+          <a:blip r:embed="rId2"/>
+          <a:stretch>
+            <a:fillRect/>
+          </a:stretch>
+        </p:blipFill>
+        <p:spPr>
+          <a:xfrm>
+            <a:off x="787565" y="1901971"/>
+            <a:ext cx="2222500" cy="914400"/>
+          </a:xfrm>
+          <a:prstGeom prst="rect">
+            <a:avLst/>
+          </a:prstGeom>
+        </p:spPr>
+      </p:pic>
+      <p:pic>
+        <p:nvPicPr>
+          <p:cNvPr id="5" name="Рисунок 4">
+            <a:extLst>
+              <a:ext uri="{FF2B5EF4-FFF2-40B4-BE49-F238E27FC236}">
+                <a16:creationId xmlns:a16="http://schemas.microsoft.com/office/drawing/2014/main" id="{0A129FAC-A140-6D44-ADA5-46BA1C76B275}"/>
+              </a:ext>
+            </a:extLst>
+          </p:cNvPr>
+          <p:cNvPicPr>
+            <a:picLocks noChangeAspect="1"/>
+          </p:cNvPicPr>
+          <p:nvPr/>
+        </p:nvPicPr>
+        <p:blipFill>
+          <a:blip r:embed="rId3"/>
+          <a:stretch>
+            <a:fillRect/>
+          </a:stretch>
+        </p:blipFill>
+        <p:spPr>
+          <a:xfrm>
+            <a:off x="838200" y="2685352"/>
+            <a:ext cx="5966361" cy="974100"/>
+          </a:xfrm>
+          <a:prstGeom prst="rect">
+            <a:avLst/>
+          </a:prstGeom>
+        </p:spPr>
+      </p:pic>
+      <p:sp>
+        <p:nvSpPr>
+          <p:cNvPr id="6" name="Прямоугольник 5">
+            <a:extLst>
+              <a:ext uri="{FF2B5EF4-FFF2-40B4-BE49-F238E27FC236}">
+                <a16:creationId xmlns:a16="http://schemas.microsoft.com/office/drawing/2014/main" id="{579A20FD-A737-C946-A4E4-5E587E3FED46}"/>
+              </a:ext>
+            </a:extLst>
+          </p:cNvPr>
+          <p:cNvSpPr/>
+          <p:nvPr/>
+        </p:nvSpPr>
+        <p:spPr>
+          <a:xfrm>
+            <a:off x="838200" y="3823109"/>
+            <a:ext cx="4643252" cy="743345"/>
+          </a:xfrm>
+          <a:prstGeom prst="rect">
+            <a:avLst/>
+          </a:prstGeom>
+        </p:spPr>
+        <p:txBody>
+          <a:bodyPr wrap="square">
+            <a:spAutoFit/>
+          </a:bodyPr>
+          <a:lstStyle/>
+          <a:p>
+            <a:pPr>
+              <a:lnSpc>
+                <a:spcPct val="150000"/>
+              </a:lnSpc>
+            </a:pPr>
+            <a:r>
+              <a:rPr lang="ru-RU" sz="1500" b="1" dirty="0">
+                <a:solidFill>
+                  <a:schemeClr val="dk1"/>
+                </a:solidFill>
+                <a:latin typeface="Times New Roman"/>
+                <a:ea typeface="Times New Roman"/>
+                <a:cs typeface="Times New Roman"/>
+                <a:sym typeface="Times New Roman"/>
+              </a:rPr>
+              <a:t>Пересчет среднего балла осуществляется по формуле:</a:t>
+            </a:r>
+          </a:p>
+        </p:txBody>
+      </p:sp>
+      <p:pic>
+        <p:nvPicPr>
+          <p:cNvPr id="7" name="Рисунок 6">
+            <a:extLst>
+              <a:ext uri="{FF2B5EF4-FFF2-40B4-BE49-F238E27FC236}">
+                <a16:creationId xmlns:a16="http://schemas.microsoft.com/office/drawing/2014/main" id="{A92DF4A8-AB8C-1249-A232-5AECF121E904}"/>
+              </a:ext>
+            </a:extLst>
+          </p:cNvPr>
+          <p:cNvPicPr>
+            <a:picLocks noChangeAspect="1"/>
+          </p:cNvPicPr>
+          <p:nvPr/>
+        </p:nvPicPr>
+        <p:blipFill>
+          <a:blip r:embed="rId4"/>
+          <a:stretch>
+            <a:fillRect/>
+          </a:stretch>
+        </p:blipFill>
+        <p:spPr>
+          <a:xfrm>
+            <a:off x="838200" y="4517931"/>
+            <a:ext cx="2616200" cy="889000"/>
+          </a:xfrm>
+          <a:prstGeom prst="rect">
+            <a:avLst/>
+          </a:prstGeom>
+        </p:spPr>
+      </p:pic>
+      <p:pic>
+        <p:nvPicPr>
+          <p:cNvPr id="8" name="Рисунок 7">
+            <a:extLst>
+              <a:ext uri="{FF2B5EF4-FFF2-40B4-BE49-F238E27FC236}">
+                <a16:creationId xmlns:a16="http://schemas.microsoft.com/office/drawing/2014/main" id="{079196AC-8725-1740-8509-CDCA1B9FEAB5}"/>
+              </a:ext>
+            </a:extLst>
+          </p:cNvPr>
+          <p:cNvPicPr>
+            <a:picLocks noChangeAspect="1"/>
+          </p:cNvPicPr>
+          <p:nvPr/>
+        </p:nvPicPr>
+        <p:blipFill>
+          <a:blip r:embed="rId5"/>
+          <a:stretch>
+            <a:fillRect/>
+          </a:stretch>
+        </p:blipFill>
+        <p:spPr>
+          <a:xfrm>
+            <a:off x="969955" y="5503593"/>
+            <a:ext cx="5702850" cy="743345"/>
+          </a:xfrm>
+          <a:prstGeom prst="rect">
+            <a:avLst/>
+          </a:prstGeom>
+        </p:spPr>
+      </p:pic>
+      <p:sp>
+        <p:nvSpPr>
+          <p:cNvPr id="11" name="Прямоугольник 10">
+            <a:extLst>
+              <a:ext uri="{FF2B5EF4-FFF2-40B4-BE49-F238E27FC236}">
+                <a16:creationId xmlns:a16="http://schemas.microsoft.com/office/drawing/2014/main" id="{DACAAD74-C56E-B645-9841-589359CF8D5A}"/>
+              </a:ext>
+            </a:extLst>
+          </p:cNvPr>
+          <p:cNvSpPr/>
+          <p:nvPr/>
+        </p:nvSpPr>
+        <p:spPr>
+          <a:xfrm>
+            <a:off x="7261854" y="3476925"/>
+            <a:ext cx="1650942" cy="1089529"/>
+          </a:xfrm>
+          <a:prstGeom prst="rect">
+            <a:avLst/>
+          </a:prstGeom>
+        </p:spPr>
+        <p:txBody>
+          <a:bodyPr wrap="square">
+            <a:spAutoFit/>
+          </a:bodyPr>
+          <a:lstStyle/>
+          <a:p>
+            <a:pPr>
+              <a:lnSpc>
+                <a:spcPct val="150000"/>
+              </a:lnSpc>
+            </a:pPr>
+            <a:r>
+              <a:rPr lang="ru-RU" sz="1500" dirty="0">
+                <a:solidFill>
+                  <a:schemeClr val="dk1"/>
+                </a:solidFill>
+                <a:latin typeface="Times New Roman"/>
+                <a:ea typeface="Times New Roman"/>
+                <a:cs typeface="Times New Roman"/>
+                <a:sym typeface="Times New Roman"/>
+              </a:rPr>
+              <a:t>Неофициальная группа мониторинга</a:t>
+            </a:r>
+          </a:p>
+        </p:txBody>
+      </p:sp>
+      <p:sp>
+        <p:nvSpPr>
+          <p:cNvPr id="13" name="Прямоугольник 12">
+            <a:extLst>
+              <a:ext uri="{FF2B5EF4-FFF2-40B4-BE49-F238E27FC236}">
+                <a16:creationId xmlns:a16="http://schemas.microsoft.com/office/drawing/2014/main" id="{1DCCC4E3-E67D-CC4F-AD64-4D203A7913A9}"/>
+              </a:ext>
+            </a:extLst>
+          </p:cNvPr>
+          <p:cNvSpPr/>
+          <p:nvPr/>
+        </p:nvSpPr>
+        <p:spPr>
+          <a:xfrm>
+            <a:off x="9370089" y="3507561"/>
+            <a:ext cx="1358871" cy="743280"/>
+          </a:xfrm>
+          <a:prstGeom prst="rect">
+            <a:avLst/>
+          </a:prstGeom>
+        </p:spPr>
+        <p:txBody>
+          <a:bodyPr wrap="square">
+            <a:spAutoFit/>
+          </a:bodyPr>
+          <a:lstStyle/>
+          <a:p>
+            <a:pPr>
+              <a:lnSpc>
+                <a:spcPct val="150000"/>
+              </a:lnSpc>
+            </a:pPr>
+            <a:r>
+              <a:rPr lang="ru-RU" sz="1500" dirty="0">
+                <a:solidFill>
+                  <a:schemeClr val="dk1"/>
+                </a:solidFill>
+                <a:latin typeface="Times New Roman"/>
+                <a:ea typeface="Times New Roman"/>
+                <a:cs typeface="Times New Roman"/>
+                <a:sym typeface="Times New Roman"/>
+              </a:rPr>
+              <a:t>Официальные группы</a:t>
+            </a:r>
+          </a:p>
+        </p:txBody>
+      </p:sp>
+      <p:pic>
+        <p:nvPicPr>
+          <p:cNvPr id="14" name="Рисунок 13">
+            <a:extLst>
+              <a:ext uri="{FF2B5EF4-FFF2-40B4-BE49-F238E27FC236}">
+                <a16:creationId xmlns:a16="http://schemas.microsoft.com/office/drawing/2014/main" id="{5D406160-9481-F742-8D06-D1A8CBC06D61}"/>
+              </a:ext>
+            </a:extLst>
+          </p:cNvPr>
+          <p:cNvPicPr>
+            <a:picLocks noChangeAspect="1"/>
+          </p:cNvPicPr>
+          <p:nvPr/>
+        </p:nvPicPr>
+        <p:blipFill>
+          <a:blip r:embed="rId6"/>
+          <a:stretch>
+            <a:fillRect/>
+          </a:stretch>
+        </p:blipFill>
+        <p:spPr>
+          <a:xfrm>
+            <a:off x="7262701" y="4529973"/>
+            <a:ext cx="4929299" cy="1947240"/>
+          </a:xfrm>
+          <a:prstGeom prst="rect">
+            <a:avLst/>
+          </a:prstGeom>
+        </p:spPr>
+      </p:pic>
+      <p:sp>
+        <p:nvSpPr>
+          <p:cNvPr id="15" name="Прямоугольник 14">
+            <a:extLst>
+              <a:ext uri="{FF2B5EF4-FFF2-40B4-BE49-F238E27FC236}">
+                <a16:creationId xmlns:a16="http://schemas.microsoft.com/office/drawing/2014/main" id="{331D2E6B-CC26-9441-9A78-49FE015B4A9D}"/>
+              </a:ext>
+            </a:extLst>
+          </p:cNvPr>
+          <p:cNvSpPr/>
+          <p:nvPr/>
+        </p:nvSpPr>
+        <p:spPr>
+          <a:xfrm>
+            <a:off x="7198418" y="1392515"/>
+            <a:ext cx="4383982" cy="1089529"/>
+          </a:xfrm>
+          <a:prstGeom prst="rect">
+            <a:avLst/>
+          </a:prstGeom>
+        </p:spPr>
+        <p:txBody>
+          <a:bodyPr wrap="square">
+            <a:spAutoFit/>
+          </a:bodyPr>
+          <a:lstStyle/>
+          <a:p>
+            <a:pPr>
+              <a:lnSpc>
+                <a:spcPct val="150000"/>
+              </a:lnSpc>
+            </a:pPr>
+            <a:r>
+              <a:rPr lang="ru-RU" sz="1500" dirty="0">
+                <a:solidFill>
+                  <a:schemeClr val="dk1"/>
+                </a:solidFill>
+                <a:latin typeface="Times New Roman"/>
+                <a:ea typeface="Times New Roman"/>
+                <a:cs typeface="Times New Roman"/>
+                <a:sym typeface="Times New Roman"/>
+              </a:rPr>
+              <a:t>Необходимо провести выделение официальных групп из неофициальных, составленных мониторингом.</a:t>
+            </a:r>
+          </a:p>
+        </p:txBody>
+      </p:sp>
+      <p:sp>
+        <p:nvSpPr>
+          <p:cNvPr id="10" name="Номер слайда 9">
+            <a:extLst>
+              <a:ext uri="{FF2B5EF4-FFF2-40B4-BE49-F238E27FC236}">
+                <a16:creationId xmlns:a16="http://schemas.microsoft.com/office/drawing/2014/main" id="{52E63E1F-7139-6148-BDC5-0A52DA52426F}"/>
+              </a:ext>
+            </a:extLst>
+          </p:cNvPr>
+          <p:cNvSpPr>
+            <a:spLocks noGrp="1"/>
+          </p:cNvSpPr>
+          <p:nvPr>
+            <p:ph type="sldNum" sz="quarter" idx="12"/>
+          </p:nvPr>
+        </p:nvSpPr>
+        <p:spPr/>
+        <p:txBody>
+          <a:bodyPr/>
+          <a:lstStyle/>
+          <a:p>
+            <a:fld id="{FADD01DB-3A3D-4160-BF8B-737FEC31D67E}" type="slidenum">
+              <a:rPr lang="ru-RU" smtClean="0"/>
+              <a:pPr/>
+              <a:t>9</a:t>
+            </a:fld>
+            <a:endParaRPr lang="ru-RU"/>
+          </a:p>
+        </p:txBody>
+      </p:sp>
+    </p:spTree>
+    <p:extLst>
+      <p:ext uri="{BB962C8B-B14F-4D97-AF65-F5344CB8AC3E}">
+        <p14:creationId xmlns:p14="http://schemas.microsoft.com/office/powerpoint/2010/main" val="378220345"/>
       </p:ext>
     </p:extLst>
   </p:cSld>
@@ -3812,7 +7208,302 @@
   <a:extraClrSchemeLst/>
   <a:extLst>
     <a:ext uri="{05A4C25C-085E-4340-85A3-A5531E510DB2}">
-      <thm15:themeFamily xmlns:thm15="http://schemas.microsoft.com/office/thememl/2012/main" xmlns="" name="Office Theme" id="{62F939B6-93AF-4DB8-9C6B-D6C7DFDC589F}" vid="{4A3C46E8-61CC-4603-A589-7422A47A8E4A}"/>
+      <thm15:themeFamily xmlns:thm15="http://schemas.microsoft.com/office/thememl/2012/main" name="Office Theme" id="{62F939B6-93AF-4DB8-9C6B-D6C7DFDC589F}" vid="{4A3C46E8-61CC-4603-A589-7422A47A8E4A}"/>
+    </a:ext>
+  </a:extLst>
+</a:theme>
+</file>
+
+<file path=ppt/theme/theme2.xml><?xml version="1.0" encoding="utf-8"?>
+<a:theme xmlns:a="http://schemas.openxmlformats.org/drawingml/2006/main" name="Тема Office">
+  <a:themeElements>
+    <a:clrScheme name="Стандартная">
+      <a:dk1>
+        <a:sysClr val="windowText" lastClr="000000"/>
+      </a:dk1>
+      <a:lt1>
+        <a:sysClr val="window" lastClr="FFFFFF"/>
+      </a:lt1>
+      <a:dk2>
+        <a:srgbClr val="44546A"/>
+      </a:dk2>
+      <a:lt2>
+        <a:srgbClr val="E7E6E6"/>
+      </a:lt2>
+      <a:accent1>
+        <a:srgbClr val="4472C4"/>
+      </a:accent1>
+      <a:accent2>
+        <a:srgbClr val="ED7D31"/>
+      </a:accent2>
+      <a:accent3>
+        <a:srgbClr val="A5A5A5"/>
+      </a:accent3>
+      <a:accent4>
+        <a:srgbClr val="FFC000"/>
+      </a:accent4>
+      <a:accent5>
+        <a:srgbClr val="5B9BD5"/>
+      </a:accent5>
+      <a:accent6>
+        <a:srgbClr val="70AD47"/>
+      </a:accent6>
+      <a:hlink>
+        <a:srgbClr val="0563C1"/>
+      </a:hlink>
+      <a:folHlink>
+        <a:srgbClr val="954F72"/>
+      </a:folHlink>
+    </a:clrScheme>
+    <a:fontScheme name="Стандартная">
+      <a:majorFont>
+        <a:latin typeface="Calibri Light" panose="020F0302020204030204"/>
+        <a:ea typeface=""/>
+        <a:cs typeface=""/>
+        <a:font script="Jpan" typeface="游ゴシック Light"/>
+        <a:font script="Hang" typeface="맑은 고딕"/>
+        <a:font script="Hans" typeface="等线 Light"/>
+        <a:font script="Hant" typeface="新細明體"/>
+        <a:font script="Arab" typeface="Times New Roman"/>
+        <a:font script="Hebr" typeface="Times New Roman"/>
+        <a:font script="Thai" typeface="Angsana New"/>
+        <a:font script="Ethi" typeface="Nyala"/>
+        <a:font script="Beng" typeface="Vrinda"/>
+        <a:font script="Gujr" typeface="Shruti"/>
+        <a:font script="Khmr" typeface="MoolBoran"/>
+        <a:font script="Knda" typeface="Tunga"/>
+        <a:font script="Guru" typeface="Raavi"/>
+        <a:font script="Cans" typeface="Euphemia"/>
+        <a:font script="Cher" typeface="Plantagenet Cherokee"/>
+        <a:font script="Yiii" typeface="Microsoft Yi Baiti"/>
+        <a:font script="Tibt" typeface="Microsoft Himalaya"/>
+        <a:font script="Thaa" typeface="MV Boli"/>
+        <a:font script="Deva" typeface="Mangal"/>
+        <a:font script="Telu" typeface="Gautami"/>
+        <a:font script="Taml" typeface="Latha"/>
+        <a:font script="Syrc" typeface="Estrangelo Edessa"/>
+        <a:font script="Orya" typeface="Kalinga"/>
+        <a:font script="Mlym" typeface="Kartika"/>
+        <a:font script="Laoo" typeface="DokChampa"/>
+        <a:font script="Sinh" typeface="Iskoola Pota"/>
+        <a:font script="Mong" typeface="Mongolian Baiti"/>
+        <a:font script="Viet" typeface="Times New Roman"/>
+        <a:font script="Uigh" typeface="Microsoft Uighur"/>
+        <a:font script="Geor" typeface="Sylfaen"/>
+        <a:font script="Armn" typeface="Arial"/>
+        <a:font script="Bugi" typeface="Leelawadee UI"/>
+        <a:font script="Bopo" typeface="Microsoft JhengHei"/>
+        <a:font script="Java" typeface="Javanese Text"/>
+        <a:font script="Lisu" typeface="Segoe UI"/>
+        <a:font script="Mymr" typeface="Myanmar Text"/>
+        <a:font script="Nkoo" typeface="Ebrima"/>
+        <a:font script="Olck" typeface="Nirmala UI"/>
+        <a:font script="Osma" typeface="Ebrima"/>
+        <a:font script="Phag" typeface="Phagspa"/>
+        <a:font script="Syrn" typeface="Estrangelo Edessa"/>
+        <a:font script="Syrj" typeface="Estrangelo Edessa"/>
+        <a:font script="Syre" typeface="Estrangelo Edessa"/>
+        <a:font script="Sora" typeface="Nirmala UI"/>
+        <a:font script="Tale" typeface="Microsoft Tai Le"/>
+        <a:font script="Talu" typeface="Microsoft New Tai Lue"/>
+        <a:font script="Tfng" typeface="Ebrima"/>
+      </a:majorFont>
+      <a:minorFont>
+        <a:latin typeface="Calibri" panose="020F0502020204030204"/>
+        <a:ea typeface=""/>
+        <a:cs typeface=""/>
+        <a:font script="Jpan" typeface="游ゴシック"/>
+        <a:font script="Hang" typeface="맑은 고딕"/>
+        <a:font script="Hans" typeface="等线"/>
+        <a:font script="Hant" typeface="新細明體"/>
+        <a:font script="Arab" typeface="Arial"/>
+        <a:font script="Hebr" typeface="Arial"/>
+        <a:font script="Thai" typeface="Cordia New"/>
+        <a:font script="Ethi" typeface="Nyala"/>
+        <a:font script="Beng" typeface="Vrinda"/>
+        <a:font script="Gujr" typeface="Shruti"/>
+        <a:font script="Khmr" typeface="DaunPenh"/>
+        <a:font script="Knda" typeface="Tunga"/>
+        <a:font script="Guru" typeface="Raavi"/>
+        <a:font script="Cans" typeface="Euphemia"/>
+        <a:font script="Cher" typeface="Plantagenet Cherokee"/>
+        <a:font script="Yiii" typeface="Microsoft Yi Baiti"/>
+        <a:font script="Tibt" typeface="Microsoft Himalaya"/>
+        <a:font script="Thaa" typeface="MV Boli"/>
+        <a:font script="Deva" typeface="Mangal"/>
+        <a:font script="Telu" typeface="Gautami"/>
+        <a:font script="Taml" typeface="Latha"/>
+        <a:font script="Syrc" typeface="Estrangelo Edessa"/>
+        <a:font script="Orya" typeface="Kalinga"/>
+        <a:font script="Mlym" typeface="Kartika"/>
+        <a:font script="Laoo" typeface="DokChampa"/>
+        <a:font script="Sinh" typeface="Iskoola Pota"/>
+        <a:font script="Mong" typeface="Mongolian Baiti"/>
+        <a:font script="Viet" typeface="Arial"/>
+        <a:font script="Uigh" typeface="Microsoft Uighur"/>
+        <a:font script="Geor" typeface="Sylfaen"/>
+        <a:font script="Armn" typeface="Arial"/>
+        <a:font script="Bugi" typeface="Leelawadee UI"/>
+        <a:font script="Bopo" typeface="Microsoft JhengHei"/>
+        <a:font script="Java" typeface="Javanese Text"/>
+        <a:font script="Lisu" typeface="Segoe UI"/>
+        <a:font script="Mymr" typeface="Myanmar Text"/>
+        <a:font script="Nkoo" typeface="Ebrima"/>
+        <a:font script="Olck" typeface="Nirmala UI"/>
+        <a:font script="Osma" typeface="Ebrima"/>
+        <a:font script="Phag" typeface="Phagspa"/>
+        <a:font script="Syrn" typeface="Estrangelo Edessa"/>
+        <a:font script="Syrj" typeface="Estrangelo Edessa"/>
+        <a:font script="Syre" typeface="Estrangelo Edessa"/>
+        <a:font script="Sora" typeface="Nirmala UI"/>
+        <a:font script="Tale" typeface="Microsoft Tai Le"/>
+        <a:font script="Talu" typeface="Microsoft New Tai Lue"/>
+        <a:font script="Tfng" typeface="Ebrima"/>
+      </a:minorFont>
+    </a:fontScheme>
+    <a:fmtScheme name="Стандартная">
+      <a:fillStyleLst>
+        <a:solidFill>
+          <a:schemeClr val="phClr"/>
+        </a:solidFill>
+        <a:gradFill rotWithShape="1">
+          <a:gsLst>
+            <a:gs pos="0">
+              <a:schemeClr val="phClr">
+                <a:lumMod val="110000"/>
+                <a:satMod val="105000"/>
+                <a:tint val="67000"/>
+              </a:schemeClr>
+            </a:gs>
+            <a:gs pos="50000">
+              <a:schemeClr val="phClr">
+                <a:lumMod val="105000"/>
+                <a:satMod val="103000"/>
+                <a:tint val="73000"/>
+              </a:schemeClr>
+            </a:gs>
+            <a:gs pos="100000">
+              <a:schemeClr val="phClr">
+                <a:lumMod val="105000"/>
+                <a:satMod val="109000"/>
+                <a:tint val="81000"/>
+              </a:schemeClr>
+            </a:gs>
+          </a:gsLst>
+          <a:lin ang="5400000" scaled="0"/>
+        </a:gradFill>
+        <a:gradFill rotWithShape="1">
+          <a:gsLst>
+            <a:gs pos="0">
+              <a:schemeClr val="phClr">
+                <a:satMod val="103000"/>
+                <a:lumMod val="102000"/>
+                <a:tint val="94000"/>
+              </a:schemeClr>
+            </a:gs>
+            <a:gs pos="50000">
+              <a:schemeClr val="phClr">
+                <a:satMod val="110000"/>
+                <a:lumMod val="100000"/>
+                <a:shade val="100000"/>
+              </a:schemeClr>
+            </a:gs>
+            <a:gs pos="100000">
+              <a:schemeClr val="phClr">
+                <a:lumMod val="99000"/>
+                <a:satMod val="120000"/>
+                <a:shade val="78000"/>
+              </a:schemeClr>
+            </a:gs>
+          </a:gsLst>
+          <a:lin ang="5400000" scaled="0"/>
+        </a:gradFill>
+      </a:fillStyleLst>
+      <a:lnStyleLst>
+        <a:ln w="6350" cap="flat" cmpd="sng" algn="ctr">
+          <a:solidFill>
+            <a:schemeClr val="phClr"/>
+          </a:solidFill>
+          <a:prstDash val="solid"/>
+          <a:miter lim="800000"/>
+        </a:ln>
+        <a:ln w="12700" cap="flat" cmpd="sng" algn="ctr">
+          <a:solidFill>
+            <a:schemeClr val="phClr"/>
+          </a:solidFill>
+          <a:prstDash val="solid"/>
+          <a:miter lim="800000"/>
+        </a:ln>
+        <a:ln w="19050" cap="flat" cmpd="sng" algn="ctr">
+          <a:solidFill>
+            <a:schemeClr val="phClr"/>
+          </a:solidFill>
+          <a:prstDash val="solid"/>
+          <a:miter lim="800000"/>
+        </a:ln>
+      </a:lnStyleLst>
+      <a:effectStyleLst>
+        <a:effectStyle>
+          <a:effectLst/>
+        </a:effectStyle>
+        <a:effectStyle>
+          <a:effectLst/>
+        </a:effectStyle>
+        <a:effectStyle>
+          <a:effectLst>
+            <a:outerShdw blurRad="57150" dist="19050" dir="5400000" algn="ctr" rotWithShape="0">
+              <a:srgbClr val="000000">
+                <a:alpha val="63000"/>
+              </a:srgbClr>
+            </a:outerShdw>
+          </a:effectLst>
+        </a:effectStyle>
+      </a:effectStyleLst>
+      <a:bgFillStyleLst>
+        <a:solidFill>
+          <a:schemeClr val="phClr"/>
+        </a:solidFill>
+        <a:solidFill>
+          <a:schemeClr val="phClr">
+            <a:tint val="95000"/>
+            <a:satMod val="170000"/>
+          </a:schemeClr>
+        </a:solidFill>
+        <a:gradFill rotWithShape="1">
+          <a:gsLst>
+            <a:gs pos="0">
+              <a:schemeClr val="phClr">
+                <a:tint val="93000"/>
+                <a:satMod val="150000"/>
+                <a:shade val="98000"/>
+                <a:lumMod val="102000"/>
+              </a:schemeClr>
+            </a:gs>
+            <a:gs pos="50000">
+              <a:schemeClr val="phClr">
+                <a:tint val="98000"/>
+                <a:satMod val="130000"/>
+                <a:shade val="90000"/>
+                <a:lumMod val="103000"/>
+              </a:schemeClr>
+            </a:gs>
+            <a:gs pos="100000">
+              <a:schemeClr val="phClr">
+                <a:shade val="63000"/>
+                <a:satMod val="120000"/>
+              </a:schemeClr>
+            </a:gs>
+          </a:gsLst>
+          <a:lin ang="5400000" scaled="0"/>
+        </a:gradFill>
+      </a:bgFillStyleLst>
+    </a:fmtScheme>
+  </a:themeElements>
+  <a:objectDefaults/>
+  <a:extraClrSchemeLst/>
+  <a:extLst>
+    <a:ext uri="{05A4C25C-085E-4340-85A3-A5531E510DB2}">
+      <thm15:themeFamily xmlns:thm15="http://schemas.microsoft.com/office/thememl/2012/main" name="Office Theme" id="{62F939B6-93AF-4DB8-9C6B-D6C7DFDC589F}" vid="{4A3C46E8-61CC-4603-A589-7422A47A8E4A}"/>
     </a:ext>
   </a:extLst>
 </a:theme>

--- a/tex-diploma-template-main/Метод прогнозирования итогов приёма в вузы России на основе агентного моделирования.pptx
+++ b/tex-diploma-template-main/Метод прогнозирования итогов приёма в вузы России на основе агентного моделирования.pptx
@@ -5,24 +5,26 @@
     <p:sldMasterId id="2147483648" r:id="rId1"/>
   </p:sldMasterIdLst>
   <p:notesMasterIdLst>
-    <p:notesMasterId r:id="rId17"/>
+    <p:notesMasterId r:id="rId19"/>
   </p:notesMasterIdLst>
   <p:sldIdLst>
     <p:sldId id="256" r:id="rId2"/>
     <p:sldId id="257" r:id="rId3"/>
     <p:sldId id="259" r:id="rId4"/>
-    <p:sldId id="260" r:id="rId5"/>
-    <p:sldId id="261" r:id="rId6"/>
-    <p:sldId id="264" r:id="rId7"/>
-    <p:sldId id="269" r:id="rId8"/>
-    <p:sldId id="262" r:id="rId9"/>
-    <p:sldId id="263" r:id="rId10"/>
-    <p:sldId id="265" r:id="rId11"/>
-    <p:sldId id="267" r:id="rId12"/>
-    <p:sldId id="266" r:id="rId13"/>
-    <p:sldId id="268" r:id="rId14"/>
-    <p:sldId id="270" r:id="rId15"/>
-    <p:sldId id="271" r:id="rId16"/>
+    <p:sldId id="273" r:id="rId5"/>
+    <p:sldId id="260" r:id="rId6"/>
+    <p:sldId id="261" r:id="rId7"/>
+    <p:sldId id="274" r:id="rId8"/>
+    <p:sldId id="275" r:id="rId9"/>
+    <p:sldId id="264" r:id="rId10"/>
+    <p:sldId id="272" r:id="rId11"/>
+    <p:sldId id="269" r:id="rId12"/>
+    <p:sldId id="265" r:id="rId13"/>
+    <p:sldId id="267" r:id="rId14"/>
+    <p:sldId id="266" r:id="rId15"/>
+    <p:sldId id="268" r:id="rId16"/>
+    <p:sldId id="270" r:id="rId17"/>
+    <p:sldId id="271" r:id="rId18"/>
   </p:sldIdLst>
   <p:sldSz cx="12192000" cy="6858000"/>
   <p:notesSz cx="6858000" cy="9144000"/>
@@ -123,7 +125,7 @@
   </p:defaultTextStyle>
   <p:extLst>
     <p:ext uri="{EFAFB233-063F-42B5-8137-9DF3F51BA10A}">
-      <p15:sldGuideLst xmlns:p15="http://schemas.microsoft.com/office/powerpoint/2012/main">
+      <p15:sldGuideLst xmlns="" xmlns:p15="http://schemas.microsoft.com/office/powerpoint/2012/main">
         <p15:guide id="1" orient="horz" pos="2160" userDrawn="1">
           <p15:clr>
             <a:srgbClr val="A4A3A4"/>
@@ -222,7 +224,7 @@
           <a:p>
             <a:fld id="{34AD9A25-C0B7-1E4E-9641-3E9C78826FA0}" type="datetimeFigureOut">
               <a:rPr lang="ru-RU" smtClean="0"/>
-              <a:t>29.05.2022</a:t>
+              <a:t>30.05.2022</a:t>
             </a:fld>
             <a:endParaRPr lang="ru-RU"/>
           </a:p>
@@ -573,6 +575,90 @@
 </p:notes>
 </file>
 
+<file path=ppt/notesSlides/notesSlide2.xml><?xml version="1.0" encoding="utf-8"?>
+<p:notes xmlns:a="http://schemas.openxmlformats.org/drawingml/2006/main" xmlns:r="http://schemas.openxmlformats.org/officeDocument/2006/relationships" xmlns:p="http://schemas.openxmlformats.org/presentationml/2006/main">
+  <p:cSld>
+    <p:spTree>
+      <p:nvGrpSpPr>
+        <p:cNvPr id="1" name=""/>
+        <p:cNvGrpSpPr/>
+        <p:nvPr/>
+      </p:nvGrpSpPr>
+      <p:grpSpPr>
+        <a:xfrm>
+          <a:off x="0" y="0"/>
+          <a:ext cx="0" cy="0"/>
+          <a:chOff x="0" y="0"/>
+          <a:chExt cx="0" cy="0"/>
+        </a:xfrm>
+      </p:grpSpPr>
+      <p:sp>
+        <p:nvSpPr>
+          <p:cNvPr id="2" name="Образ слайда 1"/>
+          <p:cNvSpPr>
+            <a:spLocks noGrp="1" noRot="1" noChangeAspect="1"/>
+          </p:cNvSpPr>
+          <p:nvPr>
+            <p:ph type="sldImg"/>
+          </p:nvPr>
+        </p:nvSpPr>
+        <p:spPr/>
+      </p:sp>
+      <p:sp>
+        <p:nvSpPr>
+          <p:cNvPr id="3" name="Заметки 2"/>
+          <p:cNvSpPr>
+            <a:spLocks noGrp="1"/>
+          </p:cNvSpPr>
+          <p:nvPr>
+            <p:ph type="body" idx="1"/>
+          </p:nvPr>
+        </p:nvSpPr>
+        <p:spPr/>
+        <p:txBody>
+          <a:bodyPr/>
+          <a:lstStyle/>
+          <a:p>
+            <a:endParaRPr lang="ru-RU"/>
+          </a:p>
+        </p:txBody>
+      </p:sp>
+      <p:sp>
+        <p:nvSpPr>
+          <p:cNvPr id="4" name="Номер слайда 3"/>
+          <p:cNvSpPr>
+            <a:spLocks noGrp="1"/>
+          </p:cNvSpPr>
+          <p:nvPr>
+            <p:ph type="sldNum" sz="quarter" idx="5"/>
+          </p:nvPr>
+        </p:nvSpPr>
+        <p:spPr/>
+        <p:txBody>
+          <a:bodyPr/>
+          <a:lstStyle/>
+          <a:p>
+            <a:fld id="{4711D1B6-B90A-4A47-AE3A-C70A78AE92D2}" type="slidenum">
+              <a:rPr lang="ru-RU" smtClean="0"/>
+              <a:t>4</a:t>
+            </a:fld>
+            <a:endParaRPr lang="ru-RU"/>
+          </a:p>
+        </p:txBody>
+      </p:sp>
+    </p:spTree>
+    <p:extLst>
+      <p:ext uri="{BB962C8B-B14F-4D97-AF65-F5344CB8AC3E}">
+        <p14:creationId xmlns:p14="http://schemas.microsoft.com/office/powerpoint/2010/main" val="3917743120"/>
+      </p:ext>
+    </p:extLst>
+  </p:cSld>
+  <p:clrMapOvr>
+    <a:masterClrMapping/>
+  </p:clrMapOvr>
+</p:notes>
+</file>
+
 <file path=ppt/slideLayouts/slideLayout1.xml><?xml version="1.0" encoding="utf-8"?>
 <p:sldLayout xmlns:a="http://schemas.openxmlformats.org/drawingml/2006/main" xmlns:r="http://schemas.openxmlformats.org/officeDocument/2006/relationships" xmlns:p="http://schemas.openxmlformats.org/presentationml/2006/main" type="title" preserve="1">
   <p:cSld name="Титульный слайд">
@@ -702,7 +788,7 @@
           <a:p>
             <a:fld id="{16C289C3-CB64-5C4A-B77D-82FCF9A19D95}" type="datetime1">
               <a:rPr lang="ru-RU" smtClean="0"/>
-              <a:t>29.05.2022</a:t>
+              <a:t>30.05.2022</a:t>
             </a:fld>
             <a:endParaRPr lang="ru-RU"/>
           </a:p>
@@ -871,7 +957,7 @@
           <a:p>
             <a:fld id="{79ECA59D-710E-DC48-9B5B-04E50C561BEB}" type="datetime1">
               <a:rPr lang="ru-RU" smtClean="0"/>
-              <a:t>29.05.2022</a:t>
+              <a:t>30.05.2022</a:t>
             </a:fld>
             <a:endParaRPr lang="ru-RU"/>
           </a:p>
@@ -1050,7 +1136,7 @@
           <a:p>
             <a:fld id="{754615A2-0723-7442-99C1-709556D2A307}" type="datetime1">
               <a:rPr lang="ru-RU" smtClean="0"/>
-              <a:t>29.05.2022</a:t>
+              <a:t>30.05.2022</a:t>
             </a:fld>
             <a:endParaRPr lang="ru-RU"/>
           </a:p>
@@ -1219,7 +1305,7 @@
           <a:p>
             <a:fld id="{550682FE-6EEF-0146-A8FF-B5375BD10606}" type="datetime1">
               <a:rPr lang="ru-RU" smtClean="0"/>
-              <a:t>29.05.2022</a:t>
+              <a:t>30.05.2022</a:t>
             </a:fld>
             <a:endParaRPr lang="ru-RU"/>
           </a:p>
@@ -1465,7 +1551,7 @@
           <a:p>
             <a:fld id="{AA167FA4-A27A-F541-91D9-8778CDDF3295}" type="datetime1">
               <a:rPr lang="ru-RU" smtClean="0"/>
-              <a:t>29.05.2022</a:t>
+              <a:t>30.05.2022</a:t>
             </a:fld>
             <a:endParaRPr lang="ru-RU"/>
           </a:p>
@@ -1695,7 +1781,7 @@
           <a:p>
             <a:fld id="{38659D3B-E85D-EE49-8395-4CB500546713}" type="datetime1">
               <a:rPr lang="ru-RU" smtClean="0"/>
-              <a:t>29.05.2022</a:t>
+              <a:t>30.05.2022</a:t>
             </a:fld>
             <a:endParaRPr lang="ru-RU"/>
           </a:p>
@@ -2060,7 +2146,7 @@
           <a:p>
             <a:fld id="{8CAEA6C4-7300-FC4F-981B-3AE718BF152F}" type="datetime1">
               <a:rPr lang="ru-RU" smtClean="0"/>
-              <a:t>29.05.2022</a:t>
+              <a:t>30.05.2022</a:t>
             </a:fld>
             <a:endParaRPr lang="ru-RU"/>
           </a:p>
@@ -2178,7 +2264,7 @@
           <a:p>
             <a:fld id="{6B8A5C0E-659A-044C-89E7-2D21B419F553}" type="datetime1">
               <a:rPr lang="ru-RU" smtClean="0"/>
-              <a:t>29.05.2022</a:t>
+              <a:t>30.05.2022</a:t>
             </a:fld>
             <a:endParaRPr lang="ru-RU"/>
           </a:p>
@@ -2274,7 +2360,7 @@
           <a:p>
             <a:fld id="{18BB0F01-282E-F640-9901-5103C400A83F}" type="datetime1">
               <a:rPr lang="ru-RU" smtClean="0"/>
-              <a:t>29.05.2022</a:t>
+              <a:t>30.05.2022</a:t>
             </a:fld>
             <a:endParaRPr lang="ru-RU"/>
           </a:p>
@@ -2550,7 +2636,7 @@
           <a:p>
             <a:fld id="{DF3F1C6E-A726-154D-9C01-BB9BD2865CD7}" type="datetime1">
               <a:rPr lang="ru-RU" smtClean="0"/>
-              <a:t>29.05.2022</a:t>
+              <a:t>30.05.2022</a:t>
             </a:fld>
             <a:endParaRPr lang="ru-RU"/>
           </a:p>
@@ -2803,7 +2889,7 @@
           <a:p>
             <a:fld id="{1E2AB2FD-7272-ED4B-9396-E6AEEF338E07}" type="datetime1">
               <a:rPr lang="ru-RU" smtClean="0"/>
-              <a:t>29.05.2022</a:t>
+              <a:t>30.05.2022</a:t>
             </a:fld>
             <a:endParaRPr lang="ru-RU"/>
           </a:p>
@@ -3015,7 +3101,7 @@
           <a:p>
             <a:fld id="{B0D4D91C-EA01-224A-A78D-D1BBF2F82F5F}" type="datetime1">
               <a:rPr lang="ru-RU" smtClean="0"/>
-              <a:t>29.05.2022</a:t>
+              <a:t>30.05.2022</a:t>
             </a:fld>
             <a:endParaRPr lang="ru-RU"/>
           </a:p>
@@ -3632,7 +3718,7 @@
                 <a:latin typeface="Times New Roman" panose="02020603050405020304" pitchFamily="18" charset="0"/>
                 <a:cs typeface="Times New Roman" panose="02020603050405020304" pitchFamily="18" charset="0"/>
               </a:rPr>
-              <a:t>2022 </a:t>
+              <a:t>2022</a:t>
             </a:r>
           </a:p>
         </p:txBody>
@@ -3647,6 +3733,13 @@
   <p:clrMapOvr>
     <a:masterClrMapping/>
   </p:clrMapOvr>
+  <p:timing>
+    <p:tnLst>
+      <p:par>
+        <p:cTn id="1" dur="indefinite" restart="never" nodeType="tmRoot"/>
+      </p:par>
+    </p:tnLst>
+  </p:timing>
 </p:sld>
 </file>
 
@@ -3677,15 +3770,50 @@
             <p:ph type="title"/>
           </p:nvPr>
         </p:nvSpPr>
+        <p:spPr>
+          <a:xfrm>
+            <a:off x="838200" y="219210"/>
+            <a:ext cx="10515600" cy="1325563"/>
+          </a:xfrm>
+        </p:spPr>
+        <p:txBody>
+          <a:bodyPr/>
+          <a:lstStyle/>
+          <a:p>
+            <a:r>
+              <a:rPr lang="ru-RU" dirty="0"/>
+              <a:t>Анализ положения в конкурсном списке</a:t>
+            </a:r>
+          </a:p>
+        </p:txBody>
+      </p:sp>
+      <p:sp>
+        <p:nvSpPr>
+          <p:cNvPr id="17" name="Номер слайда 16">
+            <a:extLst>
+              <a:ext uri="{FF2B5EF4-FFF2-40B4-BE49-F238E27FC236}">
+                <a16:creationId xmlns="" xmlns:a16="http://schemas.microsoft.com/office/drawing/2014/main" id="{8F47E49C-C9F8-9540-B784-88368653FDE4}"/>
+              </a:ext>
+            </a:extLst>
+          </p:cNvPr>
+          <p:cNvSpPr>
+            <a:spLocks noGrp="1"/>
+          </p:cNvSpPr>
+          <p:nvPr>
+            <p:ph type="sldNum" sz="quarter" idx="12"/>
+          </p:nvPr>
+        </p:nvSpPr>
         <p:spPr/>
         <p:txBody>
           <a:bodyPr/>
           <a:lstStyle/>
           <a:p>
-            <a:r>
-              <a:rPr lang="ru-RU" dirty="0"/>
-              <a:t>Структура разработанного ПО</a:t>
-            </a:r>
+            <a:fld id="{FADD01DB-3A3D-4160-BF8B-737FEC31D67E}" type="slidenum">
+              <a:rPr lang="ru-RU" smtClean="0"/>
+              <a:pPr/>
+              <a:t>10</a:t>
+            </a:fld>
+            <a:endParaRPr lang="ru-RU"/>
           </a:p>
         </p:txBody>
       </p:sp>
@@ -3694,7 +3822,221 @@
           <p:cNvPr id="4" name="Рисунок 3">
             <a:extLst>
               <a:ext uri="{FF2B5EF4-FFF2-40B4-BE49-F238E27FC236}">
-                <a16:creationId xmlns:a16="http://schemas.microsoft.com/office/drawing/2014/main" id="{1EB5BE92-501B-374D-B5CC-D9F7717D5674}"/>
+                <a16:creationId xmlns="" xmlns:a16="http://schemas.microsoft.com/office/drawing/2014/main" id="{0D5E6200-46F1-E749-BEE5-8C4207C3F831}"/>
+              </a:ext>
+            </a:extLst>
+          </p:cNvPr>
+          <p:cNvPicPr>
+            <a:picLocks noChangeAspect="1"/>
+          </p:cNvPicPr>
+          <p:nvPr/>
+        </p:nvPicPr>
+        <p:blipFill>
+          <a:blip r:embed="rId2">
+            <a:extLst>
+              <a:ext uri="{28A0092B-C50C-407E-A947-70E740481C1C}">
+                <a14:useLocalDpi xmlns:a14="http://schemas.microsoft.com/office/drawing/2010/main" val="0"/>
+              </a:ext>
+            </a:extLst>
+          </a:blip>
+          <a:stretch>
+            <a:fillRect/>
+          </a:stretch>
+        </p:blipFill>
+        <p:spPr>
+          <a:xfrm>
+            <a:off x="1664850" y="1346761"/>
+            <a:ext cx="4765134" cy="5374714"/>
+          </a:xfrm>
+          <a:prstGeom prst="rect">
+            <a:avLst/>
+          </a:prstGeom>
+        </p:spPr>
+      </p:pic>
+    </p:spTree>
+    <p:extLst>
+      <p:ext uri="{BB962C8B-B14F-4D97-AF65-F5344CB8AC3E}">
+        <p14:creationId xmlns:p14="http://schemas.microsoft.com/office/powerpoint/2010/main" val="3828835184"/>
+      </p:ext>
+    </p:extLst>
+  </p:cSld>
+  <p:clrMapOvr>
+    <a:masterClrMapping/>
+  </p:clrMapOvr>
+  <p:timing>
+    <p:tnLst>
+      <p:par>
+        <p:cTn id="1" dur="indefinite" restart="never" nodeType="tmRoot"/>
+      </p:par>
+    </p:tnLst>
+  </p:timing>
+</p:sld>
+</file>
+
+<file path=ppt/slides/slide11.xml><?xml version="1.0" encoding="utf-8"?>
+<p:sld xmlns:a="http://schemas.openxmlformats.org/drawingml/2006/main" xmlns:r="http://schemas.openxmlformats.org/officeDocument/2006/relationships" xmlns:p="http://schemas.openxmlformats.org/presentationml/2006/main">
+  <p:cSld>
+    <p:spTree>
+      <p:nvGrpSpPr>
+        <p:cNvPr id="1" name=""/>
+        <p:cNvGrpSpPr/>
+        <p:nvPr/>
+      </p:nvGrpSpPr>
+      <p:grpSpPr>
+        <a:xfrm>
+          <a:off x="0" y="0"/>
+          <a:ext cx="0" cy="0"/>
+          <a:chOff x="0" y="0"/>
+          <a:chExt cx="0" cy="0"/>
+        </a:xfrm>
+      </p:grpSpPr>
+      <p:sp>
+        <p:nvSpPr>
+          <p:cNvPr id="2" name="Заголовок 1"/>
+          <p:cNvSpPr>
+            <a:spLocks noGrp="1"/>
+          </p:cNvSpPr>
+          <p:nvPr>
+            <p:ph type="title"/>
+          </p:nvPr>
+        </p:nvSpPr>
+        <p:spPr/>
+        <p:txBody>
+          <a:bodyPr/>
+          <a:lstStyle/>
+          <a:p>
+            <a:r>
+              <a:rPr lang="ru-RU" dirty="0"/>
+              <a:t>Поиск подходящего УГСН</a:t>
+            </a:r>
+          </a:p>
+        </p:txBody>
+      </p:sp>
+      <p:sp>
+        <p:nvSpPr>
+          <p:cNvPr id="3" name="Номер слайда 2">
+            <a:extLst>
+              <a:ext uri="{FF2B5EF4-FFF2-40B4-BE49-F238E27FC236}">
+                <a16:creationId xmlns="" xmlns:a16="http://schemas.microsoft.com/office/drawing/2014/main" id="{DEAE3815-F6BF-E249-A2D5-EBE03D53E185}"/>
+              </a:ext>
+            </a:extLst>
+          </p:cNvPr>
+          <p:cNvSpPr>
+            <a:spLocks noGrp="1"/>
+          </p:cNvSpPr>
+          <p:nvPr>
+            <p:ph type="sldNum" sz="quarter" idx="12"/>
+          </p:nvPr>
+        </p:nvSpPr>
+        <p:spPr/>
+        <p:txBody>
+          <a:bodyPr/>
+          <a:lstStyle/>
+          <a:p>
+            <a:fld id="{FADD01DB-3A3D-4160-BF8B-737FEC31D67E}" type="slidenum">
+              <a:rPr lang="ru-RU" smtClean="0"/>
+              <a:pPr/>
+              <a:t>11</a:t>
+            </a:fld>
+            <a:endParaRPr lang="ru-RU"/>
+          </a:p>
+        </p:txBody>
+      </p:sp>
+      <p:pic>
+        <p:nvPicPr>
+          <p:cNvPr id="5" name="Рисунок 4">
+            <a:extLst>
+              <a:ext uri="{FF2B5EF4-FFF2-40B4-BE49-F238E27FC236}">
+                <a16:creationId xmlns="" xmlns:a16="http://schemas.microsoft.com/office/drawing/2014/main" id="{93B0F849-ED6D-0E4F-A4B3-612844B2BAB4}"/>
+              </a:ext>
+            </a:extLst>
+          </p:cNvPr>
+          <p:cNvPicPr>
+            <a:picLocks noChangeAspect="1"/>
+          </p:cNvPicPr>
+          <p:nvPr/>
+        </p:nvPicPr>
+        <p:blipFill>
+          <a:blip r:embed="rId2"/>
+          <a:stretch>
+            <a:fillRect/>
+          </a:stretch>
+        </p:blipFill>
+        <p:spPr>
+          <a:xfrm>
+            <a:off x="559818" y="1848675"/>
+            <a:ext cx="10793982" cy="4349688"/>
+          </a:xfrm>
+          <a:prstGeom prst="rect">
+            <a:avLst/>
+          </a:prstGeom>
+        </p:spPr>
+      </p:pic>
+    </p:spTree>
+    <p:extLst>
+      <p:ext uri="{BB962C8B-B14F-4D97-AF65-F5344CB8AC3E}">
+        <p14:creationId xmlns:p14="http://schemas.microsoft.com/office/powerpoint/2010/main" val="4120578109"/>
+      </p:ext>
+    </p:extLst>
+  </p:cSld>
+  <p:clrMapOvr>
+    <a:masterClrMapping/>
+  </p:clrMapOvr>
+  <p:timing>
+    <p:tnLst>
+      <p:par>
+        <p:cTn id="1" dur="indefinite" restart="never" nodeType="tmRoot"/>
+      </p:par>
+    </p:tnLst>
+  </p:timing>
+</p:sld>
+</file>
+
+<file path=ppt/slides/slide12.xml><?xml version="1.0" encoding="utf-8"?>
+<p:sld xmlns:a="http://schemas.openxmlformats.org/drawingml/2006/main" xmlns:r="http://schemas.openxmlformats.org/officeDocument/2006/relationships" xmlns:p="http://schemas.openxmlformats.org/presentationml/2006/main">
+  <p:cSld>
+    <p:spTree>
+      <p:nvGrpSpPr>
+        <p:cNvPr id="1" name=""/>
+        <p:cNvGrpSpPr/>
+        <p:nvPr/>
+      </p:nvGrpSpPr>
+      <p:grpSpPr>
+        <a:xfrm>
+          <a:off x="0" y="0"/>
+          <a:ext cx="0" cy="0"/>
+          <a:chOff x="0" y="0"/>
+          <a:chExt cx="0" cy="0"/>
+        </a:xfrm>
+      </p:grpSpPr>
+      <p:sp>
+        <p:nvSpPr>
+          <p:cNvPr id="2" name="Заголовок 1"/>
+          <p:cNvSpPr>
+            <a:spLocks noGrp="1"/>
+          </p:cNvSpPr>
+          <p:nvPr>
+            <p:ph type="title"/>
+          </p:nvPr>
+        </p:nvSpPr>
+        <p:spPr/>
+        <p:txBody>
+          <a:bodyPr/>
+          <a:lstStyle/>
+          <a:p>
+            <a:r>
+              <a:rPr lang="ru-RU" dirty="0"/>
+              <a:t>Структура разработанного ПО</a:t>
+            </a:r>
+          </a:p>
+        </p:txBody>
+      </p:sp>
+      <p:pic>
+        <p:nvPicPr>
+          <p:cNvPr id="4" name="Рисунок 3">
+            <a:extLst>
+              <a:ext uri="{FF2B5EF4-FFF2-40B4-BE49-F238E27FC236}">
+                <a16:creationId xmlns="" xmlns:a16="http://schemas.microsoft.com/office/drawing/2014/main" id="{1EB5BE92-501B-374D-B5CC-D9F7717D5674}"/>
               </a:ext>
             </a:extLst>
           </p:cNvPr>
@@ -3730,7 +4072,7 @@
           <p:cNvPr id="6" name="Номер слайда 5">
             <a:extLst>
               <a:ext uri="{FF2B5EF4-FFF2-40B4-BE49-F238E27FC236}">
-                <a16:creationId xmlns:a16="http://schemas.microsoft.com/office/drawing/2014/main" id="{31974EA9-2F91-8446-AFF8-96552044A2FD}"/>
+                <a16:creationId xmlns="" xmlns:a16="http://schemas.microsoft.com/office/drawing/2014/main" id="{31974EA9-2F91-8446-AFF8-96552044A2FD}"/>
               </a:ext>
             </a:extLst>
           </p:cNvPr>
@@ -3749,7 +4091,7 @@
             <a:fld id="{FADD01DB-3A3D-4160-BF8B-737FEC31D67E}" type="slidenum">
               <a:rPr lang="ru-RU" smtClean="0"/>
               <a:pPr/>
-              <a:t>10</a:t>
+              <a:t>12</a:t>
             </a:fld>
             <a:endParaRPr lang="ru-RU"/>
           </a:p>
@@ -3765,10 +4107,17 @@
   <p:clrMapOvr>
     <a:masterClrMapping/>
   </p:clrMapOvr>
+  <p:timing>
+    <p:tnLst>
+      <p:par>
+        <p:cTn id="1" dur="indefinite" restart="never" nodeType="tmRoot"/>
+      </p:par>
+    </p:tnLst>
+  </p:timing>
 </p:sld>
 </file>
 
-<file path=ppt/slides/slide11.xml><?xml version="1.0" encoding="utf-8"?>
+<file path=ppt/slides/slide13.xml><?xml version="1.0" encoding="utf-8"?>
 <p:sld xmlns:a="http://schemas.openxmlformats.org/drawingml/2006/main" xmlns:r="http://schemas.openxmlformats.org/officeDocument/2006/relationships" xmlns:p="http://schemas.openxmlformats.org/presentationml/2006/main">
   <p:cSld>
     <p:spTree>
@@ -3812,7 +4161,7 @@
           <p:cNvPr id="5" name="Рисунок 4">
             <a:extLst>
               <a:ext uri="{FF2B5EF4-FFF2-40B4-BE49-F238E27FC236}">
-                <a16:creationId xmlns:a16="http://schemas.microsoft.com/office/drawing/2014/main" id="{1CA738DE-5517-EA4B-AC0D-2801A636CEA1}"/>
+                <a16:creationId xmlns="" xmlns:a16="http://schemas.microsoft.com/office/drawing/2014/main" id="{1CA738DE-5517-EA4B-AC0D-2801A636CEA1}"/>
               </a:ext>
             </a:extLst>
           </p:cNvPr>
@@ -3848,7 +4197,7 @@
           <p:cNvPr id="3" name="Номер слайда 2">
             <a:extLst>
               <a:ext uri="{FF2B5EF4-FFF2-40B4-BE49-F238E27FC236}">
-                <a16:creationId xmlns:a16="http://schemas.microsoft.com/office/drawing/2014/main" id="{CB9627FE-AECF-AC4A-B233-F59EFD6E1455}"/>
+                <a16:creationId xmlns="" xmlns:a16="http://schemas.microsoft.com/office/drawing/2014/main" id="{CB9627FE-AECF-AC4A-B233-F59EFD6E1455}"/>
               </a:ext>
             </a:extLst>
           </p:cNvPr>
@@ -3867,7 +4216,7 @@
             <a:fld id="{FADD01DB-3A3D-4160-BF8B-737FEC31D67E}" type="slidenum">
               <a:rPr lang="ru-RU" smtClean="0"/>
               <a:pPr/>
-              <a:t>11</a:t>
+              <a:t>13</a:t>
             </a:fld>
             <a:endParaRPr lang="ru-RU"/>
           </a:p>
@@ -3883,10 +4232,17 @@
   <p:clrMapOvr>
     <a:masterClrMapping/>
   </p:clrMapOvr>
+  <p:timing>
+    <p:tnLst>
+      <p:par>
+        <p:cTn id="1" dur="indefinite" restart="never" nodeType="tmRoot"/>
+      </p:par>
+    </p:tnLst>
+  </p:timing>
 </p:sld>
 </file>
 
-<file path=ppt/slides/slide12.xml><?xml version="1.0" encoding="utf-8"?>
+<file path=ppt/slides/slide14.xml><?xml version="1.0" encoding="utf-8"?>
 <p:sld xmlns:a="http://schemas.openxmlformats.org/drawingml/2006/main" xmlns:r="http://schemas.openxmlformats.org/officeDocument/2006/relationships" xmlns:p="http://schemas.openxmlformats.org/presentationml/2006/main">
   <p:cSld>
     <p:spTree>
@@ -3930,7 +4286,7 @@
           <p:cNvPr id="9" name="Рисунок 8">
             <a:extLst>
               <a:ext uri="{FF2B5EF4-FFF2-40B4-BE49-F238E27FC236}">
-                <a16:creationId xmlns:a16="http://schemas.microsoft.com/office/drawing/2014/main" id="{40E95386-DC30-C34E-959B-E39E49384339}"/>
+                <a16:creationId xmlns="" xmlns:a16="http://schemas.microsoft.com/office/drawing/2014/main" id="{40E95386-DC30-C34E-959B-E39E49384339}"/>
               </a:ext>
             </a:extLst>
           </p:cNvPr>
@@ -3966,7 +4322,7 @@
           <p:cNvPr id="10" name="Номер слайда 9">
             <a:extLst>
               <a:ext uri="{FF2B5EF4-FFF2-40B4-BE49-F238E27FC236}">
-                <a16:creationId xmlns:a16="http://schemas.microsoft.com/office/drawing/2014/main" id="{EFFFC42C-3D59-B04B-B285-E12F503D303A}"/>
+                <a16:creationId xmlns="" xmlns:a16="http://schemas.microsoft.com/office/drawing/2014/main" id="{EFFFC42C-3D59-B04B-B285-E12F503D303A}"/>
               </a:ext>
             </a:extLst>
           </p:cNvPr>
@@ -3985,7 +4341,7 @@
             <a:fld id="{FADD01DB-3A3D-4160-BF8B-737FEC31D67E}" type="slidenum">
               <a:rPr lang="ru-RU" smtClean="0"/>
               <a:pPr/>
-              <a:t>12</a:t>
+              <a:t>14</a:t>
             </a:fld>
             <a:endParaRPr lang="ru-RU"/>
           </a:p>
@@ -4001,10 +4357,17 @@
   <p:clrMapOvr>
     <a:masterClrMapping/>
   </p:clrMapOvr>
+  <p:timing>
+    <p:tnLst>
+      <p:par>
+        <p:cTn id="1" dur="indefinite" restart="never" nodeType="tmRoot"/>
+      </p:par>
+    </p:tnLst>
+  </p:timing>
 </p:sld>
 </file>
 
-<file path=ppt/slides/slide13.xml><?xml version="1.0" encoding="utf-8"?>
+<file path=ppt/slides/slide15.xml><?xml version="1.0" encoding="utf-8"?>
 <p:sld xmlns:a="http://schemas.openxmlformats.org/drawingml/2006/main" xmlns:r="http://schemas.openxmlformats.org/officeDocument/2006/relationships" xmlns:p="http://schemas.openxmlformats.org/presentationml/2006/main">
   <p:cSld>
     <p:spTree>
@@ -4048,7 +4411,7 @@
           <p:cNvPr id="7" name="Рисунок 6">
             <a:extLst>
               <a:ext uri="{FF2B5EF4-FFF2-40B4-BE49-F238E27FC236}">
-                <a16:creationId xmlns:a16="http://schemas.microsoft.com/office/drawing/2014/main" id="{64A132AA-D452-4746-B271-DBACEFEA4845}"/>
+                <a16:creationId xmlns="" xmlns:a16="http://schemas.microsoft.com/office/drawing/2014/main" id="{64A132AA-D452-4746-B271-DBACEFEA4845}"/>
               </a:ext>
             </a:extLst>
           </p:cNvPr>
@@ -4084,7 +4447,7 @@
           <p:cNvPr id="3" name="Номер слайда 2">
             <a:extLst>
               <a:ext uri="{FF2B5EF4-FFF2-40B4-BE49-F238E27FC236}">
-                <a16:creationId xmlns:a16="http://schemas.microsoft.com/office/drawing/2014/main" id="{5C8E934A-FEC0-184D-82AC-06ADA1E64952}"/>
+                <a16:creationId xmlns="" xmlns:a16="http://schemas.microsoft.com/office/drawing/2014/main" id="{5C8E934A-FEC0-184D-82AC-06ADA1E64952}"/>
               </a:ext>
             </a:extLst>
           </p:cNvPr>
@@ -4103,7 +4466,7 @@
             <a:fld id="{FADD01DB-3A3D-4160-BF8B-737FEC31D67E}" type="slidenum">
               <a:rPr lang="ru-RU" smtClean="0"/>
               <a:pPr/>
-              <a:t>13</a:t>
+              <a:t>15</a:t>
             </a:fld>
             <a:endParaRPr lang="ru-RU"/>
           </a:p>
@@ -4119,10 +4482,17 @@
   <p:clrMapOvr>
     <a:masterClrMapping/>
   </p:clrMapOvr>
+  <p:timing>
+    <p:tnLst>
+      <p:par>
+        <p:cTn id="1" dur="indefinite" restart="never" nodeType="tmRoot"/>
+      </p:par>
+    </p:tnLst>
+  </p:timing>
 </p:sld>
 </file>
 
-<file path=ppt/slides/slide14.xml><?xml version="1.0" encoding="utf-8"?>
+<file path=ppt/slides/slide16.xml><?xml version="1.0" encoding="utf-8"?>
 <p:sld xmlns:a="http://schemas.openxmlformats.org/drawingml/2006/main" xmlns:r="http://schemas.openxmlformats.org/officeDocument/2006/relationships" xmlns:p="http://schemas.openxmlformats.org/presentationml/2006/main">
   <p:cSld>
     <p:spTree>
@@ -4166,7 +4536,7 @@
           <p:cNvPr id="3" name="Прямоугольник 2">
             <a:extLst>
               <a:ext uri="{FF2B5EF4-FFF2-40B4-BE49-F238E27FC236}">
-                <a16:creationId xmlns:a16="http://schemas.microsoft.com/office/drawing/2014/main" id="{C85EEE98-7BD9-1F48-AE34-092B4CF15127}"/>
+                <a16:creationId xmlns="" xmlns:a16="http://schemas.microsoft.com/office/drawing/2014/main" id="{C85EEE98-7BD9-1F48-AE34-092B4CF15127}"/>
               </a:ext>
             </a:extLst>
           </p:cNvPr>
@@ -4245,7 +4615,7 @@
           <p:cNvPr id="4" name="Номер слайда 3">
             <a:extLst>
               <a:ext uri="{FF2B5EF4-FFF2-40B4-BE49-F238E27FC236}">
-                <a16:creationId xmlns:a16="http://schemas.microsoft.com/office/drawing/2014/main" id="{1A9181E1-3F1F-C040-8F03-1CFB44C994D5}"/>
+                <a16:creationId xmlns="" xmlns:a16="http://schemas.microsoft.com/office/drawing/2014/main" id="{1A9181E1-3F1F-C040-8F03-1CFB44C994D5}"/>
               </a:ext>
             </a:extLst>
           </p:cNvPr>
@@ -4264,7 +4634,7 @@
             <a:fld id="{FADD01DB-3A3D-4160-BF8B-737FEC31D67E}" type="slidenum">
               <a:rPr lang="ru-RU" smtClean="0"/>
               <a:pPr/>
-              <a:t>14</a:t>
+              <a:t>16</a:t>
             </a:fld>
             <a:endParaRPr lang="ru-RU"/>
           </a:p>
@@ -4275,7 +4645,7 @@
           <p:cNvPr id="5" name="Объект 2">
             <a:extLst>
               <a:ext uri="{FF2B5EF4-FFF2-40B4-BE49-F238E27FC236}">
-                <a16:creationId xmlns:a16="http://schemas.microsoft.com/office/drawing/2014/main" id="{7CD81F86-BBA1-9740-844F-3F58A6599DBE}"/>
+                <a16:creationId xmlns="" xmlns:a16="http://schemas.microsoft.com/office/drawing/2014/main" id="{7CD81F86-BBA1-9740-844F-3F58A6599DBE}"/>
               </a:ext>
             </a:extLst>
           </p:cNvPr>
@@ -4387,10 +4757,17 @@
   <p:clrMapOvr>
     <a:masterClrMapping/>
   </p:clrMapOvr>
+  <p:timing>
+    <p:tnLst>
+      <p:par>
+        <p:cTn id="1" dur="indefinite" restart="never" nodeType="tmRoot"/>
+      </p:par>
+    </p:tnLst>
+  </p:timing>
 </p:sld>
 </file>
 
-<file path=ppt/slides/slide15.xml><?xml version="1.0" encoding="utf-8"?>
+<file path=ppt/slides/slide17.xml><?xml version="1.0" encoding="utf-8"?>
 <p:sld xmlns:a="http://schemas.openxmlformats.org/drawingml/2006/main" xmlns:r="http://schemas.openxmlformats.org/officeDocument/2006/relationships" xmlns:p="http://schemas.openxmlformats.org/presentationml/2006/main">
   <p:cSld>
     <p:spTree>
@@ -4434,7 +4811,7 @@
           <p:cNvPr id="3" name="Прямоугольник 2">
             <a:extLst>
               <a:ext uri="{FF2B5EF4-FFF2-40B4-BE49-F238E27FC236}">
-                <a16:creationId xmlns:a16="http://schemas.microsoft.com/office/drawing/2014/main" id="{A88D0C5C-8E49-7B40-879E-71CFFC356944}"/>
+                <a16:creationId xmlns="" xmlns:a16="http://schemas.microsoft.com/office/drawing/2014/main" id="{A88D0C5C-8E49-7B40-879E-71CFFC356944}"/>
               </a:ext>
             </a:extLst>
           </p:cNvPr>
@@ -4531,7 +4908,7 @@
           <p:cNvPr id="4" name="Номер слайда 3">
             <a:extLst>
               <a:ext uri="{FF2B5EF4-FFF2-40B4-BE49-F238E27FC236}">
-                <a16:creationId xmlns:a16="http://schemas.microsoft.com/office/drawing/2014/main" id="{AE094975-4986-4E48-8217-47E8452ABAC5}"/>
+                <a16:creationId xmlns="" xmlns:a16="http://schemas.microsoft.com/office/drawing/2014/main" id="{AE094975-4986-4E48-8217-47E8452ABAC5}"/>
               </a:ext>
             </a:extLst>
           </p:cNvPr>
@@ -4550,7 +4927,7 @@
             <a:fld id="{FADD01DB-3A3D-4160-BF8B-737FEC31D67E}" type="slidenum">
               <a:rPr lang="ru-RU" smtClean="0"/>
               <a:pPr/>
-              <a:t>15</a:t>
+              <a:t>17</a:t>
             </a:fld>
             <a:endParaRPr lang="ru-RU"/>
           </a:p>
@@ -4566,6 +4943,13 @@
   <p:clrMapOvr>
     <a:masterClrMapping/>
   </p:clrMapOvr>
+  <p:timing>
+    <p:tnLst>
+      <p:par>
+        <p:cTn id="1" dur="indefinite" restart="never" nodeType="tmRoot"/>
+      </p:par>
+    </p:tnLst>
+  </p:timing>
 </p:sld>
 </file>
 
@@ -4750,7 +5134,7 @@
           <p:cNvPr id="5" name="Рисунок 4">
             <a:extLst>
               <a:ext uri="{FF2B5EF4-FFF2-40B4-BE49-F238E27FC236}">
-                <a16:creationId xmlns:a16="http://schemas.microsoft.com/office/drawing/2014/main" id="{EB7E995A-C633-C042-AFCE-23327BC96460}"/>
+                <a16:creationId xmlns="" xmlns:a16="http://schemas.microsoft.com/office/drawing/2014/main" id="{EB7E995A-C633-C042-AFCE-23327BC96460}"/>
               </a:ext>
             </a:extLst>
           </p:cNvPr>
@@ -4786,7 +5170,7 @@
           <p:cNvPr id="6" name="Номер слайда 5">
             <a:extLst>
               <a:ext uri="{FF2B5EF4-FFF2-40B4-BE49-F238E27FC236}">
-                <a16:creationId xmlns:a16="http://schemas.microsoft.com/office/drawing/2014/main" id="{203D4AD3-08E1-1A4B-A008-3CDA1C481531}"/>
+                <a16:creationId xmlns="" xmlns:a16="http://schemas.microsoft.com/office/drawing/2014/main" id="{203D4AD3-08E1-1A4B-A008-3CDA1C481531}"/>
               </a:ext>
             </a:extLst>
           </p:cNvPr>
@@ -4821,6 +5205,13 @@
   <p:clrMapOvr>
     <a:masterClrMapping/>
   </p:clrMapOvr>
+  <p:timing>
+    <p:tnLst>
+      <p:par>
+        <p:cTn id="1" dur="indefinite" restart="never" nodeType="tmRoot"/>
+      </p:par>
+    </p:tnLst>
+  </p:timing>
 </p:sld>
 </file>
 
@@ -4893,7 +5284,35 @@
                 <a:latin typeface="Times New Roman" panose="02020603050405020304" pitchFamily="18" charset="0"/>
                 <a:cs typeface="Times New Roman" panose="02020603050405020304" pitchFamily="18" charset="0"/>
               </a:rPr>
-              <a:t>Цель работы – разработать и реализовать метод прогнозирования итогов приёма в ВУЗы России.</a:t>
+              <a:t>Цель работы – разработать метод прогнозирования итогов приёма в ВУЗы России на основе </a:t>
+            </a:r>
+            <a:r>
+              <a:rPr lang="ru-RU" sz="1700" dirty="0" err="1">
+                <a:latin typeface="Times New Roman" panose="02020603050405020304" pitchFamily="18" charset="0"/>
+                <a:cs typeface="Times New Roman" panose="02020603050405020304" pitchFamily="18" charset="0"/>
+              </a:rPr>
+              <a:t>агентного</a:t>
+            </a:r>
+            <a:r>
+              <a:rPr lang="ru-RU" sz="1700" dirty="0">
+                <a:latin typeface="Times New Roman" panose="02020603050405020304" pitchFamily="18" charset="0"/>
+                <a:cs typeface="Times New Roman" panose="02020603050405020304" pitchFamily="18" charset="0"/>
+              </a:rPr>
+              <a:t> моделирования </a:t>
+            </a:r>
+            <a:r>
+              <a:rPr lang="ru-RU" sz="1700" dirty="0" smtClean="0">
+                <a:latin typeface="Times New Roman" panose="02020603050405020304" pitchFamily="18" charset="0"/>
+                <a:cs typeface="Times New Roman" panose="02020603050405020304" pitchFamily="18" charset="0"/>
+              </a:rPr>
+              <a:t>и его программную реализацию.</a:t>
+            </a:r>
+            <a:r>
+              <a:rPr lang="ru-RU" sz="1700" dirty="0">
+                <a:latin typeface="Times New Roman" panose="02020603050405020304" pitchFamily="18" charset="0"/>
+                <a:cs typeface="Times New Roman" panose="02020603050405020304" pitchFamily="18" charset="0"/>
+              </a:rPr>
+              <a:t/>
             </a:r>
             <a:br>
               <a:rPr lang="ru-RU" sz="1700" dirty="0">
@@ -4932,7 +5351,21 @@
                 <a:latin typeface="Times New Roman" panose="02020603050405020304" pitchFamily="18" charset="0"/>
                 <a:cs typeface="Times New Roman" panose="02020603050405020304" pitchFamily="18" charset="0"/>
               </a:rPr>
-              <a:t>Анализ правил организации приема в ВУЗы России.</a:t>
+              <a:t>Анализ </a:t>
+            </a:r>
+            <a:r>
+              <a:rPr lang="ru-RU" sz="1700" dirty="0" smtClean="0">
+                <a:latin typeface="Times New Roman" panose="02020603050405020304" pitchFamily="18" charset="0"/>
+                <a:cs typeface="Times New Roman" panose="02020603050405020304" pitchFamily="18" charset="0"/>
+              </a:rPr>
+              <a:t>правил приема в ВУЗы РФ и существующих </a:t>
+            </a:r>
+            <a:r>
+              <a:rPr lang="ru-RU" sz="1700" dirty="0">
+                <a:latin typeface="Times New Roman" panose="02020603050405020304" pitchFamily="18" charset="0"/>
+                <a:cs typeface="Times New Roman" panose="02020603050405020304" pitchFamily="18" charset="0"/>
+              </a:rPr>
+              <a:t>методов прогнозирования.</a:t>
             </a:r>
           </a:p>
           <a:p>
@@ -4945,7 +5378,7 @@
                 <a:latin typeface="Times New Roman" panose="02020603050405020304" pitchFamily="18" charset="0"/>
                 <a:cs typeface="Times New Roman" panose="02020603050405020304" pitchFamily="18" charset="0"/>
               </a:rPr>
-              <a:t>Анализ существующих методов зачисления абитуриентов.</a:t>
+              <a:t>Формализация исходной информации.</a:t>
             </a:r>
           </a:p>
           <a:p>
@@ -4958,7 +5391,21 @@
                 <a:latin typeface="Times New Roman" panose="02020603050405020304" pitchFamily="18" charset="0"/>
                 <a:cs typeface="Times New Roman" panose="02020603050405020304" pitchFamily="18" charset="0"/>
               </a:rPr>
-              <a:t>Получение статистической информации о ВУЗах и УГСН.</a:t>
+              <a:t>Разработка </a:t>
+            </a:r>
+            <a:r>
+              <a:rPr lang="ru-RU" sz="1700" dirty="0" err="1">
+                <a:latin typeface="Times New Roman" panose="02020603050405020304" pitchFamily="18" charset="0"/>
+                <a:cs typeface="Times New Roman" panose="02020603050405020304" pitchFamily="18" charset="0"/>
+              </a:rPr>
+              <a:t>агентной</a:t>
+            </a:r>
+            <a:r>
+              <a:rPr lang="ru-RU" sz="1700" dirty="0">
+                <a:latin typeface="Times New Roman" panose="02020603050405020304" pitchFamily="18" charset="0"/>
+                <a:cs typeface="Times New Roman" panose="02020603050405020304" pitchFamily="18" charset="0"/>
+              </a:rPr>
+              <a:t> модели прогнозирования поведения абитуриентов.</a:t>
             </a:r>
           </a:p>
           <a:p>
@@ -4971,8 +5418,33 @@
                 <a:latin typeface="Times New Roman" panose="02020603050405020304" pitchFamily="18" charset="0"/>
                 <a:cs typeface="Times New Roman" panose="02020603050405020304" pitchFamily="18" charset="0"/>
               </a:rPr>
-              <a:t>Разработка имитационной модели поведения абитуриентов.</a:t>
-            </a:r>
+              <a:t>Разработка метода прогнозирования итогов приема в ВУЗы России на основе </a:t>
+            </a:r>
+            <a:r>
+              <a:rPr lang="ru-RU" sz="1700" dirty="0" err="1">
+                <a:latin typeface="Times New Roman" panose="02020603050405020304" pitchFamily="18" charset="0"/>
+                <a:cs typeface="Times New Roman" panose="02020603050405020304" pitchFamily="18" charset="0"/>
+              </a:rPr>
+              <a:t>агентного</a:t>
+            </a:r>
+            <a:r>
+              <a:rPr lang="ru-RU" sz="1700" dirty="0">
+                <a:latin typeface="Times New Roman" panose="02020603050405020304" pitchFamily="18" charset="0"/>
+                <a:cs typeface="Times New Roman" panose="02020603050405020304" pitchFamily="18" charset="0"/>
+              </a:rPr>
+              <a:t> </a:t>
+            </a:r>
+            <a:r>
+              <a:rPr lang="ru-RU" sz="1700" dirty="0" smtClean="0">
+                <a:latin typeface="Times New Roman" panose="02020603050405020304" pitchFamily="18" charset="0"/>
+                <a:cs typeface="Times New Roman" panose="02020603050405020304" pitchFamily="18" charset="0"/>
+              </a:rPr>
+              <a:t>моделирования.</a:t>
+            </a:r>
+            <a:endParaRPr lang="ru-RU" sz="1700" dirty="0">
+              <a:latin typeface="Times New Roman" panose="02020603050405020304" pitchFamily="18" charset="0"/>
+              <a:cs typeface="Times New Roman" panose="02020603050405020304" pitchFamily="18" charset="0"/>
+            </a:endParaRPr>
           </a:p>
           <a:p>
             <a:pPr marL="457200" indent="-457200">
@@ -4980,24 +5452,28 @@
               <a:buAutoNum type="arabicPeriod"/>
             </a:pPr>
             <a:r>
+              <a:rPr lang="ru-RU" sz="1700" dirty="0" smtClean="0">
+                <a:latin typeface="Times New Roman" panose="02020603050405020304" pitchFamily="18" charset="0"/>
+                <a:cs typeface="Times New Roman" panose="02020603050405020304" pitchFamily="18" charset="0"/>
+              </a:rPr>
+              <a:t>Разработать и протестировать программное обеспечение, реализующее метод прогнозирования.</a:t>
+            </a:r>
+            <a:endParaRPr lang="ru-RU" sz="1700" dirty="0">
+              <a:latin typeface="Times New Roman" panose="02020603050405020304" pitchFamily="18" charset="0"/>
+              <a:cs typeface="Times New Roman" panose="02020603050405020304" pitchFamily="18" charset="0"/>
+            </a:endParaRPr>
+          </a:p>
+          <a:p>
+            <a:pPr marL="457200" indent="-457200">
+              <a:buFont typeface="+mj-lt"/>
+              <a:buAutoNum type="arabicPeriod"/>
+            </a:pPr>
+            <a:r>
               <a:rPr lang="ru-RU" sz="1700" dirty="0">
                 <a:latin typeface="Times New Roman" panose="02020603050405020304" pitchFamily="18" charset="0"/>
                 <a:cs typeface="Times New Roman" panose="02020603050405020304" pitchFamily="18" charset="0"/>
               </a:rPr>
-              <a:t>Проектирование и разработка ПО, реализующего метод прогнозирования итогов приема в ВУЗы, на основании разработанной модели поведения и статистических данных.</a:t>
-            </a:r>
-          </a:p>
-          <a:p>
-            <a:pPr marL="457200" indent="-457200">
-              <a:buFont typeface="+mj-lt"/>
-              <a:buAutoNum type="arabicPeriod"/>
-            </a:pPr>
-            <a:r>
-              <a:rPr lang="ru-RU" sz="1700" dirty="0">
-                <a:latin typeface="Times New Roman" panose="02020603050405020304" pitchFamily="18" charset="0"/>
-                <a:cs typeface="Times New Roman" panose="02020603050405020304" pitchFamily="18" charset="0"/>
-              </a:rPr>
-              <a:t>Исследование зависимости среднего балла от различных входных данных.</a:t>
+              <a:t>Исследование зависимости среднего балла от количества бюджетных мест.</a:t>
             </a:r>
           </a:p>
         </p:txBody>
@@ -5007,7 +5483,7 @@
           <p:cNvPr id="4" name="Номер слайда 3">
             <a:extLst>
               <a:ext uri="{FF2B5EF4-FFF2-40B4-BE49-F238E27FC236}">
-                <a16:creationId xmlns:a16="http://schemas.microsoft.com/office/drawing/2014/main" id="{F4D26C53-4197-434E-B55C-6DC633984B57}"/>
+                <a16:creationId xmlns="" xmlns:a16="http://schemas.microsoft.com/office/drawing/2014/main" id="{F4D26C53-4197-434E-B55C-6DC633984B57}"/>
               </a:ext>
             </a:extLst>
           </p:cNvPr>
@@ -5042,6 +5518,13 @@
   <p:clrMapOvr>
     <a:masterClrMapping/>
   </p:clrMapOvr>
+  <p:timing>
+    <p:tnLst>
+      <p:par>
+        <p:cTn id="1" dur="indefinite" restart="never" nodeType="tmRoot"/>
+      </p:par>
+    </p:tnLst>
+  </p:timing>
 </p:sld>
 </file>
 
@@ -5078,8 +5561,98 @@
           <a:lstStyle/>
           <a:p>
             <a:r>
+              <a:rPr lang="ru-RU" dirty="0" smtClean="0"/>
+              <a:t>Организация приема в ВУЗы</a:t>
+            </a:r>
+            <a:endParaRPr lang="ru-RU" dirty="0"/>
+          </a:p>
+        </p:txBody>
+      </p:sp>
+      <p:sp>
+        <p:nvSpPr>
+          <p:cNvPr id="4" name="Номер слайда 3">
+            <a:extLst>
+              <a:ext uri="{FF2B5EF4-FFF2-40B4-BE49-F238E27FC236}">
+                <a16:creationId xmlns="" xmlns:a16="http://schemas.microsoft.com/office/drawing/2014/main" id="{F4D26C53-4197-434E-B55C-6DC633984B57}"/>
+              </a:ext>
+            </a:extLst>
+          </p:cNvPr>
+          <p:cNvSpPr>
+            <a:spLocks noGrp="1"/>
+          </p:cNvSpPr>
+          <p:nvPr>
+            <p:ph type="sldNum" sz="quarter" idx="12"/>
+          </p:nvPr>
+        </p:nvSpPr>
+        <p:spPr/>
+        <p:txBody>
+          <a:bodyPr/>
+          <a:lstStyle/>
+          <a:p>
+            <a:fld id="{FADD01DB-3A3D-4160-BF8B-737FEC31D67E}" type="slidenum">
+              <a:rPr lang="ru-RU" smtClean="0"/>
+              <a:pPr/>
+              <a:t>4</a:t>
+            </a:fld>
+            <a:endParaRPr lang="ru-RU"/>
+          </a:p>
+        </p:txBody>
+      </p:sp>
+    </p:spTree>
+    <p:extLst>
+      <p:ext uri="{BB962C8B-B14F-4D97-AF65-F5344CB8AC3E}">
+        <p14:creationId xmlns:p14="http://schemas.microsoft.com/office/powerpoint/2010/main" val="228983058"/>
+      </p:ext>
+    </p:extLst>
+  </p:cSld>
+  <p:clrMapOvr>
+    <a:masterClrMapping/>
+  </p:clrMapOvr>
+  <p:timing>
+    <p:tnLst>
+      <p:par>
+        <p:cTn id="1" dur="indefinite" restart="never" nodeType="tmRoot"/>
+      </p:par>
+    </p:tnLst>
+  </p:timing>
+</p:sld>
+</file>
+
+<file path=ppt/slides/slide5.xml><?xml version="1.0" encoding="utf-8"?>
+<p:sld xmlns:a="http://schemas.openxmlformats.org/drawingml/2006/main" xmlns:r="http://schemas.openxmlformats.org/officeDocument/2006/relationships" xmlns:p="http://schemas.openxmlformats.org/presentationml/2006/main">
+  <p:cSld>
+    <p:spTree>
+      <p:nvGrpSpPr>
+        <p:cNvPr id="1" name=""/>
+        <p:cNvGrpSpPr/>
+        <p:nvPr/>
+      </p:nvGrpSpPr>
+      <p:grpSpPr>
+        <a:xfrm>
+          <a:off x="0" y="0"/>
+          <a:ext cx="0" cy="0"/>
+          <a:chOff x="0" y="0"/>
+          <a:chExt cx="0" cy="0"/>
+        </a:xfrm>
+      </p:grpSpPr>
+      <p:sp>
+        <p:nvSpPr>
+          <p:cNvPr id="2" name="Заголовок 1"/>
+          <p:cNvSpPr>
+            <a:spLocks noGrp="1"/>
+          </p:cNvSpPr>
+          <p:nvPr>
+            <p:ph type="title"/>
+          </p:nvPr>
+        </p:nvSpPr>
+        <p:spPr/>
+        <p:txBody>
+          <a:bodyPr/>
+          <a:lstStyle/>
+          <a:p>
+            <a:r>
               <a:rPr lang="ru-RU" dirty="0"/>
-              <a:t>Анализ существующих решений</a:t>
+              <a:t>Анализ существующих методов прогнозирования</a:t>
             </a:r>
           </a:p>
         </p:txBody>
@@ -5089,7 +5662,7 @@
           <p:cNvPr id="4" name="Таблица 3">
             <a:extLst>
               <a:ext uri="{FF2B5EF4-FFF2-40B4-BE49-F238E27FC236}">
-                <a16:creationId xmlns:a16="http://schemas.microsoft.com/office/drawing/2014/main" id="{5A2D5379-C115-6241-920D-00DD3DDE9CDE}"/>
+                <a16:creationId xmlns="" xmlns:a16="http://schemas.microsoft.com/office/drawing/2014/main" id="{5A2D5379-C115-6241-920D-00DD3DDE9CDE}"/>
               </a:ext>
             </a:extLst>
           </p:cNvPr>
@@ -5099,14 +5672,14 @@
           <p:nvPr>
             <p:extLst>
               <p:ext uri="{D42A27DB-BD31-4B8C-83A1-F6EECF244321}">
-                <p14:modId xmlns:p14="http://schemas.microsoft.com/office/powerpoint/2010/main" val="3922872664"/>
+                <p14:modId xmlns:p14="http://schemas.microsoft.com/office/powerpoint/2010/main" val="3273207712"/>
               </p:ext>
             </p:extLst>
           </p:nvPr>
         </p:nvGraphicFramePr>
         <p:xfrm>
-          <a:off x="935476" y="1852361"/>
-          <a:ext cx="10154055" cy="3153278"/>
+          <a:off x="1381534" y="2144683"/>
+          <a:ext cx="7829146" cy="3406027"/>
         </p:xfrm>
         <a:graphic>
           <a:graphicData uri="http://schemas.openxmlformats.org/drawingml/2006/table">
@@ -5118,47 +5691,40 @@
                 <a:gridCol w="1311614">
                   <a:extLst>
                     <a:ext uri="{9D8B030D-6E8A-4147-A177-3AD203B41FA5}">
-                      <a16:colId xmlns:a16="http://schemas.microsoft.com/office/drawing/2014/main" val="2544262691"/>
+                      <a16:colId xmlns="" xmlns:a16="http://schemas.microsoft.com/office/drawing/2014/main" val="2544262691"/>
                     </a:ext>
                   </a:extLst>
                 </a:gridCol>
                 <a:gridCol w="1488332">
                   <a:extLst>
                     <a:ext uri="{9D8B030D-6E8A-4147-A177-3AD203B41FA5}">
-                      <a16:colId xmlns:a16="http://schemas.microsoft.com/office/drawing/2014/main" val="1960284561"/>
+                      <a16:colId xmlns="" xmlns:a16="http://schemas.microsoft.com/office/drawing/2014/main" val="1960284561"/>
                     </a:ext>
                   </a:extLst>
                 </a:gridCol>
                 <a:gridCol w="1984442">
                   <a:extLst>
                     <a:ext uri="{9D8B030D-6E8A-4147-A177-3AD203B41FA5}">
-                      <a16:colId xmlns:a16="http://schemas.microsoft.com/office/drawing/2014/main" val="2695464257"/>
+                      <a16:colId xmlns="" xmlns:a16="http://schemas.microsoft.com/office/drawing/2014/main" val="2695464257"/>
                     </a:ext>
                   </a:extLst>
                 </a:gridCol>
                 <a:gridCol w="1527243">
                   <a:extLst>
                     <a:ext uri="{9D8B030D-6E8A-4147-A177-3AD203B41FA5}">
-                      <a16:colId xmlns:a16="http://schemas.microsoft.com/office/drawing/2014/main" val="3346321126"/>
+                      <a16:colId xmlns="" xmlns:a16="http://schemas.microsoft.com/office/drawing/2014/main" val="3346321126"/>
                     </a:ext>
                   </a:extLst>
                 </a:gridCol>
                 <a:gridCol w="1517515">
                   <a:extLst>
                     <a:ext uri="{9D8B030D-6E8A-4147-A177-3AD203B41FA5}">
-                      <a16:colId xmlns:a16="http://schemas.microsoft.com/office/drawing/2014/main" val="1495832075"/>
-                    </a:ext>
-                  </a:extLst>
-                </a:gridCol>
-                <a:gridCol w="2324909">
-                  <a:extLst>
-                    <a:ext uri="{9D8B030D-6E8A-4147-A177-3AD203B41FA5}">
-                      <a16:colId xmlns:a16="http://schemas.microsoft.com/office/drawing/2014/main" val="3686704813"/>
+                      <a16:colId xmlns="" xmlns:a16="http://schemas.microsoft.com/office/drawing/2014/main" val="1495832075"/>
                     </a:ext>
                   </a:extLst>
                 </a:gridCol>
               </a:tblGrid>
-              <a:tr h="741141">
+              <a:tr h="731166">
                 <a:tc>
                   <a:txBody>
                     <a:bodyPr/>
@@ -5189,7 +5755,7 @@
                         <a:rPr lang="ru-RU" sz="1200" dirty="0">
                           <a:effectLst/>
                         </a:rPr>
-                        <a:t>Студенческая версия</a:t>
+                        <a:t>Участники имеют предпочтения</a:t>
                       </a:r>
                       <a:endParaRPr lang="ru-RU" sz="1200" dirty="0">
                         <a:effectLst/>
@@ -5210,7 +5776,40 @@
                         <a:rPr lang="ru-RU" sz="1200" dirty="0">
                           <a:effectLst/>
                         </a:rPr>
-                        <a:t>Поддерживаемые операционные системы</a:t>
+                        <a:t>Пересмотр результатов зачисления</a:t>
+                      </a:r>
+                      <a:endParaRPr lang="ru-RU" sz="1200" dirty="0">
+                        <a:effectLst/>
+                        <a:latin typeface="Calibri" panose="020F0502020204030204" pitchFamily="34" charset="0"/>
+                        <a:ea typeface="Calibri" panose="020F0502020204030204" pitchFamily="34" charset="0"/>
+                        <a:cs typeface="Times New Roman" panose="02020603050405020304" pitchFamily="18" charset="0"/>
+                      </a:endParaRPr>
+                    </a:p>
+                  </a:txBody>
+                  <a:tcPr marL="68580" marR="68580" marT="0" marB="0"/>
+                </a:tc>
+                <a:tc>
+                  <a:txBody>
+                    <a:bodyPr/>
+                    <a:lstStyle/>
+                    <a:p>
+                      <a:r>
+                        <a:rPr lang="ru-RU" sz="1200" dirty="0">
+                          <a:effectLst/>
+                          <a:latin typeface="Calibri" panose="020F0502020204030204" pitchFamily="34" charset="0"/>
+                          <a:ea typeface="Calibri" panose="020F0502020204030204" pitchFamily="34" charset="0"/>
+                          <a:cs typeface="Times New Roman" panose="02020603050405020304" pitchFamily="18" charset="0"/>
+                        </a:rPr>
+                        <a:t>Возможность получить устойчивое </a:t>
+                      </a:r>
+                      <a:r>
+                        <a:rPr lang="ru-RU" sz="1200" dirty="0" err="1">
+                          <a:effectLst/>
+                          <a:latin typeface="Calibri" panose="020F0502020204030204" pitchFamily="34" charset="0"/>
+                          <a:ea typeface="Calibri" panose="020F0502020204030204" pitchFamily="34" charset="0"/>
+                          <a:cs typeface="Times New Roman" panose="02020603050405020304" pitchFamily="18" charset="0"/>
+                        </a:rPr>
+                        <a:t>паросочетание</a:t>
                       </a:r>
                       <a:endParaRPr lang="ru-RU" sz="1200" dirty="0">
                         <a:effectLst/>
@@ -5231,49 +5830,7 @@
                         <a:rPr lang="ru-RU" sz="1200" dirty="0">
                           <a:effectLst/>
                         </a:rPr>
-                        <a:t>Сбор данных для построения модели</a:t>
-                      </a:r>
-                      <a:endParaRPr lang="ru-RU" sz="1200" dirty="0">
-                        <a:effectLst/>
-                        <a:latin typeface="Calibri" panose="020F0502020204030204" pitchFamily="34" charset="0"/>
-                        <a:ea typeface="Calibri" panose="020F0502020204030204" pitchFamily="34" charset="0"/>
-                        <a:cs typeface="Times New Roman" panose="02020603050405020304" pitchFamily="18" charset="0"/>
-                      </a:endParaRPr>
-                    </a:p>
-                  </a:txBody>
-                  <a:tcPr marL="68580" marR="68580" marT="0" marB="0"/>
-                </a:tc>
-                <a:tc>
-                  <a:txBody>
-                    <a:bodyPr/>
-                    <a:lstStyle/>
-                    <a:p>
-                      <a:r>
-                        <a:rPr lang="ru-RU" sz="1200" dirty="0">
-                          <a:effectLst/>
-                        </a:rPr>
-                        <a:t>Интеграция с веб-сервером</a:t>
-                      </a:r>
-                      <a:endParaRPr lang="ru-RU" sz="1200" dirty="0">
-                        <a:effectLst/>
-                        <a:latin typeface="Calibri" panose="020F0502020204030204" pitchFamily="34" charset="0"/>
-                        <a:ea typeface="Calibri" panose="020F0502020204030204" pitchFamily="34" charset="0"/>
-                        <a:cs typeface="Times New Roman" panose="02020603050405020304" pitchFamily="18" charset="0"/>
-                      </a:endParaRPr>
-                    </a:p>
-                  </a:txBody>
-                  <a:tcPr marL="68580" marR="68580" marT="0" marB="0"/>
-                </a:tc>
-                <a:tc>
-                  <a:txBody>
-                    <a:bodyPr/>
-                    <a:lstStyle/>
-                    <a:p>
-                      <a:r>
-                        <a:rPr lang="ru-RU" sz="1200" dirty="0">
-                          <a:effectLst/>
-                        </a:rPr>
-                        <a:t>Разработка специализированных функций</a:t>
+                        <a:t>Возможность задать индивидуальное поведение участников</a:t>
                       </a:r>
                       <a:endParaRPr lang="ru-RU" sz="1200" dirty="0">
                         <a:effectLst/>
@@ -5287,7 +5844,7 @@
                 </a:tc>
                 <a:extLst>
                   <a:ext uri="{0D108BD9-81ED-4DB2-BD59-A6C34878D82A}">
-                    <a16:rowId xmlns:a16="http://schemas.microsoft.com/office/drawing/2014/main" val="373297987"/>
+                    <a16:rowId xmlns="" xmlns:a16="http://schemas.microsoft.com/office/drawing/2014/main" val="373297987"/>
                   </a:ext>
                 </a:extLst>
               </a:tr>
@@ -5301,8 +5858,17 @@
                         <a:rPr lang="ru-RU" sz="1200" dirty="0">
                           <a:effectLst/>
                         </a:rPr>
-                        <a:t>ANYLOGIC</a:t>
+                        <a:t>Устойчивые </a:t>
                       </a:r>
+                      <a:r>
+                        <a:rPr lang="ru-RU" sz="1200" dirty="0" err="1">
+                          <a:effectLst/>
+                        </a:rPr>
+                        <a:t>паросочетания</a:t>
+                      </a:r>
+                      <a:endParaRPr lang="ru-RU" sz="1200" dirty="0">
+                        <a:effectLst/>
+                      </a:endParaRPr>
                     </a:p>
                     <a:p>
                       <a:r>
@@ -5330,7 +5896,7 @@
                         <a:rPr lang="ru-RU" sz="1200" dirty="0">
                           <a:effectLst/>
                         </a:rPr>
-                        <a:t>Бесплатная</a:t>
+                        <a:t>Да</a:t>
                       </a:r>
                       <a:endParaRPr lang="ru-RU" sz="1200" dirty="0">
                         <a:effectLst/>
@@ -5348,10 +5914,46 @@
                     <a:lstStyle/>
                     <a:p>
                       <a:r>
-                        <a:rPr lang="en-US" sz="1200" dirty="0">
+                        <a:rPr lang="ru-RU" sz="1200" dirty="0">
+                          <a:effectLst/>
+                          <a:latin typeface="Calibri" panose="020F0502020204030204" pitchFamily="34" charset="0"/>
+                          <a:ea typeface="Calibri" panose="020F0502020204030204" pitchFamily="34" charset="0"/>
+                          <a:cs typeface="Times New Roman" panose="02020603050405020304" pitchFamily="18" charset="0"/>
+                        </a:rPr>
+                        <a:t>Да</a:t>
+                      </a:r>
+                    </a:p>
+                  </a:txBody>
+                  <a:tcPr marL="68580" marR="68580" marT="0" marB="0"/>
+                </a:tc>
+                <a:tc>
+                  <a:txBody>
+                    <a:bodyPr/>
+                    <a:lstStyle/>
+                    <a:p>
+                      <a:r>
+                        <a:rPr lang="ru-RU" sz="1200" dirty="0">
+                          <a:effectLst/>
+                          <a:latin typeface="Calibri" panose="020F0502020204030204" pitchFamily="34" charset="0"/>
+                          <a:ea typeface="Calibri" panose="020F0502020204030204" pitchFamily="34" charset="0"/>
+                          <a:cs typeface="Times New Roman" panose="02020603050405020304" pitchFamily="18" charset="0"/>
+                        </a:rPr>
+                        <a:t>Да</a:t>
+                      </a:r>
+                    </a:p>
+                  </a:txBody>
+                  <a:tcPr marL="68580" marR="68580" marT="0" marB="0"/>
+                </a:tc>
+                <a:tc>
+                  <a:txBody>
+                    <a:bodyPr/>
+                    <a:lstStyle/>
+                    <a:p>
+                      <a:r>
+                        <a:rPr lang="ru-RU" sz="1200" dirty="0">
                           <a:effectLst/>
                         </a:rPr>
-                        <a:t>Windows, Linux, Mac</a:t>
+                        <a:t>Нет</a:t>
                       </a:r>
                       <a:endParaRPr lang="ru-RU" sz="1200" dirty="0">
                         <a:effectLst/>
@@ -5359,6 +5961,90 @@
                         <a:ea typeface="Calibri" panose="020F0502020204030204" pitchFamily="34" charset="0"/>
                         <a:cs typeface="Times New Roman" panose="02020603050405020304" pitchFamily="18" charset="0"/>
                       </a:endParaRPr>
+                    </a:p>
+                  </a:txBody>
+                  <a:tcPr marL="68580" marR="68580" marT="0" marB="0"/>
+                </a:tc>
+                <a:extLst>
+                  <a:ext uri="{0D108BD9-81ED-4DB2-BD59-A6C34878D82A}">
+                    <a16:rowId xmlns="" xmlns:a16="http://schemas.microsoft.com/office/drawing/2014/main" val="3228985801"/>
+                  </a:ext>
+                </a:extLst>
+              </a:tr>
+              <a:tr h="834910">
+                <a:tc>
+                  <a:txBody>
+                    <a:bodyPr/>
+                    <a:lstStyle/>
+                    <a:p>
+                      <a:r>
+                        <a:rPr lang="ru-RU" sz="1200" dirty="0">
+                          <a:effectLst/>
+                        </a:rPr>
+                        <a:t>Бостонский механизм построения неустойчивых </a:t>
+                      </a:r>
+                      <a:r>
+                        <a:rPr lang="ru-RU" sz="1200" dirty="0" err="1">
+                          <a:effectLst/>
+                        </a:rPr>
+                        <a:t>паросочетаний</a:t>
+                      </a:r>
+                      <a:endParaRPr lang="ru-RU" sz="1200" dirty="0">
+                        <a:effectLst/>
+                      </a:endParaRPr>
+                    </a:p>
+                    <a:p>
+                      <a:r>
+                        <a:rPr lang="ru-RU" sz="1200" dirty="0">
+                          <a:effectLst/>
+                        </a:rPr>
+                        <a:t> </a:t>
+                      </a:r>
+                      <a:endParaRPr lang="ru-RU" sz="1200" dirty="0">
+                        <a:effectLst/>
+                        <a:latin typeface="Calibri" panose="020F0502020204030204" pitchFamily="34" charset="0"/>
+                        <a:ea typeface="Calibri" panose="020F0502020204030204" pitchFamily="34" charset="0"/>
+                        <a:cs typeface="Times New Roman" panose="02020603050405020304" pitchFamily="18" charset="0"/>
+                      </a:endParaRPr>
+                    </a:p>
+                  </a:txBody>
+                  <a:tcPr marL="68580" marR="68580" marT="0" marB="0"/>
+                </a:tc>
+                <a:tc>
+                  <a:txBody>
+                    <a:bodyPr/>
+                    <a:lstStyle/>
+                    <a:p>
+                      <a:r>
+                        <a:rPr lang="ru-RU" sz="1200" dirty="0">
+                          <a:effectLst/>
+                        </a:rPr>
+                        <a:t>Да</a:t>
+                      </a:r>
+                      <a:endParaRPr lang="ru-RU" sz="1200" dirty="0">
+                        <a:effectLst/>
+                        <a:latin typeface="Calibri" panose="020F0502020204030204" pitchFamily="34" charset="0"/>
+                        <a:ea typeface="Calibri" panose="020F0502020204030204" pitchFamily="34" charset="0"/>
+                        <a:cs typeface="Times New Roman" panose="02020603050405020304" pitchFamily="18" charset="0"/>
+                      </a:endParaRPr>
+                    </a:p>
+                  </a:txBody>
+                  <a:tcPr marL="68580" marR="68580" marT="0" marB="0"/>
+                </a:tc>
+                <a:tc>
+                  <a:txBody>
+                    <a:bodyPr/>
+                    <a:lstStyle/>
+                    <a:p>
+                      <a:r>
+                        <a:rPr lang="ru-RU" sz="1200" dirty="0">
+                          <a:effectLst/>
+                          <a:latin typeface="Calibri" panose="020F0502020204030204" pitchFamily="34" charset="0"/>
+                          <a:ea typeface="Calibri" panose="020F0502020204030204" pitchFamily="34" charset="0"/>
+                          <a:cs typeface="Times New Roman" panose="02020603050405020304" pitchFamily="18" charset="0"/>
+                        </a:rPr>
+                        <a:t>Нет</a:t>
+                      </a:r>
                     </a:p>
                   </a:txBody>
                   <a:tcPr marL="68580" marR="68580" marT="0" marB="0"/>
@@ -5405,183 +6091,9 @@
                   </a:txBody>
                   <a:tcPr marL="68580" marR="68580" marT="0" marB="0"/>
                 </a:tc>
-                <a:tc>
-                  <a:txBody>
-                    <a:bodyPr/>
-                    <a:lstStyle/>
-                    <a:p>
-                      <a:r>
-                        <a:rPr lang="ru-RU" sz="1200">
-                          <a:effectLst/>
-                        </a:rPr>
-                        <a:t>Конвертация </a:t>
-                      </a:r>
-                      <a:r>
-                        <a:rPr lang="en-US" sz="1200">
-                          <a:effectLst/>
-                        </a:rPr>
-                        <a:t>Java </a:t>
-                      </a:r>
-                      <a:r>
-                        <a:rPr lang="ru-RU" sz="1200">
-                          <a:effectLst/>
-                        </a:rPr>
-                        <a:t>приложения</a:t>
-                      </a:r>
-                      <a:endParaRPr lang="ru-RU" sz="1200" dirty="0">
-                        <a:effectLst/>
-                        <a:latin typeface="Calibri" panose="020F0502020204030204" pitchFamily="34" charset="0"/>
-                        <a:ea typeface="Calibri" panose="020F0502020204030204" pitchFamily="34" charset="0"/>
-                        <a:cs typeface="Times New Roman" panose="02020603050405020304" pitchFamily="18" charset="0"/>
-                      </a:endParaRPr>
-                    </a:p>
-                  </a:txBody>
-                  <a:tcPr marL="68580" marR="68580" marT="0" marB="0"/>
-                </a:tc>
                 <a:extLst>
                   <a:ext uri="{0D108BD9-81ED-4DB2-BD59-A6C34878D82A}">
-                    <a16:rowId xmlns:a16="http://schemas.microsoft.com/office/drawing/2014/main" val="3228985801"/>
-                  </a:ext>
-                </a:extLst>
-              </a:tr>
-              <a:tr h="834910">
-                <a:tc>
-                  <a:txBody>
-                    <a:bodyPr/>
-                    <a:lstStyle/>
-                    <a:p>
-                      <a:r>
-                        <a:rPr lang="ru-RU" sz="1200">
-                          <a:effectLst/>
-                        </a:rPr>
-                        <a:t>ARENA</a:t>
-                      </a:r>
-                    </a:p>
-                    <a:p>
-                      <a:r>
-                        <a:rPr lang="ru-RU" sz="1200">
-                          <a:effectLst/>
-                        </a:rPr>
-                        <a:t> </a:t>
-                      </a:r>
-                      <a:endParaRPr lang="ru-RU" sz="1200">
-                        <a:effectLst/>
-                        <a:latin typeface="Calibri" panose="020F0502020204030204" pitchFamily="34" charset="0"/>
-                        <a:ea typeface="Calibri" panose="020F0502020204030204" pitchFamily="34" charset="0"/>
-                        <a:cs typeface="Times New Roman" panose="02020603050405020304" pitchFamily="18" charset="0"/>
-                      </a:endParaRPr>
-                    </a:p>
-                  </a:txBody>
-                  <a:tcPr marL="68580" marR="68580" marT="0" marB="0"/>
-                </a:tc>
-                <a:tc>
-                  <a:txBody>
-                    <a:bodyPr/>
-                    <a:lstStyle/>
-                    <a:p>
-                      <a:r>
-                        <a:rPr lang="ru-RU" sz="1200">
-                          <a:effectLst/>
-                        </a:rPr>
-                        <a:t>Бесплатная</a:t>
-                      </a:r>
-                      <a:endParaRPr lang="ru-RU" sz="1200">
-                        <a:effectLst/>
-                        <a:latin typeface="Calibri" panose="020F0502020204030204" pitchFamily="34" charset="0"/>
-                        <a:ea typeface="Calibri" panose="020F0502020204030204" pitchFamily="34" charset="0"/>
-                        <a:cs typeface="Times New Roman" panose="02020603050405020304" pitchFamily="18" charset="0"/>
-                      </a:endParaRPr>
-                    </a:p>
-                  </a:txBody>
-                  <a:tcPr marL="68580" marR="68580" marT="0" marB="0"/>
-                </a:tc>
-                <a:tc>
-                  <a:txBody>
-                    <a:bodyPr/>
-                    <a:lstStyle/>
-                    <a:p>
-                      <a:r>
-                        <a:rPr lang="en-US" sz="1200">
-                          <a:effectLst/>
-                        </a:rPr>
-                        <a:t>Windows</a:t>
-                      </a:r>
-                      <a:endParaRPr lang="ru-RU" sz="1200">
-                        <a:effectLst/>
-                        <a:latin typeface="Calibri" panose="020F0502020204030204" pitchFamily="34" charset="0"/>
-                        <a:ea typeface="Calibri" panose="020F0502020204030204" pitchFamily="34" charset="0"/>
-                        <a:cs typeface="Times New Roman" panose="02020603050405020304" pitchFamily="18" charset="0"/>
-                      </a:endParaRPr>
-                    </a:p>
-                  </a:txBody>
-                  <a:tcPr marL="68580" marR="68580" marT="0" marB="0"/>
-                </a:tc>
-                <a:tc>
-                  <a:txBody>
-                    <a:bodyPr/>
-                    <a:lstStyle/>
-                    <a:p>
-                      <a:r>
-                        <a:rPr lang="ru-RU" sz="1200">
-                          <a:effectLst/>
-                        </a:rPr>
-                        <a:t>Нет</a:t>
-                      </a:r>
-                      <a:endParaRPr lang="ru-RU" sz="1200">
-                        <a:effectLst/>
-                        <a:latin typeface="Calibri" panose="020F0502020204030204" pitchFamily="34" charset="0"/>
-                        <a:ea typeface="Calibri" panose="020F0502020204030204" pitchFamily="34" charset="0"/>
-                        <a:cs typeface="Times New Roman" panose="02020603050405020304" pitchFamily="18" charset="0"/>
-                      </a:endParaRPr>
-                    </a:p>
-                  </a:txBody>
-                  <a:tcPr marL="68580" marR="68580" marT="0" marB="0"/>
-                </a:tc>
-                <a:tc>
-                  <a:txBody>
-                    <a:bodyPr/>
-                    <a:lstStyle/>
-                    <a:p>
-                      <a:r>
-                        <a:rPr lang="ru-RU" sz="1200">
-                          <a:effectLst/>
-                        </a:rPr>
-                        <a:t>Нет</a:t>
-                      </a:r>
-                      <a:endParaRPr lang="ru-RU" sz="1200">
-                        <a:effectLst/>
-                        <a:latin typeface="Calibri" panose="020F0502020204030204" pitchFamily="34" charset="0"/>
-                        <a:ea typeface="Calibri" panose="020F0502020204030204" pitchFamily="34" charset="0"/>
-                        <a:cs typeface="Times New Roman" panose="02020603050405020304" pitchFamily="18" charset="0"/>
-                      </a:endParaRPr>
-                    </a:p>
-                  </a:txBody>
-                  <a:tcPr marL="68580" marR="68580" marT="0" marB="0"/>
-                </a:tc>
-                <a:tc>
-                  <a:txBody>
-                    <a:bodyPr/>
-                    <a:lstStyle/>
-                    <a:p>
-                      <a:r>
-                        <a:rPr lang="en-US" sz="1200">
-                          <a:effectLst/>
-                        </a:rPr>
-                        <a:t>Visual Basic</a:t>
-                      </a:r>
-                      <a:endParaRPr lang="ru-RU" sz="1200" dirty="0">
-                        <a:effectLst/>
-                        <a:latin typeface="Calibri" panose="020F0502020204030204" pitchFamily="34" charset="0"/>
-                        <a:ea typeface="Calibri" panose="020F0502020204030204" pitchFamily="34" charset="0"/>
-                        <a:cs typeface="Times New Roman" panose="02020603050405020304" pitchFamily="18" charset="0"/>
-                      </a:endParaRPr>
-                    </a:p>
-                  </a:txBody>
-                  <a:tcPr marL="68580" marR="68580" marT="0" marB="0"/>
-                </a:tc>
-                <a:extLst>
-                  <a:ext uri="{0D108BD9-81ED-4DB2-BD59-A6C34878D82A}">
-                    <a16:rowId xmlns:a16="http://schemas.microsoft.com/office/drawing/2014/main" val="3064655982"/>
+                    <a16:rowId xmlns="" xmlns:a16="http://schemas.microsoft.com/office/drawing/2014/main" val="3064655982"/>
                   </a:ext>
                 </a:extLst>
               </a:tr>
@@ -5592,39 +6104,16 @@
                     <a:lstStyle/>
                     <a:p>
                       <a:r>
-                        <a:rPr lang="ru-RU" sz="1200">
+                        <a:rPr lang="ru-RU" sz="1200" dirty="0" err="1">
                           <a:effectLst/>
                         </a:rPr>
-                        <a:t>SIMUL8 PROFESSIONAL</a:t>
+                        <a:t>Агентное</a:t>
                       </a:r>
-                    </a:p>
-                    <a:p>
-                      <a:r>
-                        <a:rPr lang="ru-RU" sz="1200">
-                          <a:effectLst/>
-                        </a:rPr>
-                        <a:t> </a:t>
-                      </a:r>
-                      <a:endParaRPr lang="ru-RU" sz="1200">
-                        <a:effectLst/>
-                        <a:latin typeface="Calibri" panose="020F0502020204030204" pitchFamily="34" charset="0"/>
-                        <a:ea typeface="Calibri" panose="020F0502020204030204" pitchFamily="34" charset="0"/>
-                        <a:cs typeface="Times New Roman" panose="02020603050405020304" pitchFamily="18" charset="0"/>
-                      </a:endParaRPr>
-                    </a:p>
-                  </a:txBody>
-                  <a:tcPr marL="68580" marR="68580" marT="0" marB="0"/>
-                </a:tc>
-                <a:tc>
-                  <a:txBody>
-                    <a:bodyPr/>
-                    <a:lstStyle/>
-                    <a:p>
                       <a:r>
                         <a:rPr lang="ru-RU" sz="1200" dirty="0">
                           <a:effectLst/>
                         </a:rPr>
-                        <a:t>$ 1995</a:t>
+                        <a:t> моделирование</a:t>
                       </a:r>
                     </a:p>
                     <a:p>
@@ -5650,10 +6139,18 @@
                     <a:lstStyle/>
                     <a:p>
                       <a:r>
-                        <a:rPr lang="en-US" sz="1200" dirty="0">
+                        <a:rPr lang="ru-RU" sz="1200" dirty="0">
                           <a:effectLst/>
                         </a:rPr>
-                        <a:t>Windows</a:t>
+                        <a:t>Да</a:t>
+                      </a:r>
+                    </a:p>
+                    <a:p>
+                      <a:r>
+                        <a:rPr lang="ru-RU" sz="1200" dirty="0">
+                          <a:effectLst/>
+                        </a:rPr>
+                        <a:t> </a:t>
                       </a:r>
                       <a:endParaRPr lang="ru-RU" sz="1200" dirty="0">
                         <a:effectLst/>
@@ -5692,17 +6189,14 @@
                     <a:lstStyle/>
                     <a:p>
                       <a:r>
-                        <a:rPr lang="ru-RU" sz="1200">
+                        <a:rPr lang="ru-RU" sz="1200" dirty="0">
                           <a:effectLst/>
+                          <a:latin typeface="Calibri" panose="020F0502020204030204" pitchFamily="34" charset="0"/>
+                          <a:ea typeface="Calibri" panose="020F0502020204030204" pitchFamily="34" charset="0"/>
+                          <a:cs typeface="Times New Roman" panose="02020603050405020304" pitchFamily="18" charset="0"/>
                         </a:rPr>
-                        <a:t>Нет</a:t>
+                        <a:t>Да</a:t>
                       </a:r>
-                      <a:endParaRPr lang="ru-RU" sz="1200">
-                        <a:effectLst/>
-                        <a:latin typeface="Calibri" panose="020F0502020204030204" pitchFamily="34" charset="0"/>
-                        <a:ea typeface="Calibri" panose="020F0502020204030204" pitchFamily="34" charset="0"/>
-                        <a:cs typeface="Times New Roman" panose="02020603050405020304" pitchFamily="18" charset="0"/>
-                      </a:endParaRPr>
                     </a:p>
                   </a:txBody>
                   <a:tcPr marL="68580" marR="68580" marT="0" marB="0"/>
@@ -5713,50 +6207,21 @@
                     <a:lstStyle/>
                     <a:p>
                       <a:r>
-                        <a:rPr lang="ru-RU" sz="1200" dirty="0" err="1">
-                          <a:effectLst/>
-                        </a:rPr>
-                        <a:t>Microsoft</a:t>
-                      </a:r>
-                      <a:r>
                         <a:rPr lang="ru-RU" sz="1200" dirty="0">
                           <a:effectLst/>
+                          <a:latin typeface="Calibri" panose="020F0502020204030204" pitchFamily="34" charset="0"/>
+                          <a:ea typeface="Calibri" panose="020F0502020204030204" pitchFamily="34" charset="0"/>
+                          <a:cs typeface="Times New Roman" panose="02020603050405020304" pitchFamily="18" charset="0"/>
                         </a:rPr>
-                        <a:t> </a:t>
+                        <a:t>Да</a:t>
                       </a:r>
-                      <a:r>
-                        <a:rPr lang="ru-RU" sz="1200" dirty="0" err="1">
-                          <a:effectLst/>
-                        </a:rPr>
-                        <a:t>Excel</a:t>
-                      </a:r>
-                      <a:r>
-                        <a:rPr lang="ru-RU" sz="1200" dirty="0">
-                          <a:effectLst/>
-                        </a:rPr>
-                        <a:t> </a:t>
-                      </a:r>
-                    </a:p>
-                    <a:p>
-                      <a:r>
-                        <a:rPr lang="ru-RU" sz="1200" dirty="0">
-                          <a:effectLst/>
-                        </a:rPr>
-                        <a:t> </a:t>
-                      </a:r>
-                      <a:endParaRPr lang="ru-RU" sz="1200" dirty="0">
-                        <a:effectLst/>
-                        <a:latin typeface="Calibri" panose="020F0502020204030204" pitchFamily="34" charset="0"/>
-                        <a:ea typeface="Calibri" panose="020F0502020204030204" pitchFamily="34" charset="0"/>
-                        <a:cs typeface="Times New Roman" panose="02020603050405020304" pitchFamily="18" charset="0"/>
-                      </a:endParaRPr>
                     </a:p>
                   </a:txBody>
                   <a:tcPr marL="68580" marR="68580" marT="0" marB="0"/>
                 </a:tc>
                 <a:extLst>
                   <a:ext uri="{0D108BD9-81ED-4DB2-BD59-A6C34878D82A}">
-                    <a16:rowId xmlns:a16="http://schemas.microsoft.com/office/drawing/2014/main" val="3606506196"/>
+                    <a16:rowId xmlns="" xmlns:a16="http://schemas.microsoft.com/office/drawing/2014/main" val="3606506196"/>
                   </a:ext>
                 </a:extLst>
               </a:tr>
@@ -5769,7 +6234,7 @@
           <p:cNvPr id="7" name="Номер слайда 6">
             <a:extLst>
               <a:ext uri="{FF2B5EF4-FFF2-40B4-BE49-F238E27FC236}">
-                <a16:creationId xmlns:a16="http://schemas.microsoft.com/office/drawing/2014/main" id="{2F80DC48-B001-554F-AA66-FB516FC61A9E}"/>
+                <a16:creationId xmlns="" xmlns:a16="http://schemas.microsoft.com/office/drawing/2014/main" id="{2F80DC48-B001-554F-AA66-FB516FC61A9E}"/>
               </a:ext>
             </a:extLst>
           </p:cNvPr>
@@ -5788,7 +6253,7 @@
             <a:fld id="{FADD01DB-3A3D-4160-BF8B-737FEC31D67E}" type="slidenum">
               <a:rPr lang="ru-RU" smtClean="0"/>
               <a:pPr/>
-              <a:t>4</a:t>
+              <a:t>5</a:t>
             </a:fld>
             <a:endParaRPr lang="ru-RU"/>
           </a:p>
@@ -5804,10 +6269,17 @@
   <p:clrMapOvr>
     <a:masterClrMapping/>
   </p:clrMapOvr>
+  <p:timing>
+    <p:tnLst>
+      <p:par>
+        <p:cTn id="1" dur="indefinite" restart="never" nodeType="tmRoot"/>
+      </p:par>
+    </p:tnLst>
+  </p:timing>
 </p:sld>
 </file>
 
-<file path=ppt/slides/slide5.xml><?xml version="1.0" encoding="utf-8"?>
+<file path=ppt/slides/slide6.xml><?xml version="1.0" encoding="utf-8"?>
 <p:sld xmlns:a="http://schemas.openxmlformats.org/drawingml/2006/main" xmlns:r="http://schemas.openxmlformats.org/officeDocument/2006/relationships" xmlns:p="http://schemas.openxmlformats.org/presentationml/2006/main">
   <p:cSld>
     <p:spTree>
@@ -5840,8 +6312,24 @@
           <a:lstStyle/>
           <a:p>
             <a:r>
+              <a:rPr lang="en-US" dirty="0" smtClean="0"/>
+              <a:t>IDEF0</a:t>
+            </a:r>
+            <a:r>
+              <a:rPr lang="ru-RU" dirty="0" smtClean="0"/>
+              <a:t>-диаграмма </a:t>
+            </a:r>
+            <a:r>
               <a:rPr lang="ru-RU" dirty="0"/>
-              <a:t>Постановка задачи</a:t>
+              <a:t>метода прогнозирования на основе </a:t>
+            </a:r>
+            <a:r>
+              <a:rPr lang="ru-RU" dirty="0" err="1"/>
+              <a:t>агентного</a:t>
+            </a:r>
+            <a:r>
+              <a:rPr lang="ru-RU" dirty="0"/>
+              <a:t> моделирования</a:t>
             </a:r>
           </a:p>
         </p:txBody>
@@ -5851,7 +6339,7 @@
           <p:cNvPr id="6" name="Рисунок 5">
             <a:extLst>
               <a:ext uri="{FF2B5EF4-FFF2-40B4-BE49-F238E27FC236}">
-                <a16:creationId xmlns:a16="http://schemas.microsoft.com/office/drawing/2014/main" id="{8A6D183F-C55D-7B4E-A54A-1E1CC85FD7D8}"/>
+                <a16:creationId xmlns="" xmlns:a16="http://schemas.microsoft.com/office/drawing/2014/main" id="{8A6D183F-C55D-7B4E-A54A-1E1CC85FD7D8}"/>
               </a:ext>
             </a:extLst>
           </p:cNvPr>
@@ -5881,7 +6369,7 @@
           <p:cNvPr id="10" name="Номер слайда 9">
             <a:extLst>
               <a:ext uri="{FF2B5EF4-FFF2-40B4-BE49-F238E27FC236}">
-                <a16:creationId xmlns:a16="http://schemas.microsoft.com/office/drawing/2014/main" id="{61685379-7299-6541-B350-C99D9C5602A1}"/>
+                <a16:creationId xmlns="" xmlns:a16="http://schemas.microsoft.com/office/drawing/2014/main" id="{61685379-7299-6541-B350-C99D9C5602A1}"/>
               </a:ext>
             </a:extLst>
           </p:cNvPr>
@@ -5900,7 +6388,7 @@
             <a:fld id="{FADD01DB-3A3D-4160-BF8B-737FEC31D67E}" type="slidenum">
               <a:rPr lang="ru-RU" smtClean="0"/>
               <a:pPr/>
-              <a:t>5</a:t>
+              <a:t>6</a:t>
             </a:fld>
             <a:endParaRPr lang="ru-RU"/>
           </a:p>
@@ -5916,124 +6404,13 @@
   <p:clrMapOvr>
     <a:masterClrMapping/>
   </p:clrMapOvr>
-</p:sld>
-</file>
-
-<file path=ppt/slides/slide6.xml><?xml version="1.0" encoding="utf-8"?>
-<p:sld xmlns:a="http://schemas.openxmlformats.org/drawingml/2006/main" xmlns:r="http://schemas.openxmlformats.org/officeDocument/2006/relationships" xmlns:p="http://schemas.openxmlformats.org/presentationml/2006/main">
-  <p:cSld>
-    <p:spTree>
-      <p:nvGrpSpPr>
-        <p:cNvPr id="1" name=""/>
-        <p:cNvGrpSpPr/>
-        <p:nvPr/>
-      </p:nvGrpSpPr>
-      <p:grpSpPr>
-        <a:xfrm>
-          <a:off x="0" y="0"/>
-          <a:ext cx="0" cy="0"/>
-          <a:chOff x="0" y="0"/>
-          <a:chExt cx="0" cy="0"/>
-        </a:xfrm>
-      </p:grpSpPr>
-      <p:sp>
-        <p:nvSpPr>
-          <p:cNvPr id="2" name="Заголовок 1"/>
-          <p:cNvSpPr>
-            <a:spLocks noGrp="1"/>
-          </p:cNvSpPr>
-          <p:nvPr>
-            <p:ph type="title"/>
-          </p:nvPr>
-        </p:nvSpPr>
-        <p:spPr/>
-        <p:txBody>
-          <a:bodyPr/>
-          <a:lstStyle/>
-          <a:p>
-            <a:r>
-              <a:rPr lang="ru-RU" dirty="0"/>
-              <a:t>Анализ положения в конкурсном списке</a:t>
-            </a:r>
-          </a:p>
-        </p:txBody>
-      </p:sp>
-      <p:pic>
-        <p:nvPicPr>
-          <p:cNvPr id="16" name="Рисунок 15">
-            <a:extLst>
-              <a:ext uri="{FF2B5EF4-FFF2-40B4-BE49-F238E27FC236}">
-                <a16:creationId xmlns:a16="http://schemas.microsoft.com/office/drawing/2014/main" id="{B9F66FD5-31FF-BE41-9312-5FDF234970EB}"/>
-              </a:ext>
-            </a:extLst>
-          </p:cNvPr>
-          <p:cNvPicPr>
-            <a:picLocks noChangeAspect="1"/>
-          </p:cNvPicPr>
-          <p:nvPr/>
-        </p:nvPicPr>
-        <p:blipFill>
-          <a:blip r:embed="rId2">
-            <a:extLst>
-              <a:ext uri="{28A0092B-C50C-407E-A947-70E740481C1C}">
-                <a14:useLocalDpi xmlns:a14="http://schemas.microsoft.com/office/drawing/2010/main" val="0"/>
-              </a:ext>
-            </a:extLst>
-          </a:blip>
-          <a:stretch>
-            <a:fillRect/>
-          </a:stretch>
-        </p:blipFill>
-        <p:spPr>
-          <a:xfrm>
-            <a:off x="2201513" y="1722470"/>
-            <a:ext cx="4788567" cy="4863272"/>
-          </a:xfrm>
-          <a:prstGeom prst="rect">
-            <a:avLst/>
-          </a:prstGeom>
-        </p:spPr>
-      </p:pic>
-      <p:sp>
-        <p:nvSpPr>
-          <p:cNvPr id="17" name="Номер слайда 16">
-            <a:extLst>
-              <a:ext uri="{FF2B5EF4-FFF2-40B4-BE49-F238E27FC236}">
-                <a16:creationId xmlns:a16="http://schemas.microsoft.com/office/drawing/2014/main" id="{8F47E49C-C9F8-9540-B784-88368653FDE4}"/>
-              </a:ext>
-            </a:extLst>
-          </p:cNvPr>
-          <p:cNvSpPr>
-            <a:spLocks noGrp="1"/>
-          </p:cNvSpPr>
-          <p:nvPr>
-            <p:ph type="sldNum" sz="quarter" idx="12"/>
-          </p:nvPr>
-        </p:nvSpPr>
-        <p:spPr/>
-        <p:txBody>
-          <a:bodyPr/>
-          <a:lstStyle/>
-          <a:p>
-            <a:fld id="{FADD01DB-3A3D-4160-BF8B-737FEC31D67E}" type="slidenum">
-              <a:rPr lang="ru-RU" smtClean="0"/>
-              <a:pPr/>
-              <a:t>6</a:t>
-            </a:fld>
-            <a:endParaRPr lang="ru-RU"/>
-          </a:p>
-        </p:txBody>
-      </p:sp>
-    </p:spTree>
-    <p:extLst>
-      <p:ext uri="{BB962C8B-B14F-4D97-AF65-F5344CB8AC3E}">
-        <p14:creationId xmlns:p14="http://schemas.microsoft.com/office/powerpoint/2010/main" val="3881087593"/>
-      </p:ext>
-    </p:extLst>
-  </p:cSld>
-  <p:clrMapOvr>
-    <a:masterClrMapping/>
-  </p:clrMapOvr>
+  <p:timing>
+    <p:tnLst>
+      <p:par>
+        <p:cTn id="1" dur="indefinite" restart="never" nodeType="tmRoot"/>
+      </p:par>
+    </p:tnLst>
+  </p:timing>
 </p:sld>
 </file>
 
@@ -6071,47 +6448,17 @@
           <a:p>
             <a:r>
               <a:rPr lang="ru-RU" dirty="0"/>
-              <a:t>Поиск подходящего УГСН</a:t>
-            </a:r>
-          </a:p>
-        </p:txBody>
-      </p:sp>
-      <p:sp>
-        <p:nvSpPr>
-          <p:cNvPr id="3" name="Номер слайда 2">
+              <a:t>Формализация исходной информации</a:t>
+            </a:r>
+          </a:p>
+        </p:txBody>
+      </p:sp>
+      <p:pic>
+        <p:nvPicPr>
+          <p:cNvPr id="13" name="Рисунок 12">
             <a:extLst>
               <a:ext uri="{FF2B5EF4-FFF2-40B4-BE49-F238E27FC236}">
-                <a16:creationId xmlns:a16="http://schemas.microsoft.com/office/drawing/2014/main" id="{DEAE3815-F6BF-E249-A2D5-EBE03D53E185}"/>
-              </a:ext>
-            </a:extLst>
-          </p:cNvPr>
-          <p:cNvSpPr>
-            <a:spLocks noGrp="1"/>
-          </p:cNvSpPr>
-          <p:nvPr>
-            <p:ph type="sldNum" sz="quarter" idx="12"/>
-          </p:nvPr>
-        </p:nvSpPr>
-        <p:spPr/>
-        <p:txBody>
-          <a:bodyPr/>
-          <a:lstStyle/>
-          <a:p>
-            <a:fld id="{FADD01DB-3A3D-4160-BF8B-737FEC31D67E}" type="slidenum">
-              <a:rPr lang="ru-RU" smtClean="0"/>
-              <a:pPr/>
-              <a:t>7</a:t>
-            </a:fld>
-            <a:endParaRPr lang="ru-RU"/>
-          </a:p>
-        </p:txBody>
-      </p:sp>
-      <p:pic>
-        <p:nvPicPr>
-          <p:cNvPr id="5" name="Рисунок 4">
-            <a:extLst>
-              <a:ext uri="{FF2B5EF4-FFF2-40B4-BE49-F238E27FC236}">
-                <a16:creationId xmlns:a16="http://schemas.microsoft.com/office/drawing/2014/main" id="{93B0F849-ED6D-0E4F-A4B3-612844B2BAB4}"/>
+                <a16:creationId xmlns="" xmlns:a16="http://schemas.microsoft.com/office/drawing/2014/main" id="{111CD375-C608-5444-B536-516F11424C03}"/>
               </a:ext>
             </a:extLst>
           </p:cNvPr>
@@ -6128,8 +6475,74 @@
         </p:blipFill>
         <p:spPr>
           <a:xfrm>
-            <a:off x="559818" y="1848675"/>
-            <a:ext cx="10793982" cy="4349688"/>
+            <a:off x="954993" y="1907948"/>
+            <a:ext cx="5440680" cy="3862883"/>
+          </a:xfrm>
+          <a:prstGeom prst="rect">
+            <a:avLst/>
+          </a:prstGeom>
+        </p:spPr>
+      </p:pic>
+      <p:sp>
+        <p:nvSpPr>
+          <p:cNvPr id="14" name="Номер слайда 13">
+            <a:extLst>
+              <a:ext uri="{FF2B5EF4-FFF2-40B4-BE49-F238E27FC236}">
+                <a16:creationId xmlns="" xmlns:a16="http://schemas.microsoft.com/office/drawing/2014/main" id="{217097E6-88AD-2B40-8B59-E9413EC2F1EF}"/>
+              </a:ext>
+            </a:extLst>
+          </p:cNvPr>
+          <p:cNvSpPr>
+            <a:spLocks noGrp="1"/>
+          </p:cNvSpPr>
+          <p:nvPr>
+            <p:ph type="sldNum" sz="quarter" idx="12"/>
+          </p:nvPr>
+        </p:nvSpPr>
+        <p:spPr/>
+        <p:txBody>
+          <a:bodyPr/>
+          <a:lstStyle/>
+          <a:p>
+            <a:fld id="{FADD01DB-3A3D-4160-BF8B-737FEC31D67E}" type="slidenum">
+              <a:rPr lang="ru-RU" smtClean="0"/>
+              <a:pPr/>
+              <a:t>7</a:t>
+            </a:fld>
+            <a:endParaRPr lang="ru-RU"/>
+          </a:p>
+        </p:txBody>
+      </p:sp>
+      <p:pic>
+        <p:nvPicPr>
+          <p:cNvPr id="4" name="Рисунок 3">
+            <a:extLst>
+              <a:ext uri="{FF2B5EF4-FFF2-40B4-BE49-F238E27FC236}">
+                <a16:creationId xmlns="" xmlns:a16="http://schemas.microsoft.com/office/drawing/2014/main" id="{CF585D74-FE1E-BE4C-A8B1-00204B6BA9A5}"/>
+              </a:ext>
+            </a:extLst>
+          </p:cNvPr>
+          <p:cNvPicPr>
+            <a:picLocks noChangeAspect="1"/>
+          </p:cNvPicPr>
+          <p:nvPr/>
+        </p:nvPicPr>
+        <p:blipFill>
+          <a:blip r:embed="rId3">
+            <a:extLst>
+              <a:ext uri="{28A0092B-C50C-407E-A947-70E740481C1C}">
+                <a14:useLocalDpi xmlns:a14="http://schemas.microsoft.com/office/drawing/2010/main" val="0"/>
+              </a:ext>
+            </a:extLst>
+          </a:blip>
+          <a:stretch>
+            <a:fillRect/>
+          </a:stretch>
+        </p:blipFill>
+        <p:spPr>
+          <a:xfrm>
+            <a:off x="7214681" y="1448803"/>
+            <a:ext cx="3388468" cy="5044072"/>
           </a:xfrm>
           <a:prstGeom prst="rect">
             <a:avLst/>
@@ -6139,13 +6552,20 @@
     </p:spTree>
     <p:extLst>
       <p:ext uri="{BB962C8B-B14F-4D97-AF65-F5344CB8AC3E}">
-        <p14:creationId xmlns:p14="http://schemas.microsoft.com/office/powerpoint/2010/main" val="4120578109"/>
+        <p14:creationId xmlns:p14="http://schemas.microsoft.com/office/powerpoint/2010/main" val="3969741474"/>
       </p:ext>
     </p:extLst>
   </p:cSld>
   <p:clrMapOvr>
     <a:masterClrMapping/>
   </p:clrMapOvr>
+  <p:timing>
+    <p:tnLst>
+      <p:par>
+        <p:cTn id="1" dur="indefinite" restart="never" nodeType="tmRoot"/>
+      </p:par>
+    </p:tnLst>
+  </p:timing>
 </p:sld>
 </file>
 
@@ -6183,83 +6603,1509 @@
           <a:p>
             <a:r>
               <a:rPr lang="ru-RU" dirty="0"/>
-              <a:t>Предобработка данных</a:t>
-            </a:r>
-          </a:p>
-        </p:txBody>
-      </p:sp>
-      <p:pic>
-        <p:nvPicPr>
-          <p:cNvPr id="12" name="Рисунок 11">
+              <a:t>Формализация исходной информации</a:t>
+            </a:r>
+          </a:p>
+        </p:txBody>
+      </p:sp>
+      <mc:AlternateContent xmlns:mc="http://schemas.openxmlformats.org/markup-compatibility/2006" xmlns:a14="http://schemas.microsoft.com/office/drawing/2010/main">
+        <mc:Choice Requires="a14">
+          <p:sp>
+            <p:nvSpPr>
+              <p:cNvPr id="4" name="Google Shape;106;p20">
+                <a:extLst>
+                  <a:ext uri="{FF2B5EF4-FFF2-40B4-BE49-F238E27FC236}">
+                    <a16:creationId xmlns="" xmlns:a16="http://schemas.microsoft.com/office/drawing/2014/main" id="{B712FF56-1DFB-B34F-8F11-1341FED07626}"/>
+                  </a:ext>
+                </a:extLst>
+              </p:cNvPr>
+              <p:cNvSpPr txBox="1">
+                <a:spLocks/>
+              </p:cNvSpPr>
+              <p:nvPr/>
+            </p:nvSpPr>
+            <p:spPr>
+              <a:xfrm>
+                <a:off x="838200" y="1464202"/>
+                <a:ext cx="5966361" cy="2414999"/>
+              </a:xfrm>
+              <a:prstGeom prst="rect">
+                <a:avLst/>
+              </a:prstGeom>
+            </p:spPr>
+            <p:txBody>
+              <a:bodyPr spcFirstLastPara="1" vert="horz" wrap="square" lIns="91425" tIns="91425" rIns="91425" bIns="91425" rtlCol="0" anchor="t" anchorCtr="0">
+                <a:noAutofit/>
+              </a:bodyPr>
+              <a:lstStyle>
+                <a:lvl1pPr marL="228600" indent="-228600" algn="l" defTabSz="914400" rtl="0" eaLnBrk="1" latinLnBrk="0" hangingPunct="1">
+                  <a:lnSpc>
+                    <a:spcPct val="90000"/>
+                  </a:lnSpc>
+                  <a:spcBef>
+                    <a:spcPts val="1000"/>
+                  </a:spcBef>
+                  <a:buFont typeface="Arial" panose="020B0604020202020204" pitchFamily="34" charset="0"/>
+                  <a:buChar char="•"/>
+                  <a:defRPr sz="2800" kern="1200">
+                    <a:solidFill>
+                      <a:schemeClr val="tx1"/>
+                    </a:solidFill>
+                    <a:latin typeface="+mn-lt"/>
+                    <a:ea typeface="+mn-ea"/>
+                    <a:cs typeface="+mn-cs"/>
+                  </a:defRPr>
+                </a:lvl1pPr>
+                <a:lvl2pPr marL="685800" indent="-228600" algn="l" defTabSz="914400" rtl="0" eaLnBrk="1" latinLnBrk="0" hangingPunct="1">
+                  <a:lnSpc>
+                    <a:spcPct val="90000"/>
+                  </a:lnSpc>
+                  <a:spcBef>
+                    <a:spcPts val="500"/>
+                  </a:spcBef>
+                  <a:buFont typeface="Arial" panose="020B0604020202020204" pitchFamily="34" charset="0"/>
+                  <a:buChar char="•"/>
+                  <a:defRPr sz="2400" kern="1200">
+                    <a:solidFill>
+                      <a:schemeClr val="tx1"/>
+                    </a:solidFill>
+                    <a:latin typeface="+mn-lt"/>
+                    <a:ea typeface="+mn-ea"/>
+                    <a:cs typeface="+mn-cs"/>
+                  </a:defRPr>
+                </a:lvl2pPr>
+                <a:lvl3pPr marL="1143000" indent="-228600" algn="l" defTabSz="914400" rtl="0" eaLnBrk="1" latinLnBrk="0" hangingPunct="1">
+                  <a:lnSpc>
+                    <a:spcPct val="90000"/>
+                  </a:lnSpc>
+                  <a:spcBef>
+                    <a:spcPts val="500"/>
+                  </a:spcBef>
+                  <a:buFont typeface="Arial" panose="020B0604020202020204" pitchFamily="34" charset="0"/>
+                  <a:buChar char="•"/>
+                  <a:defRPr sz="2000" kern="1200">
+                    <a:solidFill>
+                      <a:schemeClr val="tx1"/>
+                    </a:solidFill>
+                    <a:latin typeface="+mn-lt"/>
+                    <a:ea typeface="+mn-ea"/>
+                    <a:cs typeface="+mn-cs"/>
+                  </a:defRPr>
+                </a:lvl3pPr>
+                <a:lvl4pPr marL="1600200" indent="-228600" algn="l" defTabSz="914400" rtl="0" eaLnBrk="1" latinLnBrk="0" hangingPunct="1">
+                  <a:lnSpc>
+                    <a:spcPct val="90000"/>
+                  </a:lnSpc>
+                  <a:spcBef>
+                    <a:spcPts val="500"/>
+                  </a:spcBef>
+                  <a:buFont typeface="Arial" panose="020B0604020202020204" pitchFamily="34" charset="0"/>
+                  <a:buChar char="•"/>
+                  <a:defRPr sz="1800" kern="1200">
+                    <a:solidFill>
+                      <a:schemeClr val="tx1"/>
+                    </a:solidFill>
+                    <a:latin typeface="+mn-lt"/>
+                    <a:ea typeface="+mn-ea"/>
+                    <a:cs typeface="+mn-cs"/>
+                  </a:defRPr>
+                </a:lvl4pPr>
+                <a:lvl5pPr marL="2057400" indent="-228600" algn="l" defTabSz="914400" rtl="0" eaLnBrk="1" latinLnBrk="0" hangingPunct="1">
+                  <a:lnSpc>
+                    <a:spcPct val="90000"/>
+                  </a:lnSpc>
+                  <a:spcBef>
+                    <a:spcPts val="500"/>
+                  </a:spcBef>
+                  <a:buFont typeface="Arial" panose="020B0604020202020204" pitchFamily="34" charset="0"/>
+                  <a:buChar char="•"/>
+                  <a:defRPr sz="1800" kern="1200">
+                    <a:solidFill>
+                      <a:schemeClr val="tx1"/>
+                    </a:solidFill>
+                    <a:latin typeface="+mn-lt"/>
+                    <a:ea typeface="+mn-ea"/>
+                    <a:cs typeface="+mn-cs"/>
+                  </a:defRPr>
+                </a:lvl5pPr>
+                <a:lvl6pPr marL="2514600" indent="-228600" algn="l" defTabSz="914400" rtl="0" eaLnBrk="1" latinLnBrk="0" hangingPunct="1">
+                  <a:lnSpc>
+                    <a:spcPct val="90000"/>
+                  </a:lnSpc>
+                  <a:spcBef>
+                    <a:spcPts val="500"/>
+                  </a:spcBef>
+                  <a:buFont typeface="Arial" panose="020B0604020202020204" pitchFamily="34" charset="0"/>
+                  <a:buChar char="•"/>
+                  <a:defRPr sz="1800" kern="1200">
+                    <a:solidFill>
+                      <a:schemeClr val="tx1"/>
+                    </a:solidFill>
+                    <a:latin typeface="+mn-lt"/>
+                    <a:ea typeface="+mn-ea"/>
+                    <a:cs typeface="+mn-cs"/>
+                  </a:defRPr>
+                </a:lvl6pPr>
+                <a:lvl7pPr marL="2971800" indent="-228600" algn="l" defTabSz="914400" rtl="0" eaLnBrk="1" latinLnBrk="0" hangingPunct="1">
+                  <a:lnSpc>
+                    <a:spcPct val="90000"/>
+                  </a:lnSpc>
+                  <a:spcBef>
+                    <a:spcPts val="500"/>
+                  </a:spcBef>
+                  <a:buFont typeface="Arial" panose="020B0604020202020204" pitchFamily="34" charset="0"/>
+                  <a:buChar char="•"/>
+                  <a:defRPr sz="1800" kern="1200">
+                    <a:solidFill>
+                      <a:schemeClr val="tx1"/>
+                    </a:solidFill>
+                    <a:latin typeface="+mn-lt"/>
+                    <a:ea typeface="+mn-ea"/>
+                    <a:cs typeface="+mn-cs"/>
+                  </a:defRPr>
+                </a:lvl7pPr>
+                <a:lvl8pPr marL="3429000" indent="-228600" algn="l" defTabSz="914400" rtl="0" eaLnBrk="1" latinLnBrk="0" hangingPunct="1">
+                  <a:lnSpc>
+                    <a:spcPct val="90000"/>
+                  </a:lnSpc>
+                  <a:spcBef>
+                    <a:spcPts val="500"/>
+                  </a:spcBef>
+                  <a:buFont typeface="Arial" panose="020B0604020202020204" pitchFamily="34" charset="0"/>
+                  <a:buChar char="•"/>
+                  <a:defRPr sz="1800" kern="1200">
+                    <a:solidFill>
+                      <a:schemeClr val="tx1"/>
+                    </a:solidFill>
+                    <a:latin typeface="+mn-lt"/>
+                    <a:ea typeface="+mn-ea"/>
+                    <a:cs typeface="+mn-cs"/>
+                  </a:defRPr>
+                </a:lvl8pPr>
+                <a:lvl9pPr marL="3886200" indent="-228600" algn="l" defTabSz="914400" rtl="0" eaLnBrk="1" latinLnBrk="0" hangingPunct="1">
+                  <a:lnSpc>
+                    <a:spcPct val="90000"/>
+                  </a:lnSpc>
+                  <a:spcBef>
+                    <a:spcPts val="500"/>
+                  </a:spcBef>
+                  <a:buFont typeface="Arial" panose="020B0604020202020204" pitchFamily="34" charset="0"/>
+                  <a:buChar char="•"/>
+                  <a:defRPr sz="1800" kern="1200">
+                    <a:solidFill>
+                      <a:schemeClr val="tx1"/>
+                    </a:solidFill>
+                    <a:latin typeface="+mn-lt"/>
+                    <a:ea typeface="+mn-ea"/>
+                    <a:cs typeface="+mn-cs"/>
+                  </a:defRPr>
+                </a:lvl9pPr>
+              </a:lstStyle>
+              <a:p>
+                <a:pPr marL="0" indent="0">
+                  <a:lnSpc>
+                    <a:spcPct val="150000"/>
+                  </a:lnSpc>
+                  <a:spcBef>
+                    <a:spcPts val="0"/>
+                  </a:spcBef>
+                  <a:buNone/>
+                </a:pPr>
+                <a:r>
+                  <a:rPr lang="ru-RU" sz="1500" b="1" dirty="0" smtClean="0">
+                    <a:solidFill>
+                      <a:schemeClr val="dk1"/>
+                    </a:solidFill>
+                    <a:latin typeface="Times New Roman"/>
+                    <a:ea typeface="Times New Roman"/>
+                    <a:cs typeface="Times New Roman"/>
+                    <a:sym typeface="Times New Roman"/>
+                  </a:rPr>
+                  <a:t>Пересчет бюджетных мест осуществляется по формуле:</a:t>
+                </a:r>
+              </a:p>
+              <a:p>
+                <a:pPr marL="0" indent="0">
+                  <a:lnSpc>
+                    <a:spcPct val="150000"/>
+                  </a:lnSpc>
+                  <a:spcBef>
+                    <a:spcPts val="0"/>
+                  </a:spcBef>
+                  <a:buNone/>
+                </a:pPr>
+                <a14:m>
+                  <m:oMathPara xmlns:m="http://schemas.openxmlformats.org/officeDocument/2006/math">
+                    <m:oMathParaPr>
+                      <m:jc m:val="centerGroup"/>
+                    </m:oMathParaPr>
+                    <m:oMath xmlns:m="http://schemas.openxmlformats.org/officeDocument/2006/math">
+                      <m:r>
+                        <a:rPr lang="en-US" sz="1500" b="1" i="1" smtClean="0">
+                          <a:solidFill>
+                            <a:schemeClr val="dk1"/>
+                          </a:solidFill>
+                          <a:latin typeface="Cambria Math"/>
+                          <a:ea typeface="Times New Roman"/>
+                          <a:cs typeface="Times New Roman"/>
+                          <a:sym typeface="Times New Roman"/>
+                        </a:rPr>
+                        <m:t>𝑵</m:t>
+                      </m:r>
+                      <m:r>
+                        <a:rPr lang="pt-BR" sz="1500" b="1" i="1" smtClean="0">
+                          <a:solidFill>
+                            <a:schemeClr val="dk1"/>
+                          </a:solidFill>
+                          <a:latin typeface="Cambria Math"/>
+                          <a:ea typeface="Times New Roman"/>
+                          <a:cs typeface="Times New Roman"/>
+                          <a:sym typeface="Times New Roman"/>
+                        </a:rPr>
+                        <m:t>=</m:t>
+                      </m:r>
+                      <m:nary>
+                        <m:naryPr>
+                          <m:chr m:val="∑"/>
+                          <m:subHide m:val="on"/>
+                          <m:supHide m:val="on"/>
+                          <m:ctrlPr>
+                            <a:rPr lang="pt-BR" sz="1500" i="1" smtClean="0">
+                              <a:solidFill>
+                                <a:schemeClr val="dk1"/>
+                              </a:solidFill>
+                              <a:latin typeface="Cambria Math"/>
+                              <a:cs typeface="Times New Roman"/>
+                              <a:sym typeface="Times New Roman"/>
+                            </a:rPr>
+                          </m:ctrlPr>
+                        </m:naryPr>
+                        <m:sub/>
+                        <m:sup/>
+                        <m:e>
+                          <m:sSub>
+                            <m:sSubPr>
+                              <m:ctrlPr>
+                                <a:rPr lang="pt-BR" sz="1500" i="1" smtClean="0">
+                                  <a:solidFill>
+                                    <a:schemeClr val="dk1"/>
+                                  </a:solidFill>
+                                  <a:latin typeface="Cambria Math"/>
+                                  <a:cs typeface="Times New Roman"/>
+                                  <a:sym typeface="Times New Roman"/>
+                                </a:rPr>
+                              </m:ctrlPr>
+                            </m:sSubPr>
+                            <m:e>
+                              <m:r>
+                                <a:rPr lang="en-US" sz="1500" b="0" i="1" smtClean="0">
+                                  <a:solidFill>
+                                    <a:schemeClr val="dk1"/>
+                                  </a:solidFill>
+                                  <a:latin typeface="Cambria Math"/>
+                                  <a:cs typeface="Times New Roman"/>
+                                  <a:sym typeface="Times New Roman"/>
+                                </a:rPr>
+                                <m:t>𝑃</m:t>
+                              </m:r>
+                            </m:e>
+                            <m:sub>
+                              <m:r>
+                                <a:rPr lang="en-US" sz="1500" b="0" i="1" smtClean="0">
+                                  <a:solidFill>
+                                    <a:schemeClr val="dk1"/>
+                                  </a:solidFill>
+                                  <a:latin typeface="Cambria Math"/>
+                                  <a:cs typeface="Times New Roman"/>
+                                  <a:sym typeface="Times New Roman"/>
+                                </a:rPr>
+                                <m:t>𝑖</m:t>
+                              </m:r>
+                            </m:sub>
+                          </m:sSub>
+                          <m:sSub>
+                            <m:sSubPr>
+                              <m:ctrlPr>
+                                <a:rPr lang="pt-BR" sz="1500" i="1" smtClean="0">
+                                  <a:solidFill>
+                                    <a:schemeClr val="dk1"/>
+                                  </a:solidFill>
+                                  <a:latin typeface="Cambria Math"/>
+                                  <a:cs typeface="Times New Roman"/>
+                                  <a:sym typeface="Times New Roman"/>
+                                </a:rPr>
+                              </m:ctrlPr>
+                            </m:sSubPr>
+                            <m:e>
+                              <m:r>
+                                <a:rPr lang="en-US" sz="1500" b="0" i="1" smtClean="0">
+                                  <a:solidFill>
+                                    <a:schemeClr val="dk1"/>
+                                  </a:solidFill>
+                                  <a:latin typeface="Cambria Math"/>
+                                  <a:cs typeface="Times New Roman"/>
+                                  <a:sym typeface="Times New Roman"/>
+                                </a:rPr>
+                                <m:t>𝑘</m:t>
+                              </m:r>
+                            </m:e>
+                            <m:sub>
+                              <m:r>
+                                <a:rPr lang="en-US" sz="1500" b="0" i="1" smtClean="0">
+                                  <a:solidFill>
+                                    <a:schemeClr val="dk1"/>
+                                  </a:solidFill>
+                                  <a:latin typeface="Cambria Math"/>
+                                  <a:cs typeface="Times New Roman"/>
+                                  <a:sym typeface="Times New Roman"/>
+                                </a:rPr>
+                                <m:t>𝑖</m:t>
+                              </m:r>
+                            </m:sub>
+                          </m:sSub>
+                        </m:e>
+                      </m:nary>
+                    </m:oMath>
+                  </m:oMathPara>
+                </a14:m>
+                <a:endParaRPr lang="ru-RU" sz="1500" dirty="0">
+                  <a:solidFill>
+                    <a:schemeClr val="dk1"/>
+                  </a:solidFill>
+                  <a:latin typeface="Times New Roman"/>
+                  <a:ea typeface="Times New Roman"/>
+                  <a:cs typeface="Times New Roman"/>
+                  <a:sym typeface="Times New Roman"/>
+                </a:endParaRPr>
+              </a:p>
+              <a:p>
+                <a:pPr marL="0" indent="0">
+                  <a:lnSpc>
+                    <a:spcPct val="150000"/>
+                  </a:lnSpc>
+                  <a:spcBef>
+                    <a:spcPts val="0"/>
+                  </a:spcBef>
+                  <a:buNone/>
+                </a:pPr>
+                <a:r>
+                  <a:rPr lang="ru-RU" sz="1500" dirty="0">
+                    <a:solidFill>
+                      <a:schemeClr val="dk1"/>
+                    </a:solidFill>
+                    <a:latin typeface="Times New Roman"/>
+                    <a:ea typeface="Times New Roman"/>
+                    <a:cs typeface="Times New Roman"/>
+                    <a:sym typeface="Times New Roman"/>
+                  </a:rPr>
+                  <a:t>г</a:t>
+                </a:r>
+                <a:r>
+                  <a:rPr lang="ru-RU" sz="1500" dirty="0" smtClean="0">
+                    <a:solidFill>
+                      <a:schemeClr val="dk1"/>
+                    </a:solidFill>
+                    <a:latin typeface="Times New Roman"/>
+                    <a:ea typeface="Times New Roman"/>
+                    <a:cs typeface="Times New Roman"/>
+                    <a:sym typeface="Times New Roman"/>
+                  </a:rPr>
+                  <a:t>де  </a:t>
+                </a:r>
+                <a14:m>
+                  <m:oMath xmlns:m="http://schemas.openxmlformats.org/officeDocument/2006/math">
+                    <m:r>
+                      <a:rPr lang="en-US" sz="1500" b="0" i="1" smtClean="0">
+                        <a:solidFill>
+                          <a:schemeClr val="dk1"/>
+                        </a:solidFill>
+                        <a:latin typeface="Cambria Math"/>
+                        <a:ea typeface="Times New Roman"/>
+                        <a:cs typeface="Times New Roman"/>
+                        <a:sym typeface="Times New Roman"/>
+                      </a:rPr>
+                      <m:t>𝑁</m:t>
+                    </m:r>
+                    <m:r>
+                      <a:rPr lang="en-US" sz="1500" b="0" i="1" smtClean="0">
+                        <a:solidFill>
+                          <a:schemeClr val="dk1"/>
+                        </a:solidFill>
+                        <a:latin typeface="Cambria Math"/>
+                        <a:ea typeface="Times New Roman"/>
+                        <a:cs typeface="Times New Roman"/>
+                        <a:sym typeface="Times New Roman"/>
+                      </a:rPr>
+                      <m:t>−количест</m:t>
+                    </m:r>
+                    <m:r>
+                      <a:rPr lang="ru-RU" sz="1500" b="0" i="1" smtClean="0">
+                        <a:solidFill>
+                          <a:schemeClr val="dk1"/>
+                        </a:solidFill>
+                        <a:latin typeface="Cambria Math"/>
+                        <a:ea typeface="Times New Roman"/>
+                        <a:cs typeface="Times New Roman"/>
+                        <a:sym typeface="Times New Roman"/>
+                      </a:rPr>
+                      <m:t>во бюджетных мест в официальной группе;</m:t>
+                    </m:r>
+                  </m:oMath>
+                </a14:m>
+                <a:endParaRPr lang="en-US" sz="1500" b="0" dirty="0" smtClean="0">
+                  <a:solidFill>
+                    <a:schemeClr val="dk1"/>
+                  </a:solidFill>
+                  <a:latin typeface="Times New Roman"/>
+                  <a:ea typeface="Times New Roman"/>
+                  <a:cs typeface="Times New Roman"/>
+                  <a:sym typeface="Times New Roman"/>
+                </a:endParaRPr>
+              </a:p>
+              <a:p>
+                <a:pPr marL="0" indent="0">
+                  <a:lnSpc>
+                    <a:spcPct val="150000"/>
+                  </a:lnSpc>
+                  <a:spcBef>
+                    <a:spcPts val="0"/>
+                  </a:spcBef>
+                  <a:buNone/>
+                </a:pPr>
+                <a14:m>
+                  <m:oMath xmlns:m="http://schemas.openxmlformats.org/officeDocument/2006/math">
+                    <m:sSub>
+                      <m:sSubPr>
+                        <m:ctrlPr>
+                          <a:rPr lang="ru-RU" sz="1500" b="0" i="1" smtClean="0">
+                            <a:solidFill>
+                              <a:schemeClr val="dk1"/>
+                            </a:solidFill>
+                            <a:latin typeface="Cambria Math"/>
+                            <a:cs typeface="Times New Roman"/>
+                            <a:sym typeface="Times New Roman"/>
+                          </a:rPr>
+                        </m:ctrlPr>
+                      </m:sSubPr>
+                      <m:e>
+                        <m:r>
+                          <a:rPr lang="en-US" sz="1500" b="0" i="1" smtClean="0">
+                            <a:solidFill>
+                              <a:schemeClr val="dk1"/>
+                            </a:solidFill>
+                            <a:latin typeface="Cambria Math"/>
+                            <a:cs typeface="Times New Roman"/>
+                            <a:sym typeface="Times New Roman"/>
+                          </a:rPr>
+                          <m:t>𝑃</m:t>
+                        </m:r>
+                      </m:e>
+                      <m:sub>
+                        <m:r>
+                          <a:rPr lang="en-US" sz="1500" b="0" i="1" smtClean="0">
+                            <a:solidFill>
+                              <a:schemeClr val="dk1"/>
+                            </a:solidFill>
+                            <a:latin typeface="Cambria Math"/>
+                            <a:cs typeface="Times New Roman"/>
+                            <a:sym typeface="Times New Roman"/>
+                          </a:rPr>
+                          <m:t>𝑖</m:t>
+                        </m:r>
+                      </m:sub>
+                    </m:sSub>
+                    <m:r>
+                      <a:rPr lang="en-US" sz="1500" b="0" i="1" smtClean="0">
+                        <a:solidFill>
+                          <a:schemeClr val="dk1"/>
+                        </a:solidFill>
+                        <a:latin typeface="Cambria Math"/>
+                        <a:cs typeface="Times New Roman"/>
+                        <a:sym typeface="Times New Roman"/>
+                      </a:rPr>
+                      <m:t>−</m:t>
+                    </m:r>
+                    <m:r>
+                      <a:rPr lang="ru-RU" sz="1500" b="0" i="1" smtClean="0">
+                        <a:solidFill>
+                          <a:schemeClr val="dk1"/>
+                        </a:solidFill>
+                        <a:latin typeface="Cambria Math"/>
+                        <a:cs typeface="Times New Roman"/>
+                        <a:sym typeface="Times New Roman"/>
+                      </a:rPr>
+                      <m:t>количество мест в </m:t>
+                    </m:r>
+                    <m:r>
+                      <a:rPr lang="en-US" sz="1500" b="0" i="1" smtClean="0">
+                        <a:solidFill>
+                          <a:schemeClr val="dk1"/>
+                        </a:solidFill>
+                        <a:latin typeface="Cambria Math"/>
+                        <a:cs typeface="Times New Roman"/>
+                        <a:sym typeface="Times New Roman"/>
+                      </a:rPr>
+                      <m:t>𝑖</m:t>
+                    </m:r>
+                  </m:oMath>
+                </a14:m>
+                <a:r>
+                  <a:rPr lang="ru-RU" sz="1500" dirty="0" smtClean="0">
+                    <a:solidFill>
+                      <a:schemeClr val="dk1"/>
+                    </a:solidFill>
+                    <a:latin typeface="Times New Roman" panose="02020603050405020304" pitchFamily="18" charset="0"/>
+                    <a:cs typeface="Times New Roman" panose="02020603050405020304" pitchFamily="18" charset="0"/>
+                    <a:sym typeface="Times New Roman"/>
+                  </a:rPr>
+                  <a:t>-ой неофициальной группе</a:t>
+                </a:r>
+                <a:r>
+                  <a:rPr lang="en-US" sz="1500" dirty="0" smtClean="0">
+                    <a:solidFill>
+                      <a:schemeClr val="dk1"/>
+                    </a:solidFill>
+                    <a:cs typeface="Times New Roman"/>
+                    <a:sym typeface="Times New Roman"/>
+                  </a:rPr>
+                  <a:t>;</a:t>
+                </a:r>
+              </a:p>
+              <a:p>
+                <a:pPr marL="0" indent="0">
+                  <a:lnSpc>
+                    <a:spcPct val="150000"/>
+                  </a:lnSpc>
+                  <a:spcBef>
+                    <a:spcPts val="0"/>
+                  </a:spcBef>
+                  <a:buNone/>
+                </a:pPr>
+                <a14:m>
+                  <m:oMath xmlns:m="http://schemas.openxmlformats.org/officeDocument/2006/math">
+                    <m:sSub>
+                      <m:sSubPr>
+                        <m:ctrlPr>
+                          <a:rPr lang="ru-RU" sz="1500" b="0" i="1" smtClean="0">
+                            <a:solidFill>
+                              <a:schemeClr val="dk1"/>
+                            </a:solidFill>
+                            <a:latin typeface="Cambria Math"/>
+                            <a:cs typeface="Times New Roman"/>
+                            <a:sym typeface="Times New Roman"/>
+                          </a:rPr>
+                        </m:ctrlPr>
+                      </m:sSubPr>
+                      <m:e>
+                        <m:r>
+                          <a:rPr lang="en-US" sz="1500" b="0" i="1" smtClean="0">
+                            <a:solidFill>
+                              <a:schemeClr val="dk1"/>
+                            </a:solidFill>
+                            <a:latin typeface="Cambria Math"/>
+                            <a:cs typeface="Times New Roman"/>
+                            <a:sym typeface="Times New Roman"/>
+                          </a:rPr>
+                          <m:t>𝑘</m:t>
+                        </m:r>
+                      </m:e>
+                      <m:sub>
+                        <m:r>
+                          <a:rPr lang="en-US" sz="1500" b="0" i="1" smtClean="0">
+                            <a:solidFill>
+                              <a:schemeClr val="dk1"/>
+                            </a:solidFill>
+                            <a:latin typeface="Cambria Math"/>
+                            <a:cs typeface="Times New Roman"/>
+                            <a:sym typeface="Times New Roman"/>
+                          </a:rPr>
+                          <m:t>𝑖</m:t>
+                        </m:r>
+                      </m:sub>
+                    </m:sSub>
+                    <m:r>
+                      <a:rPr lang="en-US" sz="1500" b="0" i="1" smtClean="0">
+                        <a:solidFill>
+                          <a:schemeClr val="dk1"/>
+                        </a:solidFill>
+                        <a:latin typeface="Cambria Math"/>
+                        <a:cs typeface="Times New Roman"/>
+                        <a:sym typeface="Times New Roman"/>
+                      </a:rPr>
+                      <m:t>−</m:t>
+                    </m:r>
+                    <m:r>
+                      <a:rPr lang="en-US" sz="1500" b="0" i="1" smtClean="0">
+                        <a:solidFill>
+                          <a:schemeClr val="dk1"/>
+                        </a:solidFill>
+                        <a:latin typeface="Cambria Math"/>
+                        <a:cs typeface="Times New Roman"/>
+                        <a:sym typeface="Times New Roman"/>
+                      </a:rPr>
+                      <m:t>𝑖</m:t>
+                    </m:r>
+                  </m:oMath>
+                </a14:m>
+                <a:r>
+                  <a:rPr lang="ru-RU" sz="1500" b="0" dirty="0" smtClean="0">
+                    <a:solidFill>
+                      <a:schemeClr val="dk1"/>
+                    </a:solidFill>
+                    <a:latin typeface="Times New Roman"/>
+                    <a:ea typeface="Times New Roman"/>
+                    <a:cs typeface="Times New Roman"/>
+                    <a:sym typeface="Times New Roman"/>
+                  </a:rPr>
+                  <a:t>-я доля официальной группы в неофициальной.</a:t>
+                </a:r>
+              </a:p>
+              <a:p>
+                <a:pPr marL="0" indent="0">
+                  <a:lnSpc>
+                    <a:spcPct val="150000"/>
+                  </a:lnSpc>
+                  <a:spcBef>
+                    <a:spcPts val="0"/>
+                  </a:spcBef>
+                  <a:buNone/>
+                </a:pPr>
+                <a:endParaRPr lang="ru-RU" sz="1500" dirty="0">
+                  <a:solidFill>
+                    <a:schemeClr val="dk1"/>
+                  </a:solidFill>
+                  <a:latin typeface="Times New Roman"/>
+                  <a:ea typeface="Times New Roman"/>
+                  <a:cs typeface="Times New Roman"/>
+                  <a:sym typeface="Times New Roman"/>
+                </a:endParaRPr>
+              </a:p>
+            </p:txBody>
+          </p:sp>
+        </mc:Choice>
+        <mc:Fallback xmlns="">
+          <p:sp>
+            <p:nvSpPr>
+              <p:cNvPr id="4" name="Google Shape;106;p20">
+                <a:extLst>
+                  <a:ext uri="{FF2B5EF4-FFF2-40B4-BE49-F238E27FC236}">
+                    <a16:creationId xmlns:a16="http://schemas.microsoft.com/office/drawing/2014/main" xmlns="" id="{B712FF56-1DFB-B34F-8F11-1341FED07626}"/>
+                  </a:ext>
+                </a:extLst>
+              </p:cNvPr>
+              <p:cNvSpPr txBox="1">
+                <a:spLocks noRot="1" noChangeAspect="1" noMove="1" noResize="1" noEditPoints="1" noAdjustHandles="1" noChangeArrowheads="1" noChangeShapeType="1" noTextEdit="1"/>
+              </p:cNvSpPr>
+              <p:nvPr/>
+            </p:nvSpPr>
+            <p:spPr>
+              <a:xfrm>
+                <a:off x="838200" y="1464202"/>
+                <a:ext cx="5966361" cy="2414999"/>
+              </a:xfrm>
+              <a:prstGeom prst="rect">
+                <a:avLst/>
+              </a:prstGeom>
+              <a:blipFill rotWithShape="1">
+                <a:blip r:embed="rId2"/>
+                <a:stretch>
+                  <a:fillRect l="-409"/>
+                </a:stretch>
+              </a:blipFill>
+            </p:spPr>
+            <p:txBody>
+              <a:bodyPr/>
+              <a:lstStyle/>
+              <a:p>
+                <a:r>
+                  <a:rPr lang="ru-RU">
+                    <a:noFill/>
+                  </a:rPr>
+                  <a:t> </a:t>
+                </a:r>
+              </a:p>
+            </p:txBody>
+          </p:sp>
+        </mc:Fallback>
+      </mc:AlternateContent>
+      <mc:AlternateContent xmlns:mc="http://schemas.openxmlformats.org/markup-compatibility/2006" xmlns:a14="http://schemas.microsoft.com/office/drawing/2010/main">
+        <mc:Choice Requires="a14">
+          <p:sp>
+            <p:nvSpPr>
+              <p:cNvPr id="6" name="Прямоугольник 5">
+                <a:extLst>
+                  <a:ext uri="{FF2B5EF4-FFF2-40B4-BE49-F238E27FC236}">
+                    <a16:creationId xmlns="" xmlns:a16="http://schemas.microsoft.com/office/drawing/2014/main" id="{579A20FD-A737-C946-A4E4-5E587E3FED46}"/>
+                  </a:ext>
+                </a:extLst>
+              </p:cNvPr>
+              <p:cNvSpPr/>
+              <p:nvPr/>
+            </p:nvSpPr>
+            <p:spPr>
+              <a:xfrm>
+                <a:off x="838200" y="3902631"/>
+                <a:ext cx="4643252" cy="2490810"/>
+              </a:xfrm>
+              <a:prstGeom prst="rect">
+                <a:avLst/>
+              </a:prstGeom>
+            </p:spPr>
+            <p:txBody>
+              <a:bodyPr wrap="square">
+                <a:spAutoFit/>
+              </a:bodyPr>
+              <a:lstStyle/>
+              <a:p>
+                <a:pPr>
+                  <a:lnSpc>
+                    <a:spcPct val="150000"/>
+                  </a:lnSpc>
+                </a:pPr>
+                <a:r>
+                  <a:rPr lang="ru-RU" sz="1500" b="1" dirty="0" smtClean="0">
+                    <a:solidFill>
+                      <a:schemeClr val="dk1"/>
+                    </a:solidFill>
+                    <a:latin typeface="Times New Roman"/>
+                    <a:ea typeface="Times New Roman"/>
+                    <a:cs typeface="Times New Roman"/>
+                    <a:sym typeface="Times New Roman"/>
+                  </a:rPr>
+                  <a:t>Пересчет среднего балла осуществляется </a:t>
+                </a:r>
+                <a:r>
+                  <a:rPr lang="ru-RU" sz="1500" b="1" dirty="0">
+                    <a:solidFill>
+                      <a:schemeClr val="dk1"/>
+                    </a:solidFill>
+                    <a:latin typeface="Times New Roman"/>
+                    <a:ea typeface="Times New Roman"/>
+                    <a:cs typeface="Times New Roman"/>
+                    <a:sym typeface="Times New Roman"/>
+                  </a:rPr>
+                  <a:t>по формуле</a:t>
+                </a:r>
+                <a:r>
+                  <a:rPr lang="ru-RU" sz="1500" b="1" dirty="0" smtClean="0">
+                    <a:solidFill>
+                      <a:schemeClr val="dk1"/>
+                    </a:solidFill>
+                    <a:latin typeface="Times New Roman"/>
+                    <a:ea typeface="Times New Roman"/>
+                    <a:cs typeface="Times New Roman"/>
+                    <a:sym typeface="Times New Roman"/>
+                  </a:rPr>
+                  <a:t>:</a:t>
+                </a:r>
+                <a:endParaRPr lang="en-US" sz="1500" b="1" dirty="0" smtClean="0">
+                  <a:solidFill>
+                    <a:schemeClr val="dk1"/>
+                  </a:solidFill>
+                  <a:latin typeface="Times New Roman"/>
+                  <a:ea typeface="Times New Roman"/>
+                  <a:cs typeface="Times New Roman"/>
+                  <a:sym typeface="Times New Roman"/>
+                </a:endParaRPr>
+              </a:p>
+              <a:p>
+                <a:pPr>
+                  <a:lnSpc>
+                    <a:spcPct val="150000"/>
+                  </a:lnSpc>
+                </a:pPr>
+                <a14:m>
+                  <m:oMathPara xmlns:m="http://schemas.openxmlformats.org/officeDocument/2006/math">
+                    <m:oMathParaPr>
+                      <m:jc m:val="centerGroup"/>
+                    </m:oMathParaPr>
+                    <m:oMath xmlns:m="http://schemas.openxmlformats.org/officeDocument/2006/math">
+                      <m:sSub>
+                        <m:sSubPr>
+                          <m:ctrlPr>
+                            <a:rPr lang="ru-RU" sz="1500" b="1" i="1" smtClean="0">
+                              <a:solidFill>
+                                <a:schemeClr val="dk1"/>
+                              </a:solidFill>
+                              <a:latin typeface="Cambria Math"/>
+                              <a:cs typeface="Times New Roman"/>
+                              <a:sym typeface="Times New Roman"/>
+                            </a:rPr>
+                          </m:ctrlPr>
+                        </m:sSubPr>
+                        <m:e>
+                          <m:r>
+                            <a:rPr lang="en-US" sz="1500" b="1" i="1" smtClean="0">
+                              <a:solidFill>
+                                <a:schemeClr val="dk1"/>
+                              </a:solidFill>
+                              <a:latin typeface="Cambria Math"/>
+                              <a:cs typeface="Times New Roman"/>
+                              <a:sym typeface="Times New Roman"/>
+                            </a:rPr>
+                            <m:t>𝑩</m:t>
+                          </m:r>
+                        </m:e>
+                        <m:sub>
+                          <m:r>
+                            <a:rPr lang="en-US" sz="1500" b="1" i="1" smtClean="0">
+                              <a:solidFill>
+                                <a:schemeClr val="dk1"/>
+                              </a:solidFill>
+                              <a:latin typeface="Cambria Math"/>
+                              <a:cs typeface="Times New Roman"/>
+                              <a:sym typeface="Times New Roman"/>
+                            </a:rPr>
+                            <m:t>𝒔𝒄𝒐𝒓𝒆</m:t>
+                          </m:r>
+                        </m:sub>
+                      </m:sSub>
+                      <m:r>
+                        <a:rPr lang="en-US" sz="1500" b="0" i="1" smtClean="0">
+                          <a:solidFill>
+                            <a:schemeClr val="dk1"/>
+                          </a:solidFill>
+                          <a:latin typeface="Cambria Math"/>
+                          <a:cs typeface="Times New Roman"/>
+                          <a:sym typeface="Times New Roman"/>
+                        </a:rPr>
+                        <m:t>=</m:t>
+                      </m:r>
+                      <m:f>
+                        <m:fPr>
+                          <m:ctrlPr>
+                            <a:rPr lang="en-US" sz="1500" i="1" smtClean="0">
+                              <a:solidFill>
+                                <a:schemeClr val="dk1"/>
+                              </a:solidFill>
+                              <a:latin typeface="Cambria Math"/>
+                              <a:cs typeface="Times New Roman"/>
+                              <a:sym typeface="Times New Roman"/>
+                            </a:rPr>
+                          </m:ctrlPr>
+                        </m:fPr>
+                        <m:num>
+                          <m:nary>
+                            <m:naryPr>
+                              <m:chr m:val="∑"/>
+                              <m:subHide m:val="on"/>
+                              <m:supHide m:val="on"/>
+                              <m:ctrlPr>
+                                <a:rPr lang="en-US" sz="1500" i="1" smtClean="0">
+                                  <a:solidFill>
+                                    <a:schemeClr val="dk1"/>
+                                  </a:solidFill>
+                                  <a:latin typeface="Cambria Math"/>
+                                  <a:cs typeface="Times New Roman"/>
+                                  <a:sym typeface="Times New Roman"/>
+                                </a:rPr>
+                              </m:ctrlPr>
+                            </m:naryPr>
+                            <m:sub/>
+                            <m:sup/>
+                            <m:e>
+                              <m:sSub>
+                                <m:sSubPr>
+                                  <m:ctrlPr>
+                                    <a:rPr lang="en-US" sz="1500" i="1" smtClean="0">
+                                      <a:solidFill>
+                                        <a:schemeClr val="dk1"/>
+                                      </a:solidFill>
+                                      <a:latin typeface="Cambria Math"/>
+                                      <a:cs typeface="Times New Roman"/>
+                                      <a:sym typeface="Times New Roman"/>
+                                    </a:rPr>
+                                  </m:ctrlPr>
+                                </m:sSubPr>
+                                <m:e>
+                                  <m:r>
+                                    <a:rPr lang="en-US" sz="1500" b="0" i="1" smtClean="0">
+                                      <a:solidFill>
+                                        <a:schemeClr val="dk1"/>
+                                      </a:solidFill>
+                                      <a:latin typeface="Cambria Math"/>
+                                      <a:cs typeface="Times New Roman"/>
+                                      <a:sym typeface="Times New Roman"/>
+                                    </a:rPr>
+                                    <m:t>𝑃</m:t>
+                                  </m:r>
+                                </m:e>
+                                <m:sub>
+                                  <m:r>
+                                    <a:rPr lang="en-US" sz="1500" b="0" i="1" smtClean="0">
+                                      <a:solidFill>
+                                        <a:schemeClr val="dk1"/>
+                                      </a:solidFill>
+                                      <a:latin typeface="Cambria Math"/>
+                                      <a:cs typeface="Times New Roman"/>
+                                      <a:sym typeface="Times New Roman"/>
+                                    </a:rPr>
+                                    <m:t>𝑖</m:t>
+                                  </m:r>
+                                </m:sub>
+                              </m:sSub>
+                              <m:sSub>
+                                <m:sSubPr>
+                                  <m:ctrlPr>
+                                    <a:rPr lang="en-US" sz="1500" i="1" smtClean="0">
+                                      <a:solidFill>
+                                        <a:schemeClr val="dk1"/>
+                                      </a:solidFill>
+                                      <a:latin typeface="Cambria Math"/>
+                                      <a:cs typeface="Times New Roman"/>
+                                      <a:sym typeface="Times New Roman"/>
+                                    </a:rPr>
+                                  </m:ctrlPr>
+                                </m:sSubPr>
+                                <m:e>
+                                  <m:r>
+                                    <a:rPr lang="en-US" sz="1500" b="0" i="1" smtClean="0">
+                                      <a:solidFill>
+                                        <a:schemeClr val="dk1"/>
+                                      </a:solidFill>
+                                      <a:latin typeface="Cambria Math"/>
+                                      <a:cs typeface="Times New Roman"/>
+                                      <a:sym typeface="Times New Roman"/>
+                                    </a:rPr>
+                                    <m:t>𝑘</m:t>
+                                  </m:r>
+                                </m:e>
+                                <m:sub>
+                                  <m:r>
+                                    <a:rPr lang="en-US" sz="1500" b="0" i="1" smtClean="0">
+                                      <a:solidFill>
+                                        <a:schemeClr val="dk1"/>
+                                      </a:solidFill>
+                                      <a:latin typeface="Cambria Math"/>
+                                      <a:cs typeface="Times New Roman"/>
+                                      <a:sym typeface="Times New Roman"/>
+                                    </a:rPr>
+                                    <m:t>𝑖</m:t>
+                                  </m:r>
+                                </m:sub>
+                              </m:sSub>
+                              <m:sSub>
+                                <m:sSubPr>
+                                  <m:ctrlPr>
+                                    <a:rPr lang="en-US" sz="1500" i="1" smtClean="0">
+                                      <a:solidFill>
+                                        <a:schemeClr val="dk1"/>
+                                      </a:solidFill>
+                                      <a:latin typeface="Cambria Math"/>
+                                      <a:cs typeface="Times New Roman"/>
+                                      <a:sym typeface="Times New Roman"/>
+                                    </a:rPr>
+                                  </m:ctrlPr>
+                                </m:sSubPr>
+                                <m:e>
+                                  <m:r>
+                                    <a:rPr lang="en-US" sz="1500" b="0" i="1" smtClean="0">
+                                      <a:solidFill>
+                                        <a:schemeClr val="dk1"/>
+                                      </a:solidFill>
+                                      <a:latin typeface="Cambria Math"/>
+                                      <a:cs typeface="Times New Roman"/>
+                                      <a:sym typeface="Times New Roman"/>
+                                    </a:rPr>
+                                    <m:t>𝐵</m:t>
+                                  </m:r>
+                                </m:e>
+                                <m:sub>
+                                  <m:r>
+                                    <a:rPr lang="en-US" sz="1500" b="0" i="1" smtClean="0">
+                                      <a:solidFill>
+                                        <a:schemeClr val="dk1"/>
+                                      </a:solidFill>
+                                      <a:latin typeface="Cambria Math"/>
+                                      <a:cs typeface="Times New Roman"/>
+                                      <a:sym typeface="Times New Roman"/>
+                                    </a:rPr>
+                                    <m:t>𝑖</m:t>
+                                  </m:r>
+                                </m:sub>
+                              </m:sSub>
+                            </m:e>
+                          </m:nary>
+                        </m:num>
+                        <m:den>
+                          <m:r>
+                            <a:rPr lang="en-US" sz="1500" b="0" i="1" smtClean="0">
+                              <a:solidFill>
+                                <a:schemeClr val="dk1"/>
+                              </a:solidFill>
+                              <a:latin typeface="Cambria Math"/>
+                              <a:cs typeface="Times New Roman"/>
+                              <a:sym typeface="Times New Roman"/>
+                            </a:rPr>
+                            <m:t>𝑁</m:t>
+                          </m:r>
+                        </m:den>
+                      </m:f>
+                    </m:oMath>
+                  </m:oMathPara>
+                </a14:m>
+                <a:endParaRPr lang="en-US" sz="1500" dirty="0" smtClean="0">
+                  <a:solidFill>
+                    <a:schemeClr val="dk1"/>
+                  </a:solidFill>
+                  <a:latin typeface="Times New Roman"/>
+                  <a:ea typeface="Times New Roman"/>
+                  <a:cs typeface="Times New Roman"/>
+                  <a:sym typeface="Times New Roman"/>
+                </a:endParaRPr>
+              </a:p>
+              <a:p>
+                <a:pPr>
+                  <a:lnSpc>
+                    <a:spcPct val="150000"/>
+                  </a:lnSpc>
+                </a:pPr>
+                <a:r>
+                  <a:rPr lang="ru-RU" sz="1500" dirty="0">
+                    <a:solidFill>
+                      <a:schemeClr val="dk1"/>
+                    </a:solidFill>
+                    <a:latin typeface="Times New Roman"/>
+                    <a:ea typeface="Times New Roman"/>
+                    <a:cs typeface="Times New Roman"/>
+                    <a:sym typeface="Times New Roman"/>
+                  </a:rPr>
+                  <a:t>г</a:t>
+                </a:r>
+                <a:r>
+                  <a:rPr lang="ru-RU" sz="1500" dirty="0" smtClean="0">
+                    <a:solidFill>
+                      <a:schemeClr val="dk1"/>
+                    </a:solidFill>
+                    <a:latin typeface="Times New Roman"/>
+                    <a:ea typeface="Times New Roman"/>
+                    <a:cs typeface="Times New Roman"/>
+                    <a:sym typeface="Times New Roman"/>
+                  </a:rPr>
+                  <a:t>де  </a:t>
+                </a:r>
+                <a14:m>
+                  <m:oMath xmlns:m="http://schemas.openxmlformats.org/officeDocument/2006/math">
+                    <m:sSub>
+                      <m:sSubPr>
+                        <m:ctrlPr>
+                          <a:rPr lang="ru-RU" sz="1500" i="1" smtClean="0">
+                            <a:solidFill>
+                              <a:schemeClr val="dk1"/>
+                            </a:solidFill>
+                            <a:latin typeface="Cambria Math"/>
+                            <a:cs typeface="Times New Roman"/>
+                            <a:sym typeface="Times New Roman"/>
+                          </a:rPr>
+                        </m:ctrlPr>
+                      </m:sSubPr>
+                      <m:e>
+                        <m:r>
+                          <a:rPr lang="en-US" sz="1500" b="0" i="1" smtClean="0">
+                            <a:solidFill>
+                              <a:schemeClr val="dk1"/>
+                            </a:solidFill>
+                            <a:latin typeface="Cambria Math"/>
+                            <a:cs typeface="Times New Roman"/>
+                            <a:sym typeface="Times New Roman"/>
+                          </a:rPr>
+                          <m:t>𝐵</m:t>
+                        </m:r>
+                      </m:e>
+                      <m:sub>
+                        <m:r>
+                          <a:rPr lang="en-US" sz="1500" b="0" i="1" smtClean="0">
+                            <a:solidFill>
+                              <a:schemeClr val="dk1"/>
+                            </a:solidFill>
+                            <a:latin typeface="Cambria Math"/>
+                            <a:cs typeface="Times New Roman"/>
+                            <a:sym typeface="Times New Roman"/>
+                          </a:rPr>
+                          <m:t>𝑠𝑐𝑜𝑟𝑒</m:t>
+                        </m:r>
+                      </m:sub>
+                    </m:sSub>
+                    <m:r>
+                      <a:rPr lang="en-US" sz="1500" b="0" i="1" smtClean="0">
+                        <a:solidFill>
+                          <a:schemeClr val="dk1"/>
+                        </a:solidFill>
+                        <a:latin typeface="Cambria Math"/>
+                        <a:cs typeface="Times New Roman"/>
+                        <a:sym typeface="Times New Roman"/>
+                      </a:rPr>
+                      <m:t>−</m:t>
+                    </m:r>
+                  </m:oMath>
+                </a14:m>
+                <a:r>
+                  <a:rPr lang="ru-RU" sz="1500" dirty="0" smtClean="0">
+                    <a:solidFill>
+                      <a:schemeClr val="dk1"/>
+                    </a:solidFill>
+                    <a:latin typeface="Times New Roman"/>
+                    <a:ea typeface="Times New Roman"/>
+                    <a:cs typeface="Times New Roman"/>
+                    <a:sym typeface="Times New Roman"/>
+                  </a:rPr>
+                  <a:t> средний балл в официальной группе</a:t>
+                </a:r>
+                <a:r>
+                  <a:rPr lang="en-US" sz="1500" dirty="0" smtClean="0">
+                    <a:solidFill>
+                      <a:schemeClr val="dk1"/>
+                    </a:solidFill>
+                    <a:latin typeface="Times New Roman"/>
+                    <a:ea typeface="Times New Roman"/>
+                    <a:cs typeface="Times New Roman"/>
+                    <a:sym typeface="Times New Roman"/>
+                  </a:rPr>
+                  <a:t>;</a:t>
+                </a:r>
+              </a:p>
+              <a:p>
+                <a:pPr>
+                  <a:lnSpc>
+                    <a:spcPct val="150000"/>
+                  </a:lnSpc>
+                </a:pPr>
+                <a14:m>
+                  <m:oMath xmlns:m="http://schemas.openxmlformats.org/officeDocument/2006/math">
+                    <m:sSub>
+                      <m:sSubPr>
+                        <m:ctrlPr>
+                          <a:rPr lang="en-US" sz="1500" i="1" smtClean="0">
+                            <a:solidFill>
+                              <a:schemeClr val="dk1"/>
+                            </a:solidFill>
+                            <a:latin typeface="Cambria Math"/>
+                            <a:cs typeface="Times New Roman"/>
+                            <a:sym typeface="Times New Roman"/>
+                          </a:rPr>
+                        </m:ctrlPr>
+                      </m:sSubPr>
+                      <m:e>
+                        <m:r>
+                          <a:rPr lang="en-US" sz="1500" b="0" i="1" smtClean="0">
+                            <a:solidFill>
+                              <a:schemeClr val="dk1"/>
+                            </a:solidFill>
+                            <a:latin typeface="Cambria Math"/>
+                            <a:cs typeface="Times New Roman"/>
+                            <a:sym typeface="Times New Roman"/>
+                          </a:rPr>
+                          <m:t>𝐵</m:t>
+                        </m:r>
+                      </m:e>
+                      <m:sub>
+                        <m:r>
+                          <a:rPr lang="en-US" sz="1500" b="0" i="1" smtClean="0">
+                            <a:solidFill>
+                              <a:schemeClr val="dk1"/>
+                            </a:solidFill>
+                            <a:latin typeface="Cambria Math"/>
+                            <a:cs typeface="Times New Roman"/>
+                            <a:sym typeface="Times New Roman"/>
+                          </a:rPr>
+                          <m:t>𝑖</m:t>
+                        </m:r>
+                      </m:sub>
+                    </m:sSub>
+                    <m:r>
+                      <a:rPr lang="en-US" sz="1500" b="0" i="1" smtClean="0">
+                        <a:solidFill>
+                          <a:schemeClr val="dk1"/>
+                        </a:solidFill>
+                        <a:latin typeface="Cambria Math"/>
+                        <a:cs typeface="Times New Roman"/>
+                        <a:sym typeface="Times New Roman"/>
+                      </a:rPr>
+                      <m:t>−</m:t>
+                    </m:r>
+                  </m:oMath>
+                </a14:m>
+                <a:r>
+                  <a:rPr lang="en-US" sz="1500" dirty="0" smtClean="0">
+                    <a:solidFill>
+                      <a:schemeClr val="dk1"/>
+                    </a:solidFill>
+                    <a:latin typeface="Times New Roman"/>
+                    <a:ea typeface="Times New Roman"/>
+                    <a:cs typeface="Times New Roman"/>
+                    <a:sym typeface="Times New Roman"/>
+                  </a:rPr>
+                  <a:t> </a:t>
+                </a:r>
+                <a:r>
+                  <a:rPr lang="ru-RU" sz="1500" dirty="0" smtClean="0">
+                    <a:solidFill>
+                      <a:schemeClr val="dk1"/>
+                    </a:solidFill>
+                    <a:latin typeface="Times New Roman"/>
+                    <a:ea typeface="Times New Roman"/>
+                    <a:cs typeface="Times New Roman"/>
+                    <a:sym typeface="Times New Roman"/>
+                  </a:rPr>
+                  <a:t>средний балл в </a:t>
+                </a:r>
+                <a:r>
+                  <a:rPr lang="en-US" sz="1500" dirty="0" err="1" smtClean="0">
+                    <a:solidFill>
+                      <a:schemeClr val="dk1"/>
+                    </a:solidFill>
+                    <a:latin typeface="Times New Roman"/>
+                    <a:ea typeface="Times New Roman"/>
+                    <a:cs typeface="Times New Roman"/>
+                    <a:sym typeface="Times New Roman"/>
+                  </a:rPr>
+                  <a:t>i</a:t>
+                </a:r>
+                <a:r>
+                  <a:rPr lang="en-US" sz="1500" dirty="0" smtClean="0">
+                    <a:solidFill>
+                      <a:schemeClr val="dk1"/>
+                    </a:solidFill>
+                    <a:latin typeface="Times New Roman"/>
+                    <a:ea typeface="Times New Roman"/>
+                    <a:cs typeface="Times New Roman"/>
+                    <a:sym typeface="Times New Roman"/>
+                  </a:rPr>
+                  <a:t>-</a:t>
+                </a:r>
+                <a:r>
+                  <a:rPr lang="ru-RU" sz="1500" dirty="0" smtClean="0">
+                    <a:solidFill>
+                      <a:schemeClr val="dk1"/>
+                    </a:solidFill>
+                    <a:latin typeface="Times New Roman"/>
+                    <a:ea typeface="Times New Roman"/>
+                    <a:cs typeface="Times New Roman"/>
+                    <a:sym typeface="Times New Roman"/>
+                  </a:rPr>
+                  <a:t>ой неофициальной группе.</a:t>
+                </a:r>
+                <a:endParaRPr lang="en-US" sz="1500" dirty="0" smtClean="0">
+                  <a:solidFill>
+                    <a:schemeClr val="dk1"/>
+                  </a:solidFill>
+                  <a:latin typeface="Times New Roman"/>
+                  <a:ea typeface="Times New Roman"/>
+                  <a:cs typeface="Times New Roman"/>
+                  <a:sym typeface="Times New Roman"/>
+                </a:endParaRPr>
+              </a:p>
+              <a:p>
+                <a:pPr>
+                  <a:lnSpc>
+                    <a:spcPct val="150000"/>
+                  </a:lnSpc>
+                </a:pPr>
+                <a:endParaRPr lang="ru-RU" sz="1500" dirty="0">
+                  <a:solidFill>
+                    <a:schemeClr val="dk1"/>
+                  </a:solidFill>
+                  <a:latin typeface="Times New Roman"/>
+                  <a:ea typeface="Times New Roman"/>
+                  <a:cs typeface="Times New Roman"/>
+                  <a:sym typeface="Times New Roman"/>
+                </a:endParaRPr>
+              </a:p>
+            </p:txBody>
+          </p:sp>
+        </mc:Choice>
+        <mc:Fallback xmlns="">
+          <p:sp>
+            <p:nvSpPr>
+              <p:cNvPr id="6" name="Прямоугольник 5">
+                <a:extLst>
+                  <a:ext uri="{FF2B5EF4-FFF2-40B4-BE49-F238E27FC236}">
+                    <a16:creationId xmlns:a16="http://schemas.microsoft.com/office/drawing/2014/main" xmlns="" id="{579A20FD-A737-C946-A4E4-5E587E3FED46}"/>
+                  </a:ext>
+                </a:extLst>
+              </p:cNvPr>
+              <p:cNvSpPr>
+                <a:spLocks noRot="1" noChangeAspect="1" noMove="1" noResize="1" noEditPoints="1" noAdjustHandles="1" noChangeArrowheads="1" noChangeShapeType="1" noTextEdit="1"/>
+              </p:cNvSpPr>
+              <p:nvPr/>
+            </p:nvSpPr>
+            <p:spPr>
+              <a:xfrm>
+                <a:off x="838200" y="3902631"/>
+                <a:ext cx="4643252" cy="2490810"/>
+              </a:xfrm>
+              <a:prstGeom prst="rect">
+                <a:avLst/>
+              </a:prstGeom>
+              <a:blipFill rotWithShape="1">
+                <a:blip r:embed="rId3"/>
+                <a:stretch>
+                  <a:fillRect l="-526"/>
+                </a:stretch>
+              </a:blipFill>
+            </p:spPr>
+            <p:txBody>
+              <a:bodyPr/>
+              <a:lstStyle/>
+              <a:p>
+                <a:r>
+                  <a:rPr lang="ru-RU">
+                    <a:noFill/>
+                  </a:rPr>
+                  <a:t> </a:t>
+                </a:r>
+              </a:p>
+            </p:txBody>
+          </p:sp>
+        </mc:Fallback>
+      </mc:AlternateContent>
+      <p:sp>
+        <p:nvSpPr>
+          <p:cNvPr id="11" name="Прямоугольник 10">
             <a:extLst>
               <a:ext uri="{FF2B5EF4-FFF2-40B4-BE49-F238E27FC236}">
-                <a16:creationId xmlns:a16="http://schemas.microsoft.com/office/drawing/2014/main" id="{D6741840-F030-E14D-A04C-8714BB9E4839}"/>
+                <a16:creationId xmlns="" xmlns:a16="http://schemas.microsoft.com/office/drawing/2014/main" id="{DACAAD74-C56E-B645-9841-589359CF8D5A}"/>
               </a:ext>
             </a:extLst>
           </p:cNvPr>
-          <p:cNvPicPr>
-            <a:picLocks noChangeAspect="1"/>
-          </p:cNvPicPr>
+          <p:cNvSpPr/>
           <p:nvPr/>
-        </p:nvPicPr>
-        <p:blipFill>
-          <a:blip r:embed="rId2">
-            <a:extLst>
-              <a:ext uri="{28A0092B-C50C-407E-A947-70E740481C1C}">
-                <a14:useLocalDpi xmlns:a14="http://schemas.microsoft.com/office/drawing/2010/main" val="0"/>
-              </a:ext>
-            </a:extLst>
-          </a:blip>
-          <a:stretch>
-            <a:fillRect/>
-          </a:stretch>
-        </p:blipFill>
+        </p:nvSpPr>
         <p:spPr>
           <a:xfrm>
-            <a:off x="7767273" y="1362602"/>
-            <a:ext cx="3737218" cy="4953577"/>
+            <a:off x="6589059" y="3476925"/>
+            <a:ext cx="1650942" cy="1089529"/>
           </a:xfrm>
           <a:prstGeom prst="rect">
             <a:avLst/>
           </a:prstGeom>
         </p:spPr>
-      </p:pic>
-      <p:pic>
-        <p:nvPicPr>
-          <p:cNvPr id="13" name="Рисунок 12">
+        <p:txBody>
+          <a:bodyPr wrap="square">
+            <a:spAutoFit/>
+          </a:bodyPr>
+          <a:lstStyle/>
+          <a:p>
+            <a:pPr>
+              <a:lnSpc>
+                <a:spcPct val="150000"/>
+              </a:lnSpc>
+            </a:pPr>
+            <a:r>
+              <a:rPr lang="ru-RU" sz="1500" dirty="0">
+                <a:solidFill>
+                  <a:schemeClr val="dk1"/>
+                </a:solidFill>
+                <a:latin typeface="Times New Roman"/>
+                <a:ea typeface="Times New Roman"/>
+                <a:cs typeface="Times New Roman"/>
+                <a:sym typeface="Times New Roman"/>
+              </a:rPr>
+              <a:t>Неофициальная группа мониторинга</a:t>
+            </a:r>
+          </a:p>
+        </p:txBody>
+      </p:sp>
+      <p:sp>
+        <p:nvSpPr>
+          <p:cNvPr id="13" name="Прямоугольник 12">
             <a:extLst>
               <a:ext uri="{FF2B5EF4-FFF2-40B4-BE49-F238E27FC236}">
-                <a16:creationId xmlns:a16="http://schemas.microsoft.com/office/drawing/2014/main" id="{111CD375-C608-5444-B536-516F11424C03}"/>
+                <a16:creationId xmlns="" xmlns:a16="http://schemas.microsoft.com/office/drawing/2014/main" id="{1DCCC4E3-E67D-CC4F-AD64-4D203A7913A9}"/>
               </a:ext>
             </a:extLst>
           </p:cNvPr>
-          <p:cNvPicPr>
-            <a:picLocks noChangeAspect="1"/>
-          </p:cNvPicPr>
+          <p:cNvSpPr/>
           <p:nvPr/>
-        </p:nvPicPr>
-        <p:blipFill>
-          <a:blip r:embed="rId3"/>
-          <a:stretch>
-            <a:fillRect/>
-          </a:stretch>
-        </p:blipFill>
+        </p:nvSpPr>
         <p:spPr>
           <a:xfrm>
-            <a:off x="954993" y="1907948"/>
-            <a:ext cx="5440680" cy="3862883"/>
+            <a:off x="8626017" y="3508835"/>
+            <a:ext cx="1817863" cy="784830"/>
           </a:xfrm>
           <a:prstGeom prst="rect">
             <a:avLst/>
           </a:prstGeom>
         </p:spPr>
-      </p:pic>
-      <p:sp>
-        <p:nvSpPr>
-          <p:cNvPr id="14" name="Номер слайда 13">
+        <p:txBody>
+          <a:bodyPr wrap="square">
+            <a:spAutoFit/>
+          </a:bodyPr>
+          <a:lstStyle/>
+          <a:p>
+            <a:pPr>
+              <a:lnSpc>
+                <a:spcPct val="150000"/>
+              </a:lnSpc>
+            </a:pPr>
+            <a:r>
+              <a:rPr lang="ru-RU" sz="1500" dirty="0">
+                <a:solidFill>
+                  <a:schemeClr val="dk1"/>
+                </a:solidFill>
+                <a:latin typeface="Times New Roman"/>
+                <a:ea typeface="Times New Roman"/>
+                <a:cs typeface="Times New Roman"/>
+                <a:sym typeface="Times New Roman"/>
+              </a:rPr>
+              <a:t>Официальные группы</a:t>
+            </a:r>
+          </a:p>
+        </p:txBody>
+      </p:sp>
+      <p:sp>
+        <p:nvSpPr>
+          <p:cNvPr id="15" name="Прямоугольник 14">
             <a:extLst>
               <a:ext uri="{FF2B5EF4-FFF2-40B4-BE49-F238E27FC236}">
-                <a16:creationId xmlns:a16="http://schemas.microsoft.com/office/drawing/2014/main" id="{217097E6-88AD-2B40-8B59-E9413EC2F1EF}"/>
+                <a16:creationId xmlns="" xmlns:a16="http://schemas.microsoft.com/office/drawing/2014/main" id="{331D2E6B-CC26-9441-9A78-49FE015B4A9D}"/>
+              </a:ext>
+            </a:extLst>
+          </p:cNvPr>
+          <p:cNvSpPr/>
+          <p:nvPr/>
+        </p:nvSpPr>
+        <p:spPr>
+          <a:xfrm>
+            <a:off x="6589059" y="1679385"/>
+            <a:ext cx="4383982" cy="1089529"/>
+          </a:xfrm>
+          <a:prstGeom prst="rect">
+            <a:avLst/>
+          </a:prstGeom>
+        </p:spPr>
+        <p:txBody>
+          <a:bodyPr wrap="square">
+            <a:spAutoFit/>
+          </a:bodyPr>
+          <a:lstStyle/>
+          <a:p>
+            <a:pPr>
+              <a:lnSpc>
+                <a:spcPct val="150000"/>
+              </a:lnSpc>
+            </a:pPr>
+            <a:r>
+              <a:rPr lang="ru-RU" sz="1500" dirty="0">
+                <a:solidFill>
+                  <a:schemeClr val="dk1"/>
+                </a:solidFill>
+                <a:latin typeface="Times New Roman"/>
+                <a:ea typeface="Times New Roman"/>
+                <a:cs typeface="Times New Roman"/>
+                <a:sym typeface="Times New Roman"/>
+              </a:rPr>
+              <a:t>Необходимо провести выделение официальных групп из неофициальных, составленных мониторингом.</a:t>
+            </a:r>
+          </a:p>
+        </p:txBody>
+      </p:sp>
+      <p:sp>
+        <p:nvSpPr>
+          <p:cNvPr id="10" name="Номер слайда 9">
+            <a:extLst>
+              <a:ext uri="{FF2B5EF4-FFF2-40B4-BE49-F238E27FC236}">
+                <a16:creationId xmlns="" xmlns:a16="http://schemas.microsoft.com/office/drawing/2014/main" id="{52E63E1F-7139-6148-BDC5-0A52DA52426F}"/>
               </a:ext>
             </a:extLst>
           </p:cNvPr>
@@ -6284,16 +8130,359 @@
           </a:p>
         </p:txBody>
       </p:sp>
+      <p:sp>
+        <p:nvSpPr>
+          <p:cNvPr id="16" name="Прямоугольник 15">
+            <a:extLst>
+              <a:ext uri="{FF2B5EF4-FFF2-40B4-BE49-F238E27FC236}">
+                <a16:creationId xmlns="" xmlns:a16="http://schemas.microsoft.com/office/drawing/2014/main" id="{DACAAD74-C56E-B645-9841-589359CF8D5A}"/>
+              </a:ext>
+            </a:extLst>
+          </p:cNvPr>
+          <p:cNvSpPr/>
+          <p:nvPr/>
+        </p:nvSpPr>
+        <p:spPr>
+          <a:xfrm>
+            <a:off x="6589059" y="4733364"/>
+            <a:ext cx="6104374" cy="2169825"/>
+          </a:xfrm>
+          <a:prstGeom prst="rect">
+            <a:avLst/>
+          </a:prstGeom>
+        </p:spPr>
+        <p:txBody>
+          <a:bodyPr wrap="square">
+            <a:spAutoFit/>
+          </a:bodyPr>
+          <a:lstStyle/>
+          <a:p>
+            <a:pPr>
+              <a:lnSpc>
+                <a:spcPct val="150000"/>
+              </a:lnSpc>
+            </a:pPr>
+            <a:r>
+              <a:rPr lang="ru-RU" sz="1500" b="1" dirty="0" smtClean="0">
+                <a:solidFill>
+                  <a:schemeClr val="dk1"/>
+                </a:solidFill>
+                <a:latin typeface="Times New Roman"/>
+                <a:ea typeface="Times New Roman"/>
+                <a:cs typeface="Times New Roman"/>
+                <a:sym typeface="Times New Roman"/>
+              </a:rPr>
+              <a:t>Геология                </a:t>
+            </a:r>
+            <a:r>
+              <a:rPr lang="ru-RU" sz="1500" dirty="0" smtClean="0">
+                <a:solidFill>
+                  <a:schemeClr val="dk1"/>
+                </a:solidFill>
+                <a:latin typeface="Times New Roman"/>
+                <a:ea typeface="Times New Roman"/>
+                <a:cs typeface="Times New Roman"/>
+                <a:sym typeface="Times New Roman"/>
+              </a:rPr>
+              <a:t>21.05.01. Прикладная геодезия</a:t>
+            </a:r>
+            <a:r>
+              <a:rPr lang="en-US" sz="1500" dirty="0" smtClean="0">
+                <a:solidFill>
+                  <a:schemeClr val="dk1"/>
+                </a:solidFill>
+                <a:latin typeface="Times New Roman"/>
+                <a:ea typeface="Times New Roman"/>
+                <a:cs typeface="Times New Roman"/>
+                <a:sym typeface="Times New Roman"/>
+              </a:rPr>
+              <a:t>;</a:t>
+            </a:r>
+            <a:endParaRPr lang="ru-RU" sz="1500" dirty="0" smtClean="0">
+              <a:solidFill>
+                <a:schemeClr val="dk1"/>
+              </a:solidFill>
+              <a:latin typeface="Times New Roman"/>
+              <a:ea typeface="Times New Roman"/>
+              <a:cs typeface="Times New Roman"/>
+              <a:sym typeface="Times New Roman"/>
+            </a:endParaRPr>
+          </a:p>
+          <a:p>
+            <a:pPr>
+              <a:lnSpc>
+                <a:spcPct val="150000"/>
+              </a:lnSpc>
+            </a:pPr>
+            <a:r>
+              <a:rPr lang="ru-RU" sz="1500" b="1" dirty="0">
+                <a:solidFill>
+                  <a:schemeClr val="dk1"/>
+                </a:solidFill>
+                <a:latin typeface="Times New Roman"/>
+                <a:ea typeface="Times New Roman"/>
+                <a:cs typeface="Times New Roman"/>
+                <a:sym typeface="Times New Roman"/>
+              </a:rPr>
+              <a:t>	            </a:t>
+            </a:r>
+            <a:r>
+              <a:rPr lang="ru-RU" sz="1500" b="1" dirty="0" smtClean="0">
+                <a:solidFill>
+                  <a:schemeClr val="dk1"/>
+                </a:solidFill>
+                <a:latin typeface="Times New Roman"/>
+                <a:ea typeface="Times New Roman"/>
+                <a:cs typeface="Times New Roman"/>
+                <a:sym typeface="Times New Roman"/>
+              </a:rPr>
+              <a:t> </a:t>
+            </a:r>
+            <a:r>
+              <a:rPr lang="ru-RU" sz="1500" dirty="0" smtClean="0">
+                <a:solidFill>
+                  <a:schemeClr val="dk1"/>
+                </a:solidFill>
+                <a:latin typeface="Times New Roman"/>
+                <a:ea typeface="Times New Roman"/>
+                <a:cs typeface="Times New Roman"/>
+                <a:sym typeface="Times New Roman"/>
+              </a:rPr>
+              <a:t>05.03.01</a:t>
+            </a:r>
+            <a:r>
+              <a:rPr lang="ru-RU" sz="1500" dirty="0">
+                <a:solidFill>
+                  <a:schemeClr val="dk1"/>
+                </a:solidFill>
+                <a:latin typeface="Times New Roman"/>
+                <a:ea typeface="Times New Roman"/>
+                <a:cs typeface="Times New Roman"/>
+                <a:sym typeface="Times New Roman"/>
+              </a:rPr>
+              <a:t>. Геология</a:t>
+            </a:r>
+            <a:r>
+              <a:rPr lang="en-US" sz="1500" dirty="0" smtClean="0">
+                <a:solidFill>
+                  <a:schemeClr val="dk1"/>
+                </a:solidFill>
+                <a:latin typeface="Times New Roman"/>
+                <a:ea typeface="Times New Roman"/>
+                <a:cs typeface="Times New Roman"/>
+                <a:sym typeface="Times New Roman"/>
+              </a:rPr>
+              <a:t>;</a:t>
+            </a:r>
+            <a:r>
+              <a:rPr lang="ru-RU" sz="1500" b="1" dirty="0">
+                <a:solidFill>
+                  <a:schemeClr val="dk1"/>
+                </a:solidFill>
+                <a:latin typeface="Times New Roman"/>
+                <a:ea typeface="Times New Roman"/>
+                <a:cs typeface="Times New Roman"/>
+                <a:sym typeface="Times New Roman"/>
+              </a:rPr>
+              <a:t> 	             </a:t>
+            </a:r>
+            <a:r>
+              <a:rPr lang="en-US" sz="1500" b="1" dirty="0" smtClean="0">
+                <a:solidFill>
+                  <a:schemeClr val="dk1"/>
+                </a:solidFill>
+                <a:latin typeface="Times New Roman"/>
+                <a:ea typeface="Times New Roman"/>
+                <a:cs typeface="Times New Roman"/>
+                <a:sym typeface="Times New Roman"/>
+              </a:rPr>
+              <a:t>		             </a:t>
+            </a:r>
+            <a:r>
+              <a:rPr lang="ru-RU" sz="1500" b="1" dirty="0" smtClean="0">
+                <a:solidFill>
+                  <a:schemeClr val="dk1"/>
+                </a:solidFill>
+                <a:latin typeface="Times New Roman"/>
+                <a:ea typeface="Times New Roman"/>
+                <a:cs typeface="Times New Roman"/>
+                <a:sym typeface="Times New Roman"/>
+              </a:rPr>
+              <a:t>	             </a:t>
+            </a:r>
+            <a:r>
+              <a:rPr lang="ru-RU" sz="1500" dirty="0" smtClean="0">
+                <a:solidFill>
+                  <a:schemeClr val="dk1"/>
+                </a:solidFill>
+                <a:latin typeface="Times New Roman"/>
+                <a:ea typeface="Times New Roman"/>
+                <a:cs typeface="Times New Roman"/>
+                <a:sym typeface="Times New Roman"/>
+              </a:rPr>
+              <a:t>21.05.02. Прикладная геология</a:t>
+            </a:r>
+            <a:r>
+              <a:rPr lang="en-US" sz="1500" dirty="0">
+                <a:solidFill>
+                  <a:schemeClr val="dk1"/>
+                </a:solidFill>
+                <a:latin typeface="Times New Roman"/>
+                <a:ea typeface="Times New Roman"/>
+                <a:cs typeface="Times New Roman"/>
+                <a:sym typeface="Times New Roman"/>
+              </a:rPr>
+              <a:t>;</a:t>
+            </a:r>
+            <a:endParaRPr lang="ru-RU" sz="1500" b="1" dirty="0">
+              <a:solidFill>
+                <a:schemeClr val="dk1"/>
+              </a:solidFill>
+              <a:latin typeface="Times New Roman"/>
+              <a:ea typeface="Times New Roman"/>
+              <a:cs typeface="Times New Roman"/>
+              <a:sym typeface="Times New Roman"/>
+            </a:endParaRPr>
+          </a:p>
+          <a:p>
+            <a:pPr>
+              <a:lnSpc>
+                <a:spcPct val="150000"/>
+              </a:lnSpc>
+            </a:pPr>
+            <a:r>
+              <a:rPr lang="ru-RU" sz="1500" b="1" dirty="0">
+                <a:solidFill>
+                  <a:schemeClr val="dk1"/>
+                </a:solidFill>
+                <a:latin typeface="Times New Roman"/>
+                <a:ea typeface="Times New Roman"/>
+                <a:cs typeface="Times New Roman"/>
+                <a:sym typeface="Times New Roman"/>
+              </a:rPr>
+              <a:t>	             </a:t>
+            </a:r>
+            <a:r>
+              <a:rPr lang="ru-RU" sz="1500" dirty="0" smtClean="0">
+                <a:solidFill>
+                  <a:schemeClr val="dk1"/>
+                </a:solidFill>
+                <a:latin typeface="Times New Roman"/>
+                <a:ea typeface="Times New Roman"/>
+                <a:cs typeface="Times New Roman"/>
+                <a:sym typeface="Times New Roman"/>
+              </a:rPr>
+              <a:t>21.05.03. Технология геологической разведки</a:t>
+            </a:r>
+            <a:r>
+              <a:rPr lang="en-US" sz="1500" dirty="0" smtClean="0">
+                <a:solidFill>
+                  <a:schemeClr val="dk1"/>
+                </a:solidFill>
+                <a:latin typeface="Times New Roman"/>
+                <a:ea typeface="Times New Roman"/>
+                <a:cs typeface="Times New Roman"/>
+                <a:sym typeface="Times New Roman"/>
+              </a:rPr>
+              <a:t>;</a:t>
+            </a:r>
+            <a:endParaRPr lang="ru-RU" sz="1500" b="1" dirty="0">
+              <a:solidFill>
+                <a:schemeClr val="dk1"/>
+              </a:solidFill>
+              <a:latin typeface="Times New Roman"/>
+              <a:ea typeface="Times New Roman"/>
+              <a:cs typeface="Times New Roman"/>
+              <a:sym typeface="Times New Roman"/>
+            </a:endParaRPr>
+          </a:p>
+          <a:p>
+            <a:pPr>
+              <a:lnSpc>
+                <a:spcPct val="150000"/>
+              </a:lnSpc>
+            </a:pPr>
+            <a:r>
+              <a:rPr lang="ru-RU" sz="1500" b="1" dirty="0">
+                <a:solidFill>
+                  <a:schemeClr val="dk1"/>
+                </a:solidFill>
+                <a:latin typeface="Times New Roman"/>
+                <a:ea typeface="Times New Roman"/>
+                <a:cs typeface="Times New Roman"/>
+                <a:sym typeface="Times New Roman"/>
+              </a:rPr>
+              <a:t>	             </a:t>
+            </a:r>
+            <a:r>
+              <a:rPr lang="ru-RU" sz="1500" dirty="0" smtClean="0">
+                <a:solidFill>
+                  <a:schemeClr val="dk1"/>
+                </a:solidFill>
+                <a:latin typeface="Times New Roman"/>
+                <a:ea typeface="Times New Roman"/>
+                <a:cs typeface="Times New Roman"/>
+                <a:sym typeface="Times New Roman"/>
+              </a:rPr>
+              <a:t>21.05.04. Горное дело</a:t>
+            </a:r>
+            <a:r>
+              <a:rPr lang="ru-RU" sz="1500" dirty="0">
+                <a:solidFill>
+                  <a:schemeClr val="dk1"/>
+                </a:solidFill>
+                <a:latin typeface="Times New Roman"/>
+                <a:ea typeface="Times New Roman"/>
+                <a:cs typeface="Times New Roman"/>
+                <a:sym typeface="Times New Roman"/>
+              </a:rPr>
+              <a:t>.</a:t>
+            </a:r>
+            <a:endParaRPr lang="ru-RU" sz="1500" b="1" dirty="0">
+              <a:solidFill>
+                <a:schemeClr val="dk1"/>
+              </a:solidFill>
+              <a:latin typeface="Times New Roman"/>
+              <a:ea typeface="Times New Roman"/>
+              <a:cs typeface="Times New Roman"/>
+              <a:sym typeface="Times New Roman"/>
+            </a:endParaRPr>
+          </a:p>
+          <a:p>
+            <a:pPr>
+              <a:lnSpc>
+                <a:spcPct val="150000"/>
+              </a:lnSpc>
+            </a:pPr>
+            <a:endParaRPr lang="ru-RU" sz="1500" b="1" dirty="0">
+              <a:solidFill>
+                <a:schemeClr val="dk1"/>
+              </a:solidFill>
+              <a:latin typeface="Times New Roman"/>
+              <a:ea typeface="Times New Roman"/>
+              <a:cs typeface="Times New Roman"/>
+              <a:sym typeface="Times New Roman"/>
+            </a:endParaRPr>
+          </a:p>
+        </p:txBody>
+      </p:sp>
     </p:spTree>
     <p:extLst>
       <p:ext uri="{BB962C8B-B14F-4D97-AF65-F5344CB8AC3E}">
-        <p14:creationId xmlns:p14="http://schemas.microsoft.com/office/powerpoint/2010/main" val="1366824804"/>
+        <p14:creationId xmlns:p14="http://schemas.microsoft.com/office/powerpoint/2010/main" val="1164960470"/>
       </p:ext>
     </p:extLst>
   </p:cSld>
   <p:clrMapOvr>
     <a:masterClrMapping/>
   </p:clrMapOvr>
+  <p:timing>
+    <p:tnLst>
+      <p:par>
+        <p:cTn id="1" dur="indefinite" restart="never" nodeType="tmRoot"/>
+      </p:par>
+    </p:tnLst>
+  </p:timing>
 </p:sld>
 </file>
 
@@ -6324,598 +8513,30 @@
             <p:ph type="title"/>
           </p:nvPr>
         </p:nvSpPr>
-        <p:spPr/>
+        <p:spPr>
+          <a:xfrm>
+            <a:off x="838200" y="219210"/>
+            <a:ext cx="10515600" cy="1325563"/>
+          </a:xfrm>
+        </p:spPr>
         <p:txBody>
           <a:bodyPr/>
           <a:lstStyle/>
           <a:p>
             <a:r>
-              <a:rPr lang="ru-RU" dirty="0"/>
-              <a:t>Предобработка данных</a:t>
-            </a:r>
-          </a:p>
-        </p:txBody>
-      </p:sp>
-      <p:sp>
-        <p:nvSpPr>
-          <p:cNvPr id="4" name="Google Shape;106;p20">
+              <a:rPr lang="ru-RU" dirty="0" smtClean="0"/>
+              <a:t>Характеристика агента</a:t>
+            </a:r>
+            <a:endParaRPr lang="ru-RU" dirty="0"/>
+          </a:p>
+        </p:txBody>
+      </p:sp>
+      <p:sp>
+        <p:nvSpPr>
+          <p:cNvPr id="17" name="Номер слайда 16">
             <a:extLst>
               <a:ext uri="{FF2B5EF4-FFF2-40B4-BE49-F238E27FC236}">
-                <a16:creationId xmlns:a16="http://schemas.microsoft.com/office/drawing/2014/main" id="{B712FF56-1DFB-B34F-8F11-1341FED07626}"/>
-              </a:ext>
-            </a:extLst>
-          </p:cNvPr>
-          <p:cNvSpPr txBox="1">
-            <a:spLocks/>
-          </p:cNvSpPr>
-          <p:nvPr/>
-        </p:nvSpPr>
-        <p:spPr>
-          <a:xfrm>
-            <a:off x="838200" y="1464202"/>
-            <a:ext cx="5966361" cy="3416400"/>
-          </a:xfrm>
-          <a:prstGeom prst="rect">
-            <a:avLst/>
-          </a:prstGeom>
-        </p:spPr>
-        <p:txBody>
-          <a:bodyPr spcFirstLastPara="1" vert="horz" wrap="square" lIns="91425" tIns="91425" rIns="91425" bIns="91425" rtlCol="0" anchor="t" anchorCtr="0">
-            <a:noAutofit/>
-          </a:bodyPr>
-          <a:lstStyle>
-            <a:lvl1pPr marL="228600" indent="-228600" algn="l" defTabSz="914400" rtl="0" eaLnBrk="1" latinLnBrk="0" hangingPunct="1">
-              <a:lnSpc>
-                <a:spcPct val="90000"/>
-              </a:lnSpc>
-              <a:spcBef>
-                <a:spcPts val="1000"/>
-              </a:spcBef>
-              <a:buFont typeface="Arial" panose="020B0604020202020204" pitchFamily="34" charset="0"/>
-              <a:buChar char="•"/>
-              <a:defRPr sz="2800" kern="1200">
-                <a:solidFill>
-                  <a:schemeClr val="tx1"/>
-                </a:solidFill>
-                <a:latin typeface="+mn-lt"/>
-                <a:ea typeface="+mn-ea"/>
-                <a:cs typeface="+mn-cs"/>
-              </a:defRPr>
-            </a:lvl1pPr>
-            <a:lvl2pPr marL="685800" indent="-228600" algn="l" defTabSz="914400" rtl="0" eaLnBrk="1" latinLnBrk="0" hangingPunct="1">
-              <a:lnSpc>
-                <a:spcPct val="90000"/>
-              </a:lnSpc>
-              <a:spcBef>
-                <a:spcPts val="500"/>
-              </a:spcBef>
-              <a:buFont typeface="Arial" panose="020B0604020202020204" pitchFamily="34" charset="0"/>
-              <a:buChar char="•"/>
-              <a:defRPr sz="2400" kern="1200">
-                <a:solidFill>
-                  <a:schemeClr val="tx1"/>
-                </a:solidFill>
-                <a:latin typeface="+mn-lt"/>
-                <a:ea typeface="+mn-ea"/>
-                <a:cs typeface="+mn-cs"/>
-              </a:defRPr>
-            </a:lvl2pPr>
-            <a:lvl3pPr marL="1143000" indent="-228600" algn="l" defTabSz="914400" rtl="0" eaLnBrk="1" latinLnBrk="0" hangingPunct="1">
-              <a:lnSpc>
-                <a:spcPct val="90000"/>
-              </a:lnSpc>
-              <a:spcBef>
-                <a:spcPts val="500"/>
-              </a:spcBef>
-              <a:buFont typeface="Arial" panose="020B0604020202020204" pitchFamily="34" charset="0"/>
-              <a:buChar char="•"/>
-              <a:defRPr sz="2000" kern="1200">
-                <a:solidFill>
-                  <a:schemeClr val="tx1"/>
-                </a:solidFill>
-                <a:latin typeface="+mn-lt"/>
-                <a:ea typeface="+mn-ea"/>
-                <a:cs typeface="+mn-cs"/>
-              </a:defRPr>
-            </a:lvl3pPr>
-            <a:lvl4pPr marL="1600200" indent="-228600" algn="l" defTabSz="914400" rtl="0" eaLnBrk="1" latinLnBrk="0" hangingPunct="1">
-              <a:lnSpc>
-                <a:spcPct val="90000"/>
-              </a:lnSpc>
-              <a:spcBef>
-                <a:spcPts val="500"/>
-              </a:spcBef>
-              <a:buFont typeface="Arial" panose="020B0604020202020204" pitchFamily="34" charset="0"/>
-              <a:buChar char="•"/>
-              <a:defRPr sz="1800" kern="1200">
-                <a:solidFill>
-                  <a:schemeClr val="tx1"/>
-                </a:solidFill>
-                <a:latin typeface="+mn-lt"/>
-                <a:ea typeface="+mn-ea"/>
-                <a:cs typeface="+mn-cs"/>
-              </a:defRPr>
-            </a:lvl4pPr>
-            <a:lvl5pPr marL="2057400" indent="-228600" algn="l" defTabSz="914400" rtl="0" eaLnBrk="1" latinLnBrk="0" hangingPunct="1">
-              <a:lnSpc>
-                <a:spcPct val="90000"/>
-              </a:lnSpc>
-              <a:spcBef>
-                <a:spcPts val="500"/>
-              </a:spcBef>
-              <a:buFont typeface="Arial" panose="020B0604020202020204" pitchFamily="34" charset="0"/>
-              <a:buChar char="•"/>
-              <a:defRPr sz="1800" kern="1200">
-                <a:solidFill>
-                  <a:schemeClr val="tx1"/>
-                </a:solidFill>
-                <a:latin typeface="+mn-lt"/>
-                <a:ea typeface="+mn-ea"/>
-                <a:cs typeface="+mn-cs"/>
-              </a:defRPr>
-            </a:lvl5pPr>
-            <a:lvl6pPr marL="2514600" indent="-228600" algn="l" defTabSz="914400" rtl="0" eaLnBrk="1" latinLnBrk="0" hangingPunct="1">
-              <a:lnSpc>
-                <a:spcPct val="90000"/>
-              </a:lnSpc>
-              <a:spcBef>
-                <a:spcPts val="500"/>
-              </a:spcBef>
-              <a:buFont typeface="Arial" panose="020B0604020202020204" pitchFamily="34" charset="0"/>
-              <a:buChar char="•"/>
-              <a:defRPr sz="1800" kern="1200">
-                <a:solidFill>
-                  <a:schemeClr val="tx1"/>
-                </a:solidFill>
-                <a:latin typeface="+mn-lt"/>
-                <a:ea typeface="+mn-ea"/>
-                <a:cs typeface="+mn-cs"/>
-              </a:defRPr>
-            </a:lvl6pPr>
-            <a:lvl7pPr marL="2971800" indent="-228600" algn="l" defTabSz="914400" rtl="0" eaLnBrk="1" latinLnBrk="0" hangingPunct="1">
-              <a:lnSpc>
-                <a:spcPct val="90000"/>
-              </a:lnSpc>
-              <a:spcBef>
-                <a:spcPts val="500"/>
-              </a:spcBef>
-              <a:buFont typeface="Arial" panose="020B0604020202020204" pitchFamily="34" charset="0"/>
-              <a:buChar char="•"/>
-              <a:defRPr sz="1800" kern="1200">
-                <a:solidFill>
-                  <a:schemeClr val="tx1"/>
-                </a:solidFill>
-                <a:latin typeface="+mn-lt"/>
-                <a:ea typeface="+mn-ea"/>
-                <a:cs typeface="+mn-cs"/>
-              </a:defRPr>
-            </a:lvl7pPr>
-            <a:lvl8pPr marL="3429000" indent="-228600" algn="l" defTabSz="914400" rtl="0" eaLnBrk="1" latinLnBrk="0" hangingPunct="1">
-              <a:lnSpc>
-                <a:spcPct val="90000"/>
-              </a:lnSpc>
-              <a:spcBef>
-                <a:spcPts val="500"/>
-              </a:spcBef>
-              <a:buFont typeface="Arial" panose="020B0604020202020204" pitchFamily="34" charset="0"/>
-              <a:buChar char="•"/>
-              <a:defRPr sz="1800" kern="1200">
-                <a:solidFill>
-                  <a:schemeClr val="tx1"/>
-                </a:solidFill>
-                <a:latin typeface="+mn-lt"/>
-                <a:ea typeface="+mn-ea"/>
-                <a:cs typeface="+mn-cs"/>
-              </a:defRPr>
-            </a:lvl8pPr>
-            <a:lvl9pPr marL="3886200" indent="-228600" algn="l" defTabSz="914400" rtl="0" eaLnBrk="1" latinLnBrk="0" hangingPunct="1">
-              <a:lnSpc>
-                <a:spcPct val="90000"/>
-              </a:lnSpc>
-              <a:spcBef>
-                <a:spcPts val="500"/>
-              </a:spcBef>
-              <a:buFont typeface="Arial" panose="020B0604020202020204" pitchFamily="34" charset="0"/>
-              <a:buChar char="•"/>
-              <a:defRPr sz="1800" kern="1200">
-                <a:solidFill>
-                  <a:schemeClr val="tx1"/>
-                </a:solidFill>
-                <a:latin typeface="+mn-lt"/>
-                <a:ea typeface="+mn-ea"/>
-                <a:cs typeface="+mn-cs"/>
-              </a:defRPr>
-            </a:lvl9pPr>
-          </a:lstStyle>
-          <a:p>
-            <a:pPr marL="0" indent="0">
-              <a:lnSpc>
-                <a:spcPct val="150000"/>
-              </a:lnSpc>
-              <a:spcBef>
-                <a:spcPts val="0"/>
-              </a:spcBef>
-              <a:buNone/>
-            </a:pPr>
-            <a:r>
-              <a:rPr lang="ru-RU" sz="1500" b="1" dirty="0">
-                <a:solidFill>
-                  <a:schemeClr val="dk1"/>
-                </a:solidFill>
-                <a:latin typeface="Times New Roman"/>
-                <a:ea typeface="Times New Roman"/>
-                <a:cs typeface="Times New Roman"/>
-                <a:sym typeface="Times New Roman"/>
-              </a:rPr>
-              <a:t>Пересчет бюджетных мест осуществляется по формуле:</a:t>
-            </a:r>
-          </a:p>
-          <a:p>
-            <a:pPr marL="0" indent="0">
-              <a:lnSpc>
-                <a:spcPct val="150000"/>
-              </a:lnSpc>
-              <a:spcBef>
-                <a:spcPts val="0"/>
-              </a:spcBef>
-              <a:buNone/>
-            </a:pPr>
-            <a:endParaRPr lang="ru-RU" sz="1500" dirty="0">
-              <a:solidFill>
-                <a:schemeClr val="dk1"/>
-              </a:solidFill>
-              <a:latin typeface="Times New Roman"/>
-              <a:ea typeface="Times New Roman"/>
-              <a:cs typeface="Times New Roman"/>
-              <a:sym typeface="Times New Roman"/>
-            </a:endParaRPr>
-          </a:p>
-        </p:txBody>
-      </p:sp>
-      <p:pic>
-        <p:nvPicPr>
-          <p:cNvPr id="3" name="Рисунок 2">
-            <a:extLst>
-              <a:ext uri="{FF2B5EF4-FFF2-40B4-BE49-F238E27FC236}">
-                <a16:creationId xmlns:a16="http://schemas.microsoft.com/office/drawing/2014/main" id="{96B55B6A-48E4-D447-AA0C-3A776B6182A8}"/>
-              </a:ext>
-            </a:extLst>
-          </p:cNvPr>
-          <p:cNvPicPr>
-            <a:picLocks noChangeAspect="1"/>
-          </p:cNvPicPr>
-          <p:nvPr/>
-        </p:nvPicPr>
-        <p:blipFill>
-          <a:blip r:embed="rId2"/>
-          <a:stretch>
-            <a:fillRect/>
-          </a:stretch>
-        </p:blipFill>
-        <p:spPr>
-          <a:xfrm>
-            <a:off x="787565" y="1901971"/>
-            <a:ext cx="2222500" cy="914400"/>
-          </a:xfrm>
-          <a:prstGeom prst="rect">
-            <a:avLst/>
-          </a:prstGeom>
-        </p:spPr>
-      </p:pic>
-      <p:pic>
-        <p:nvPicPr>
-          <p:cNvPr id="5" name="Рисунок 4">
-            <a:extLst>
-              <a:ext uri="{FF2B5EF4-FFF2-40B4-BE49-F238E27FC236}">
-                <a16:creationId xmlns:a16="http://schemas.microsoft.com/office/drawing/2014/main" id="{0A129FAC-A140-6D44-ADA5-46BA1C76B275}"/>
-              </a:ext>
-            </a:extLst>
-          </p:cNvPr>
-          <p:cNvPicPr>
-            <a:picLocks noChangeAspect="1"/>
-          </p:cNvPicPr>
-          <p:nvPr/>
-        </p:nvPicPr>
-        <p:blipFill>
-          <a:blip r:embed="rId3"/>
-          <a:stretch>
-            <a:fillRect/>
-          </a:stretch>
-        </p:blipFill>
-        <p:spPr>
-          <a:xfrm>
-            <a:off x="838200" y="2685352"/>
-            <a:ext cx="5966361" cy="974100"/>
-          </a:xfrm>
-          <a:prstGeom prst="rect">
-            <a:avLst/>
-          </a:prstGeom>
-        </p:spPr>
-      </p:pic>
-      <p:sp>
-        <p:nvSpPr>
-          <p:cNvPr id="6" name="Прямоугольник 5">
-            <a:extLst>
-              <a:ext uri="{FF2B5EF4-FFF2-40B4-BE49-F238E27FC236}">
-                <a16:creationId xmlns:a16="http://schemas.microsoft.com/office/drawing/2014/main" id="{579A20FD-A737-C946-A4E4-5E587E3FED46}"/>
-              </a:ext>
-            </a:extLst>
-          </p:cNvPr>
-          <p:cNvSpPr/>
-          <p:nvPr/>
-        </p:nvSpPr>
-        <p:spPr>
-          <a:xfrm>
-            <a:off x="838200" y="3823109"/>
-            <a:ext cx="4643252" cy="743345"/>
-          </a:xfrm>
-          <a:prstGeom prst="rect">
-            <a:avLst/>
-          </a:prstGeom>
-        </p:spPr>
-        <p:txBody>
-          <a:bodyPr wrap="square">
-            <a:spAutoFit/>
-          </a:bodyPr>
-          <a:lstStyle/>
-          <a:p>
-            <a:pPr>
-              <a:lnSpc>
-                <a:spcPct val="150000"/>
-              </a:lnSpc>
-            </a:pPr>
-            <a:r>
-              <a:rPr lang="ru-RU" sz="1500" b="1" dirty="0">
-                <a:solidFill>
-                  <a:schemeClr val="dk1"/>
-                </a:solidFill>
-                <a:latin typeface="Times New Roman"/>
-                <a:ea typeface="Times New Roman"/>
-                <a:cs typeface="Times New Roman"/>
-                <a:sym typeface="Times New Roman"/>
-              </a:rPr>
-              <a:t>Пересчет среднего балла осуществляется по формуле:</a:t>
-            </a:r>
-          </a:p>
-        </p:txBody>
-      </p:sp>
-      <p:pic>
-        <p:nvPicPr>
-          <p:cNvPr id="7" name="Рисунок 6">
-            <a:extLst>
-              <a:ext uri="{FF2B5EF4-FFF2-40B4-BE49-F238E27FC236}">
-                <a16:creationId xmlns:a16="http://schemas.microsoft.com/office/drawing/2014/main" id="{A92DF4A8-AB8C-1249-A232-5AECF121E904}"/>
-              </a:ext>
-            </a:extLst>
-          </p:cNvPr>
-          <p:cNvPicPr>
-            <a:picLocks noChangeAspect="1"/>
-          </p:cNvPicPr>
-          <p:nvPr/>
-        </p:nvPicPr>
-        <p:blipFill>
-          <a:blip r:embed="rId4"/>
-          <a:stretch>
-            <a:fillRect/>
-          </a:stretch>
-        </p:blipFill>
-        <p:spPr>
-          <a:xfrm>
-            <a:off x="838200" y="4517931"/>
-            <a:ext cx="2616200" cy="889000"/>
-          </a:xfrm>
-          <a:prstGeom prst="rect">
-            <a:avLst/>
-          </a:prstGeom>
-        </p:spPr>
-      </p:pic>
-      <p:pic>
-        <p:nvPicPr>
-          <p:cNvPr id="8" name="Рисунок 7">
-            <a:extLst>
-              <a:ext uri="{FF2B5EF4-FFF2-40B4-BE49-F238E27FC236}">
-                <a16:creationId xmlns:a16="http://schemas.microsoft.com/office/drawing/2014/main" id="{079196AC-8725-1740-8509-CDCA1B9FEAB5}"/>
-              </a:ext>
-            </a:extLst>
-          </p:cNvPr>
-          <p:cNvPicPr>
-            <a:picLocks noChangeAspect="1"/>
-          </p:cNvPicPr>
-          <p:nvPr/>
-        </p:nvPicPr>
-        <p:blipFill>
-          <a:blip r:embed="rId5"/>
-          <a:stretch>
-            <a:fillRect/>
-          </a:stretch>
-        </p:blipFill>
-        <p:spPr>
-          <a:xfrm>
-            <a:off x="969955" y="5503593"/>
-            <a:ext cx="5702850" cy="743345"/>
-          </a:xfrm>
-          <a:prstGeom prst="rect">
-            <a:avLst/>
-          </a:prstGeom>
-        </p:spPr>
-      </p:pic>
-      <p:sp>
-        <p:nvSpPr>
-          <p:cNvPr id="11" name="Прямоугольник 10">
-            <a:extLst>
-              <a:ext uri="{FF2B5EF4-FFF2-40B4-BE49-F238E27FC236}">
-                <a16:creationId xmlns:a16="http://schemas.microsoft.com/office/drawing/2014/main" id="{DACAAD74-C56E-B645-9841-589359CF8D5A}"/>
-              </a:ext>
-            </a:extLst>
-          </p:cNvPr>
-          <p:cNvSpPr/>
-          <p:nvPr/>
-        </p:nvSpPr>
-        <p:spPr>
-          <a:xfrm>
-            <a:off x="7261854" y="3476925"/>
-            <a:ext cx="1650942" cy="1089529"/>
-          </a:xfrm>
-          <a:prstGeom prst="rect">
-            <a:avLst/>
-          </a:prstGeom>
-        </p:spPr>
-        <p:txBody>
-          <a:bodyPr wrap="square">
-            <a:spAutoFit/>
-          </a:bodyPr>
-          <a:lstStyle/>
-          <a:p>
-            <a:pPr>
-              <a:lnSpc>
-                <a:spcPct val="150000"/>
-              </a:lnSpc>
-            </a:pPr>
-            <a:r>
-              <a:rPr lang="ru-RU" sz="1500" dirty="0">
-                <a:solidFill>
-                  <a:schemeClr val="dk1"/>
-                </a:solidFill>
-                <a:latin typeface="Times New Roman"/>
-                <a:ea typeface="Times New Roman"/>
-                <a:cs typeface="Times New Roman"/>
-                <a:sym typeface="Times New Roman"/>
-              </a:rPr>
-              <a:t>Неофициальная группа мониторинга</a:t>
-            </a:r>
-          </a:p>
-        </p:txBody>
-      </p:sp>
-      <p:sp>
-        <p:nvSpPr>
-          <p:cNvPr id="13" name="Прямоугольник 12">
-            <a:extLst>
-              <a:ext uri="{FF2B5EF4-FFF2-40B4-BE49-F238E27FC236}">
-                <a16:creationId xmlns:a16="http://schemas.microsoft.com/office/drawing/2014/main" id="{1DCCC4E3-E67D-CC4F-AD64-4D203A7913A9}"/>
-              </a:ext>
-            </a:extLst>
-          </p:cNvPr>
-          <p:cNvSpPr/>
-          <p:nvPr/>
-        </p:nvSpPr>
-        <p:spPr>
-          <a:xfrm>
-            <a:off x="9370089" y="3507561"/>
-            <a:ext cx="1358871" cy="743280"/>
-          </a:xfrm>
-          <a:prstGeom prst="rect">
-            <a:avLst/>
-          </a:prstGeom>
-        </p:spPr>
-        <p:txBody>
-          <a:bodyPr wrap="square">
-            <a:spAutoFit/>
-          </a:bodyPr>
-          <a:lstStyle/>
-          <a:p>
-            <a:pPr>
-              <a:lnSpc>
-                <a:spcPct val="150000"/>
-              </a:lnSpc>
-            </a:pPr>
-            <a:r>
-              <a:rPr lang="ru-RU" sz="1500" dirty="0">
-                <a:solidFill>
-                  <a:schemeClr val="dk1"/>
-                </a:solidFill>
-                <a:latin typeface="Times New Roman"/>
-                <a:ea typeface="Times New Roman"/>
-                <a:cs typeface="Times New Roman"/>
-                <a:sym typeface="Times New Roman"/>
-              </a:rPr>
-              <a:t>Официальные группы</a:t>
-            </a:r>
-          </a:p>
-        </p:txBody>
-      </p:sp>
-      <p:pic>
-        <p:nvPicPr>
-          <p:cNvPr id="14" name="Рисунок 13">
-            <a:extLst>
-              <a:ext uri="{FF2B5EF4-FFF2-40B4-BE49-F238E27FC236}">
-                <a16:creationId xmlns:a16="http://schemas.microsoft.com/office/drawing/2014/main" id="{5D406160-9481-F742-8D06-D1A8CBC06D61}"/>
-              </a:ext>
-            </a:extLst>
-          </p:cNvPr>
-          <p:cNvPicPr>
-            <a:picLocks noChangeAspect="1"/>
-          </p:cNvPicPr>
-          <p:nvPr/>
-        </p:nvPicPr>
-        <p:blipFill>
-          <a:blip r:embed="rId6"/>
-          <a:stretch>
-            <a:fillRect/>
-          </a:stretch>
-        </p:blipFill>
-        <p:spPr>
-          <a:xfrm>
-            <a:off x="7262701" y="4529973"/>
-            <a:ext cx="4929299" cy="1947240"/>
-          </a:xfrm>
-          <a:prstGeom prst="rect">
-            <a:avLst/>
-          </a:prstGeom>
-        </p:spPr>
-      </p:pic>
-      <p:sp>
-        <p:nvSpPr>
-          <p:cNvPr id="15" name="Прямоугольник 14">
-            <a:extLst>
-              <a:ext uri="{FF2B5EF4-FFF2-40B4-BE49-F238E27FC236}">
-                <a16:creationId xmlns:a16="http://schemas.microsoft.com/office/drawing/2014/main" id="{331D2E6B-CC26-9441-9A78-49FE015B4A9D}"/>
-              </a:ext>
-            </a:extLst>
-          </p:cNvPr>
-          <p:cNvSpPr/>
-          <p:nvPr/>
-        </p:nvSpPr>
-        <p:spPr>
-          <a:xfrm>
-            <a:off x="7198418" y="1392515"/>
-            <a:ext cx="4383982" cy="1089529"/>
-          </a:xfrm>
-          <a:prstGeom prst="rect">
-            <a:avLst/>
-          </a:prstGeom>
-        </p:spPr>
-        <p:txBody>
-          <a:bodyPr wrap="square">
-            <a:spAutoFit/>
-          </a:bodyPr>
-          <a:lstStyle/>
-          <a:p>
-            <a:pPr>
-              <a:lnSpc>
-                <a:spcPct val="150000"/>
-              </a:lnSpc>
-            </a:pPr>
-            <a:r>
-              <a:rPr lang="ru-RU" sz="1500" dirty="0">
-                <a:solidFill>
-                  <a:schemeClr val="dk1"/>
-                </a:solidFill>
-                <a:latin typeface="Times New Roman"/>
-                <a:ea typeface="Times New Roman"/>
-                <a:cs typeface="Times New Roman"/>
-                <a:sym typeface="Times New Roman"/>
-              </a:rPr>
-              <a:t>Необходимо провести выделение официальных групп из неофициальных, составленных мониторингом.</a:t>
-            </a:r>
-          </a:p>
-        </p:txBody>
-      </p:sp>
-      <p:sp>
-        <p:nvSpPr>
-          <p:cNvPr id="10" name="Номер слайда 9">
-            <a:extLst>
-              <a:ext uri="{FF2B5EF4-FFF2-40B4-BE49-F238E27FC236}">
-                <a16:creationId xmlns:a16="http://schemas.microsoft.com/office/drawing/2014/main" id="{52E63E1F-7139-6148-BDC5-0A52DA52426F}"/>
+                <a16:creationId xmlns="" xmlns:a16="http://schemas.microsoft.com/office/drawing/2014/main" id="{8F47E49C-C9F8-9540-B784-88368653FDE4}"/>
               </a:ext>
             </a:extLst>
           </p:cNvPr>
@@ -6940,16 +8561,217 @@
           </a:p>
         </p:txBody>
       </p:sp>
+      <p:sp>
+        <p:nvSpPr>
+          <p:cNvPr id="5" name="Объект 2"/>
+          <p:cNvSpPr>
+            <a:spLocks noGrp="1"/>
+          </p:cNvSpPr>
+          <p:nvPr>
+            <p:ph idx="1"/>
+          </p:nvPr>
+        </p:nvSpPr>
+        <p:spPr>
+          <a:xfrm>
+            <a:off x="838200" y="1541929"/>
+            <a:ext cx="9669293" cy="4635034"/>
+          </a:xfrm>
+        </p:spPr>
+        <p:txBody>
+          <a:bodyPr>
+            <a:normAutofit/>
+          </a:bodyPr>
+          <a:lstStyle/>
+          <a:p>
+            <a:pPr>
+              <a:buNone/>
+            </a:pPr>
+            <a:r>
+              <a:rPr lang="ru-RU" sz="1700" dirty="0" smtClean="0">
+                <a:latin typeface="Times New Roman" panose="02020603050405020304" pitchFamily="18" charset="0"/>
+                <a:cs typeface="Times New Roman" panose="02020603050405020304" pitchFamily="18" charset="0"/>
+              </a:rPr>
+              <a:t>Домашний регион</a:t>
+            </a:r>
+          </a:p>
+          <a:p>
+            <a:pPr>
+              <a:buNone/>
+            </a:pPr>
+            <a:r>
+              <a:rPr lang="ru-RU" sz="1700" dirty="0" smtClean="0">
+                <a:latin typeface="Times New Roman" panose="02020603050405020304" pitchFamily="18" charset="0"/>
+                <a:cs typeface="Times New Roman" panose="02020603050405020304" pitchFamily="18" charset="0"/>
+              </a:rPr>
+              <a:t>Признак необходимости общежития</a:t>
+            </a:r>
+          </a:p>
+          <a:p>
+            <a:pPr>
+              <a:buNone/>
+            </a:pPr>
+            <a:r>
+              <a:rPr lang="ru-RU" sz="1700" dirty="0" smtClean="0">
+                <a:latin typeface="Times New Roman" panose="02020603050405020304" pitchFamily="18" charset="0"/>
+                <a:cs typeface="Times New Roman" panose="02020603050405020304" pitchFamily="18" charset="0"/>
+              </a:rPr>
+              <a:t>Интересующие УГСН</a:t>
+            </a:r>
+          </a:p>
+          <a:p>
+            <a:pPr>
+              <a:buNone/>
+            </a:pPr>
+            <a:endParaRPr lang="ru-RU" sz="1700" dirty="0" smtClean="0">
+              <a:latin typeface="Times New Roman" panose="02020603050405020304" pitchFamily="18" charset="0"/>
+              <a:cs typeface="Times New Roman" panose="02020603050405020304" pitchFamily="18" charset="0"/>
+            </a:endParaRPr>
+          </a:p>
+          <a:p>
+            <a:pPr>
+              <a:buNone/>
+            </a:pPr>
+            <a:r>
+              <a:rPr lang="ru-RU" sz="1700" dirty="0" smtClean="0">
+                <a:latin typeface="Times New Roman" panose="02020603050405020304" pitchFamily="18" charset="0"/>
+                <a:cs typeface="Times New Roman" panose="02020603050405020304" pitchFamily="18" charset="0"/>
+              </a:rPr>
+              <a:t>Результаты сдачи ЕГЭ, распределенные </a:t>
+            </a:r>
+          </a:p>
+          <a:p>
+            <a:pPr>
+              <a:buNone/>
+            </a:pPr>
+            <a:r>
+              <a:rPr lang="ru-RU" sz="1700" dirty="0" smtClean="0">
+                <a:latin typeface="Times New Roman" panose="02020603050405020304" pitchFamily="18" charset="0"/>
+                <a:cs typeface="Times New Roman" panose="02020603050405020304" pitchFamily="18" charset="0"/>
+              </a:rPr>
+              <a:t>согласно официальной статистике по:</a:t>
+            </a:r>
+          </a:p>
+          <a:p>
+            <a:r>
+              <a:rPr lang="ru-RU" sz="1700" dirty="0" smtClean="0">
+                <a:latin typeface="Times New Roman" panose="02020603050405020304" pitchFamily="18" charset="0"/>
+                <a:cs typeface="Times New Roman" panose="02020603050405020304" pitchFamily="18" charset="0"/>
+              </a:rPr>
+              <a:t>Нормальному закону в интервале от </a:t>
+            </a:r>
+          </a:p>
+          <a:p>
+            <a:pPr marL="0" indent="0">
+              <a:buNone/>
+            </a:pPr>
+            <a:r>
+              <a:rPr lang="ru-RU" sz="1700" dirty="0" smtClean="0">
+                <a:latin typeface="Times New Roman" panose="02020603050405020304" pitchFamily="18" charset="0"/>
+                <a:cs typeface="Times New Roman" panose="02020603050405020304" pitchFamily="18" charset="0"/>
+              </a:rPr>
+              <a:t>     минимального балла по предмету до 70.</a:t>
+            </a:r>
+          </a:p>
+          <a:p>
+            <a:r>
+              <a:rPr lang="ru-RU" sz="1700" dirty="0" smtClean="0">
+                <a:latin typeface="Times New Roman" panose="02020603050405020304" pitchFamily="18" charset="0"/>
+                <a:cs typeface="Times New Roman" panose="02020603050405020304" pitchFamily="18" charset="0"/>
+              </a:rPr>
+              <a:t>Равномерному закону в интервале от 71 до 80.</a:t>
+            </a:r>
+          </a:p>
+          <a:p>
+            <a:r>
+              <a:rPr lang="ru-RU" sz="1700" dirty="0" smtClean="0">
+                <a:latin typeface="Times New Roman" panose="02020603050405020304" pitchFamily="18" charset="0"/>
+                <a:cs typeface="Times New Roman" panose="02020603050405020304" pitchFamily="18" charset="0"/>
+              </a:rPr>
+              <a:t>Нормальному закону в интервале от 81 до 100.</a:t>
+            </a:r>
+            <a:endParaRPr lang="ru-RU" sz="1700" dirty="0">
+              <a:latin typeface="Times New Roman" panose="02020603050405020304" pitchFamily="18" charset="0"/>
+              <a:cs typeface="Times New Roman" panose="02020603050405020304" pitchFamily="18" charset="0"/>
+            </a:endParaRPr>
+          </a:p>
+          <a:p>
+            <a:pPr>
+              <a:buNone/>
+            </a:pPr>
+            <a:endParaRPr lang="ru-RU" sz="1700" dirty="0" smtClean="0">
+              <a:latin typeface="Times New Roman" panose="02020603050405020304" pitchFamily="18" charset="0"/>
+              <a:cs typeface="Times New Roman" panose="02020603050405020304" pitchFamily="18" charset="0"/>
+            </a:endParaRPr>
+          </a:p>
+          <a:p>
+            <a:pPr>
+              <a:buNone/>
+            </a:pPr>
+            <a:endParaRPr lang="ru-RU" sz="1700" dirty="0" smtClean="0">
+              <a:latin typeface="Times New Roman" panose="02020603050405020304" pitchFamily="18" charset="0"/>
+              <a:cs typeface="Times New Roman" panose="02020603050405020304" pitchFamily="18" charset="0"/>
+            </a:endParaRPr>
+          </a:p>
+        </p:txBody>
+      </p:sp>
+      <p:pic>
+        <p:nvPicPr>
+          <p:cNvPr id="2051" name="Picture 3" descr="C:\Users\zhigalkin\OneDrive\Desktop\2022-05-30_14-40-34.png"/>
+          <p:cNvPicPr>
+            <a:picLocks noChangeAspect="1" noChangeArrowheads="1"/>
+          </p:cNvPicPr>
+          <p:nvPr/>
+        </p:nvPicPr>
+        <p:blipFill>
+          <a:blip r:embed="rId2">
+            <a:extLst>
+              <a:ext uri="{28A0092B-C50C-407E-A947-70E740481C1C}">
+                <a14:useLocalDpi xmlns:a14="http://schemas.microsoft.com/office/drawing/2010/main" val="0"/>
+              </a:ext>
+            </a:extLst>
+          </a:blip>
+          <a:srcRect/>
+          <a:stretch>
+            <a:fillRect/>
+          </a:stretch>
+        </p:blipFill>
+        <p:spPr bwMode="auto">
+          <a:xfrm>
+            <a:off x="5370830" y="1667435"/>
+            <a:ext cx="5687694" cy="2628340"/>
+          </a:xfrm>
+          <a:prstGeom prst="rect">
+            <a:avLst/>
+          </a:prstGeom>
+          <a:noFill/>
+          <a:extLst>
+            <a:ext uri="{909E8E84-426E-40DD-AFC4-6F175D3DCCD1}">
+              <a14:hiddenFill xmlns:a14="http://schemas.microsoft.com/office/drawing/2010/main">
+                <a:solidFill>
+                  <a:srgbClr val="FFFFFF"/>
+                </a:solidFill>
+              </a14:hiddenFill>
+            </a:ext>
+          </a:extLst>
+        </p:spPr>
+      </p:pic>
     </p:spTree>
     <p:extLst>
       <p:ext uri="{BB962C8B-B14F-4D97-AF65-F5344CB8AC3E}">
-        <p14:creationId xmlns:p14="http://schemas.microsoft.com/office/powerpoint/2010/main" val="378220345"/>
+        <p14:creationId xmlns:p14="http://schemas.microsoft.com/office/powerpoint/2010/main" val="3881087593"/>
       </p:ext>
     </p:extLst>
   </p:cSld>
   <p:clrMapOvr>
     <a:masterClrMapping/>
   </p:clrMapOvr>
+  <p:timing>
+    <p:tnLst>
+      <p:par>
+        <p:cTn id="1" dur="indefinite" restart="never" nodeType="tmRoot"/>
+      </p:par>
+    </p:tnLst>
+  </p:timing>
 </p:sld>
 </file>
 
@@ -7208,7 +9030,7 @@
   <a:extraClrSchemeLst/>
   <a:extLst>
     <a:ext uri="{05A4C25C-085E-4340-85A3-A5531E510DB2}">
-      <thm15:themeFamily xmlns:thm15="http://schemas.microsoft.com/office/thememl/2012/main" name="Office Theme" id="{62F939B6-93AF-4DB8-9C6B-D6C7DFDC589F}" vid="{4A3C46E8-61CC-4603-A589-7422A47A8E4A}"/>
+      <thm15:themeFamily xmlns="" xmlns:thm15="http://schemas.microsoft.com/office/thememl/2012/main" name="Office Theme" id="{62F939B6-93AF-4DB8-9C6B-D6C7DFDC589F}" vid="{4A3C46E8-61CC-4603-A589-7422A47A8E4A}"/>
     </a:ext>
   </a:extLst>
 </a:theme>
@@ -7503,7 +9325,7 @@
   <a:extraClrSchemeLst/>
   <a:extLst>
     <a:ext uri="{05A4C25C-085E-4340-85A3-A5531E510DB2}">
-      <thm15:themeFamily xmlns:thm15="http://schemas.microsoft.com/office/thememl/2012/main" name="Office Theme" id="{62F939B6-93AF-4DB8-9C6B-D6C7DFDC589F}" vid="{4A3C46E8-61CC-4603-A589-7422A47A8E4A}"/>
+      <thm15:themeFamily xmlns="" xmlns:thm15="http://schemas.microsoft.com/office/thememl/2012/main" name="Office Theme" id="{62F939B6-93AF-4DB8-9C6B-D6C7DFDC589F}" vid="{4A3C46E8-61CC-4603-A589-7422A47A8E4A}"/>
     </a:ext>
   </a:extLst>
 </a:theme>

--- a/tex-diploma-template-main/Метод прогнозирования итогов приёма в вузы России на основе агентного моделирования.pptx
+++ b/tex-diploma-template-main/Метод прогнозирования итогов приёма в вузы России на основе агентного моделирования.pptx
@@ -125,7 +125,7 @@
   </p:defaultTextStyle>
   <p:extLst>
     <p:ext uri="{EFAFB233-063F-42B5-8137-9DF3F51BA10A}">
-      <p15:sldGuideLst xmlns="" xmlns:p15="http://schemas.microsoft.com/office/powerpoint/2012/main">
+      <p15:sldGuideLst xmlns:p15="http://schemas.microsoft.com/office/powerpoint/2012/main">
         <p15:guide id="1" orient="horz" pos="2160" userDrawn="1">
           <p15:clr>
             <a:srgbClr val="A4A3A4"/>
@@ -3733,13 +3733,6 @@
   <p:clrMapOvr>
     <a:masterClrMapping/>
   </p:clrMapOvr>
-  <p:timing>
-    <p:tnLst>
-      <p:par>
-        <p:cTn id="1" dur="indefinite" restart="never" nodeType="tmRoot"/>
-      </p:par>
-    </p:tnLst>
-  </p:timing>
 </p:sld>
 </file>
 
@@ -3792,7 +3785,7 @@
           <p:cNvPr id="17" name="Номер слайда 16">
             <a:extLst>
               <a:ext uri="{FF2B5EF4-FFF2-40B4-BE49-F238E27FC236}">
-                <a16:creationId xmlns="" xmlns:a16="http://schemas.microsoft.com/office/drawing/2014/main" id="{8F47E49C-C9F8-9540-B784-88368653FDE4}"/>
+                <a16:creationId xmlns:a16="http://schemas.microsoft.com/office/drawing/2014/main" id="{8F47E49C-C9F8-9540-B784-88368653FDE4}"/>
               </a:ext>
             </a:extLst>
           </p:cNvPr>
@@ -3822,7 +3815,7 @@
           <p:cNvPr id="4" name="Рисунок 3">
             <a:extLst>
               <a:ext uri="{FF2B5EF4-FFF2-40B4-BE49-F238E27FC236}">
-                <a16:creationId xmlns="" xmlns:a16="http://schemas.microsoft.com/office/drawing/2014/main" id="{0D5E6200-46F1-E749-BEE5-8C4207C3F831}"/>
+                <a16:creationId xmlns:a16="http://schemas.microsoft.com/office/drawing/2014/main" id="{0D5E6200-46F1-E749-BEE5-8C4207C3F831}"/>
               </a:ext>
             </a:extLst>
           </p:cNvPr>
@@ -3863,13 +3856,6 @@
   <p:clrMapOvr>
     <a:masterClrMapping/>
   </p:clrMapOvr>
-  <p:timing>
-    <p:tnLst>
-      <p:par>
-        <p:cTn id="1" dur="indefinite" restart="never" nodeType="tmRoot"/>
-      </p:par>
-    </p:tnLst>
-  </p:timing>
 </p:sld>
 </file>
 
@@ -3917,7 +3903,7 @@
           <p:cNvPr id="3" name="Номер слайда 2">
             <a:extLst>
               <a:ext uri="{FF2B5EF4-FFF2-40B4-BE49-F238E27FC236}">
-                <a16:creationId xmlns="" xmlns:a16="http://schemas.microsoft.com/office/drawing/2014/main" id="{DEAE3815-F6BF-E249-A2D5-EBE03D53E185}"/>
+                <a16:creationId xmlns:a16="http://schemas.microsoft.com/office/drawing/2014/main" id="{DEAE3815-F6BF-E249-A2D5-EBE03D53E185}"/>
               </a:ext>
             </a:extLst>
           </p:cNvPr>
@@ -3947,7 +3933,7 @@
           <p:cNvPr id="5" name="Рисунок 4">
             <a:extLst>
               <a:ext uri="{FF2B5EF4-FFF2-40B4-BE49-F238E27FC236}">
-                <a16:creationId xmlns="" xmlns:a16="http://schemas.microsoft.com/office/drawing/2014/main" id="{93B0F849-ED6D-0E4F-A4B3-612844B2BAB4}"/>
+                <a16:creationId xmlns:a16="http://schemas.microsoft.com/office/drawing/2014/main" id="{93B0F849-ED6D-0E4F-A4B3-612844B2BAB4}"/>
               </a:ext>
             </a:extLst>
           </p:cNvPr>
@@ -3982,13 +3968,6 @@
   <p:clrMapOvr>
     <a:masterClrMapping/>
   </p:clrMapOvr>
-  <p:timing>
-    <p:tnLst>
-      <p:par>
-        <p:cTn id="1" dur="indefinite" restart="never" nodeType="tmRoot"/>
-      </p:par>
-    </p:tnLst>
-  </p:timing>
 </p:sld>
 </file>
 
@@ -4036,7 +4015,7 @@
           <p:cNvPr id="4" name="Рисунок 3">
             <a:extLst>
               <a:ext uri="{FF2B5EF4-FFF2-40B4-BE49-F238E27FC236}">
-                <a16:creationId xmlns="" xmlns:a16="http://schemas.microsoft.com/office/drawing/2014/main" id="{1EB5BE92-501B-374D-B5CC-D9F7717D5674}"/>
+                <a16:creationId xmlns:a16="http://schemas.microsoft.com/office/drawing/2014/main" id="{1EB5BE92-501B-374D-B5CC-D9F7717D5674}"/>
               </a:ext>
             </a:extLst>
           </p:cNvPr>
@@ -4072,7 +4051,7 @@
           <p:cNvPr id="6" name="Номер слайда 5">
             <a:extLst>
               <a:ext uri="{FF2B5EF4-FFF2-40B4-BE49-F238E27FC236}">
-                <a16:creationId xmlns="" xmlns:a16="http://schemas.microsoft.com/office/drawing/2014/main" id="{31974EA9-2F91-8446-AFF8-96552044A2FD}"/>
+                <a16:creationId xmlns:a16="http://schemas.microsoft.com/office/drawing/2014/main" id="{31974EA9-2F91-8446-AFF8-96552044A2FD}"/>
               </a:ext>
             </a:extLst>
           </p:cNvPr>
@@ -4107,13 +4086,6 @@
   <p:clrMapOvr>
     <a:masterClrMapping/>
   </p:clrMapOvr>
-  <p:timing>
-    <p:tnLst>
-      <p:par>
-        <p:cTn id="1" dur="indefinite" restart="never" nodeType="tmRoot"/>
-      </p:par>
-    </p:tnLst>
-  </p:timing>
 </p:sld>
 </file>
 
@@ -4151,17 +4123,47 @@
           <a:p>
             <a:r>
               <a:rPr lang="ru-RU" dirty="0"/>
-              <a:t>Исследование зависимости среднего балла от статистических данных</a:t>
-            </a:r>
+              <a:t>Исследование зависимости среднего балла от количества бюджетных мест</a:t>
+            </a:r>
+          </a:p>
+        </p:txBody>
+      </p:sp>
+      <p:sp>
+        <p:nvSpPr>
+          <p:cNvPr id="3" name="Номер слайда 2">
+            <a:extLst>
+              <a:ext uri="{FF2B5EF4-FFF2-40B4-BE49-F238E27FC236}">
+                <a16:creationId xmlns:a16="http://schemas.microsoft.com/office/drawing/2014/main" id="{CB9627FE-AECF-AC4A-B233-F59EFD6E1455}"/>
+              </a:ext>
+            </a:extLst>
+          </p:cNvPr>
+          <p:cNvSpPr>
+            <a:spLocks noGrp="1"/>
+          </p:cNvSpPr>
+          <p:nvPr>
+            <p:ph type="sldNum" sz="quarter" idx="12"/>
+          </p:nvPr>
+        </p:nvSpPr>
+        <p:spPr/>
+        <p:txBody>
+          <a:bodyPr/>
+          <a:lstStyle/>
+          <a:p>
+            <a:fld id="{FADD01DB-3A3D-4160-BF8B-737FEC31D67E}" type="slidenum">
+              <a:rPr lang="ru-RU" smtClean="0"/>
+              <a:pPr/>
+              <a:t>13</a:t>
+            </a:fld>
+            <a:endParaRPr lang="ru-RU"/>
           </a:p>
         </p:txBody>
       </p:sp>
       <p:pic>
         <p:nvPicPr>
-          <p:cNvPr id="5" name="Рисунок 4">
+          <p:cNvPr id="6" name="Рисунок 5">
             <a:extLst>
               <a:ext uri="{FF2B5EF4-FFF2-40B4-BE49-F238E27FC236}">
-                <a16:creationId xmlns="" xmlns:a16="http://schemas.microsoft.com/office/drawing/2014/main" id="{1CA738DE-5517-EA4B-AC0D-2801A636CEA1}"/>
+                <a16:creationId xmlns:a16="http://schemas.microsoft.com/office/drawing/2014/main" id="{0849F9F4-184C-3746-A5F0-C79748298F2F}"/>
               </a:ext>
             </a:extLst>
           </p:cNvPr>
@@ -4184,44 +4186,14 @@
         </p:blipFill>
         <p:spPr>
           <a:xfrm>
-            <a:off x="2602644" y="2015618"/>
-            <a:ext cx="6220460" cy="3721937"/>
+            <a:off x="3223441" y="1785780"/>
+            <a:ext cx="5745117" cy="4475478"/>
           </a:xfrm>
           <a:prstGeom prst="rect">
             <a:avLst/>
           </a:prstGeom>
         </p:spPr>
       </p:pic>
-      <p:sp>
-        <p:nvSpPr>
-          <p:cNvPr id="3" name="Номер слайда 2">
-            <a:extLst>
-              <a:ext uri="{FF2B5EF4-FFF2-40B4-BE49-F238E27FC236}">
-                <a16:creationId xmlns="" xmlns:a16="http://schemas.microsoft.com/office/drawing/2014/main" id="{CB9627FE-AECF-AC4A-B233-F59EFD6E1455}"/>
-              </a:ext>
-            </a:extLst>
-          </p:cNvPr>
-          <p:cNvSpPr>
-            <a:spLocks noGrp="1"/>
-          </p:cNvSpPr>
-          <p:nvPr>
-            <p:ph type="sldNum" sz="quarter" idx="12"/>
-          </p:nvPr>
-        </p:nvSpPr>
-        <p:spPr/>
-        <p:txBody>
-          <a:bodyPr/>
-          <a:lstStyle/>
-          <a:p>
-            <a:fld id="{FADD01DB-3A3D-4160-BF8B-737FEC31D67E}" type="slidenum">
-              <a:rPr lang="ru-RU" smtClean="0"/>
-              <a:pPr/>
-              <a:t>13</a:t>
-            </a:fld>
-            <a:endParaRPr lang="ru-RU"/>
-          </a:p>
-        </p:txBody>
-      </p:sp>
     </p:spTree>
     <p:extLst>
       <p:ext uri="{BB962C8B-B14F-4D97-AF65-F5344CB8AC3E}">
@@ -4232,13 +4204,6 @@
   <p:clrMapOvr>
     <a:masterClrMapping/>
   </p:clrMapOvr>
-  <p:timing>
-    <p:tnLst>
-      <p:par>
-        <p:cTn id="1" dur="indefinite" restart="never" nodeType="tmRoot"/>
-      </p:par>
-    </p:tnLst>
-  </p:timing>
 </p:sld>
 </file>
 
@@ -4276,17 +4241,47 @@
           <a:p>
             <a:r>
               <a:rPr lang="ru-RU" dirty="0"/>
-              <a:t>Исследование зависимости среднего балла от статистических данных</a:t>
-            </a:r>
+              <a:t>Исследование зависимости среднего балла от количества бюджетных мест</a:t>
+            </a:r>
+          </a:p>
+        </p:txBody>
+      </p:sp>
+      <p:sp>
+        <p:nvSpPr>
+          <p:cNvPr id="10" name="Номер слайда 9">
+            <a:extLst>
+              <a:ext uri="{FF2B5EF4-FFF2-40B4-BE49-F238E27FC236}">
+                <a16:creationId xmlns:a16="http://schemas.microsoft.com/office/drawing/2014/main" id="{EFFFC42C-3D59-B04B-B285-E12F503D303A}"/>
+              </a:ext>
+            </a:extLst>
+          </p:cNvPr>
+          <p:cNvSpPr>
+            <a:spLocks noGrp="1"/>
+          </p:cNvSpPr>
+          <p:nvPr>
+            <p:ph type="sldNum" sz="quarter" idx="12"/>
+          </p:nvPr>
+        </p:nvSpPr>
+        <p:spPr/>
+        <p:txBody>
+          <a:bodyPr/>
+          <a:lstStyle/>
+          <a:p>
+            <a:fld id="{FADD01DB-3A3D-4160-BF8B-737FEC31D67E}" type="slidenum">
+              <a:rPr lang="ru-RU" smtClean="0"/>
+              <a:pPr/>
+              <a:t>14</a:t>
+            </a:fld>
+            <a:endParaRPr lang="ru-RU"/>
           </a:p>
         </p:txBody>
       </p:sp>
       <p:pic>
         <p:nvPicPr>
-          <p:cNvPr id="9" name="Рисунок 8">
+          <p:cNvPr id="4" name="Рисунок 3">
             <a:extLst>
               <a:ext uri="{FF2B5EF4-FFF2-40B4-BE49-F238E27FC236}">
-                <a16:creationId xmlns="" xmlns:a16="http://schemas.microsoft.com/office/drawing/2014/main" id="{40E95386-DC30-C34E-959B-E39E49384339}"/>
+                <a16:creationId xmlns:a16="http://schemas.microsoft.com/office/drawing/2014/main" id="{D6D02E72-E9BE-3E4F-9BCE-E5399B6DF070}"/>
               </a:ext>
             </a:extLst>
           </p:cNvPr>
@@ -4309,44 +4304,14 @@
         </p:blipFill>
         <p:spPr>
           <a:xfrm>
-            <a:off x="3050540" y="1897370"/>
-            <a:ext cx="5687060" cy="4595505"/>
+            <a:off x="3048000" y="1690688"/>
+            <a:ext cx="6095999" cy="4848994"/>
           </a:xfrm>
           <a:prstGeom prst="rect">
             <a:avLst/>
           </a:prstGeom>
         </p:spPr>
       </p:pic>
-      <p:sp>
-        <p:nvSpPr>
-          <p:cNvPr id="10" name="Номер слайда 9">
-            <a:extLst>
-              <a:ext uri="{FF2B5EF4-FFF2-40B4-BE49-F238E27FC236}">
-                <a16:creationId xmlns="" xmlns:a16="http://schemas.microsoft.com/office/drawing/2014/main" id="{EFFFC42C-3D59-B04B-B285-E12F503D303A}"/>
-              </a:ext>
-            </a:extLst>
-          </p:cNvPr>
-          <p:cNvSpPr>
-            <a:spLocks noGrp="1"/>
-          </p:cNvSpPr>
-          <p:nvPr>
-            <p:ph type="sldNum" sz="quarter" idx="12"/>
-          </p:nvPr>
-        </p:nvSpPr>
-        <p:spPr/>
-        <p:txBody>
-          <a:bodyPr/>
-          <a:lstStyle/>
-          <a:p>
-            <a:fld id="{FADD01DB-3A3D-4160-BF8B-737FEC31D67E}" type="slidenum">
-              <a:rPr lang="ru-RU" smtClean="0"/>
-              <a:pPr/>
-              <a:t>14</a:t>
-            </a:fld>
-            <a:endParaRPr lang="ru-RU"/>
-          </a:p>
-        </p:txBody>
-      </p:sp>
     </p:spTree>
     <p:extLst>
       <p:ext uri="{BB962C8B-B14F-4D97-AF65-F5344CB8AC3E}">
@@ -4357,13 +4322,6 @@
   <p:clrMapOvr>
     <a:masterClrMapping/>
   </p:clrMapOvr>
-  <p:timing>
-    <p:tnLst>
-      <p:par>
-        <p:cTn id="1" dur="indefinite" restart="never" nodeType="tmRoot"/>
-      </p:par>
-    </p:tnLst>
-  </p:timing>
 </p:sld>
 </file>
 
@@ -4401,17 +4359,47 @@
           <a:p>
             <a:r>
               <a:rPr lang="ru-RU" dirty="0"/>
-              <a:t>Исследование зависимости среднего балла от статистических данных</a:t>
-            </a:r>
+              <a:t>Исследование зависимости среднего балла от количества бюджетных мест</a:t>
+            </a:r>
+          </a:p>
+        </p:txBody>
+      </p:sp>
+      <p:sp>
+        <p:nvSpPr>
+          <p:cNvPr id="3" name="Номер слайда 2">
+            <a:extLst>
+              <a:ext uri="{FF2B5EF4-FFF2-40B4-BE49-F238E27FC236}">
+                <a16:creationId xmlns:a16="http://schemas.microsoft.com/office/drawing/2014/main" id="{5C8E934A-FEC0-184D-82AC-06ADA1E64952}"/>
+              </a:ext>
+            </a:extLst>
+          </p:cNvPr>
+          <p:cNvSpPr>
+            <a:spLocks noGrp="1"/>
+          </p:cNvSpPr>
+          <p:nvPr>
+            <p:ph type="sldNum" sz="quarter" idx="12"/>
+          </p:nvPr>
+        </p:nvSpPr>
+        <p:spPr/>
+        <p:txBody>
+          <a:bodyPr/>
+          <a:lstStyle/>
+          <a:p>
+            <a:fld id="{FADD01DB-3A3D-4160-BF8B-737FEC31D67E}" type="slidenum">
+              <a:rPr lang="ru-RU" smtClean="0"/>
+              <a:pPr/>
+              <a:t>15</a:t>
+            </a:fld>
+            <a:endParaRPr lang="ru-RU"/>
           </a:p>
         </p:txBody>
       </p:sp>
       <p:pic>
         <p:nvPicPr>
-          <p:cNvPr id="7" name="Рисунок 6">
+          <p:cNvPr id="5" name="Рисунок 4">
             <a:extLst>
               <a:ext uri="{FF2B5EF4-FFF2-40B4-BE49-F238E27FC236}">
-                <a16:creationId xmlns="" xmlns:a16="http://schemas.microsoft.com/office/drawing/2014/main" id="{64A132AA-D452-4746-B271-DBACEFEA4845}"/>
+                <a16:creationId xmlns:a16="http://schemas.microsoft.com/office/drawing/2014/main" id="{880CC7C8-B492-9C46-9425-950BF68104F8}"/>
               </a:ext>
             </a:extLst>
           </p:cNvPr>
@@ -4434,44 +4422,14 @@
         </p:blipFill>
         <p:spPr>
           <a:xfrm>
-            <a:off x="2650490" y="1853247"/>
-            <a:ext cx="6891020" cy="4371169"/>
+            <a:off x="2764325" y="1764937"/>
+            <a:ext cx="6663350" cy="4591413"/>
           </a:xfrm>
           <a:prstGeom prst="rect">
             <a:avLst/>
           </a:prstGeom>
         </p:spPr>
       </p:pic>
-      <p:sp>
-        <p:nvSpPr>
-          <p:cNvPr id="3" name="Номер слайда 2">
-            <a:extLst>
-              <a:ext uri="{FF2B5EF4-FFF2-40B4-BE49-F238E27FC236}">
-                <a16:creationId xmlns="" xmlns:a16="http://schemas.microsoft.com/office/drawing/2014/main" id="{5C8E934A-FEC0-184D-82AC-06ADA1E64952}"/>
-              </a:ext>
-            </a:extLst>
-          </p:cNvPr>
-          <p:cNvSpPr>
-            <a:spLocks noGrp="1"/>
-          </p:cNvSpPr>
-          <p:nvPr>
-            <p:ph type="sldNum" sz="quarter" idx="12"/>
-          </p:nvPr>
-        </p:nvSpPr>
-        <p:spPr/>
-        <p:txBody>
-          <a:bodyPr/>
-          <a:lstStyle/>
-          <a:p>
-            <a:fld id="{FADD01DB-3A3D-4160-BF8B-737FEC31D67E}" type="slidenum">
-              <a:rPr lang="ru-RU" smtClean="0"/>
-              <a:pPr/>
-              <a:t>15</a:t>
-            </a:fld>
-            <a:endParaRPr lang="ru-RU"/>
-          </a:p>
-        </p:txBody>
-      </p:sp>
     </p:spTree>
     <p:extLst>
       <p:ext uri="{BB962C8B-B14F-4D97-AF65-F5344CB8AC3E}">
@@ -4482,13 +4440,6 @@
   <p:clrMapOvr>
     <a:masterClrMapping/>
   </p:clrMapOvr>
-  <p:timing>
-    <p:tnLst>
-      <p:par>
-        <p:cTn id="1" dur="indefinite" restart="never" nodeType="tmRoot"/>
-      </p:par>
-    </p:tnLst>
-  </p:timing>
 </p:sld>
 </file>
 
@@ -4536,7 +4487,7 @@
           <p:cNvPr id="3" name="Прямоугольник 2">
             <a:extLst>
               <a:ext uri="{FF2B5EF4-FFF2-40B4-BE49-F238E27FC236}">
-                <a16:creationId xmlns="" xmlns:a16="http://schemas.microsoft.com/office/drawing/2014/main" id="{C85EEE98-7BD9-1F48-AE34-092B4CF15127}"/>
+                <a16:creationId xmlns:a16="http://schemas.microsoft.com/office/drawing/2014/main" id="{C85EEE98-7BD9-1F48-AE34-092B4CF15127}"/>
               </a:ext>
             </a:extLst>
           </p:cNvPr>
@@ -4563,16 +4514,7 @@
                 <a:latin typeface="Times New Roman" panose="02020603050405020304" pitchFamily="18" charset="0"/>
                 <a:cs typeface="Times New Roman" panose="02020603050405020304" pitchFamily="18" charset="0"/>
               </a:rPr>
-              <a:t>В рамках данной выпускной квалификационной работы был разработан и</a:t>
-            </a:r>
-          </a:p>
-          <a:p>
-            <a:r>
-              <a:rPr lang="ru-RU" dirty="0">
-                <a:latin typeface="Times New Roman" panose="02020603050405020304" pitchFamily="18" charset="0"/>
-                <a:cs typeface="Times New Roman" panose="02020603050405020304" pitchFamily="18" charset="0"/>
-              </a:rPr>
-              <a:t>реализован  метод прогнозирования итогов приёма в ВУЗы России на основе </a:t>
+              <a:t>В рамках данной выпускной квалификационной работы был разработан метод прогнозирования итогов приема в ВУЗы России на основе </a:t>
             </a:r>
             <a:r>
               <a:rPr lang="ru-RU" dirty="0" err="1">
@@ -4586,7 +4528,7 @@
                 <a:latin typeface="Times New Roman" panose="02020603050405020304" pitchFamily="18" charset="0"/>
                 <a:cs typeface="Times New Roman" panose="02020603050405020304" pitchFamily="18" charset="0"/>
               </a:rPr>
-              <a:t> моделирования.</a:t>
+              <a:t> моделирования и его программная реализация.</a:t>
             </a:r>
           </a:p>
           <a:p>
@@ -4615,7 +4557,7 @@
           <p:cNvPr id="4" name="Номер слайда 3">
             <a:extLst>
               <a:ext uri="{FF2B5EF4-FFF2-40B4-BE49-F238E27FC236}">
-                <a16:creationId xmlns="" xmlns:a16="http://schemas.microsoft.com/office/drawing/2014/main" id="{1A9181E1-3F1F-C040-8F03-1CFB44C994D5}"/>
+                <a16:creationId xmlns:a16="http://schemas.microsoft.com/office/drawing/2014/main" id="{1A9181E1-3F1F-C040-8F03-1CFB44C994D5}"/>
               </a:ext>
             </a:extLst>
           </p:cNvPr>
@@ -4645,7 +4587,7 @@
           <p:cNvPr id="5" name="Объект 2">
             <a:extLst>
               <a:ext uri="{FF2B5EF4-FFF2-40B4-BE49-F238E27FC236}">
-                <a16:creationId xmlns="" xmlns:a16="http://schemas.microsoft.com/office/drawing/2014/main" id="{7CD81F86-BBA1-9740-844F-3F58A6599DBE}"/>
+                <a16:creationId xmlns:a16="http://schemas.microsoft.com/office/drawing/2014/main" id="{7CD81F86-BBA1-9740-844F-3F58A6599DBE}"/>
               </a:ext>
             </a:extLst>
           </p:cNvPr>
@@ -4677,7 +4619,7 @@
                 <a:latin typeface="Times New Roman" panose="02020603050405020304" pitchFamily="18" charset="0"/>
                 <a:cs typeface="Times New Roman" panose="02020603050405020304" pitchFamily="18" charset="0"/>
               </a:rPr>
-              <a:t>Проанализированы правила организации приема в ВУЗы России.</a:t>
+              <a:t>Проанализированы правила приема в ВУЗы РФ и существующие методы прогнозирования.</a:t>
             </a:r>
           </a:p>
           <a:p>
@@ -4690,7 +4632,7 @@
                 <a:latin typeface="Times New Roman" panose="02020603050405020304" pitchFamily="18" charset="0"/>
                 <a:cs typeface="Times New Roman" panose="02020603050405020304" pitchFamily="18" charset="0"/>
               </a:rPr>
-              <a:t>Проанализированы существующие методы зачисления абитуриентов.</a:t>
+              <a:t>Формализована исходная информация.</a:t>
             </a:r>
           </a:p>
           <a:p>
@@ -4703,7 +4645,21 @@
                 <a:latin typeface="Times New Roman" panose="02020603050405020304" pitchFamily="18" charset="0"/>
                 <a:cs typeface="Times New Roman" panose="02020603050405020304" pitchFamily="18" charset="0"/>
               </a:rPr>
-              <a:t>Получена статистическая информация о ВУЗах и УГСН.</a:t>
+              <a:t>Разработана </a:t>
+            </a:r>
+            <a:r>
+              <a:rPr lang="ru-RU" sz="1700" dirty="0" err="1">
+                <a:latin typeface="Times New Roman" panose="02020603050405020304" pitchFamily="18" charset="0"/>
+                <a:cs typeface="Times New Roman" panose="02020603050405020304" pitchFamily="18" charset="0"/>
+              </a:rPr>
+              <a:t>агентная</a:t>
+            </a:r>
+            <a:r>
+              <a:rPr lang="ru-RU" sz="1700" dirty="0">
+                <a:latin typeface="Times New Roman" panose="02020603050405020304" pitchFamily="18" charset="0"/>
+                <a:cs typeface="Times New Roman" panose="02020603050405020304" pitchFamily="18" charset="0"/>
+              </a:rPr>
+              <a:t> модель прогнозирования поведения абитуриентов.</a:t>
             </a:r>
           </a:p>
           <a:p>
@@ -4716,7 +4672,21 @@
                 <a:latin typeface="Times New Roman" panose="02020603050405020304" pitchFamily="18" charset="0"/>
                 <a:cs typeface="Times New Roman" panose="02020603050405020304" pitchFamily="18" charset="0"/>
               </a:rPr>
-              <a:t>Разработана имитационная модель поведения абитуриентов.</a:t>
+              <a:t>Разработан метод прогнозирования итогов приема в ВУЗы России на основе </a:t>
+            </a:r>
+            <a:r>
+              <a:rPr lang="ru-RU" sz="1700" dirty="0" err="1">
+                <a:latin typeface="Times New Roman" panose="02020603050405020304" pitchFamily="18" charset="0"/>
+                <a:cs typeface="Times New Roman" panose="02020603050405020304" pitchFamily="18" charset="0"/>
+              </a:rPr>
+              <a:t>агентного</a:t>
+            </a:r>
+            <a:r>
+              <a:rPr lang="ru-RU" sz="1700" dirty="0">
+                <a:latin typeface="Times New Roman" panose="02020603050405020304" pitchFamily="18" charset="0"/>
+                <a:cs typeface="Times New Roman" panose="02020603050405020304" pitchFamily="18" charset="0"/>
+              </a:rPr>
+              <a:t> моделирования.</a:t>
             </a:r>
           </a:p>
           <a:p>
@@ -4729,7 +4699,7 @@
                 <a:latin typeface="Times New Roman" panose="02020603050405020304" pitchFamily="18" charset="0"/>
                 <a:cs typeface="Times New Roman" panose="02020603050405020304" pitchFamily="18" charset="0"/>
               </a:rPr>
-              <a:t>Спроектировано и разработано ПО, реализующее метод прогнозирования итогов приема в ВУЗы, на основании разработанной модели поведения и статистических данных.</a:t>
+              <a:t>Разработано и протестировано программное обеспечение, реализующее метод прогнозирования.</a:t>
             </a:r>
           </a:p>
           <a:p>
@@ -4742,8 +4712,18 @@
                 <a:latin typeface="Times New Roman" panose="02020603050405020304" pitchFamily="18" charset="0"/>
                 <a:cs typeface="Times New Roman" panose="02020603050405020304" pitchFamily="18" charset="0"/>
               </a:rPr>
-              <a:t>Исследована зависимость среднего балла от различных входных данных.</a:t>
-            </a:r>
+              <a:t>Исследована зависимость среднего балла от количества бюджетных мест.</a:t>
+            </a:r>
+          </a:p>
+          <a:p>
+            <a:pPr marL="457200" indent="-457200">
+              <a:buFont typeface="+mj-lt"/>
+              <a:buAutoNum type="arabicPeriod"/>
+            </a:pPr>
+            <a:endParaRPr lang="ru-RU" sz="1700" dirty="0">
+              <a:latin typeface="Times New Roman" panose="02020603050405020304" pitchFamily="18" charset="0"/>
+              <a:cs typeface="Times New Roman" panose="02020603050405020304" pitchFamily="18" charset="0"/>
+            </a:endParaRPr>
           </a:p>
         </p:txBody>
       </p:sp>
@@ -4757,13 +4737,6 @@
   <p:clrMapOvr>
     <a:masterClrMapping/>
   </p:clrMapOvr>
-  <p:timing>
-    <p:tnLst>
-      <p:par>
-        <p:cTn id="1" dur="indefinite" restart="never" nodeType="tmRoot"/>
-      </p:par>
-    </p:tnLst>
-  </p:timing>
 </p:sld>
 </file>
 
@@ -4811,7 +4784,7 @@
           <p:cNvPr id="3" name="Прямоугольник 2">
             <a:extLst>
               <a:ext uri="{FF2B5EF4-FFF2-40B4-BE49-F238E27FC236}">
-                <a16:creationId xmlns="" xmlns:a16="http://schemas.microsoft.com/office/drawing/2014/main" id="{A88D0C5C-8E49-7B40-879E-71CFFC356944}"/>
+                <a16:creationId xmlns:a16="http://schemas.microsoft.com/office/drawing/2014/main" id="{A88D0C5C-8E49-7B40-879E-71CFFC356944}"/>
               </a:ext>
             </a:extLst>
           </p:cNvPr>
@@ -4908,7 +4881,7 @@
           <p:cNvPr id="4" name="Номер слайда 3">
             <a:extLst>
               <a:ext uri="{FF2B5EF4-FFF2-40B4-BE49-F238E27FC236}">
-                <a16:creationId xmlns="" xmlns:a16="http://schemas.microsoft.com/office/drawing/2014/main" id="{AE094975-4986-4E48-8217-47E8452ABAC5}"/>
+                <a16:creationId xmlns:a16="http://schemas.microsoft.com/office/drawing/2014/main" id="{AE094975-4986-4E48-8217-47E8452ABAC5}"/>
               </a:ext>
             </a:extLst>
           </p:cNvPr>
@@ -4943,13 +4916,6 @@
   <p:clrMapOvr>
     <a:masterClrMapping/>
   </p:clrMapOvr>
-  <p:timing>
-    <p:tnLst>
-      <p:par>
-        <p:cTn id="1" dur="indefinite" restart="never" nodeType="tmRoot"/>
-      </p:par>
-    </p:tnLst>
-  </p:timing>
 </p:sld>
 </file>
 
@@ -5134,7 +5100,7 @@
           <p:cNvPr id="5" name="Рисунок 4">
             <a:extLst>
               <a:ext uri="{FF2B5EF4-FFF2-40B4-BE49-F238E27FC236}">
-                <a16:creationId xmlns="" xmlns:a16="http://schemas.microsoft.com/office/drawing/2014/main" id="{EB7E995A-C633-C042-AFCE-23327BC96460}"/>
+                <a16:creationId xmlns:a16="http://schemas.microsoft.com/office/drawing/2014/main" id="{EB7E995A-C633-C042-AFCE-23327BC96460}"/>
               </a:ext>
             </a:extLst>
           </p:cNvPr>
@@ -5170,7 +5136,7 @@
           <p:cNvPr id="6" name="Номер слайда 5">
             <a:extLst>
               <a:ext uri="{FF2B5EF4-FFF2-40B4-BE49-F238E27FC236}">
-                <a16:creationId xmlns="" xmlns:a16="http://schemas.microsoft.com/office/drawing/2014/main" id="{203D4AD3-08E1-1A4B-A008-3CDA1C481531}"/>
+                <a16:creationId xmlns:a16="http://schemas.microsoft.com/office/drawing/2014/main" id="{203D4AD3-08E1-1A4B-A008-3CDA1C481531}"/>
               </a:ext>
             </a:extLst>
           </p:cNvPr>
@@ -5205,13 +5171,6 @@
   <p:clrMapOvr>
     <a:masterClrMapping/>
   </p:clrMapOvr>
-  <p:timing>
-    <p:tnLst>
-      <p:par>
-        <p:cTn id="1" dur="indefinite" restart="never" nodeType="tmRoot"/>
-      </p:par>
-    </p:tnLst>
-  </p:timing>
 </p:sld>
 </file>
 
@@ -5298,21 +5257,7 @@
                 <a:latin typeface="Times New Roman" panose="02020603050405020304" pitchFamily="18" charset="0"/>
                 <a:cs typeface="Times New Roman" panose="02020603050405020304" pitchFamily="18" charset="0"/>
               </a:rPr>
-              <a:t> моделирования </a:t>
-            </a:r>
-            <a:r>
-              <a:rPr lang="ru-RU" sz="1700" dirty="0" smtClean="0">
-                <a:latin typeface="Times New Roman" panose="02020603050405020304" pitchFamily="18" charset="0"/>
-                <a:cs typeface="Times New Roman" panose="02020603050405020304" pitchFamily="18" charset="0"/>
-              </a:rPr>
-              <a:t>и его программную реализацию.</a:t>
-            </a:r>
-            <a:r>
-              <a:rPr lang="ru-RU" sz="1700" dirty="0">
-                <a:latin typeface="Times New Roman" panose="02020603050405020304" pitchFamily="18" charset="0"/>
-                <a:cs typeface="Times New Roman" panose="02020603050405020304" pitchFamily="18" charset="0"/>
-              </a:rPr>
-              <a:t/>
+              <a:t> моделирования и его программную реализацию.</a:t>
             </a:r>
             <a:br>
               <a:rPr lang="ru-RU" sz="1700" dirty="0">
@@ -5351,21 +5296,7 @@
                 <a:latin typeface="Times New Roman" panose="02020603050405020304" pitchFamily="18" charset="0"/>
                 <a:cs typeface="Times New Roman" panose="02020603050405020304" pitchFamily="18" charset="0"/>
               </a:rPr>
-              <a:t>Анализ </a:t>
-            </a:r>
-            <a:r>
-              <a:rPr lang="ru-RU" sz="1700" dirty="0" smtClean="0">
-                <a:latin typeface="Times New Roman" panose="02020603050405020304" pitchFamily="18" charset="0"/>
-                <a:cs typeface="Times New Roman" panose="02020603050405020304" pitchFamily="18" charset="0"/>
-              </a:rPr>
-              <a:t>правил приема в ВУЗы РФ и существующих </a:t>
-            </a:r>
-            <a:r>
-              <a:rPr lang="ru-RU" sz="1700" dirty="0">
-                <a:latin typeface="Times New Roman" panose="02020603050405020304" pitchFamily="18" charset="0"/>
-                <a:cs typeface="Times New Roman" panose="02020603050405020304" pitchFamily="18" charset="0"/>
-              </a:rPr>
-              <a:t>методов прогнозирования.</a:t>
+              <a:t>Анализ правил приема в ВУЗы РФ и существующих методов прогнозирования.</a:t>
             </a:r>
           </a:p>
           <a:p>
@@ -5432,19 +5363,8 @@
                 <a:latin typeface="Times New Roman" panose="02020603050405020304" pitchFamily="18" charset="0"/>
                 <a:cs typeface="Times New Roman" panose="02020603050405020304" pitchFamily="18" charset="0"/>
               </a:rPr>
-              <a:t> </a:t>
-            </a:r>
-            <a:r>
-              <a:rPr lang="ru-RU" sz="1700" dirty="0" smtClean="0">
-                <a:latin typeface="Times New Roman" panose="02020603050405020304" pitchFamily="18" charset="0"/>
-                <a:cs typeface="Times New Roman" panose="02020603050405020304" pitchFamily="18" charset="0"/>
-              </a:rPr>
-              <a:t>моделирования.</a:t>
-            </a:r>
-            <a:endParaRPr lang="ru-RU" sz="1700" dirty="0">
-              <a:latin typeface="Times New Roman" panose="02020603050405020304" pitchFamily="18" charset="0"/>
-              <a:cs typeface="Times New Roman" panose="02020603050405020304" pitchFamily="18" charset="0"/>
-            </a:endParaRPr>
+              <a:t> моделирования.</a:t>
+            </a:r>
           </a:p>
           <a:p>
             <a:pPr marL="457200" indent="-457200">
@@ -5452,16 +5372,12 @@
               <a:buAutoNum type="arabicPeriod"/>
             </a:pPr>
             <a:r>
-              <a:rPr lang="ru-RU" sz="1700" dirty="0" smtClean="0">
+              <a:rPr lang="ru-RU" sz="1700" dirty="0">
                 <a:latin typeface="Times New Roman" panose="02020603050405020304" pitchFamily="18" charset="0"/>
                 <a:cs typeface="Times New Roman" panose="02020603050405020304" pitchFamily="18" charset="0"/>
               </a:rPr>
               <a:t>Разработать и протестировать программное обеспечение, реализующее метод прогнозирования.</a:t>
             </a:r>
-            <a:endParaRPr lang="ru-RU" sz="1700" dirty="0">
-              <a:latin typeface="Times New Roman" panose="02020603050405020304" pitchFamily="18" charset="0"/>
-              <a:cs typeface="Times New Roman" panose="02020603050405020304" pitchFamily="18" charset="0"/>
-            </a:endParaRPr>
           </a:p>
           <a:p>
             <a:pPr marL="457200" indent="-457200">
@@ -5483,7 +5399,7 @@
           <p:cNvPr id="4" name="Номер слайда 3">
             <a:extLst>
               <a:ext uri="{FF2B5EF4-FFF2-40B4-BE49-F238E27FC236}">
-                <a16:creationId xmlns="" xmlns:a16="http://schemas.microsoft.com/office/drawing/2014/main" id="{F4D26C53-4197-434E-B55C-6DC633984B57}"/>
+                <a16:creationId xmlns:a16="http://schemas.microsoft.com/office/drawing/2014/main" id="{F4D26C53-4197-434E-B55C-6DC633984B57}"/>
               </a:ext>
             </a:extLst>
           </p:cNvPr>
@@ -5518,13 +5434,6 @@
   <p:clrMapOvr>
     <a:masterClrMapping/>
   </p:clrMapOvr>
-  <p:timing>
-    <p:tnLst>
-      <p:par>
-        <p:cTn id="1" dur="indefinite" restart="never" nodeType="tmRoot"/>
-      </p:par>
-    </p:tnLst>
-  </p:timing>
 </p:sld>
 </file>
 
@@ -5561,10 +5470,9 @@
           <a:lstStyle/>
           <a:p>
             <a:r>
-              <a:rPr lang="ru-RU" dirty="0" smtClean="0"/>
+              <a:rPr lang="ru-RU" dirty="0"/>
               <a:t>Организация приема в ВУЗы</a:t>
             </a:r>
-            <a:endParaRPr lang="ru-RU" dirty="0"/>
           </a:p>
         </p:txBody>
       </p:sp>
@@ -5573,7 +5481,7 @@
           <p:cNvPr id="4" name="Номер слайда 3">
             <a:extLst>
               <a:ext uri="{FF2B5EF4-FFF2-40B4-BE49-F238E27FC236}">
-                <a16:creationId xmlns="" xmlns:a16="http://schemas.microsoft.com/office/drawing/2014/main" id="{F4D26C53-4197-434E-B55C-6DC633984B57}"/>
+                <a16:creationId xmlns:a16="http://schemas.microsoft.com/office/drawing/2014/main" id="{F4D26C53-4197-434E-B55C-6DC633984B57}"/>
               </a:ext>
             </a:extLst>
           </p:cNvPr>
@@ -5598,6 +5506,42 @@
           </a:p>
         </p:txBody>
       </p:sp>
+      <p:pic>
+        <p:nvPicPr>
+          <p:cNvPr id="5" name="Рисунок 4">
+            <a:extLst>
+              <a:ext uri="{FF2B5EF4-FFF2-40B4-BE49-F238E27FC236}">
+                <a16:creationId xmlns:a16="http://schemas.microsoft.com/office/drawing/2014/main" id="{6218651A-EF87-1147-A584-6F783A6040CA}"/>
+              </a:ext>
+            </a:extLst>
+          </p:cNvPr>
+          <p:cNvPicPr>
+            <a:picLocks noChangeAspect="1"/>
+          </p:cNvPicPr>
+          <p:nvPr/>
+        </p:nvPicPr>
+        <p:blipFill>
+          <a:blip r:embed="rId3">
+            <a:extLst>
+              <a:ext uri="{28A0092B-C50C-407E-A947-70E740481C1C}">
+                <a14:useLocalDpi xmlns:a14="http://schemas.microsoft.com/office/drawing/2010/main" val="0"/>
+              </a:ext>
+            </a:extLst>
+          </a:blip>
+          <a:stretch>
+            <a:fillRect/>
+          </a:stretch>
+        </p:blipFill>
+        <p:spPr>
+          <a:xfrm>
+            <a:off x="1003435" y="1690688"/>
+            <a:ext cx="6235700" cy="4610100"/>
+          </a:xfrm>
+          <a:prstGeom prst="rect">
+            <a:avLst/>
+          </a:prstGeom>
+        </p:spPr>
+      </p:pic>
     </p:spTree>
     <p:extLst>
       <p:ext uri="{BB962C8B-B14F-4D97-AF65-F5344CB8AC3E}">
@@ -5608,13 +5552,6 @@
   <p:clrMapOvr>
     <a:masterClrMapping/>
   </p:clrMapOvr>
-  <p:timing>
-    <p:tnLst>
-      <p:par>
-        <p:cTn id="1" dur="indefinite" restart="never" nodeType="tmRoot"/>
-      </p:par>
-    </p:tnLst>
-  </p:timing>
 </p:sld>
 </file>
 
@@ -5662,7 +5599,7 @@
           <p:cNvPr id="4" name="Таблица 3">
             <a:extLst>
               <a:ext uri="{FF2B5EF4-FFF2-40B4-BE49-F238E27FC236}">
-                <a16:creationId xmlns="" xmlns:a16="http://schemas.microsoft.com/office/drawing/2014/main" id="{5A2D5379-C115-6241-920D-00DD3DDE9CDE}"/>
+                <a16:creationId xmlns:a16="http://schemas.microsoft.com/office/drawing/2014/main" id="{5A2D5379-C115-6241-920D-00DD3DDE9CDE}"/>
               </a:ext>
             </a:extLst>
           </p:cNvPr>
@@ -5691,35 +5628,35 @@
                 <a:gridCol w="1311614">
                   <a:extLst>
                     <a:ext uri="{9D8B030D-6E8A-4147-A177-3AD203B41FA5}">
-                      <a16:colId xmlns="" xmlns:a16="http://schemas.microsoft.com/office/drawing/2014/main" val="2544262691"/>
+                      <a16:colId xmlns:a16="http://schemas.microsoft.com/office/drawing/2014/main" val="2544262691"/>
                     </a:ext>
                   </a:extLst>
                 </a:gridCol>
                 <a:gridCol w="1488332">
                   <a:extLst>
                     <a:ext uri="{9D8B030D-6E8A-4147-A177-3AD203B41FA5}">
-                      <a16:colId xmlns="" xmlns:a16="http://schemas.microsoft.com/office/drawing/2014/main" val="1960284561"/>
+                      <a16:colId xmlns:a16="http://schemas.microsoft.com/office/drawing/2014/main" val="1960284561"/>
                     </a:ext>
                   </a:extLst>
                 </a:gridCol>
                 <a:gridCol w="1984442">
                   <a:extLst>
                     <a:ext uri="{9D8B030D-6E8A-4147-A177-3AD203B41FA5}">
-                      <a16:colId xmlns="" xmlns:a16="http://schemas.microsoft.com/office/drawing/2014/main" val="2695464257"/>
+                      <a16:colId xmlns:a16="http://schemas.microsoft.com/office/drawing/2014/main" val="2695464257"/>
                     </a:ext>
                   </a:extLst>
                 </a:gridCol>
                 <a:gridCol w="1527243">
                   <a:extLst>
                     <a:ext uri="{9D8B030D-6E8A-4147-A177-3AD203B41FA5}">
-                      <a16:colId xmlns="" xmlns:a16="http://schemas.microsoft.com/office/drawing/2014/main" val="3346321126"/>
+                      <a16:colId xmlns:a16="http://schemas.microsoft.com/office/drawing/2014/main" val="3346321126"/>
                     </a:ext>
                   </a:extLst>
                 </a:gridCol>
                 <a:gridCol w="1517515">
                   <a:extLst>
                     <a:ext uri="{9D8B030D-6E8A-4147-A177-3AD203B41FA5}">
-                      <a16:colId xmlns="" xmlns:a16="http://schemas.microsoft.com/office/drawing/2014/main" val="1495832075"/>
+                      <a16:colId xmlns:a16="http://schemas.microsoft.com/office/drawing/2014/main" val="1495832075"/>
                     </a:ext>
                   </a:extLst>
                 </a:gridCol>
@@ -5844,7 +5781,7 @@
                 </a:tc>
                 <a:extLst>
                   <a:ext uri="{0D108BD9-81ED-4DB2-BD59-A6C34878D82A}">
-                    <a16:rowId xmlns="" xmlns:a16="http://schemas.microsoft.com/office/drawing/2014/main" val="373297987"/>
+                    <a16:rowId xmlns:a16="http://schemas.microsoft.com/office/drawing/2014/main" val="373297987"/>
                   </a:ext>
                 </a:extLst>
               </a:tr>
@@ -5967,7 +5904,7 @@
                 </a:tc>
                 <a:extLst>
                   <a:ext uri="{0D108BD9-81ED-4DB2-BD59-A6C34878D82A}">
-                    <a16:rowId xmlns="" xmlns:a16="http://schemas.microsoft.com/office/drawing/2014/main" val="3228985801"/>
+                    <a16:rowId xmlns:a16="http://schemas.microsoft.com/office/drawing/2014/main" val="3228985801"/>
                   </a:ext>
                 </a:extLst>
               </a:tr>
@@ -6093,7 +6030,7 @@
                 </a:tc>
                 <a:extLst>
                   <a:ext uri="{0D108BD9-81ED-4DB2-BD59-A6C34878D82A}">
-                    <a16:rowId xmlns="" xmlns:a16="http://schemas.microsoft.com/office/drawing/2014/main" val="3064655982"/>
+                    <a16:rowId xmlns:a16="http://schemas.microsoft.com/office/drawing/2014/main" val="3064655982"/>
                   </a:ext>
                 </a:extLst>
               </a:tr>
@@ -6221,7 +6158,7 @@
                 </a:tc>
                 <a:extLst>
                   <a:ext uri="{0D108BD9-81ED-4DB2-BD59-A6C34878D82A}">
-                    <a16:rowId xmlns="" xmlns:a16="http://schemas.microsoft.com/office/drawing/2014/main" val="3606506196"/>
+                    <a16:rowId xmlns:a16="http://schemas.microsoft.com/office/drawing/2014/main" val="3606506196"/>
                   </a:ext>
                 </a:extLst>
               </a:tr>
@@ -6234,7 +6171,7 @@
           <p:cNvPr id="7" name="Номер слайда 6">
             <a:extLst>
               <a:ext uri="{FF2B5EF4-FFF2-40B4-BE49-F238E27FC236}">
-                <a16:creationId xmlns="" xmlns:a16="http://schemas.microsoft.com/office/drawing/2014/main" id="{2F80DC48-B001-554F-AA66-FB516FC61A9E}"/>
+                <a16:creationId xmlns:a16="http://schemas.microsoft.com/office/drawing/2014/main" id="{2F80DC48-B001-554F-AA66-FB516FC61A9E}"/>
               </a:ext>
             </a:extLst>
           </p:cNvPr>
@@ -6269,13 +6206,6 @@
   <p:clrMapOvr>
     <a:masterClrMapping/>
   </p:clrMapOvr>
-  <p:timing>
-    <p:tnLst>
-      <p:par>
-        <p:cTn id="1" dur="indefinite" restart="never" nodeType="tmRoot"/>
-      </p:par>
-    </p:tnLst>
-  </p:timing>
 </p:sld>
 </file>
 
@@ -6312,16 +6242,12 @@
           <a:lstStyle/>
           <a:p>
             <a:r>
-              <a:rPr lang="en-US" dirty="0" smtClean="0"/>
+              <a:rPr lang="en-US" dirty="0"/>
               <a:t>IDEF0</a:t>
             </a:r>
             <a:r>
-              <a:rPr lang="ru-RU" dirty="0" smtClean="0"/>
-              <a:t>-диаграмма </a:t>
-            </a:r>
-            <a:r>
               <a:rPr lang="ru-RU" dirty="0"/>
-              <a:t>метода прогнозирования на основе </a:t>
+              <a:t>-диаграмма метода прогнозирования на основе </a:t>
             </a:r>
             <a:r>
               <a:rPr lang="ru-RU" dirty="0" err="1"/>
@@ -6339,7 +6265,7 @@
           <p:cNvPr id="6" name="Рисунок 5">
             <a:extLst>
               <a:ext uri="{FF2B5EF4-FFF2-40B4-BE49-F238E27FC236}">
-                <a16:creationId xmlns="" xmlns:a16="http://schemas.microsoft.com/office/drawing/2014/main" id="{8A6D183F-C55D-7B4E-A54A-1E1CC85FD7D8}"/>
+                <a16:creationId xmlns:a16="http://schemas.microsoft.com/office/drawing/2014/main" id="{8A6D183F-C55D-7B4E-A54A-1E1CC85FD7D8}"/>
               </a:ext>
             </a:extLst>
           </p:cNvPr>
@@ -6369,7 +6295,7 @@
           <p:cNvPr id="10" name="Номер слайда 9">
             <a:extLst>
               <a:ext uri="{FF2B5EF4-FFF2-40B4-BE49-F238E27FC236}">
-                <a16:creationId xmlns="" xmlns:a16="http://schemas.microsoft.com/office/drawing/2014/main" id="{61685379-7299-6541-B350-C99D9C5602A1}"/>
+                <a16:creationId xmlns:a16="http://schemas.microsoft.com/office/drawing/2014/main" id="{61685379-7299-6541-B350-C99D9C5602A1}"/>
               </a:ext>
             </a:extLst>
           </p:cNvPr>
@@ -6404,13 +6330,6 @@
   <p:clrMapOvr>
     <a:masterClrMapping/>
   </p:clrMapOvr>
-  <p:timing>
-    <p:tnLst>
-      <p:par>
-        <p:cTn id="1" dur="indefinite" restart="never" nodeType="tmRoot"/>
-      </p:par>
-    </p:tnLst>
-  </p:timing>
 </p:sld>
 </file>
 
@@ -6458,7 +6377,7 @@
           <p:cNvPr id="13" name="Рисунок 12">
             <a:extLst>
               <a:ext uri="{FF2B5EF4-FFF2-40B4-BE49-F238E27FC236}">
-                <a16:creationId xmlns="" xmlns:a16="http://schemas.microsoft.com/office/drawing/2014/main" id="{111CD375-C608-5444-B536-516F11424C03}"/>
+                <a16:creationId xmlns:a16="http://schemas.microsoft.com/office/drawing/2014/main" id="{111CD375-C608-5444-B536-516F11424C03}"/>
               </a:ext>
             </a:extLst>
           </p:cNvPr>
@@ -6488,7 +6407,7 @@
           <p:cNvPr id="14" name="Номер слайда 13">
             <a:extLst>
               <a:ext uri="{FF2B5EF4-FFF2-40B4-BE49-F238E27FC236}">
-                <a16:creationId xmlns="" xmlns:a16="http://schemas.microsoft.com/office/drawing/2014/main" id="{217097E6-88AD-2B40-8B59-E9413EC2F1EF}"/>
+                <a16:creationId xmlns:a16="http://schemas.microsoft.com/office/drawing/2014/main" id="{217097E6-88AD-2B40-8B59-E9413EC2F1EF}"/>
               </a:ext>
             </a:extLst>
           </p:cNvPr>
@@ -6518,7 +6437,7 @@
           <p:cNvPr id="4" name="Рисунок 3">
             <a:extLst>
               <a:ext uri="{FF2B5EF4-FFF2-40B4-BE49-F238E27FC236}">
-                <a16:creationId xmlns="" xmlns:a16="http://schemas.microsoft.com/office/drawing/2014/main" id="{CF585D74-FE1E-BE4C-A8B1-00204B6BA9A5}"/>
+                <a16:creationId xmlns:a16="http://schemas.microsoft.com/office/drawing/2014/main" id="{CF585D74-FE1E-BE4C-A8B1-00204B6BA9A5}"/>
               </a:ext>
             </a:extLst>
           </p:cNvPr>
@@ -6559,13 +6478,6 @@
   <p:clrMapOvr>
     <a:masterClrMapping/>
   </p:clrMapOvr>
-  <p:timing>
-    <p:tnLst>
-      <p:par>
-        <p:cTn id="1" dur="indefinite" restart="never" nodeType="tmRoot"/>
-      </p:par>
-    </p:tnLst>
-  </p:timing>
 </p:sld>
 </file>
 
@@ -6615,7 +6527,7 @@
               <p:cNvPr id="4" name="Google Shape;106;p20">
                 <a:extLst>
                   <a:ext uri="{FF2B5EF4-FFF2-40B4-BE49-F238E27FC236}">
-                    <a16:creationId xmlns="" xmlns:a16="http://schemas.microsoft.com/office/drawing/2014/main" id="{B712FF56-1DFB-B34F-8F11-1341FED07626}"/>
+                    <a16:creationId xmlns:a16="http://schemas.microsoft.com/office/drawing/2014/main" id="{B712FF56-1DFB-B34F-8F11-1341FED07626}"/>
                   </a:ext>
                 </a:extLst>
               </p:cNvPr>
@@ -6812,7 +6724,7 @@
                   <a:buNone/>
                 </a:pPr>
                 <a:r>
-                  <a:rPr lang="ru-RU" sz="1500" b="1" dirty="0" smtClean="0">
+                  <a:rPr lang="ru-RU" sz="1500" b="1" dirty="0">
                     <a:solidFill>
                       <a:schemeClr val="dk1"/>
                     </a:solidFill>
@@ -6874,7 +6786,7 @@
                               <a:solidFill>
                                 <a:schemeClr val="dk1"/>
                               </a:solidFill>
-                              <a:latin typeface="Cambria Math"/>
+                              <a:latin typeface="Cambria Math" panose="02040503050406030204" pitchFamily="18" charset="0"/>
                               <a:cs typeface="Times New Roman"/>
                               <a:sym typeface="Times New Roman"/>
                             </a:rPr>
@@ -6890,7 +6802,7 @@
                                   <a:solidFill>
                                     <a:schemeClr val="dk1"/>
                                   </a:solidFill>
-                                  <a:latin typeface="Cambria Math"/>
+                                  <a:latin typeface="Cambria Math" panose="02040503050406030204" pitchFamily="18" charset="0"/>
                                   <a:cs typeface="Times New Roman"/>
                                   <a:sym typeface="Times New Roman"/>
                                 </a:rPr>
@@ -6930,7 +6842,7 @@
                                   <a:solidFill>
                                     <a:schemeClr val="dk1"/>
                                   </a:solidFill>
-                                  <a:latin typeface="Cambria Math"/>
+                                  <a:latin typeface="Cambria Math" panose="02040503050406030204" pitchFamily="18" charset="0"/>
                                   <a:cs typeface="Times New Roman"/>
                                   <a:sym typeface="Times New Roman"/>
                                 </a:rPr>
@@ -6998,19 +6910,7 @@
                     <a:cs typeface="Times New Roman"/>
                     <a:sym typeface="Times New Roman"/>
                   </a:rPr>
-                  <a:t>г</a:t>
-                </a:r>
-                <a:r>
-                  <a:rPr lang="ru-RU" sz="1500" dirty="0" smtClean="0">
-                    <a:solidFill>
-                      <a:schemeClr val="dk1"/>
-                    </a:solidFill>
-                    <a:latin typeface="Times New Roman"/>
-                    <a:ea typeface="Times New Roman"/>
-                    <a:cs typeface="Times New Roman"/>
-                    <a:sym typeface="Times New Roman"/>
-                  </a:rPr>
-                  <a:t>де  </a:t>
+                  <a:t>где  </a:t>
                 </a:r>
                 <a14:m>
                   <m:oMath xmlns:m="http://schemas.openxmlformats.org/officeDocument/2006/math">
@@ -7052,7 +6952,7 @@
                     </m:r>
                   </m:oMath>
                 </a14:m>
-                <a:endParaRPr lang="en-US" sz="1500" b="0" dirty="0" smtClean="0">
+                <a:endParaRPr lang="en-US" sz="1500" b="0" dirty="0">
                   <a:solidFill>
                     <a:schemeClr val="dk1"/>
                   </a:solidFill>
@@ -7081,7 +6981,7 @@
                             <a:solidFill>
                               <a:schemeClr val="dk1"/>
                             </a:solidFill>
-                            <a:latin typeface="Cambria Math"/>
+                            <a:latin typeface="Cambria Math" panose="02040503050406030204" pitchFamily="18" charset="0"/>
                             <a:cs typeface="Times New Roman"/>
                             <a:sym typeface="Times New Roman"/>
                           </a:rPr>
@@ -7150,7 +7050,7 @@
                   </m:oMath>
                 </a14:m>
                 <a:r>
-                  <a:rPr lang="ru-RU" sz="1500" dirty="0" smtClean="0">
+                  <a:rPr lang="ru-RU" sz="1500" dirty="0">
                     <a:solidFill>
                       <a:schemeClr val="dk1"/>
                     </a:solidFill>
@@ -7161,7 +7061,7 @@
                   <a:t>-ой неофициальной группе</a:t>
                 </a:r>
                 <a:r>
-                  <a:rPr lang="en-US" sz="1500" dirty="0" smtClean="0">
+                  <a:rPr lang="en-US" sz="1500" dirty="0">
                     <a:solidFill>
                       <a:schemeClr val="dk1"/>
                     </a:solidFill>
@@ -7190,7 +7090,7 @@
                             <a:solidFill>
                               <a:schemeClr val="dk1"/>
                             </a:solidFill>
-                            <a:latin typeface="Cambria Math"/>
+                            <a:latin typeface="Cambria Math" panose="02040503050406030204" pitchFamily="18" charset="0"/>
                             <a:cs typeface="Times New Roman"/>
                             <a:sym typeface="Times New Roman"/>
                           </a:rPr>
@@ -7248,7 +7148,7 @@
                   </m:oMath>
                 </a14:m>
                 <a:r>
-                  <a:rPr lang="ru-RU" sz="1500" b="0" dirty="0" smtClean="0">
+                  <a:rPr lang="ru-RU" sz="1500" b="0" dirty="0">
                     <a:solidFill>
                       <a:schemeClr val="dk1"/>
                     </a:solidFill>
@@ -7335,7 +7235,7 @@
               <p:cNvPr id="6" name="Прямоугольник 5">
                 <a:extLst>
                   <a:ext uri="{FF2B5EF4-FFF2-40B4-BE49-F238E27FC236}">
-                    <a16:creationId xmlns="" xmlns:a16="http://schemas.microsoft.com/office/drawing/2014/main" id="{579A20FD-A737-C946-A4E4-5E587E3FED46}"/>
+                    <a16:creationId xmlns:a16="http://schemas.microsoft.com/office/drawing/2014/main" id="{579A20FD-A737-C946-A4E4-5E587E3FED46}"/>
                   </a:ext>
                 </a:extLst>
               </p:cNvPr>
@@ -7363,18 +7263,6 @@
                   </a:lnSpc>
                 </a:pPr>
                 <a:r>
-                  <a:rPr lang="ru-RU" sz="1500" b="1" dirty="0" smtClean="0">
-                    <a:solidFill>
-                      <a:schemeClr val="dk1"/>
-                    </a:solidFill>
-                    <a:latin typeface="Times New Roman"/>
-                    <a:ea typeface="Times New Roman"/>
-                    <a:cs typeface="Times New Roman"/>
-                    <a:sym typeface="Times New Roman"/>
-                  </a:rPr>
-                  <a:t>Пересчет среднего балла осуществляется </a:t>
-                </a:r>
-                <a:r>
                   <a:rPr lang="ru-RU" sz="1500" b="1" dirty="0">
                     <a:solidFill>
                       <a:schemeClr val="dk1"/>
@@ -7384,21 +7272,9 @@
                     <a:cs typeface="Times New Roman"/>
                     <a:sym typeface="Times New Roman"/>
                   </a:rPr>
-                  <a:t>по формуле</a:t>
+                  <a:t>Пересчет среднего балла осуществляется по формуле:</a:t>
                 </a:r>
-                <a:r>
-                  <a:rPr lang="ru-RU" sz="1500" b="1" dirty="0" smtClean="0">
-                    <a:solidFill>
-                      <a:schemeClr val="dk1"/>
-                    </a:solidFill>
-                    <a:latin typeface="Times New Roman"/>
-                    <a:ea typeface="Times New Roman"/>
-                    <a:cs typeface="Times New Roman"/>
-                    <a:sym typeface="Times New Roman"/>
-                  </a:rPr>
-                  <a:t>:</a:t>
-                </a:r>
-                <a:endParaRPr lang="en-US" sz="1500" b="1" dirty="0" smtClean="0">
+                <a:endParaRPr lang="en-US" sz="1500" b="1" dirty="0">
                   <a:solidFill>
                     <a:schemeClr val="dk1"/>
                   </a:solidFill>
@@ -7427,7 +7303,7 @@
                               <a:solidFill>
                                 <a:schemeClr val="dk1"/>
                               </a:solidFill>
-                              <a:latin typeface="Cambria Math"/>
+                              <a:latin typeface="Cambria Math" panose="02040503050406030204" pitchFamily="18" charset="0"/>
                               <a:cs typeface="Times New Roman"/>
                               <a:sym typeface="Times New Roman"/>
                             </a:rPr>
@@ -7478,7 +7354,7 @@
                               <a:solidFill>
                                 <a:schemeClr val="dk1"/>
                               </a:solidFill>
-                              <a:latin typeface="Cambria Math"/>
+                              <a:latin typeface="Cambria Math" panose="02040503050406030204" pitchFamily="18" charset="0"/>
                               <a:cs typeface="Times New Roman"/>
                               <a:sym typeface="Times New Roman"/>
                             </a:rPr>
@@ -7495,7 +7371,7 @@
                                   <a:solidFill>
                                     <a:schemeClr val="dk1"/>
                                   </a:solidFill>
-                                  <a:latin typeface="Cambria Math"/>
+                                  <a:latin typeface="Cambria Math" panose="02040503050406030204" pitchFamily="18" charset="0"/>
                                   <a:cs typeface="Times New Roman"/>
                                   <a:sym typeface="Times New Roman"/>
                                 </a:rPr>
@@ -7511,7 +7387,7 @@
                                       <a:solidFill>
                                         <a:schemeClr val="dk1"/>
                                       </a:solidFill>
-                                      <a:latin typeface="Cambria Math"/>
+                                      <a:latin typeface="Cambria Math" panose="02040503050406030204" pitchFamily="18" charset="0"/>
                                       <a:cs typeface="Times New Roman"/>
                                       <a:sym typeface="Times New Roman"/>
                                     </a:rPr>
@@ -7551,7 +7427,7 @@
                                       <a:solidFill>
                                         <a:schemeClr val="dk1"/>
                                       </a:solidFill>
-                                      <a:latin typeface="Cambria Math"/>
+                                      <a:latin typeface="Cambria Math" panose="02040503050406030204" pitchFamily="18" charset="0"/>
                                       <a:cs typeface="Times New Roman"/>
                                       <a:sym typeface="Times New Roman"/>
                                     </a:rPr>
@@ -7591,7 +7467,7 @@
                                       <a:solidFill>
                                         <a:schemeClr val="dk1"/>
                                       </a:solidFill>
-                                      <a:latin typeface="Cambria Math"/>
+                                      <a:latin typeface="Cambria Math" panose="02040503050406030204" pitchFamily="18" charset="0"/>
                                       <a:cs typeface="Times New Roman"/>
                                       <a:sym typeface="Times New Roman"/>
                                     </a:rPr>
@@ -7644,7 +7520,7 @@
                     </m:oMath>
                   </m:oMathPara>
                 </a14:m>
-                <a:endParaRPr lang="en-US" sz="1500" dirty="0" smtClean="0">
+                <a:endParaRPr lang="en-US" sz="1500" dirty="0">
                   <a:solidFill>
                     <a:schemeClr val="dk1"/>
                   </a:solidFill>
@@ -7670,19 +7546,7 @@
                     <a:cs typeface="Times New Roman"/>
                     <a:sym typeface="Times New Roman"/>
                   </a:rPr>
-                  <a:t>г</a:t>
-                </a:r>
-                <a:r>
-                  <a:rPr lang="ru-RU" sz="1500" dirty="0" smtClean="0">
-                    <a:solidFill>
-                      <a:schemeClr val="dk1"/>
-                    </a:solidFill>
-                    <a:latin typeface="Times New Roman"/>
-                    <a:ea typeface="Times New Roman"/>
-                    <a:cs typeface="Times New Roman"/>
-                    <a:sym typeface="Times New Roman"/>
-                  </a:rPr>
-                  <a:t>де  </a:t>
+                  <a:t>где  </a:t>
                 </a:r>
                 <a14:m>
                   <m:oMath xmlns:m="http://schemas.openxmlformats.org/officeDocument/2006/math">
@@ -7693,7 +7557,7 @@
                             <a:solidFill>
                               <a:schemeClr val="dk1"/>
                             </a:solidFill>
-                            <a:latin typeface="Cambria Math"/>
+                            <a:latin typeface="Cambria Math" panose="02040503050406030204" pitchFamily="18" charset="0"/>
                             <a:cs typeface="Times New Roman"/>
                             <a:sym typeface="Times New Roman"/>
                           </a:rPr>
@@ -7740,7 +7604,7 @@
                   </m:oMath>
                 </a14:m>
                 <a:r>
-                  <a:rPr lang="ru-RU" sz="1500" dirty="0" smtClean="0">
+                  <a:rPr lang="ru-RU" sz="1500" dirty="0">
                     <a:solidFill>
                       <a:schemeClr val="dk1"/>
                     </a:solidFill>
@@ -7752,7 +7616,7 @@
                   <a:t> средний балл в официальной группе</a:t>
                 </a:r>
                 <a:r>
-                  <a:rPr lang="en-US" sz="1500" dirty="0" smtClean="0">
+                  <a:rPr lang="en-US" sz="1500" dirty="0">
                     <a:solidFill>
                       <a:schemeClr val="dk1"/>
                     </a:solidFill>
@@ -7779,7 +7643,7 @@
                             <a:solidFill>
                               <a:schemeClr val="dk1"/>
                             </a:solidFill>
-                            <a:latin typeface="Cambria Math"/>
+                            <a:latin typeface="Cambria Math" panose="02040503050406030204" pitchFamily="18" charset="0"/>
                             <a:cs typeface="Times New Roman"/>
                             <a:sym typeface="Times New Roman"/>
                           </a:rPr>
@@ -7826,7 +7690,7 @@
                   </m:oMath>
                 </a14:m>
                 <a:r>
-                  <a:rPr lang="en-US" sz="1500" dirty="0" smtClean="0">
+                  <a:rPr lang="en-US" sz="1500" dirty="0">
                     <a:solidFill>
                       <a:schemeClr val="dk1"/>
                     </a:solidFill>
@@ -7838,7 +7702,7 @@
                   <a:t> </a:t>
                 </a:r>
                 <a:r>
-                  <a:rPr lang="ru-RU" sz="1500" dirty="0" smtClean="0">
+                  <a:rPr lang="ru-RU" sz="1500" dirty="0">
                     <a:solidFill>
                       <a:schemeClr val="dk1"/>
                     </a:solidFill>
@@ -7850,7 +7714,7 @@
                   <a:t>средний балл в </a:t>
                 </a:r>
                 <a:r>
-                  <a:rPr lang="en-US" sz="1500" dirty="0" err="1" smtClean="0">
+                  <a:rPr lang="en-US" sz="1500" dirty="0" err="1">
                     <a:solidFill>
                       <a:schemeClr val="dk1"/>
                     </a:solidFill>
@@ -7862,7 +7726,7 @@
                   <a:t>i</a:t>
                 </a:r>
                 <a:r>
-                  <a:rPr lang="en-US" sz="1500" dirty="0" smtClean="0">
+                  <a:rPr lang="en-US" sz="1500" dirty="0">
                     <a:solidFill>
                       <a:schemeClr val="dk1"/>
                     </a:solidFill>
@@ -7874,7 +7738,7 @@
                   <a:t>-</a:t>
                 </a:r>
                 <a:r>
-                  <a:rPr lang="ru-RU" sz="1500" dirty="0" smtClean="0">
+                  <a:rPr lang="ru-RU" sz="1500" dirty="0">
                     <a:solidFill>
                       <a:schemeClr val="dk1"/>
                     </a:solidFill>
@@ -7885,7 +7749,7 @@
                   </a:rPr>
                   <a:t>ой неофициальной группе.</a:t>
                 </a:r>
-                <a:endParaRPr lang="en-US" sz="1500" dirty="0" smtClean="0">
+                <a:endParaRPr lang="en-US" sz="1500" dirty="0">
                   <a:solidFill>
                     <a:schemeClr val="dk1"/>
                   </a:solidFill>
@@ -7964,7 +7828,7 @@
           <p:cNvPr id="11" name="Прямоугольник 10">
             <a:extLst>
               <a:ext uri="{FF2B5EF4-FFF2-40B4-BE49-F238E27FC236}">
-                <a16:creationId xmlns="" xmlns:a16="http://schemas.microsoft.com/office/drawing/2014/main" id="{DACAAD74-C56E-B645-9841-589359CF8D5A}"/>
+                <a16:creationId xmlns:a16="http://schemas.microsoft.com/office/drawing/2014/main" id="{DACAAD74-C56E-B645-9841-589359CF8D5A}"/>
               </a:ext>
             </a:extLst>
           </p:cNvPr>
@@ -8011,7 +7875,7 @@
           <p:cNvPr id="13" name="Прямоугольник 12">
             <a:extLst>
               <a:ext uri="{FF2B5EF4-FFF2-40B4-BE49-F238E27FC236}">
-                <a16:creationId xmlns="" xmlns:a16="http://schemas.microsoft.com/office/drawing/2014/main" id="{1DCCC4E3-E67D-CC4F-AD64-4D203A7913A9}"/>
+                <a16:creationId xmlns:a16="http://schemas.microsoft.com/office/drawing/2014/main" id="{1DCCC4E3-E67D-CC4F-AD64-4D203A7913A9}"/>
               </a:ext>
             </a:extLst>
           </p:cNvPr>
@@ -8058,7 +7922,7 @@
           <p:cNvPr id="15" name="Прямоугольник 14">
             <a:extLst>
               <a:ext uri="{FF2B5EF4-FFF2-40B4-BE49-F238E27FC236}">
-                <a16:creationId xmlns="" xmlns:a16="http://schemas.microsoft.com/office/drawing/2014/main" id="{331D2E6B-CC26-9441-9A78-49FE015B4A9D}"/>
+                <a16:creationId xmlns:a16="http://schemas.microsoft.com/office/drawing/2014/main" id="{331D2E6B-CC26-9441-9A78-49FE015B4A9D}"/>
               </a:ext>
             </a:extLst>
           </p:cNvPr>
@@ -8105,7 +7969,7 @@
           <p:cNvPr id="10" name="Номер слайда 9">
             <a:extLst>
               <a:ext uri="{FF2B5EF4-FFF2-40B4-BE49-F238E27FC236}">
-                <a16:creationId xmlns="" xmlns:a16="http://schemas.microsoft.com/office/drawing/2014/main" id="{52E63E1F-7139-6148-BDC5-0A52DA52426F}"/>
+                <a16:creationId xmlns:a16="http://schemas.microsoft.com/office/drawing/2014/main" id="{52E63E1F-7139-6148-BDC5-0A52DA52426F}"/>
               </a:ext>
             </a:extLst>
           </p:cNvPr>
@@ -8135,7 +7999,7 @@
           <p:cNvPr id="16" name="Прямоугольник 15">
             <a:extLst>
               <a:ext uri="{FF2B5EF4-FFF2-40B4-BE49-F238E27FC236}">
-                <a16:creationId xmlns="" xmlns:a16="http://schemas.microsoft.com/office/drawing/2014/main" id="{DACAAD74-C56E-B645-9841-589359CF8D5A}"/>
+                <a16:creationId xmlns:a16="http://schemas.microsoft.com/office/drawing/2014/main" id="{DACAAD74-C56E-B645-9841-589359CF8D5A}"/>
               </a:ext>
             </a:extLst>
           </p:cNvPr>
@@ -8163,7 +8027,7 @@
               </a:lnSpc>
             </a:pPr>
             <a:r>
-              <a:rPr lang="ru-RU" sz="1500" b="1" dirty="0" smtClean="0">
+              <a:rPr lang="ru-RU" sz="1500" b="1" dirty="0">
                 <a:solidFill>
                   <a:schemeClr val="dk1"/>
                 </a:solidFill>
@@ -8175,7 +8039,7 @@
               <a:t>Геология                </a:t>
             </a:r>
             <a:r>
-              <a:rPr lang="ru-RU" sz="1500" dirty="0" smtClean="0">
+              <a:rPr lang="ru-RU" sz="1500" dirty="0">
                 <a:solidFill>
                   <a:schemeClr val="dk1"/>
                 </a:solidFill>
@@ -8187,7 +8051,7 @@
               <a:t>21.05.01. Прикладная геодезия</a:t>
             </a:r>
             <a:r>
-              <a:rPr lang="en-US" sz="1500" dirty="0" smtClean="0">
+              <a:rPr lang="en-US" sz="1500" dirty="0">
                 <a:solidFill>
                   <a:schemeClr val="dk1"/>
                 </a:solidFill>
@@ -8198,7 +8062,7 @@
               </a:rPr>
               <a:t>;</a:t>
             </a:r>
-            <a:endParaRPr lang="ru-RU" sz="1500" dirty="0" smtClean="0">
+            <a:endParaRPr lang="ru-RU" sz="1500" dirty="0">
               <a:solidFill>
                 <a:schemeClr val="dk1"/>
               </a:solidFill>
@@ -8224,31 +8088,7 @@
                 <a:cs typeface="Times New Roman"/>
                 <a:sym typeface="Times New Roman"/>
               </a:rPr>
-              <a:t>	            </a:t>
-            </a:r>
-            <a:r>
-              <a:rPr lang="ru-RU" sz="1500" b="1" dirty="0" smtClean="0">
-                <a:solidFill>
-                  <a:schemeClr val="dk1"/>
-                </a:solidFill>
-                <a:latin typeface="Times New Roman"/>
-                <a:ea typeface="Times New Roman"/>
-                <a:cs typeface="Times New Roman"/>
-                <a:sym typeface="Times New Roman"/>
-              </a:rPr>
-              <a:t> </a:t>
-            </a:r>
-            <a:r>
-              <a:rPr lang="ru-RU" sz="1500" dirty="0" smtClean="0">
-                <a:solidFill>
-                  <a:schemeClr val="dk1"/>
-                </a:solidFill>
-                <a:latin typeface="Times New Roman"/>
-                <a:ea typeface="Times New Roman"/>
-                <a:cs typeface="Times New Roman"/>
-                <a:sym typeface="Times New Roman"/>
-              </a:rPr>
-              <a:t>05.03.01</a:t>
+              <a:t>	             </a:t>
             </a:r>
             <a:r>
               <a:rPr lang="ru-RU" sz="1500" dirty="0">
@@ -8260,10 +8100,10 @@
                 <a:cs typeface="Times New Roman"/>
                 <a:sym typeface="Times New Roman"/>
               </a:rPr>
-              <a:t>. Геология</a:t>
-            </a:r>
-            <a:r>
-              <a:rPr lang="en-US" sz="1500" dirty="0" smtClean="0">
+              <a:t>05.03.01. Геология</a:t>
+            </a:r>
+            <a:r>
+              <a:rPr lang="en-US" sz="1500" dirty="0">
                 <a:solidFill>
                   <a:schemeClr val="dk1"/>
                 </a:solidFill>
@@ -8287,7 +8127,7 @@
               <a:t> 	             </a:t>
             </a:r>
             <a:r>
-              <a:rPr lang="en-US" sz="1500" b="1" dirty="0" smtClean="0">
+              <a:rPr lang="en-US" sz="1500" b="1" dirty="0">
                 <a:solidFill>
                   <a:schemeClr val="dk1"/>
                 </a:solidFill>
@@ -8299,7 +8139,7 @@
               <a:t>		             </a:t>
             </a:r>
             <a:r>
-              <a:rPr lang="ru-RU" sz="1500" b="1" dirty="0" smtClean="0">
+              <a:rPr lang="ru-RU" sz="1500" b="1" dirty="0">
                 <a:solidFill>
                   <a:schemeClr val="dk1"/>
                 </a:solidFill>
@@ -8311,7 +8151,7 @@
               <a:t>	             </a:t>
             </a:r>
             <a:r>
-              <a:rPr lang="ru-RU" sz="1500" dirty="0" smtClean="0">
+              <a:rPr lang="ru-RU" sz="1500" dirty="0">
                 <a:solidFill>
                   <a:schemeClr val="dk1"/>
                 </a:solidFill>
@@ -8363,7 +8203,7 @@
               <a:t>	             </a:t>
             </a:r>
             <a:r>
-              <a:rPr lang="ru-RU" sz="1500" dirty="0" smtClean="0">
+              <a:rPr lang="ru-RU" sz="1500" dirty="0">
                 <a:solidFill>
                   <a:schemeClr val="dk1"/>
                 </a:solidFill>
@@ -8375,7 +8215,7 @@
               <a:t>21.05.03. Технология геологической разведки</a:t>
             </a:r>
             <a:r>
-              <a:rPr lang="en-US" sz="1500" dirty="0" smtClean="0">
+              <a:rPr lang="en-US" sz="1500" dirty="0">
                 <a:solidFill>
                   <a:schemeClr val="dk1"/>
                 </a:solidFill>
@@ -8415,18 +8255,6 @@
               <a:t>	             </a:t>
             </a:r>
             <a:r>
-              <a:rPr lang="ru-RU" sz="1500" dirty="0" smtClean="0">
-                <a:solidFill>
-                  <a:schemeClr val="dk1"/>
-                </a:solidFill>
-                <a:latin typeface="Times New Roman"/>
-                <a:ea typeface="Times New Roman"/>
-                <a:cs typeface="Times New Roman"/>
-                <a:sym typeface="Times New Roman"/>
-              </a:rPr>
-              <a:t>21.05.04. Горное дело</a:t>
-            </a:r>
-            <a:r>
               <a:rPr lang="ru-RU" sz="1500" dirty="0">
                 <a:solidFill>
                   <a:schemeClr val="dk1"/>
@@ -8436,7 +8264,7 @@
                 <a:cs typeface="Times New Roman"/>
                 <a:sym typeface="Times New Roman"/>
               </a:rPr>
-              <a:t>.</a:t>
+              <a:t>21.05.04. Горное дело.</a:t>
             </a:r>
             <a:endParaRPr lang="ru-RU" sz="1500" b="1" dirty="0">
               <a:solidFill>
@@ -8476,13 +8304,6 @@
   <p:clrMapOvr>
     <a:masterClrMapping/>
   </p:clrMapOvr>
-  <p:timing>
-    <p:tnLst>
-      <p:par>
-        <p:cTn id="1" dur="indefinite" restart="never" nodeType="tmRoot"/>
-      </p:par>
-    </p:tnLst>
-  </p:timing>
 </p:sld>
 </file>
 
@@ -8524,10 +8345,9 @@
           <a:lstStyle/>
           <a:p>
             <a:r>
-              <a:rPr lang="ru-RU" dirty="0" smtClean="0"/>
+              <a:rPr lang="ru-RU" dirty="0"/>
               <a:t>Характеристика агента</a:t>
             </a:r>
-            <a:endParaRPr lang="ru-RU" dirty="0"/>
           </a:p>
         </p:txBody>
       </p:sp>
@@ -8536,7 +8356,7 @@
           <p:cNvPr id="17" name="Номер слайда 16">
             <a:extLst>
               <a:ext uri="{FF2B5EF4-FFF2-40B4-BE49-F238E27FC236}">
-                <a16:creationId xmlns="" xmlns:a16="http://schemas.microsoft.com/office/drawing/2014/main" id="{8F47E49C-C9F8-9540-B784-88368653FDE4}"/>
+                <a16:creationId xmlns:a16="http://schemas.microsoft.com/office/drawing/2014/main" id="{8F47E49C-C9F8-9540-B784-88368653FDE4}"/>
               </a:ext>
             </a:extLst>
           </p:cNvPr>
@@ -8587,7 +8407,7 @@
               <a:buNone/>
             </a:pPr>
             <a:r>
-              <a:rPr lang="ru-RU" sz="1700" dirty="0" smtClean="0">
+              <a:rPr lang="ru-RU" sz="1700" dirty="0">
                 <a:latin typeface="Times New Roman" panose="02020603050405020304" pitchFamily="18" charset="0"/>
                 <a:cs typeface="Times New Roman" panose="02020603050405020304" pitchFamily="18" charset="0"/>
               </a:rPr>
@@ -8599,7 +8419,7 @@
               <a:buNone/>
             </a:pPr>
             <a:r>
-              <a:rPr lang="ru-RU" sz="1700" dirty="0" smtClean="0">
+              <a:rPr lang="ru-RU" sz="1700" dirty="0">
                 <a:latin typeface="Times New Roman" panose="02020603050405020304" pitchFamily="18" charset="0"/>
                 <a:cs typeface="Times New Roman" panose="02020603050405020304" pitchFamily="18" charset="0"/>
               </a:rPr>
@@ -8611,7 +8431,7 @@
               <a:buNone/>
             </a:pPr>
             <a:r>
-              <a:rPr lang="ru-RU" sz="1700" dirty="0" smtClean="0">
+              <a:rPr lang="ru-RU" sz="1700" dirty="0">
                 <a:latin typeface="Times New Roman" panose="02020603050405020304" pitchFamily="18" charset="0"/>
                 <a:cs typeface="Times New Roman" panose="02020603050405020304" pitchFamily="18" charset="0"/>
               </a:rPr>
@@ -8622,7 +8442,7 @@
             <a:pPr>
               <a:buNone/>
             </a:pPr>
-            <a:endParaRPr lang="ru-RU" sz="1700" dirty="0" smtClean="0">
+            <a:endParaRPr lang="ru-RU" sz="1700" dirty="0">
               <a:latin typeface="Times New Roman" panose="02020603050405020304" pitchFamily="18" charset="0"/>
               <a:cs typeface="Times New Roman" panose="02020603050405020304" pitchFamily="18" charset="0"/>
             </a:endParaRPr>
@@ -8632,7 +8452,7 @@
               <a:buNone/>
             </a:pPr>
             <a:r>
-              <a:rPr lang="ru-RU" sz="1700" dirty="0" smtClean="0">
+              <a:rPr lang="ru-RU" sz="1700" dirty="0">
                 <a:latin typeface="Times New Roman" panose="02020603050405020304" pitchFamily="18" charset="0"/>
                 <a:cs typeface="Times New Roman" panose="02020603050405020304" pitchFamily="18" charset="0"/>
               </a:rPr>
@@ -8644,7 +8464,7 @@
               <a:buNone/>
             </a:pPr>
             <a:r>
-              <a:rPr lang="ru-RU" sz="1700" dirty="0" smtClean="0">
+              <a:rPr lang="ru-RU" sz="1700" dirty="0">
                 <a:latin typeface="Times New Roman" panose="02020603050405020304" pitchFamily="18" charset="0"/>
                 <a:cs typeface="Times New Roman" panose="02020603050405020304" pitchFamily="18" charset="0"/>
               </a:rPr>
@@ -8653,7 +8473,7 @@
           </a:p>
           <a:p>
             <a:r>
-              <a:rPr lang="ru-RU" sz="1700" dirty="0" smtClean="0">
+              <a:rPr lang="ru-RU" sz="1700" dirty="0">
                 <a:latin typeface="Times New Roman" panose="02020603050405020304" pitchFamily="18" charset="0"/>
                 <a:cs typeface="Times New Roman" panose="02020603050405020304" pitchFamily="18" charset="0"/>
               </a:rPr>
@@ -8665,7 +8485,7 @@
               <a:buNone/>
             </a:pPr>
             <a:r>
-              <a:rPr lang="ru-RU" sz="1700" dirty="0" smtClean="0">
+              <a:rPr lang="ru-RU" sz="1700" dirty="0">
                 <a:latin typeface="Times New Roman" panose="02020603050405020304" pitchFamily="18" charset="0"/>
                 <a:cs typeface="Times New Roman" panose="02020603050405020304" pitchFamily="18" charset="0"/>
               </a:rPr>
@@ -8674,7 +8494,7 @@
           </a:p>
           <a:p>
             <a:r>
-              <a:rPr lang="ru-RU" sz="1700" dirty="0" smtClean="0">
+              <a:rPr lang="ru-RU" sz="1700" dirty="0">
                 <a:latin typeface="Times New Roman" panose="02020603050405020304" pitchFamily="18" charset="0"/>
                 <a:cs typeface="Times New Roman" panose="02020603050405020304" pitchFamily="18" charset="0"/>
               </a:rPr>
@@ -8683,12 +8503,17 @@
           </a:p>
           <a:p>
             <a:r>
-              <a:rPr lang="ru-RU" sz="1700" dirty="0" smtClean="0">
+              <a:rPr lang="ru-RU" sz="1700" dirty="0">
                 <a:latin typeface="Times New Roman" panose="02020603050405020304" pitchFamily="18" charset="0"/>
                 <a:cs typeface="Times New Roman" panose="02020603050405020304" pitchFamily="18" charset="0"/>
               </a:rPr>
               <a:t>Нормальному закону в интервале от 81 до 100.</a:t>
             </a:r>
+          </a:p>
+          <a:p>
+            <a:pPr>
+              <a:buNone/>
+            </a:pPr>
             <a:endParaRPr lang="ru-RU" sz="1700" dirty="0">
               <a:latin typeface="Times New Roman" panose="02020603050405020304" pitchFamily="18" charset="0"/>
               <a:cs typeface="Times New Roman" panose="02020603050405020304" pitchFamily="18" charset="0"/>
@@ -8698,16 +8523,7 @@
             <a:pPr>
               <a:buNone/>
             </a:pPr>
-            <a:endParaRPr lang="ru-RU" sz="1700" dirty="0" smtClean="0">
-              <a:latin typeface="Times New Roman" panose="02020603050405020304" pitchFamily="18" charset="0"/>
-              <a:cs typeface="Times New Roman" panose="02020603050405020304" pitchFamily="18" charset="0"/>
-            </a:endParaRPr>
-          </a:p>
-          <a:p>
-            <a:pPr>
-              <a:buNone/>
-            </a:pPr>
-            <a:endParaRPr lang="ru-RU" sz="1700" dirty="0" smtClean="0">
+            <a:endParaRPr lang="ru-RU" sz="1700" dirty="0">
               <a:latin typeface="Times New Roman" panose="02020603050405020304" pitchFamily="18" charset="0"/>
               <a:cs typeface="Times New Roman" panose="02020603050405020304" pitchFamily="18" charset="0"/>
             </a:endParaRPr>
@@ -8765,13 +8581,6 @@
   <p:clrMapOvr>
     <a:masterClrMapping/>
   </p:clrMapOvr>
-  <p:timing>
-    <p:tnLst>
-      <p:par>
-        <p:cTn id="1" dur="indefinite" restart="never" nodeType="tmRoot"/>
-      </p:par>
-    </p:tnLst>
-  </p:timing>
 </p:sld>
 </file>
 
@@ -9030,7 +8839,7 @@
   <a:extraClrSchemeLst/>
   <a:extLst>
     <a:ext uri="{05A4C25C-085E-4340-85A3-A5531E510DB2}">
-      <thm15:themeFamily xmlns="" xmlns:thm15="http://schemas.microsoft.com/office/thememl/2012/main" name="Office Theme" id="{62F939B6-93AF-4DB8-9C6B-D6C7DFDC589F}" vid="{4A3C46E8-61CC-4603-A589-7422A47A8E4A}"/>
+      <thm15:themeFamily xmlns:thm15="http://schemas.microsoft.com/office/thememl/2012/main" name="Office Theme" id="{62F939B6-93AF-4DB8-9C6B-D6C7DFDC589F}" vid="{4A3C46E8-61CC-4603-A589-7422A47A8E4A}"/>
     </a:ext>
   </a:extLst>
 </a:theme>
@@ -9325,7 +9134,7 @@
   <a:extraClrSchemeLst/>
   <a:extLst>
     <a:ext uri="{05A4C25C-085E-4340-85A3-A5531E510DB2}">
-      <thm15:themeFamily xmlns="" xmlns:thm15="http://schemas.microsoft.com/office/thememl/2012/main" name="Office Theme" id="{62F939B6-93AF-4DB8-9C6B-D6C7DFDC589F}" vid="{4A3C46E8-61CC-4603-A589-7422A47A8E4A}"/>
+      <thm15:themeFamily xmlns:thm15="http://schemas.microsoft.com/office/thememl/2012/main" name="Office Theme" id="{62F939B6-93AF-4DB8-9C6B-D6C7DFDC589F}" vid="{4A3C46E8-61CC-4603-A589-7422A47A8E4A}"/>
     </a:ext>
   </a:extLst>
 </a:theme>
